--- a/02_Command_line/Madagascar-command_line-vim.pptx
+++ b/02_Command_line/Madagascar-command_line-vim.pptx
@@ -1,28 +1,139 @@
 
 <file path=ppt/presentation.xml><?xml version="1.0" encoding="utf-8"?>
-<p:presentation xmlns:a="http://schemas.openxmlformats.org/drawingml/2006/main" xmlns:p="http://schemas.openxmlformats.org/presentationml/2006/main" xmlns:r="http://schemas.openxmlformats.org/officeDocument/2006/relationships" xmlns:p14="http://schemas.microsoft.com/office/powerpoint/2010/main" xmlns:p15="http://schemas.microsoft.com/office/powerpoint/2012/main" xmlns:mc="http://schemas.openxmlformats.org/markup-compatibility/2006">
+<p:presentation xmlns:a="http://schemas.openxmlformats.org/drawingml/2006/main" xmlns:r="http://schemas.openxmlformats.org/officeDocument/2006/relationships" xmlns:p="http://schemas.openxmlformats.org/presentationml/2006/main">
   <p:sldMasterIdLst>
-    <p:sldMasterId id="2147483648" r:id="rId2"/>
-    <p:sldMasterId id="2147483661" r:id="rId3"/>
-    <p:sldMasterId id="2147483674" r:id="rId4"/>
-    <p:sldMasterId id="2147483687" r:id="rId5"/>
+    <p:sldMasterId id="2147483648" r:id="rId1"/>
+    <p:sldMasterId id="2147483661" r:id="rId2"/>
+    <p:sldMasterId id="2147483674" r:id="rId3"/>
+    <p:sldMasterId id="2147483687" r:id="rId4"/>
   </p:sldMasterIdLst>
   <p:sldIdLst>
-    <p:sldId id="256" r:id="rId6"/>
-    <p:sldId id="257" r:id="rId7"/>
-    <p:sldId id="258" r:id="rId8"/>
-    <p:sldId id="259" r:id="rId9"/>
-    <p:sldId id="260" r:id="rId10"/>
-    <p:sldId id="261" r:id="rId11"/>
-    <p:sldId id="262" r:id="rId12"/>
+    <p:sldId id="256" r:id="rId5"/>
+    <p:sldId id="257" r:id="rId6"/>
+    <p:sldId id="258" r:id="rId7"/>
+    <p:sldId id="259" r:id="rId8"/>
+    <p:sldId id="260" r:id="rId9"/>
+    <p:sldId id="261" r:id="rId10"/>
+    <p:sldId id="262" r:id="rId11"/>
   </p:sldIdLst>
-  <p:sldSz cx="9144000" cy="6858000"/>
+  <p:sldSz cx="9144000" cy="6858000" type="screen4x3"/>
   <p:notesSz cx="7772400" cy="10058400"/>
+  <p:defaultTextStyle>
+    <a:defPPr>
+      <a:defRPr lang="en-US"/>
+    </a:defPPr>
+    <a:lvl1pPr marL="0" algn="l" defTabSz="914400" rtl="0" eaLnBrk="1" latinLnBrk="0" hangingPunct="1">
+      <a:defRPr sz="1800" kern="1200">
+        <a:solidFill>
+          <a:schemeClr val="tx1"/>
+        </a:solidFill>
+        <a:latin typeface="+mn-lt"/>
+        <a:ea typeface="+mn-ea"/>
+        <a:cs typeface="+mn-cs"/>
+      </a:defRPr>
+    </a:lvl1pPr>
+    <a:lvl2pPr marL="457200" algn="l" defTabSz="914400" rtl="0" eaLnBrk="1" latinLnBrk="0" hangingPunct="1">
+      <a:defRPr sz="1800" kern="1200">
+        <a:solidFill>
+          <a:schemeClr val="tx1"/>
+        </a:solidFill>
+        <a:latin typeface="+mn-lt"/>
+        <a:ea typeface="+mn-ea"/>
+        <a:cs typeface="+mn-cs"/>
+      </a:defRPr>
+    </a:lvl2pPr>
+    <a:lvl3pPr marL="914400" algn="l" defTabSz="914400" rtl="0" eaLnBrk="1" latinLnBrk="0" hangingPunct="1">
+      <a:defRPr sz="1800" kern="1200">
+        <a:solidFill>
+          <a:schemeClr val="tx1"/>
+        </a:solidFill>
+        <a:latin typeface="+mn-lt"/>
+        <a:ea typeface="+mn-ea"/>
+        <a:cs typeface="+mn-cs"/>
+      </a:defRPr>
+    </a:lvl3pPr>
+    <a:lvl4pPr marL="1371600" algn="l" defTabSz="914400" rtl="0" eaLnBrk="1" latinLnBrk="0" hangingPunct="1">
+      <a:defRPr sz="1800" kern="1200">
+        <a:solidFill>
+          <a:schemeClr val="tx1"/>
+        </a:solidFill>
+        <a:latin typeface="+mn-lt"/>
+        <a:ea typeface="+mn-ea"/>
+        <a:cs typeface="+mn-cs"/>
+      </a:defRPr>
+    </a:lvl4pPr>
+    <a:lvl5pPr marL="1828800" algn="l" defTabSz="914400" rtl="0" eaLnBrk="1" latinLnBrk="0" hangingPunct="1">
+      <a:defRPr sz="1800" kern="1200">
+        <a:solidFill>
+          <a:schemeClr val="tx1"/>
+        </a:solidFill>
+        <a:latin typeface="+mn-lt"/>
+        <a:ea typeface="+mn-ea"/>
+        <a:cs typeface="+mn-cs"/>
+      </a:defRPr>
+    </a:lvl5pPr>
+    <a:lvl6pPr marL="2286000" algn="l" defTabSz="914400" rtl="0" eaLnBrk="1" latinLnBrk="0" hangingPunct="1">
+      <a:defRPr sz="1800" kern="1200">
+        <a:solidFill>
+          <a:schemeClr val="tx1"/>
+        </a:solidFill>
+        <a:latin typeface="+mn-lt"/>
+        <a:ea typeface="+mn-ea"/>
+        <a:cs typeface="+mn-cs"/>
+      </a:defRPr>
+    </a:lvl6pPr>
+    <a:lvl7pPr marL="2743200" algn="l" defTabSz="914400" rtl="0" eaLnBrk="1" latinLnBrk="0" hangingPunct="1">
+      <a:defRPr sz="1800" kern="1200">
+        <a:solidFill>
+          <a:schemeClr val="tx1"/>
+        </a:solidFill>
+        <a:latin typeface="+mn-lt"/>
+        <a:ea typeface="+mn-ea"/>
+        <a:cs typeface="+mn-cs"/>
+      </a:defRPr>
+    </a:lvl7pPr>
+    <a:lvl8pPr marL="3200400" algn="l" defTabSz="914400" rtl="0" eaLnBrk="1" latinLnBrk="0" hangingPunct="1">
+      <a:defRPr sz="1800" kern="1200">
+        <a:solidFill>
+          <a:schemeClr val="tx1"/>
+        </a:solidFill>
+        <a:latin typeface="+mn-lt"/>
+        <a:ea typeface="+mn-ea"/>
+        <a:cs typeface="+mn-cs"/>
+      </a:defRPr>
+    </a:lvl8pPr>
+    <a:lvl9pPr marL="3657600" algn="l" defTabSz="914400" rtl="0" eaLnBrk="1" latinLnBrk="0" hangingPunct="1">
+      <a:defRPr sz="1800" kern="1200">
+        <a:solidFill>
+          <a:schemeClr val="tx1"/>
+        </a:solidFill>
+        <a:latin typeface="+mn-lt"/>
+        <a:ea typeface="+mn-ea"/>
+        <a:cs typeface="+mn-cs"/>
+      </a:defRPr>
+    </a:lvl9pPr>
+  </p:defaultTextStyle>
+  <p:extLst>
+    <p:ext uri="{EFAFB233-063F-42B5-8137-9DF3F51BA10A}">
+      <p15:sldGuideLst xmlns:p15="http://schemas.microsoft.com/office/powerpoint/2012/main">
+        <p15:guide id="1" orient="horz" pos="2160" userDrawn="1">
+          <p15:clr>
+            <a:srgbClr val="A4A3A4"/>
+          </p15:clr>
+        </p15:guide>
+        <p15:guide id="2" pos="2880" userDrawn="1">
+          <p15:clr>
+            <a:srgbClr val="A4A3A4"/>
+          </p15:clr>
+        </p15:guide>
+      </p15:sldGuideLst>
+    </p:ext>
+  </p:extLst>
 </p:presentation>
 </file>
 
 <file path=ppt/slideLayouts/slideLayout1.xml><?xml version="1.0" encoding="utf-8"?>
-<p:sldLayout xmlns:a="http://schemas.openxmlformats.org/drawingml/2006/main" xmlns:p="http://schemas.openxmlformats.org/presentationml/2006/main" xmlns:r="http://schemas.openxmlformats.org/officeDocument/2006/relationships" xmlns:p14="http://schemas.microsoft.com/office/powerpoint/2010/main" xmlns:p15="http://schemas.microsoft.com/office/powerpoint/2012/main" xmlns:mc="http://schemas.openxmlformats.org/markup-compatibility/2006" type="blank" preserve="1">
+<p:sldLayout xmlns:a="http://schemas.openxmlformats.org/drawingml/2006/main" xmlns:r="http://schemas.openxmlformats.org/officeDocument/2006/relationships" xmlns:p="http://schemas.openxmlformats.org/presentationml/2006/main" type="blank" preserve="1">
   <p:cSld name="Blank Slide">
     <p:spTree>
       <p:nvGrpSpPr>
@@ -40,11 +151,14 @@
       </p:grpSpPr>
     </p:spTree>
   </p:cSld>
+  <p:clrMapOvr>
+    <a:masterClrMapping/>
+  </p:clrMapOvr>
 </p:sldLayout>
 </file>
 
 <file path=ppt/slideLayouts/slideLayout10.xml><?xml version="1.0" encoding="utf-8"?>
-<p:sldLayout xmlns:a="http://schemas.openxmlformats.org/drawingml/2006/main" xmlns:p="http://schemas.openxmlformats.org/presentationml/2006/main" xmlns:r="http://schemas.openxmlformats.org/officeDocument/2006/relationships" xmlns:p14="http://schemas.microsoft.com/office/powerpoint/2010/main" xmlns:p15="http://schemas.microsoft.com/office/powerpoint/2012/main" xmlns:mc="http://schemas.openxmlformats.org/markup-compatibility/2006" type="objOverTx" preserve="1">
+<p:sldLayout xmlns:a="http://schemas.openxmlformats.org/drawingml/2006/main" xmlns:r="http://schemas.openxmlformats.org/officeDocument/2006/relationships" xmlns:p="http://schemas.openxmlformats.org/presentationml/2006/main" type="objOverTx" preserve="1">
   <p:cSld name="Title, Content over Content">
     <p:spTree>
       <p:nvGrpSpPr>
@@ -80,10 +194,11 @@
           </a:prstGeom>
         </p:spPr>
         <p:txBody>
-          <a:bodyPr lIns="0" rIns="0" tIns="0" bIns="0" anchor="ctr"/>
+          <a:bodyPr lIns="0" tIns="0" rIns="0" bIns="0" anchor="ctr"/>
+          <a:lstStyle/>
           <a:p>
             <a:pPr algn="ctr"/>
-            <a:endParaRPr b="0" lang="en-US" sz="4400" spc="-1" strike="noStrike">
+            <a:endParaRPr lang="en-US" sz="4400" b="0" strike="noStrike" spc="-1">
               <a:latin typeface="Arial"/>
             </a:endParaRPr>
           </a:p>
@@ -109,11 +224,12 @@
           </a:prstGeom>
         </p:spPr>
         <p:txBody>
-          <a:bodyPr lIns="0" rIns="0" tIns="0" bIns="0">
+          <a:bodyPr lIns="0" tIns="0" rIns="0" bIns="0">
             <a:normAutofit/>
           </a:bodyPr>
-          <a:p>
-            <a:endParaRPr b="0" lang="en-US" sz="3200" spc="-1" strike="noStrike">
+          <a:lstStyle/>
+          <a:p>
+            <a:endParaRPr lang="en-US" sz="3200" b="0" strike="noStrike" spc="-1">
               <a:latin typeface="Arial"/>
             </a:endParaRPr>
           </a:p>
@@ -139,11 +255,12 @@
           </a:prstGeom>
         </p:spPr>
         <p:txBody>
-          <a:bodyPr lIns="0" rIns="0" tIns="0" bIns="0">
+          <a:bodyPr lIns="0" tIns="0" rIns="0" bIns="0">
             <a:normAutofit/>
           </a:bodyPr>
-          <a:p>
-            <a:endParaRPr b="0" lang="en-US" sz="3200" spc="-1" strike="noStrike">
+          <a:lstStyle/>
+          <a:p>
+            <a:endParaRPr lang="en-US" sz="3200" b="0" strike="noStrike" spc="-1">
               <a:latin typeface="Arial"/>
             </a:endParaRPr>
           </a:p>
@@ -151,11 +268,14 @@
       </p:sp>
     </p:spTree>
   </p:cSld>
+  <p:clrMapOvr>
+    <a:masterClrMapping/>
+  </p:clrMapOvr>
 </p:sldLayout>
 </file>
 
 <file path=ppt/slideLayouts/slideLayout11.xml><?xml version="1.0" encoding="utf-8"?>
-<p:sldLayout xmlns:a="http://schemas.openxmlformats.org/drawingml/2006/main" xmlns:p="http://schemas.openxmlformats.org/presentationml/2006/main" xmlns:r="http://schemas.openxmlformats.org/officeDocument/2006/relationships" xmlns:p14="http://schemas.microsoft.com/office/powerpoint/2010/main" xmlns:p15="http://schemas.microsoft.com/office/powerpoint/2012/main" xmlns:mc="http://schemas.openxmlformats.org/markup-compatibility/2006" type="fourObj" preserve="1">
+<p:sldLayout xmlns:a="http://schemas.openxmlformats.org/drawingml/2006/main" xmlns:r="http://schemas.openxmlformats.org/officeDocument/2006/relationships" xmlns:p="http://schemas.openxmlformats.org/presentationml/2006/main" type="fourObj" preserve="1">
   <p:cSld name="Title, 4 Content">
     <p:spTree>
       <p:nvGrpSpPr>
@@ -191,10 +311,11 @@
           </a:prstGeom>
         </p:spPr>
         <p:txBody>
-          <a:bodyPr lIns="0" rIns="0" tIns="0" bIns="0" anchor="ctr"/>
+          <a:bodyPr lIns="0" tIns="0" rIns="0" bIns="0" anchor="ctr"/>
+          <a:lstStyle/>
           <a:p>
             <a:pPr algn="ctr"/>
-            <a:endParaRPr b="0" lang="en-US" sz="4400" spc="-1" strike="noStrike">
+            <a:endParaRPr lang="en-US" sz="4400" b="0" strike="noStrike" spc="-1">
               <a:latin typeface="Arial"/>
             </a:endParaRPr>
           </a:p>
@@ -220,11 +341,12 @@
           </a:prstGeom>
         </p:spPr>
         <p:txBody>
-          <a:bodyPr lIns="0" rIns="0" tIns="0" bIns="0">
+          <a:bodyPr lIns="0" tIns="0" rIns="0" bIns="0">
             <a:normAutofit/>
           </a:bodyPr>
-          <a:p>
-            <a:endParaRPr b="0" lang="en-US" sz="3200" spc="-1" strike="noStrike">
+          <a:lstStyle/>
+          <a:p>
+            <a:endParaRPr lang="en-US" sz="3200" b="0" strike="noStrike" spc="-1">
               <a:latin typeface="Arial"/>
             </a:endParaRPr>
           </a:p>
@@ -250,11 +372,12 @@
           </a:prstGeom>
         </p:spPr>
         <p:txBody>
-          <a:bodyPr lIns="0" rIns="0" tIns="0" bIns="0">
+          <a:bodyPr lIns="0" tIns="0" rIns="0" bIns="0">
             <a:normAutofit/>
           </a:bodyPr>
-          <a:p>
-            <a:endParaRPr b="0" lang="en-US" sz="3200" spc="-1" strike="noStrike">
+          <a:lstStyle/>
+          <a:p>
+            <a:endParaRPr lang="en-US" sz="3200" b="0" strike="noStrike" spc="-1">
               <a:latin typeface="Arial"/>
             </a:endParaRPr>
           </a:p>
@@ -280,11 +403,12 @@
           </a:prstGeom>
         </p:spPr>
         <p:txBody>
-          <a:bodyPr lIns="0" rIns="0" tIns="0" bIns="0">
+          <a:bodyPr lIns="0" tIns="0" rIns="0" bIns="0">
             <a:normAutofit/>
           </a:bodyPr>
-          <a:p>
-            <a:endParaRPr b="0" lang="en-US" sz="3200" spc="-1" strike="noStrike">
+          <a:lstStyle/>
+          <a:p>
+            <a:endParaRPr lang="en-US" sz="3200" b="0" strike="noStrike" spc="-1">
               <a:latin typeface="Arial"/>
             </a:endParaRPr>
           </a:p>
@@ -310,11 +434,12 @@
           </a:prstGeom>
         </p:spPr>
         <p:txBody>
-          <a:bodyPr lIns="0" rIns="0" tIns="0" bIns="0">
+          <a:bodyPr lIns="0" tIns="0" rIns="0" bIns="0">
             <a:normAutofit/>
           </a:bodyPr>
-          <a:p>
-            <a:endParaRPr b="0" lang="en-US" sz="3200" spc="-1" strike="noStrike">
+          <a:lstStyle/>
+          <a:p>
+            <a:endParaRPr lang="en-US" sz="3200" b="0" strike="noStrike" spc="-1">
               <a:latin typeface="Arial"/>
             </a:endParaRPr>
           </a:p>
@@ -322,11 +447,14 @@
       </p:sp>
     </p:spTree>
   </p:cSld>
+  <p:clrMapOvr>
+    <a:masterClrMapping/>
+  </p:clrMapOvr>
 </p:sldLayout>
 </file>
 
 <file path=ppt/slideLayouts/slideLayout12.xml><?xml version="1.0" encoding="utf-8"?>
-<p:sldLayout xmlns:a="http://schemas.openxmlformats.org/drawingml/2006/main" xmlns:p="http://schemas.openxmlformats.org/presentationml/2006/main" xmlns:r="http://schemas.openxmlformats.org/officeDocument/2006/relationships" xmlns:p14="http://schemas.microsoft.com/office/powerpoint/2010/main" xmlns:p15="http://schemas.microsoft.com/office/powerpoint/2012/main" xmlns:mc="http://schemas.openxmlformats.org/markup-compatibility/2006" type="blank" preserve="1">
+<p:sldLayout xmlns:a="http://schemas.openxmlformats.org/drawingml/2006/main" xmlns:r="http://schemas.openxmlformats.org/officeDocument/2006/relationships" xmlns:p="http://schemas.openxmlformats.org/presentationml/2006/main" type="blank" preserve="1">
   <p:cSld name="Title, 6 Content">
     <p:spTree>
       <p:nvGrpSpPr>
@@ -362,10 +490,11 @@
           </a:prstGeom>
         </p:spPr>
         <p:txBody>
-          <a:bodyPr lIns="0" rIns="0" tIns="0" bIns="0" anchor="ctr"/>
+          <a:bodyPr lIns="0" tIns="0" rIns="0" bIns="0" anchor="ctr"/>
+          <a:lstStyle/>
           <a:p>
             <a:pPr algn="ctr"/>
-            <a:endParaRPr b="0" lang="en-US" sz="4400" spc="-1" strike="noStrike">
+            <a:endParaRPr lang="en-US" sz="4400" b="0" strike="noStrike" spc="-1">
               <a:latin typeface="Arial"/>
             </a:endParaRPr>
           </a:p>
@@ -391,11 +520,12 @@
           </a:prstGeom>
         </p:spPr>
         <p:txBody>
-          <a:bodyPr lIns="0" rIns="0" tIns="0" bIns="0">
+          <a:bodyPr lIns="0" tIns="0" rIns="0" bIns="0">
             <a:normAutofit/>
           </a:bodyPr>
-          <a:p>
-            <a:endParaRPr b="0" lang="en-US" sz="3200" spc="-1" strike="noStrike">
+          <a:lstStyle/>
+          <a:p>
+            <a:endParaRPr lang="en-US" sz="3200" b="0" strike="noStrike" spc="-1">
               <a:latin typeface="Arial"/>
             </a:endParaRPr>
           </a:p>
@@ -421,11 +551,12 @@
           </a:prstGeom>
         </p:spPr>
         <p:txBody>
-          <a:bodyPr lIns="0" rIns="0" tIns="0" bIns="0">
+          <a:bodyPr lIns="0" tIns="0" rIns="0" bIns="0">
             <a:normAutofit/>
           </a:bodyPr>
-          <a:p>
-            <a:endParaRPr b="0" lang="en-US" sz="3200" spc="-1" strike="noStrike">
+          <a:lstStyle/>
+          <a:p>
+            <a:endParaRPr lang="en-US" sz="3200" b="0" strike="noStrike" spc="-1">
               <a:latin typeface="Arial"/>
             </a:endParaRPr>
           </a:p>
@@ -451,11 +582,12 @@
           </a:prstGeom>
         </p:spPr>
         <p:txBody>
-          <a:bodyPr lIns="0" rIns="0" tIns="0" bIns="0">
+          <a:bodyPr lIns="0" tIns="0" rIns="0" bIns="0">
             <a:normAutofit/>
           </a:bodyPr>
-          <a:p>
-            <a:endParaRPr b="0" lang="en-US" sz="3200" spc="-1" strike="noStrike">
+          <a:lstStyle/>
+          <a:p>
+            <a:endParaRPr lang="en-US" sz="3200" b="0" strike="noStrike" spc="-1">
               <a:latin typeface="Arial"/>
             </a:endParaRPr>
           </a:p>
@@ -481,11 +613,12 @@
           </a:prstGeom>
         </p:spPr>
         <p:txBody>
-          <a:bodyPr lIns="0" rIns="0" tIns="0" bIns="0">
+          <a:bodyPr lIns="0" tIns="0" rIns="0" bIns="0">
             <a:normAutofit/>
           </a:bodyPr>
-          <a:p>
-            <a:endParaRPr b="0" lang="en-US" sz="3200" spc="-1" strike="noStrike">
+          <a:lstStyle/>
+          <a:p>
+            <a:endParaRPr lang="en-US" sz="3200" b="0" strike="noStrike" spc="-1">
               <a:latin typeface="Arial"/>
             </a:endParaRPr>
           </a:p>
@@ -511,11 +644,12 @@
           </a:prstGeom>
         </p:spPr>
         <p:txBody>
-          <a:bodyPr lIns="0" rIns="0" tIns="0" bIns="0">
+          <a:bodyPr lIns="0" tIns="0" rIns="0" bIns="0">
             <a:normAutofit/>
           </a:bodyPr>
-          <a:p>
-            <a:endParaRPr b="0" lang="en-US" sz="3200" spc="-1" strike="noStrike">
+          <a:lstStyle/>
+          <a:p>
+            <a:endParaRPr lang="en-US" sz="3200" b="0" strike="noStrike" spc="-1">
               <a:latin typeface="Arial"/>
             </a:endParaRPr>
           </a:p>
@@ -541,11 +675,12 @@
           </a:prstGeom>
         </p:spPr>
         <p:txBody>
-          <a:bodyPr lIns="0" rIns="0" tIns="0" bIns="0">
+          <a:bodyPr lIns="0" tIns="0" rIns="0" bIns="0">
             <a:normAutofit/>
           </a:bodyPr>
-          <a:p>
-            <a:endParaRPr b="0" lang="en-US" sz="3200" spc="-1" strike="noStrike">
+          <a:lstStyle/>
+          <a:p>
+            <a:endParaRPr lang="en-US" sz="3200" b="0" strike="noStrike" spc="-1">
               <a:latin typeface="Arial"/>
             </a:endParaRPr>
           </a:p>
@@ -553,11 +688,14 @@
       </p:sp>
     </p:spTree>
   </p:cSld>
+  <p:clrMapOvr>
+    <a:masterClrMapping/>
+  </p:clrMapOvr>
 </p:sldLayout>
 </file>
 
 <file path=ppt/slideLayouts/slideLayout13.xml><?xml version="1.0" encoding="utf-8"?>
-<p:sldLayout xmlns:a="http://schemas.openxmlformats.org/drawingml/2006/main" xmlns:p="http://schemas.openxmlformats.org/presentationml/2006/main" xmlns:r="http://schemas.openxmlformats.org/officeDocument/2006/relationships" xmlns:p14="http://schemas.microsoft.com/office/powerpoint/2010/main" xmlns:p15="http://schemas.microsoft.com/office/powerpoint/2012/main" xmlns:mc="http://schemas.openxmlformats.org/markup-compatibility/2006" type="blank" preserve="1">
+<p:sldLayout xmlns:a="http://schemas.openxmlformats.org/drawingml/2006/main" xmlns:r="http://schemas.openxmlformats.org/officeDocument/2006/relationships" xmlns:p="http://schemas.openxmlformats.org/presentationml/2006/main" type="blank" preserve="1">
   <p:cSld name="Blank Slide">
     <p:spTree>
       <p:nvGrpSpPr>
@@ -575,11 +713,14 @@
       </p:grpSpPr>
     </p:spTree>
   </p:cSld>
+  <p:clrMapOvr>
+    <a:masterClrMapping/>
+  </p:clrMapOvr>
 </p:sldLayout>
 </file>
 
 <file path=ppt/slideLayouts/slideLayout14.xml><?xml version="1.0" encoding="utf-8"?>
-<p:sldLayout xmlns:a="http://schemas.openxmlformats.org/drawingml/2006/main" xmlns:p="http://schemas.openxmlformats.org/presentationml/2006/main" xmlns:r="http://schemas.openxmlformats.org/officeDocument/2006/relationships" xmlns:p14="http://schemas.microsoft.com/office/powerpoint/2010/main" xmlns:p15="http://schemas.microsoft.com/office/powerpoint/2012/main" xmlns:mc="http://schemas.openxmlformats.org/markup-compatibility/2006" type="tx" preserve="1">
+<p:sldLayout xmlns:a="http://schemas.openxmlformats.org/drawingml/2006/main" xmlns:r="http://schemas.openxmlformats.org/officeDocument/2006/relationships" xmlns:p="http://schemas.openxmlformats.org/presentationml/2006/main" type="tx" preserve="1">
   <p:cSld name="Title Slide">
     <p:spTree>
       <p:nvGrpSpPr>
@@ -615,10 +756,11 @@
           </a:prstGeom>
         </p:spPr>
         <p:txBody>
-          <a:bodyPr lIns="0" rIns="0" tIns="0" bIns="0" anchor="ctr"/>
+          <a:bodyPr lIns="0" tIns="0" rIns="0" bIns="0" anchor="ctr"/>
+          <a:lstStyle/>
           <a:p>
             <a:pPr algn="ctr"/>
-            <a:endParaRPr b="0" lang="en-US" sz="4400" spc="-1" strike="noStrike">
+            <a:endParaRPr lang="en-US" sz="4400" b="0" strike="noStrike" spc="-1">
               <a:latin typeface="Arial"/>
             </a:endParaRPr>
           </a:p>
@@ -644,10 +786,11 @@
           </a:prstGeom>
         </p:spPr>
         <p:txBody>
-          <a:bodyPr lIns="0" rIns="0" tIns="0" bIns="0" anchor="ctr"/>
+          <a:bodyPr lIns="0" tIns="0" rIns="0" bIns="0" anchor="ctr"/>
+          <a:lstStyle/>
           <a:p>
             <a:pPr algn="ctr"/>
-            <a:endParaRPr b="0" lang="en-US" sz="3200" spc="-1" strike="noStrike">
+            <a:endParaRPr lang="en-US" sz="3200" b="0" strike="noStrike" spc="-1">
               <a:latin typeface="Arial"/>
             </a:endParaRPr>
           </a:p>
@@ -655,11 +798,14 @@
       </p:sp>
     </p:spTree>
   </p:cSld>
+  <p:clrMapOvr>
+    <a:masterClrMapping/>
+  </p:clrMapOvr>
 </p:sldLayout>
 </file>
 
 <file path=ppt/slideLayouts/slideLayout15.xml><?xml version="1.0" encoding="utf-8"?>
-<p:sldLayout xmlns:a="http://schemas.openxmlformats.org/drawingml/2006/main" xmlns:p="http://schemas.openxmlformats.org/presentationml/2006/main" xmlns:r="http://schemas.openxmlformats.org/officeDocument/2006/relationships" xmlns:p14="http://schemas.microsoft.com/office/powerpoint/2010/main" xmlns:p15="http://schemas.microsoft.com/office/powerpoint/2012/main" xmlns:mc="http://schemas.openxmlformats.org/markup-compatibility/2006" type="obj" preserve="1">
+<p:sldLayout xmlns:a="http://schemas.openxmlformats.org/drawingml/2006/main" xmlns:r="http://schemas.openxmlformats.org/officeDocument/2006/relationships" xmlns:p="http://schemas.openxmlformats.org/presentationml/2006/main" type="obj" preserve="1">
   <p:cSld name="Title, Content">
     <p:spTree>
       <p:nvGrpSpPr>
@@ -695,10 +841,11 @@
           </a:prstGeom>
         </p:spPr>
         <p:txBody>
-          <a:bodyPr lIns="0" rIns="0" tIns="0" bIns="0" anchor="ctr"/>
+          <a:bodyPr lIns="0" tIns="0" rIns="0" bIns="0" anchor="ctr"/>
+          <a:lstStyle/>
           <a:p>
             <a:pPr algn="ctr"/>
-            <a:endParaRPr b="0" lang="en-US" sz="4400" spc="-1" strike="noStrike">
+            <a:endParaRPr lang="en-US" sz="4400" b="0" strike="noStrike" spc="-1">
               <a:latin typeface="Arial"/>
             </a:endParaRPr>
           </a:p>
@@ -724,11 +871,12 @@
           </a:prstGeom>
         </p:spPr>
         <p:txBody>
-          <a:bodyPr lIns="0" rIns="0" tIns="0" bIns="0">
+          <a:bodyPr lIns="0" tIns="0" rIns="0" bIns="0">
             <a:normAutofit/>
           </a:bodyPr>
-          <a:p>
-            <a:endParaRPr b="0" lang="en-US" sz="3200" spc="-1" strike="noStrike">
+          <a:lstStyle/>
+          <a:p>
+            <a:endParaRPr lang="en-US" sz="3200" b="0" strike="noStrike" spc="-1">
               <a:latin typeface="Arial"/>
             </a:endParaRPr>
           </a:p>
@@ -736,11 +884,14 @@
       </p:sp>
     </p:spTree>
   </p:cSld>
+  <p:clrMapOvr>
+    <a:masterClrMapping/>
+  </p:clrMapOvr>
 </p:sldLayout>
 </file>
 
 <file path=ppt/slideLayouts/slideLayout16.xml><?xml version="1.0" encoding="utf-8"?>
-<p:sldLayout xmlns:a="http://schemas.openxmlformats.org/drawingml/2006/main" xmlns:p="http://schemas.openxmlformats.org/presentationml/2006/main" xmlns:r="http://schemas.openxmlformats.org/officeDocument/2006/relationships" xmlns:p14="http://schemas.microsoft.com/office/powerpoint/2010/main" xmlns:p15="http://schemas.microsoft.com/office/powerpoint/2012/main" xmlns:mc="http://schemas.openxmlformats.org/markup-compatibility/2006" type="twoObj" preserve="1">
+<p:sldLayout xmlns:a="http://schemas.openxmlformats.org/drawingml/2006/main" xmlns:r="http://schemas.openxmlformats.org/officeDocument/2006/relationships" xmlns:p="http://schemas.openxmlformats.org/presentationml/2006/main" type="twoObj" preserve="1">
   <p:cSld name="Title, 2 Content">
     <p:spTree>
       <p:nvGrpSpPr>
@@ -776,10 +927,11 @@
           </a:prstGeom>
         </p:spPr>
         <p:txBody>
-          <a:bodyPr lIns="0" rIns="0" tIns="0" bIns="0" anchor="ctr"/>
+          <a:bodyPr lIns="0" tIns="0" rIns="0" bIns="0" anchor="ctr"/>
+          <a:lstStyle/>
           <a:p>
             <a:pPr algn="ctr"/>
-            <a:endParaRPr b="0" lang="en-US" sz="4400" spc="-1" strike="noStrike">
+            <a:endParaRPr lang="en-US" sz="4400" b="0" strike="noStrike" spc="-1">
               <a:latin typeface="Arial"/>
             </a:endParaRPr>
           </a:p>
@@ -805,11 +957,12 @@
           </a:prstGeom>
         </p:spPr>
         <p:txBody>
-          <a:bodyPr lIns="0" rIns="0" tIns="0" bIns="0">
+          <a:bodyPr lIns="0" tIns="0" rIns="0" bIns="0">
             <a:normAutofit/>
           </a:bodyPr>
-          <a:p>
-            <a:endParaRPr b="0" lang="en-US" sz="3200" spc="-1" strike="noStrike">
+          <a:lstStyle/>
+          <a:p>
+            <a:endParaRPr lang="en-US" sz="3200" b="0" strike="noStrike" spc="-1">
               <a:latin typeface="Arial"/>
             </a:endParaRPr>
           </a:p>
@@ -835,11 +988,12 @@
           </a:prstGeom>
         </p:spPr>
         <p:txBody>
-          <a:bodyPr lIns="0" rIns="0" tIns="0" bIns="0">
+          <a:bodyPr lIns="0" tIns="0" rIns="0" bIns="0">
             <a:normAutofit/>
           </a:bodyPr>
-          <a:p>
-            <a:endParaRPr b="0" lang="en-US" sz="3200" spc="-1" strike="noStrike">
+          <a:lstStyle/>
+          <a:p>
+            <a:endParaRPr lang="en-US" sz="3200" b="0" strike="noStrike" spc="-1">
               <a:latin typeface="Arial"/>
             </a:endParaRPr>
           </a:p>
@@ -847,11 +1001,14 @@
       </p:sp>
     </p:spTree>
   </p:cSld>
+  <p:clrMapOvr>
+    <a:masterClrMapping/>
+  </p:clrMapOvr>
 </p:sldLayout>
 </file>
 
 <file path=ppt/slideLayouts/slideLayout17.xml><?xml version="1.0" encoding="utf-8"?>
-<p:sldLayout xmlns:a="http://schemas.openxmlformats.org/drawingml/2006/main" xmlns:p="http://schemas.openxmlformats.org/presentationml/2006/main" xmlns:r="http://schemas.openxmlformats.org/officeDocument/2006/relationships" xmlns:p14="http://schemas.microsoft.com/office/powerpoint/2010/main" xmlns:p15="http://schemas.microsoft.com/office/powerpoint/2012/main" xmlns:mc="http://schemas.openxmlformats.org/markup-compatibility/2006" type="titleOnly" preserve="1">
+<p:sldLayout xmlns:a="http://schemas.openxmlformats.org/drawingml/2006/main" xmlns:r="http://schemas.openxmlformats.org/officeDocument/2006/relationships" xmlns:p="http://schemas.openxmlformats.org/presentationml/2006/main" type="titleOnly" preserve="1">
   <p:cSld name="Title Only">
     <p:spTree>
       <p:nvGrpSpPr>
@@ -887,10 +1044,11 @@
           </a:prstGeom>
         </p:spPr>
         <p:txBody>
-          <a:bodyPr lIns="0" rIns="0" tIns="0" bIns="0" anchor="ctr"/>
+          <a:bodyPr lIns="0" tIns="0" rIns="0" bIns="0" anchor="ctr"/>
+          <a:lstStyle/>
           <a:p>
             <a:pPr algn="ctr"/>
-            <a:endParaRPr b="0" lang="en-US" sz="4400" spc="-1" strike="noStrike">
+            <a:endParaRPr lang="en-US" sz="4400" b="0" strike="noStrike" spc="-1">
               <a:latin typeface="Arial"/>
             </a:endParaRPr>
           </a:p>
@@ -898,11 +1056,14 @@
       </p:sp>
     </p:spTree>
   </p:cSld>
+  <p:clrMapOvr>
+    <a:masterClrMapping/>
+  </p:clrMapOvr>
 </p:sldLayout>
 </file>
 
 <file path=ppt/slideLayouts/slideLayout18.xml><?xml version="1.0" encoding="utf-8"?>
-<p:sldLayout xmlns:a="http://schemas.openxmlformats.org/drawingml/2006/main" xmlns:p="http://schemas.openxmlformats.org/presentationml/2006/main" xmlns:r="http://schemas.openxmlformats.org/officeDocument/2006/relationships" xmlns:p14="http://schemas.microsoft.com/office/powerpoint/2010/main" xmlns:p15="http://schemas.microsoft.com/office/powerpoint/2012/main" xmlns:mc="http://schemas.openxmlformats.org/markup-compatibility/2006" type="objOnly" preserve="1">
+<p:sldLayout xmlns:a="http://schemas.openxmlformats.org/drawingml/2006/main" xmlns:r="http://schemas.openxmlformats.org/officeDocument/2006/relationships" xmlns:p="http://schemas.openxmlformats.org/presentationml/2006/main" type="objOnly" preserve="1">
   <p:cSld name="Centered Text">
     <p:spTree>
       <p:nvGrpSpPr>
@@ -938,10 +1099,11 @@
           </a:prstGeom>
         </p:spPr>
         <p:txBody>
-          <a:bodyPr lIns="0" rIns="0" tIns="0" bIns="0" anchor="ctr"/>
+          <a:bodyPr lIns="0" tIns="0" rIns="0" bIns="0" anchor="ctr"/>
+          <a:lstStyle/>
           <a:p>
             <a:pPr algn="ctr"/>
-            <a:endParaRPr b="0" lang="en-US" sz="3200" spc="-1" strike="noStrike">
+            <a:endParaRPr lang="en-US" sz="3200" b="0" strike="noStrike" spc="-1">
               <a:latin typeface="Arial"/>
             </a:endParaRPr>
           </a:p>
@@ -949,11 +1111,14 @@
       </p:sp>
     </p:spTree>
   </p:cSld>
+  <p:clrMapOvr>
+    <a:masterClrMapping/>
+  </p:clrMapOvr>
 </p:sldLayout>
 </file>
 
 <file path=ppt/slideLayouts/slideLayout19.xml><?xml version="1.0" encoding="utf-8"?>
-<p:sldLayout xmlns:a="http://schemas.openxmlformats.org/drawingml/2006/main" xmlns:p="http://schemas.openxmlformats.org/presentationml/2006/main" xmlns:r="http://schemas.openxmlformats.org/officeDocument/2006/relationships" xmlns:p14="http://schemas.microsoft.com/office/powerpoint/2010/main" xmlns:p15="http://schemas.microsoft.com/office/powerpoint/2012/main" xmlns:mc="http://schemas.openxmlformats.org/markup-compatibility/2006" type="twoObjAndObj" preserve="1">
+<p:sldLayout xmlns:a="http://schemas.openxmlformats.org/drawingml/2006/main" xmlns:r="http://schemas.openxmlformats.org/officeDocument/2006/relationships" xmlns:p="http://schemas.openxmlformats.org/presentationml/2006/main" type="twoObjAndObj" preserve="1">
   <p:cSld name="Title, 2 Content and Content">
     <p:spTree>
       <p:nvGrpSpPr>
@@ -989,10 +1154,11 @@
           </a:prstGeom>
         </p:spPr>
         <p:txBody>
-          <a:bodyPr lIns="0" rIns="0" tIns="0" bIns="0" anchor="ctr"/>
+          <a:bodyPr lIns="0" tIns="0" rIns="0" bIns="0" anchor="ctr"/>
+          <a:lstStyle/>
           <a:p>
             <a:pPr algn="ctr"/>
-            <a:endParaRPr b="0" lang="en-US" sz="4400" spc="-1" strike="noStrike">
+            <a:endParaRPr lang="en-US" sz="4400" b="0" strike="noStrike" spc="-1">
               <a:latin typeface="Arial"/>
             </a:endParaRPr>
           </a:p>
@@ -1018,11 +1184,12 @@
           </a:prstGeom>
         </p:spPr>
         <p:txBody>
-          <a:bodyPr lIns="0" rIns="0" tIns="0" bIns="0">
+          <a:bodyPr lIns="0" tIns="0" rIns="0" bIns="0">
             <a:normAutofit/>
           </a:bodyPr>
-          <a:p>
-            <a:endParaRPr b="0" lang="en-US" sz="3200" spc="-1" strike="noStrike">
+          <a:lstStyle/>
+          <a:p>
+            <a:endParaRPr lang="en-US" sz="3200" b="0" strike="noStrike" spc="-1">
               <a:latin typeface="Arial"/>
             </a:endParaRPr>
           </a:p>
@@ -1048,11 +1215,12 @@
           </a:prstGeom>
         </p:spPr>
         <p:txBody>
-          <a:bodyPr lIns="0" rIns="0" tIns="0" bIns="0">
+          <a:bodyPr lIns="0" tIns="0" rIns="0" bIns="0">
             <a:normAutofit/>
           </a:bodyPr>
-          <a:p>
-            <a:endParaRPr b="0" lang="en-US" sz="3200" spc="-1" strike="noStrike">
+          <a:lstStyle/>
+          <a:p>
+            <a:endParaRPr lang="en-US" sz="3200" b="0" strike="noStrike" spc="-1">
               <a:latin typeface="Arial"/>
             </a:endParaRPr>
           </a:p>
@@ -1078,11 +1246,12 @@
           </a:prstGeom>
         </p:spPr>
         <p:txBody>
-          <a:bodyPr lIns="0" rIns="0" tIns="0" bIns="0">
+          <a:bodyPr lIns="0" tIns="0" rIns="0" bIns="0">
             <a:normAutofit/>
           </a:bodyPr>
-          <a:p>
-            <a:endParaRPr b="0" lang="en-US" sz="3200" spc="-1" strike="noStrike">
+          <a:lstStyle/>
+          <a:p>
+            <a:endParaRPr lang="en-US" sz="3200" b="0" strike="noStrike" spc="-1">
               <a:latin typeface="Arial"/>
             </a:endParaRPr>
           </a:p>
@@ -1090,11 +1259,14 @@
       </p:sp>
     </p:spTree>
   </p:cSld>
+  <p:clrMapOvr>
+    <a:masterClrMapping/>
+  </p:clrMapOvr>
 </p:sldLayout>
 </file>
 
 <file path=ppt/slideLayouts/slideLayout2.xml><?xml version="1.0" encoding="utf-8"?>
-<p:sldLayout xmlns:a="http://schemas.openxmlformats.org/drawingml/2006/main" xmlns:p="http://schemas.openxmlformats.org/presentationml/2006/main" xmlns:r="http://schemas.openxmlformats.org/officeDocument/2006/relationships" xmlns:p14="http://schemas.microsoft.com/office/powerpoint/2010/main" xmlns:p15="http://schemas.microsoft.com/office/powerpoint/2012/main" xmlns:mc="http://schemas.openxmlformats.org/markup-compatibility/2006" type="tx" preserve="1">
+<p:sldLayout xmlns:a="http://schemas.openxmlformats.org/drawingml/2006/main" xmlns:r="http://schemas.openxmlformats.org/officeDocument/2006/relationships" xmlns:p="http://schemas.openxmlformats.org/presentationml/2006/main" type="tx" preserve="1">
   <p:cSld name="Title Slide">
     <p:spTree>
       <p:nvGrpSpPr>
@@ -1130,10 +1302,11 @@
           </a:prstGeom>
         </p:spPr>
         <p:txBody>
-          <a:bodyPr lIns="0" rIns="0" tIns="0" bIns="0" anchor="ctr"/>
+          <a:bodyPr lIns="0" tIns="0" rIns="0" bIns="0" anchor="ctr"/>
+          <a:lstStyle/>
           <a:p>
             <a:pPr algn="ctr"/>
-            <a:endParaRPr b="0" lang="en-US" sz="4400" spc="-1" strike="noStrike">
+            <a:endParaRPr lang="en-US" sz="4400" b="0" strike="noStrike" spc="-1">
               <a:latin typeface="Arial"/>
             </a:endParaRPr>
           </a:p>
@@ -1159,10 +1332,11 @@
           </a:prstGeom>
         </p:spPr>
         <p:txBody>
-          <a:bodyPr lIns="0" rIns="0" tIns="0" bIns="0" anchor="ctr"/>
+          <a:bodyPr lIns="0" tIns="0" rIns="0" bIns="0" anchor="ctr"/>
+          <a:lstStyle/>
           <a:p>
             <a:pPr algn="ctr"/>
-            <a:endParaRPr b="0" lang="en-US" sz="3200" spc="-1" strike="noStrike">
+            <a:endParaRPr lang="en-US" sz="3200" b="0" strike="noStrike" spc="-1">
               <a:latin typeface="Arial"/>
             </a:endParaRPr>
           </a:p>
@@ -1170,11 +1344,14 @@
       </p:sp>
     </p:spTree>
   </p:cSld>
+  <p:clrMapOvr>
+    <a:masterClrMapping/>
+  </p:clrMapOvr>
 </p:sldLayout>
 </file>
 
 <file path=ppt/slideLayouts/slideLayout20.xml><?xml version="1.0" encoding="utf-8"?>
-<p:sldLayout xmlns:a="http://schemas.openxmlformats.org/drawingml/2006/main" xmlns:p="http://schemas.openxmlformats.org/presentationml/2006/main" xmlns:r="http://schemas.openxmlformats.org/officeDocument/2006/relationships" xmlns:p14="http://schemas.microsoft.com/office/powerpoint/2010/main" xmlns:p15="http://schemas.microsoft.com/office/powerpoint/2012/main" xmlns:mc="http://schemas.openxmlformats.org/markup-compatibility/2006" type="objAndTwoObj" preserve="1">
+<p:sldLayout xmlns:a="http://schemas.openxmlformats.org/drawingml/2006/main" xmlns:r="http://schemas.openxmlformats.org/officeDocument/2006/relationships" xmlns:p="http://schemas.openxmlformats.org/presentationml/2006/main" type="objAndTwoObj" preserve="1">
   <p:cSld name="Title Content and 2 Content">
     <p:spTree>
       <p:nvGrpSpPr>
@@ -1210,10 +1387,11 @@
           </a:prstGeom>
         </p:spPr>
         <p:txBody>
-          <a:bodyPr lIns="0" rIns="0" tIns="0" bIns="0" anchor="ctr"/>
+          <a:bodyPr lIns="0" tIns="0" rIns="0" bIns="0" anchor="ctr"/>
+          <a:lstStyle/>
           <a:p>
             <a:pPr algn="ctr"/>
-            <a:endParaRPr b="0" lang="en-US" sz="4400" spc="-1" strike="noStrike">
+            <a:endParaRPr lang="en-US" sz="4400" b="0" strike="noStrike" spc="-1">
               <a:latin typeface="Arial"/>
             </a:endParaRPr>
           </a:p>
@@ -1239,11 +1417,12 @@
           </a:prstGeom>
         </p:spPr>
         <p:txBody>
-          <a:bodyPr lIns="0" rIns="0" tIns="0" bIns="0">
+          <a:bodyPr lIns="0" tIns="0" rIns="0" bIns="0">
             <a:normAutofit/>
           </a:bodyPr>
-          <a:p>
-            <a:endParaRPr b="0" lang="en-US" sz="3200" spc="-1" strike="noStrike">
+          <a:lstStyle/>
+          <a:p>
+            <a:endParaRPr lang="en-US" sz="3200" b="0" strike="noStrike" spc="-1">
               <a:latin typeface="Arial"/>
             </a:endParaRPr>
           </a:p>
@@ -1269,11 +1448,12 @@
           </a:prstGeom>
         </p:spPr>
         <p:txBody>
-          <a:bodyPr lIns="0" rIns="0" tIns="0" bIns="0">
+          <a:bodyPr lIns="0" tIns="0" rIns="0" bIns="0">
             <a:normAutofit/>
           </a:bodyPr>
-          <a:p>
-            <a:endParaRPr b="0" lang="en-US" sz="3200" spc="-1" strike="noStrike">
+          <a:lstStyle/>
+          <a:p>
+            <a:endParaRPr lang="en-US" sz="3200" b="0" strike="noStrike" spc="-1">
               <a:latin typeface="Arial"/>
             </a:endParaRPr>
           </a:p>
@@ -1299,11 +1479,12 @@
           </a:prstGeom>
         </p:spPr>
         <p:txBody>
-          <a:bodyPr lIns="0" rIns="0" tIns="0" bIns="0">
+          <a:bodyPr lIns="0" tIns="0" rIns="0" bIns="0">
             <a:normAutofit/>
           </a:bodyPr>
-          <a:p>
-            <a:endParaRPr b="0" lang="en-US" sz="3200" spc="-1" strike="noStrike">
+          <a:lstStyle/>
+          <a:p>
+            <a:endParaRPr lang="en-US" sz="3200" b="0" strike="noStrike" spc="-1">
               <a:latin typeface="Arial"/>
             </a:endParaRPr>
           </a:p>
@@ -1311,11 +1492,14 @@
       </p:sp>
     </p:spTree>
   </p:cSld>
+  <p:clrMapOvr>
+    <a:masterClrMapping/>
+  </p:clrMapOvr>
 </p:sldLayout>
 </file>
 
 <file path=ppt/slideLayouts/slideLayout21.xml><?xml version="1.0" encoding="utf-8"?>
-<p:sldLayout xmlns:a="http://schemas.openxmlformats.org/drawingml/2006/main" xmlns:p="http://schemas.openxmlformats.org/presentationml/2006/main" xmlns:r="http://schemas.openxmlformats.org/officeDocument/2006/relationships" xmlns:p14="http://schemas.microsoft.com/office/powerpoint/2010/main" xmlns:p15="http://schemas.microsoft.com/office/powerpoint/2012/main" xmlns:mc="http://schemas.openxmlformats.org/markup-compatibility/2006" type="twoObjOverTx" preserve="1">
+<p:sldLayout xmlns:a="http://schemas.openxmlformats.org/drawingml/2006/main" xmlns:r="http://schemas.openxmlformats.org/officeDocument/2006/relationships" xmlns:p="http://schemas.openxmlformats.org/presentationml/2006/main" type="twoObjOverTx" preserve="1">
   <p:cSld name="Title, 2 Content over Content">
     <p:spTree>
       <p:nvGrpSpPr>
@@ -1351,10 +1535,11 @@
           </a:prstGeom>
         </p:spPr>
         <p:txBody>
-          <a:bodyPr lIns="0" rIns="0" tIns="0" bIns="0" anchor="ctr"/>
+          <a:bodyPr lIns="0" tIns="0" rIns="0" bIns="0" anchor="ctr"/>
+          <a:lstStyle/>
           <a:p>
             <a:pPr algn="ctr"/>
-            <a:endParaRPr b="0" lang="en-US" sz="4400" spc="-1" strike="noStrike">
+            <a:endParaRPr lang="en-US" sz="4400" b="0" strike="noStrike" spc="-1">
               <a:latin typeface="Arial"/>
             </a:endParaRPr>
           </a:p>
@@ -1380,11 +1565,12 @@
           </a:prstGeom>
         </p:spPr>
         <p:txBody>
-          <a:bodyPr lIns="0" rIns="0" tIns="0" bIns="0">
+          <a:bodyPr lIns="0" tIns="0" rIns="0" bIns="0">
             <a:normAutofit/>
           </a:bodyPr>
-          <a:p>
-            <a:endParaRPr b="0" lang="en-US" sz="3200" spc="-1" strike="noStrike">
+          <a:lstStyle/>
+          <a:p>
+            <a:endParaRPr lang="en-US" sz="3200" b="0" strike="noStrike" spc="-1">
               <a:latin typeface="Arial"/>
             </a:endParaRPr>
           </a:p>
@@ -1410,11 +1596,12 @@
           </a:prstGeom>
         </p:spPr>
         <p:txBody>
-          <a:bodyPr lIns="0" rIns="0" tIns="0" bIns="0">
+          <a:bodyPr lIns="0" tIns="0" rIns="0" bIns="0">
             <a:normAutofit/>
           </a:bodyPr>
-          <a:p>
-            <a:endParaRPr b="0" lang="en-US" sz="3200" spc="-1" strike="noStrike">
+          <a:lstStyle/>
+          <a:p>
+            <a:endParaRPr lang="en-US" sz="3200" b="0" strike="noStrike" spc="-1">
               <a:latin typeface="Arial"/>
             </a:endParaRPr>
           </a:p>
@@ -1440,11 +1627,12 @@
           </a:prstGeom>
         </p:spPr>
         <p:txBody>
-          <a:bodyPr lIns="0" rIns="0" tIns="0" bIns="0">
+          <a:bodyPr lIns="0" tIns="0" rIns="0" bIns="0">
             <a:normAutofit/>
           </a:bodyPr>
-          <a:p>
-            <a:endParaRPr b="0" lang="en-US" sz="3200" spc="-1" strike="noStrike">
+          <a:lstStyle/>
+          <a:p>
+            <a:endParaRPr lang="en-US" sz="3200" b="0" strike="noStrike" spc="-1">
               <a:latin typeface="Arial"/>
             </a:endParaRPr>
           </a:p>
@@ -1452,11 +1640,14 @@
       </p:sp>
     </p:spTree>
   </p:cSld>
+  <p:clrMapOvr>
+    <a:masterClrMapping/>
+  </p:clrMapOvr>
 </p:sldLayout>
 </file>
 
 <file path=ppt/slideLayouts/slideLayout22.xml><?xml version="1.0" encoding="utf-8"?>
-<p:sldLayout xmlns:a="http://schemas.openxmlformats.org/drawingml/2006/main" xmlns:p="http://schemas.openxmlformats.org/presentationml/2006/main" xmlns:r="http://schemas.openxmlformats.org/officeDocument/2006/relationships" xmlns:p14="http://schemas.microsoft.com/office/powerpoint/2010/main" xmlns:p15="http://schemas.microsoft.com/office/powerpoint/2012/main" xmlns:mc="http://schemas.openxmlformats.org/markup-compatibility/2006" type="objOverTx" preserve="1">
+<p:sldLayout xmlns:a="http://schemas.openxmlformats.org/drawingml/2006/main" xmlns:r="http://schemas.openxmlformats.org/officeDocument/2006/relationships" xmlns:p="http://schemas.openxmlformats.org/presentationml/2006/main" type="objOverTx" preserve="1">
   <p:cSld name="Title, Content over Content">
     <p:spTree>
       <p:nvGrpSpPr>
@@ -1492,10 +1683,11 @@
           </a:prstGeom>
         </p:spPr>
         <p:txBody>
-          <a:bodyPr lIns="0" rIns="0" tIns="0" bIns="0" anchor="ctr"/>
+          <a:bodyPr lIns="0" tIns="0" rIns="0" bIns="0" anchor="ctr"/>
+          <a:lstStyle/>
           <a:p>
             <a:pPr algn="ctr"/>
-            <a:endParaRPr b="0" lang="en-US" sz="4400" spc="-1" strike="noStrike">
+            <a:endParaRPr lang="en-US" sz="4400" b="0" strike="noStrike" spc="-1">
               <a:latin typeface="Arial"/>
             </a:endParaRPr>
           </a:p>
@@ -1521,11 +1713,12 @@
           </a:prstGeom>
         </p:spPr>
         <p:txBody>
-          <a:bodyPr lIns="0" rIns="0" tIns="0" bIns="0">
+          <a:bodyPr lIns="0" tIns="0" rIns="0" bIns="0">
             <a:normAutofit/>
           </a:bodyPr>
-          <a:p>
-            <a:endParaRPr b="0" lang="en-US" sz="3200" spc="-1" strike="noStrike">
+          <a:lstStyle/>
+          <a:p>
+            <a:endParaRPr lang="en-US" sz="3200" b="0" strike="noStrike" spc="-1">
               <a:latin typeface="Arial"/>
             </a:endParaRPr>
           </a:p>
@@ -1551,11 +1744,12 @@
           </a:prstGeom>
         </p:spPr>
         <p:txBody>
-          <a:bodyPr lIns="0" rIns="0" tIns="0" bIns="0">
+          <a:bodyPr lIns="0" tIns="0" rIns="0" bIns="0">
             <a:normAutofit/>
           </a:bodyPr>
-          <a:p>
-            <a:endParaRPr b="0" lang="en-US" sz="3200" spc="-1" strike="noStrike">
+          <a:lstStyle/>
+          <a:p>
+            <a:endParaRPr lang="en-US" sz="3200" b="0" strike="noStrike" spc="-1">
               <a:latin typeface="Arial"/>
             </a:endParaRPr>
           </a:p>
@@ -1563,11 +1757,14 @@
       </p:sp>
     </p:spTree>
   </p:cSld>
+  <p:clrMapOvr>
+    <a:masterClrMapping/>
+  </p:clrMapOvr>
 </p:sldLayout>
 </file>
 
 <file path=ppt/slideLayouts/slideLayout23.xml><?xml version="1.0" encoding="utf-8"?>
-<p:sldLayout xmlns:a="http://schemas.openxmlformats.org/drawingml/2006/main" xmlns:p="http://schemas.openxmlformats.org/presentationml/2006/main" xmlns:r="http://schemas.openxmlformats.org/officeDocument/2006/relationships" xmlns:p14="http://schemas.microsoft.com/office/powerpoint/2010/main" xmlns:p15="http://schemas.microsoft.com/office/powerpoint/2012/main" xmlns:mc="http://schemas.openxmlformats.org/markup-compatibility/2006" type="fourObj" preserve="1">
+<p:sldLayout xmlns:a="http://schemas.openxmlformats.org/drawingml/2006/main" xmlns:r="http://schemas.openxmlformats.org/officeDocument/2006/relationships" xmlns:p="http://schemas.openxmlformats.org/presentationml/2006/main" type="fourObj" preserve="1">
   <p:cSld name="Title, 4 Content">
     <p:spTree>
       <p:nvGrpSpPr>
@@ -1603,10 +1800,11 @@
           </a:prstGeom>
         </p:spPr>
         <p:txBody>
-          <a:bodyPr lIns="0" rIns="0" tIns="0" bIns="0" anchor="ctr"/>
+          <a:bodyPr lIns="0" tIns="0" rIns="0" bIns="0" anchor="ctr"/>
+          <a:lstStyle/>
           <a:p>
             <a:pPr algn="ctr"/>
-            <a:endParaRPr b="0" lang="en-US" sz="4400" spc="-1" strike="noStrike">
+            <a:endParaRPr lang="en-US" sz="4400" b="0" strike="noStrike" spc="-1">
               <a:latin typeface="Arial"/>
             </a:endParaRPr>
           </a:p>
@@ -1632,11 +1830,12 @@
           </a:prstGeom>
         </p:spPr>
         <p:txBody>
-          <a:bodyPr lIns="0" rIns="0" tIns="0" bIns="0">
+          <a:bodyPr lIns="0" tIns="0" rIns="0" bIns="0">
             <a:normAutofit/>
           </a:bodyPr>
-          <a:p>
-            <a:endParaRPr b="0" lang="en-US" sz="3200" spc="-1" strike="noStrike">
+          <a:lstStyle/>
+          <a:p>
+            <a:endParaRPr lang="en-US" sz="3200" b="0" strike="noStrike" spc="-1">
               <a:latin typeface="Arial"/>
             </a:endParaRPr>
           </a:p>
@@ -1662,11 +1861,12 @@
           </a:prstGeom>
         </p:spPr>
         <p:txBody>
-          <a:bodyPr lIns="0" rIns="0" tIns="0" bIns="0">
+          <a:bodyPr lIns="0" tIns="0" rIns="0" bIns="0">
             <a:normAutofit/>
           </a:bodyPr>
-          <a:p>
-            <a:endParaRPr b="0" lang="en-US" sz="3200" spc="-1" strike="noStrike">
+          <a:lstStyle/>
+          <a:p>
+            <a:endParaRPr lang="en-US" sz="3200" b="0" strike="noStrike" spc="-1">
               <a:latin typeface="Arial"/>
             </a:endParaRPr>
           </a:p>
@@ -1692,11 +1892,12 @@
           </a:prstGeom>
         </p:spPr>
         <p:txBody>
-          <a:bodyPr lIns="0" rIns="0" tIns="0" bIns="0">
+          <a:bodyPr lIns="0" tIns="0" rIns="0" bIns="0">
             <a:normAutofit/>
           </a:bodyPr>
-          <a:p>
-            <a:endParaRPr b="0" lang="en-US" sz="3200" spc="-1" strike="noStrike">
+          <a:lstStyle/>
+          <a:p>
+            <a:endParaRPr lang="en-US" sz="3200" b="0" strike="noStrike" spc="-1">
               <a:latin typeface="Arial"/>
             </a:endParaRPr>
           </a:p>
@@ -1722,11 +1923,12 @@
           </a:prstGeom>
         </p:spPr>
         <p:txBody>
-          <a:bodyPr lIns="0" rIns="0" tIns="0" bIns="0">
+          <a:bodyPr lIns="0" tIns="0" rIns="0" bIns="0">
             <a:normAutofit/>
           </a:bodyPr>
-          <a:p>
-            <a:endParaRPr b="0" lang="en-US" sz="3200" spc="-1" strike="noStrike">
+          <a:lstStyle/>
+          <a:p>
+            <a:endParaRPr lang="en-US" sz="3200" b="0" strike="noStrike" spc="-1">
               <a:latin typeface="Arial"/>
             </a:endParaRPr>
           </a:p>
@@ -1734,11 +1936,14 @@
       </p:sp>
     </p:spTree>
   </p:cSld>
+  <p:clrMapOvr>
+    <a:masterClrMapping/>
+  </p:clrMapOvr>
 </p:sldLayout>
 </file>
 
 <file path=ppt/slideLayouts/slideLayout24.xml><?xml version="1.0" encoding="utf-8"?>
-<p:sldLayout xmlns:a="http://schemas.openxmlformats.org/drawingml/2006/main" xmlns:p="http://schemas.openxmlformats.org/presentationml/2006/main" xmlns:r="http://schemas.openxmlformats.org/officeDocument/2006/relationships" xmlns:p14="http://schemas.microsoft.com/office/powerpoint/2010/main" xmlns:p15="http://schemas.microsoft.com/office/powerpoint/2012/main" xmlns:mc="http://schemas.openxmlformats.org/markup-compatibility/2006" type="blank" preserve="1">
+<p:sldLayout xmlns:a="http://schemas.openxmlformats.org/drawingml/2006/main" xmlns:r="http://schemas.openxmlformats.org/officeDocument/2006/relationships" xmlns:p="http://schemas.openxmlformats.org/presentationml/2006/main" type="blank" preserve="1">
   <p:cSld name="Title, 6 Content">
     <p:spTree>
       <p:nvGrpSpPr>
@@ -1774,10 +1979,11 @@
           </a:prstGeom>
         </p:spPr>
         <p:txBody>
-          <a:bodyPr lIns="0" rIns="0" tIns="0" bIns="0" anchor="ctr"/>
+          <a:bodyPr lIns="0" tIns="0" rIns="0" bIns="0" anchor="ctr"/>
+          <a:lstStyle/>
           <a:p>
             <a:pPr algn="ctr"/>
-            <a:endParaRPr b="0" lang="en-US" sz="4400" spc="-1" strike="noStrike">
+            <a:endParaRPr lang="en-US" sz="4400" b="0" strike="noStrike" spc="-1">
               <a:latin typeface="Arial"/>
             </a:endParaRPr>
           </a:p>
@@ -1803,11 +2009,12 @@
           </a:prstGeom>
         </p:spPr>
         <p:txBody>
-          <a:bodyPr lIns="0" rIns="0" tIns="0" bIns="0">
+          <a:bodyPr lIns="0" tIns="0" rIns="0" bIns="0">
             <a:normAutofit/>
           </a:bodyPr>
-          <a:p>
-            <a:endParaRPr b="0" lang="en-US" sz="3200" spc="-1" strike="noStrike">
+          <a:lstStyle/>
+          <a:p>
+            <a:endParaRPr lang="en-US" sz="3200" b="0" strike="noStrike" spc="-1">
               <a:latin typeface="Arial"/>
             </a:endParaRPr>
           </a:p>
@@ -1833,11 +2040,12 @@
           </a:prstGeom>
         </p:spPr>
         <p:txBody>
-          <a:bodyPr lIns="0" rIns="0" tIns="0" bIns="0">
+          <a:bodyPr lIns="0" tIns="0" rIns="0" bIns="0">
             <a:normAutofit/>
           </a:bodyPr>
-          <a:p>
-            <a:endParaRPr b="0" lang="en-US" sz="3200" spc="-1" strike="noStrike">
+          <a:lstStyle/>
+          <a:p>
+            <a:endParaRPr lang="en-US" sz="3200" b="0" strike="noStrike" spc="-1">
               <a:latin typeface="Arial"/>
             </a:endParaRPr>
           </a:p>
@@ -1863,11 +2071,12 @@
           </a:prstGeom>
         </p:spPr>
         <p:txBody>
-          <a:bodyPr lIns="0" rIns="0" tIns="0" bIns="0">
+          <a:bodyPr lIns="0" tIns="0" rIns="0" bIns="0">
             <a:normAutofit/>
           </a:bodyPr>
-          <a:p>
-            <a:endParaRPr b="0" lang="en-US" sz="3200" spc="-1" strike="noStrike">
+          <a:lstStyle/>
+          <a:p>
+            <a:endParaRPr lang="en-US" sz="3200" b="0" strike="noStrike" spc="-1">
               <a:latin typeface="Arial"/>
             </a:endParaRPr>
           </a:p>
@@ -1893,11 +2102,12 @@
           </a:prstGeom>
         </p:spPr>
         <p:txBody>
-          <a:bodyPr lIns="0" rIns="0" tIns="0" bIns="0">
+          <a:bodyPr lIns="0" tIns="0" rIns="0" bIns="0">
             <a:normAutofit/>
           </a:bodyPr>
-          <a:p>
-            <a:endParaRPr b="0" lang="en-US" sz="3200" spc="-1" strike="noStrike">
+          <a:lstStyle/>
+          <a:p>
+            <a:endParaRPr lang="en-US" sz="3200" b="0" strike="noStrike" spc="-1">
               <a:latin typeface="Arial"/>
             </a:endParaRPr>
           </a:p>
@@ -1923,11 +2133,12 @@
           </a:prstGeom>
         </p:spPr>
         <p:txBody>
-          <a:bodyPr lIns="0" rIns="0" tIns="0" bIns="0">
+          <a:bodyPr lIns="0" tIns="0" rIns="0" bIns="0">
             <a:normAutofit/>
           </a:bodyPr>
-          <a:p>
-            <a:endParaRPr b="0" lang="en-US" sz="3200" spc="-1" strike="noStrike">
+          <a:lstStyle/>
+          <a:p>
+            <a:endParaRPr lang="en-US" sz="3200" b="0" strike="noStrike" spc="-1">
               <a:latin typeface="Arial"/>
             </a:endParaRPr>
           </a:p>
@@ -1953,11 +2164,12 @@
           </a:prstGeom>
         </p:spPr>
         <p:txBody>
-          <a:bodyPr lIns="0" rIns="0" tIns="0" bIns="0">
+          <a:bodyPr lIns="0" tIns="0" rIns="0" bIns="0">
             <a:normAutofit/>
           </a:bodyPr>
-          <a:p>
-            <a:endParaRPr b="0" lang="en-US" sz="3200" spc="-1" strike="noStrike">
+          <a:lstStyle/>
+          <a:p>
+            <a:endParaRPr lang="en-US" sz="3200" b="0" strike="noStrike" spc="-1">
               <a:latin typeface="Arial"/>
             </a:endParaRPr>
           </a:p>
@@ -1965,11 +2177,14 @@
       </p:sp>
     </p:spTree>
   </p:cSld>
+  <p:clrMapOvr>
+    <a:masterClrMapping/>
+  </p:clrMapOvr>
 </p:sldLayout>
 </file>
 
 <file path=ppt/slideLayouts/slideLayout25.xml><?xml version="1.0" encoding="utf-8"?>
-<p:sldLayout xmlns:a="http://schemas.openxmlformats.org/drawingml/2006/main" xmlns:p="http://schemas.openxmlformats.org/presentationml/2006/main" xmlns:r="http://schemas.openxmlformats.org/officeDocument/2006/relationships" xmlns:p14="http://schemas.microsoft.com/office/powerpoint/2010/main" xmlns:p15="http://schemas.microsoft.com/office/powerpoint/2012/main" xmlns:mc="http://schemas.openxmlformats.org/markup-compatibility/2006" type="blank" preserve="1">
+<p:sldLayout xmlns:a="http://schemas.openxmlformats.org/drawingml/2006/main" xmlns:r="http://schemas.openxmlformats.org/officeDocument/2006/relationships" xmlns:p="http://schemas.openxmlformats.org/presentationml/2006/main" type="blank" preserve="1">
   <p:cSld name="Blank Slide">
     <p:spTree>
       <p:nvGrpSpPr>
@@ -1987,11 +2202,14 @@
       </p:grpSpPr>
     </p:spTree>
   </p:cSld>
+  <p:clrMapOvr>
+    <a:masterClrMapping/>
+  </p:clrMapOvr>
 </p:sldLayout>
 </file>
 
 <file path=ppt/slideLayouts/slideLayout26.xml><?xml version="1.0" encoding="utf-8"?>
-<p:sldLayout xmlns:a="http://schemas.openxmlformats.org/drawingml/2006/main" xmlns:p="http://schemas.openxmlformats.org/presentationml/2006/main" xmlns:r="http://schemas.openxmlformats.org/officeDocument/2006/relationships" xmlns:p14="http://schemas.microsoft.com/office/powerpoint/2010/main" xmlns:p15="http://schemas.microsoft.com/office/powerpoint/2012/main" xmlns:mc="http://schemas.openxmlformats.org/markup-compatibility/2006" type="tx" preserve="1">
+<p:sldLayout xmlns:a="http://schemas.openxmlformats.org/drawingml/2006/main" xmlns:r="http://schemas.openxmlformats.org/officeDocument/2006/relationships" xmlns:p="http://schemas.openxmlformats.org/presentationml/2006/main" type="tx" preserve="1">
   <p:cSld name="Title Slide">
     <p:spTree>
       <p:nvGrpSpPr>
@@ -2027,10 +2245,11 @@
           </a:prstGeom>
         </p:spPr>
         <p:txBody>
-          <a:bodyPr lIns="0" rIns="0" tIns="0" bIns="0" anchor="ctr"/>
+          <a:bodyPr lIns="0" tIns="0" rIns="0" bIns="0" anchor="ctr"/>
+          <a:lstStyle/>
           <a:p>
             <a:pPr algn="ctr"/>
-            <a:endParaRPr b="0" lang="en-US" sz="4400" spc="-1" strike="noStrike">
+            <a:endParaRPr lang="en-US" sz="4400" b="0" strike="noStrike" spc="-1">
               <a:latin typeface="Arial"/>
             </a:endParaRPr>
           </a:p>
@@ -2056,10 +2275,11 @@
           </a:prstGeom>
         </p:spPr>
         <p:txBody>
-          <a:bodyPr lIns="0" rIns="0" tIns="0" bIns="0" anchor="ctr"/>
+          <a:bodyPr lIns="0" tIns="0" rIns="0" bIns="0" anchor="ctr"/>
+          <a:lstStyle/>
           <a:p>
             <a:pPr algn="ctr"/>
-            <a:endParaRPr b="0" lang="en-US" sz="3200" spc="-1" strike="noStrike">
+            <a:endParaRPr lang="en-US" sz="3200" b="0" strike="noStrike" spc="-1">
               <a:latin typeface="Arial"/>
             </a:endParaRPr>
           </a:p>
@@ -2067,11 +2287,14 @@
       </p:sp>
     </p:spTree>
   </p:cSld>
+  <p:clrMapOvr>
+    <a:masterClrMapping/>
+  </p:clrMapOvr>
 </p:sldLayout>
 </file>
 
 <file path=ppt/slideLayouts/slideLayout27.xml><?xml version="1.0" encoding="utf-8"?>
-<p:sldLayout xmlns:a="http://schemas.openxmlformats.org/drawingml/2006/main" xmlns:p="http://schemas.openxmlformats.org/presentationml/2006/main" xmlns:r="http://schemas.openxmlformats.org/officeDocument/2006/relationships" xmlns:p14="http://schemas.microsoft.com/office/powerpoint/2010/main" xmlns:p15="http://schemas.microsoft.com/office/powerpoint/2012/main" xmlns:mc="http://schemas.openxmlformats.org/markup-compatibility/2006" type="obj" preserve="1">
+<p:sldLayout xmlns:a="http://schemas.openxmlformats.org/drawingml/2006/main" xmlns:r="http://schemas.openxmlformats.org/officeDocument/2006/relationships" xmlns:p="http://schemas.openxmlformats.org/presentationml/2006/main" type="obj" preserve="1">
   <p:cSld name="Title, Content">
     <p:spTree>
       <p:nvGrpSpPr>
@@ -2107,10 +2330,11 @@
           </a:prstGeom>
         </p:spPr>
         <p:txBody>
-          <a:bodyPr lIns="0" rIns="0" tIns="0" bIns="0" anchor="ctr"/>
+          <a:bodyPr lIns="0" tIns="0" rIns="0" bIns="0" anchor="ctr"/>
+          <a:lstStyle/>
           <a:p>
             <a:pPr algn="ctr"/>
-            <a:endParaRPr b="0" lang="en-US" sz="4400" spc="-1" strike="noStrike">
+            <a:endParaRPr lang="en-US" sz="4400" b="0" strike="noStrike" spc="-1">
               <a:latin typeface="Arial"/>
             </a:endParaRPr>
           </a:p>
@@ -2136,11 +2360,12 @@
           </a:prstGeom>
         </p:spPr>
         <p:txBody>
-          <a:bodyPr lIns="0" rIns="0" tIns="0" bIns="0">
+          <a:bodyPr lIns="0" tIns="0" rIns="0" bIns="0">
             <a:normAutofit/>
           </a:bodyPr>
-          <a:p>
-            <a:endParaRPr b="0" lang="en-US" sz="3200" spc="-1" strike="noStrike">
+          <a:lstStyle/>
+          <a:p>
+            <a:endParaRPr lang="en-US" sz="3200" b="0" strike="noStrike" spc="-1">
               <a:latin typeface="Arial"/>
             </a:endParaRPr>
           </a:p>
@@ -2148,11 +2373,14 @@
       </p:sp>
     </p:spTree>
   </p:cSld>
+  <p:clrMapOvr>
+    <a:masterClrMapping/>
+  </p:clrMapOvr>
 </p:sldLayout>
 </file>
 
 <file path=ppt/slideLayouts/slideLayout28.xml><?xml version="1.0" encoding="utf-8"?>
-<p:sldLayout xmlns:a="http://schemas.openxmlformats.org/drawingml/2006/main" xmlns:p="http://schemas.openxmlformats.org/presentationml/2006/main" xmlns:r="http://schemas.openxmlformats.org/officeDocument/2006/relationships" xmlns:p14="http://schemas.microsoft.com/office/powerpoint/2010/main" xmlns:p15="http://schemas.microsoft.com/office/powerpoint/2012/main" xmlns:mc="http://schemas.openxmlformats.org/markup-compatibility/2006" type="twoObj" preserve="1">
+<p:sldLayout xmlns:a="http://schemas.openxmlformats.org/drawingml/2006/main" xmlns:r="http://schemas.openxmlformats.org/officeDocument/2006/relationships" xmlns:p="http://schemas.openxmlformats.org/presentationml/2006/main" type="twoObj" preserve="1">
   <p:cSld name="Title, 2 Content">
     <p:spTree>
       <p:nvGrpSpPr>
@@ -2188,10 +2416,11 @@
           </a:prstGeom>
         </p:spPr>
         <p:txBody>
-          <a:bodyPr lIns="0" rIns="0" tIns="0" bIns="0" anchor="ctr"/>
+          <a:bodyPr lIns="0" tIns="0" rIns="0" bIns="0" anchor="ctr"/>
+          <a:lstStyle/>
           <a:p>
             <a:pPr algn="ctr"/>
-            <a:endParaRPr b="0" lang="en-US" sz="4400" spc="-1" strike="noStrike">
+            <a:endParaRPr lang="en-US" sz="4400" b="0" strike="noStrike" spc="-1">
               <a:latin typeface="Arial"/>
             </a:endParaRPr>
           </a:p>
@@ -2217,11 +2446,12 @@
           </a:prstGeom>
         </p:spPr>
         <p:txBody>
-          <a:bodyPr lIns="0" rIns="0" tIns="0" bIns="0">
+          <a:bodyPr lIns="0" tIns="0" rIns="0" bIns="0">
             <a:normAutofit/>
           </a:bodyPr>
-          <a:p>
-            <a:endParaRPr b="0" lang="en-US" sz="3200" spc="-1" strike="noStrike">
+          <a:lstStyle/>
+          <a:p>
+            <a:endParaRPr lang="en-US" sz="3200" b="0" strike="noStrike" spc="-1">
               <a:latin typeface="Arial"/>
             </a:endParaRPr>
           </a:p>
@@ -2247,11 +2477,12 @@
           </a:prstGeom>
         </p:spPr>
         <p:txBody>
-          <a:bodyPr lIns="0" rIns="0" tIns="0" bIns="0">
+          <a:bodyPr lIns="0" tIns="0" rIns="0" bIns="0">
             <a:normAutofit/>
           </a:bodyPr>
-          <a:p>
-            <a:endParaRPr b="0" lang="en-US" sz="3200" spc="-1" strike="noStrike">
+          <a:lstStyle/>
+          <a:p>
+            <a:endParaRPr lang="en-US" sz="3200" b="0" strike="noStrike" spc="-1">
               <a:latin typeface="Arial"/>
             </a:endParaRPr>
           </a:p>
@@ -2259,11 +2490,14 @@
       </p:sp>
     </p:spTree>
   </p:cSld>
+  <p:clrMapOvr>
+    <a:masterClrMapping/>
+  </p:clrMapOvr>
 </p:sldLayout>
 </file>
 
 <file path=ppt/slideLayouts/slideLayout29.xml><?xml version="1.0" encoding="utf-8"?>
-<p:sldLayout xmlns:a="http://schemas.openxmlformats.org/drawingml/2006/main" xmlns:p="http://schemas.openxmlformats.org/presentationml/2006/main" xmlns:r="http://schemas.openxmlformats.org/officeDocument/2006/relationships" xmlns:p14="http://schemas.microsoft.com/office/powerpoint/2010/main" xmlns:p15="http://schemas.microsoft.com/office/powerpoint/2012/main" xmlns:mc="http://schemas.openxmlformats.org/markup-compatibility/2006" type="titleOnly" preserve="1">
+<p:sldLayout xmlns:a="http://schemas.openxmlformats.org/drawingml/2006/main" xmlns:r="http://schemas.openxmlformats.org/officeDocument/2006/relationships" xmlns:p="http://schemas.openxmlformats.org/presentationml/2006/main" type="titleOnly" preserve="1">
   <p:cSld name="Title Only">
     <p:spTree>
       <p:nvGrpSpPr>
@@ -2299,10 +2533,11 @@
           </a:prstGeom>
         </p:spPr>
         <p:txBody>
-          <a:bodyPr lIns="0" rIns="0" tIns="0" bIns="0" anchor="ctr"/>
+          <a:bodyPr lIns="0" tIns="0" rIns="0" bIns="0" anchor="ctr"/>
+          <a:lstStyle/>
           <a:p>
             <a:pPr algn="ctr"/>
-            <a:endParaRPr b="0" lang="en-US" sz="4400" spc="-1" strike="noStrike">
+            <a:endParaRPr lang="en-US" sz="4400" b="0" strike="noStrike" spc="-1">
               <a:latin typeface="Arial"/>
             </a:endParaRPr>
           </a:p>
@@ -2310,11 +2545,14 @@
       </p:sp>
     </p:spTree>
   </p:cSld>
+  <p:clrMapOvr>
+    <a:masterClrMapping/>
+  </p:clrMapOvr>
 </p:sldLayout>
 </file>
 
 <file path=ppt/slideLayouts/slideLayout3.xml><?xml version="1.0" encoding="utf-8"?>
-<p:sldLayout xmlns:a="http://schemas.openxmlformats.org/drawingml/2006/main" xmlns:p="http://schemas.openxmlformats.org/presentationml/2006/main" xmlns:r="http://schemas.openxmlformats.org/officeDocument/2006/relationships" xmlns:p14="http://schemas.microsoft.com/office/powerpoint/2010/main" xmlns:p15="http://schemas.microsoft.com/office/powerpoint/2012/main" xmlns:mc="http://schemas.openxmlformats.org/markup-compatibility/2006" type="obj" preserve="1">
+<p:sldLayout xmlns:a="http://schemas.openxmlformats.org/drawingml/2006/main" xmlns:r="http://schemas.openxmlformats.org/officeDocument/2006/relationships" xmlns:p="http://schemas.openxmlformats.org/presentationml/2006/main" type="obj" preserve="1">
   <p:cSld name="Title, Content">
     <p:spTree>
       <p:nvGrpSpPr>
@@ -2350,10 +2588,11 @@
           </a:prstGeom>
         </p:spPr>
         <p:txBody>
-          <a:bodyPr lIns="0" rIns="0" tIns="0" bIns="0" anchor="ctr"/>
+          <a:bodyPr lIns="0" tIns="0" rIns="0" bIns="0" anchor="ctr"/>
+          <a:lstStyle/>
           <a:p>
             <a:pPr algn="ctr"/>
-            <a:endParaRPr b="0" lang="en-US" sz="4400" spc="-1" strike="noStrike">
+            <a:endParaRPr lang="en-US" sz="4400" b="0" strike="noStrike" spc="-1">
               <a:latin typeface="Arial"/>
             </a:endParaRPr>
           </a:p>
@@ -2379,11 +2618,12 @@
           </a:prstGeom>
         </p:spPr>
         <p:txBody>
-          <a:bodyPr lIns="0" rIns="0" tIns="0" bIns="0">
+          <a:bodyPr lIns="0" tIns="0" rIns="0" bIns="0">
             <a:normAutofit/>
           </a:bodyPr>
-          <a:p>
-            <a:endParaRPr b="0" lang="en-US" sz="3200" spc="-1" strike="noStrike">
+          <a:lstStyle/>
+          <a:p>
+            <a:endParaRPr lang="en-US" sz="3200" b="0" strike="noStrike" spc="-1">
               <a:latin typeface="Arial"/>
             </a:endParaRPr>
           </a:p>
@@ -2391,11 +2631,14 @@
       </p:sp>
     </p:spTree>
   </p:cSld>
+  <p:clrMapOvr>
+    <a:masterClrMapping/>
+  </p:clrMapOvr>
 </p:sldLayout>
 </file>
 
 <file path=ppt/slideLayouts/slideLayout30.xml><?xml version="1.0" encoding="utf-8"?>
-<p:sldLayout xmlns:a="http://schemas.openxmlformats.org/drawingml/2006/main" xmlns:p="http://schemas.openxmlformats.org/presentationml/2006/main" xmlns:r="http://schemas.openxmlformats.org/officeDocument/2006/relationships" xmlns:p14="http://schemas.microsoft.com/office/powerpoint/2010/main" xmlns:p15="http://schemas.microsoft.com/office/powerpoint/2012/main" xmlns:mc="http://schemas.openxmlformats.org/markup-compatibility/2006" type="objOnly" preserve="1">
+<p:sldLayout xmlns:a="http://schemas.openxmlformats.org/drawingml/2006/main" xmlns:r="http://schemas.openxmlformats.org/officeDocument/2006/relationships" xmlns:p="http://schemas.openxmlformats.org/presentationml/2006/main" type="objOnly" preserve="1">
   <p:cSld name="Centered Text">
     <p:spTree>
       <p:nvGrpSpPr>
@@ -2431,10 +2674,11 @@
           </a:prstGeom>
         </p:spPr>
         <p:txBody>
-          <a:bodyPr lIns="0" rIns="0" tIns="0" bIns="0" anchor="ctr"/>
+          <a:bodyPr lIns="0" tIns="0" rIns="0" bIns="0" anchor="ctr"/>
+          <a:lstStyle/>
           <a:p>
             <a:pPr algn="ctr"/>
-            <a:endParaRPr b="0" lang="en-US" sz="3200" spc="-1" strike="noStrike">
+            <a:endParaRPr lang="en-US" sz="3200" b="0" strike="noStrike" spc="-1">
               <a:latin typeface="Arial"/>
             </a:endParaRPr>
           </a:p>
@@ -2442,11 +2686,14 @@
       </p:sp>
     </p:spTree>
   </p:cSld>
+  <p:clrMapOvr>
+    <a:masterClrMapping/>
+  </p:clrMapOvr>
 </p:sldLayout>
 </file>
 
 <file path=ppt/slideLayouts/slideLayout31.xml><?xml version="1.0" encoding="utf-8"?>
-<p:sldLayout xmlns:a="http://schemas.openxmlformats.org/drawingml/2006/main" xmlns:p="http://schemas.openxmlformats.org/presentationml/2006/main" xmlns:r="http://schemas.openxmlformats.org/officeDocument/2006/relationships" xmlns:p14="http://schemas.microsoft.com/office/powerpoint/2010/main" xmlns:p15="http://schemas.microsoft.com/office/powerpoint/2012/main" xmlns:mc="http://schemas.openxmlformats.org/markup-compatibility/2006" type="twoObjAndObj" preserve="1">
+<p:sldLayout xmlns:a="http://schemas.openxmlformats.org/drawingml/2006/main" xmlns:r="http://schemas.openxmlformats.org/officeDocument/2006/relationships" xmlns:p="http://schemas.openxmlformats.org/presentationml/2006/main" type="twoObjAndObj" preserve="1">
   <p:cSld name="Title, 2 Content and Content">
     <p:spTree>
       <p:nvGrpSpPr>
@@ -2482,10 +2729,11 @@
           </a:prstGeom>
         </p:spPr>
         <p:txBody>
-          <a:bodyPr lIns="0" rIns="0" tIns="0" bIns="0" anchor="ctr"/>
+          <a:bodyPr lIns="0" tIns="0" rIns="0" bIns="0" anchor="ctr"/>
+          <a:lstStyle/>
           <a:p>
             <a:pPr algn="ctr"/>
-            <a:endParaRPr b="0" lang="en-US" sz="4400" spc="-1" strike="noStrike">
+            <a:endParaRPr lang="en-US" sz="4400" b="0" strike="noStrike" spc="-1">
               <a:latin typeface="Arial"/>
             </a:endParaRPr>
           </a:p>
@@ -2511,11 +2759,12 @@
           </a:prstGeom>
         </p:spPr>
         <p:txBody>
-          <a:bodyPr lIns="0" rIns="0" tIns="0" bIns="0">
+          <a:bodyPr lIns="0" tIns="0" rIns="0" bIns="0">
             <a:normAutofit/>
           </a:bodyPr>
-          <a:p>
-            <a:endParaRPr b="0" lang="en-US" sz="3200" spc="-1" strike="noStrike">
+          <a:lstStyle/>
+          <a:p>
+            <a:endParaRPr lang="en-US" sz="3200" b="0" strike="noStrike" spc="-1">
               <a:latin typeface="Arial"/>
             </a:endParaRPr>
           </a:p>
@@ -2541,11 +2790,12 @@
           </a:prstGeom>
         </p:spPr>
         <p:txBody>
-          <a:bodyPr lIns="0" rIns="0" tIns="0" bIns="0">
+          <a:bodyPr lIns="0" tIns="0" rIns="0" bIns="0">
             <a:normAutofit/>
           </a:bodyPr>
-          <a:p>
-            <a:endParaRPr b="0" lang="en-US" sz="3200" spc="-1" strike="noStrike">
+          <a:lstStyle/>
+          <a:p>
+            <a:endParaRPr lang="en-US" sz="3200" b="0" strike="noStrike" spc="-1">
               <a:latin typeface="Arial"/>
             </a:endParaRPr>
           </a:p>
@@ -2571,11 +2821,12 @@
           </a:prstGeom>
         </p:spPr>
         <p:txBody>
-          <a:bodyPr lIns="0" rIns="0" tIns="0" bIns="0">
+          <a:bodyPr lIns="0" tIns="0" rIns="0" bIns="0">
             <a:normAutofit/>
           </a:bodyPr>
-          <a:p>
-            <a:endParaRPr b="0" lang="en-US" sz="3200" spc="-1" strike="noStrike">
+          <a:lstStyle/>
+          <a:p>
+            <a:endParaRPr lang="en-US" sz="3200" b="0" strike="noStrike" spc="-1">
               <a:latin typeface="Arial"/>
             </a:endParaRPr>
           </a:p>
@@ -2583,11 +2834,14 @@
       </p:sp>
     </p:spTree>
   </p:cSld>
+  <p:clrMapOvr>
+    <a:masterClrMapping/>
+  </p:clrMapOvr>
 </p:sldLayout>
 </file>
 
 <file path=ppt/slideLayouts/slideLayout32.xml><?xml version="1.0" encoding="utf-8"?>
-<p:sldLayout xmlns:a="http://schemas.openxmlformats.org/drawingml/2006/main" xmlns:p="http://schemas.openxmlformats.org/presentationml/2006/main" xmlns:r="http://schemas.openxmlformats.org/officeDocument/2006/relationships" xmlns:p14="http://schemas.microsoft.com/office/powerpoint/2010/main" xmlns:p15="http://schemas.microsoft.com/office/powerpoint/2012/main" xmlns:mc="http://schemas.openxmlformats.org/markup-compatibility/2006" type="objAndTwoObj" preserve="1">
+<p:sldLayout xmlns:a="http://schemas.openxmlformats.org/drawingml/2006/main" xmlns:r="http://schemas.openxmlformats.org/officeDocument/2006/relationships" xmlns:p="http://schemas.openxmlformats.org/presentationml/2006/main" type="objAndTwoObj" preserve="1">
   <p:cSld name="Title Content and 2 Content">
     <p:spTree>
       <p:nvGrpSpPr>
@@ -2623,10 +2877,11 @@
           </a:prstGeom>
         </p:spPr>
         <p:txBody>
-          <a:bodyPr lIns="0" rIns="0" tIns="0" bIns="0" anchor="ctr"/>
+          <a:bodyPr lIns="0" tIns="0" rIns="0" bIns="0" anchor="ctr"/>
+          <a:lstStyle/>
           <a:p>
             <a:pPr algn="ctr"/>
-            <a:endParaRPr b="0" lang="en-US" sz="4400" spc="-1" strike="noStrike">
+            <a:endParaRPr lang="en-US" sz="4400" b="0" strike="noStrike" spc="-1">
               <a:latin typeface="Arial"/>
             </a:endParaRPr>
           </a:p>
@@ -2652,11 +2907,12 @@
           </a:prstGeom>
         </p:spPr>
         <p:txBody>
-          <a:bodyPr lIns="0" rIns="0" tIns="0" bIns="0">
+          <a:bodyPr lIns="0" tIns="0" rIns="0" bIns="0">
             <a:normAutofit/>
           </a:bodyPr>
-          <a:p>
-            <a:endParaRPr b="0" lang="en-US" sz="3200" spc="-1" strike="noStrike">
+          <a:lstStyle/>
+          <a:p>
+            <a:endParaRPr lang="en-US" sz="3200" b="0" strike="noStrike" spc="-1">
               <a:latin typeface="Arial"/>
             </a:endParaRPr>
           </a:p>
@@ -2682,11 +2938,12 @@
           </a:prstGeom>
         </p:spPr>
         <p:txBody>
-          <a:bodyPr lIns="0" rIns="0" tIns="0" bIns="0">
+          <a:bodyPr lIns="0" tIns="0" rIns="0" bIns="0">
             <a:normAutofit/>
           </a:bodyPr>
-          <a:p>
-            <a:endParaRPr b="0" lang="en-US" sz="3200" spc="-1" strike="noStrike">
+          <a:lstStyle/>
+          <a:p>
+            <a:endParaRPr lang="en-US" sz="3200" b="0" strike="noStrike" spc="-1">
               <a:latin typeface="Arial"/>
             </a:endParaRPr>
           </a:p>
@@ -2712,11 +2969,12 @@
           </a:prstGeom>
         </p:spPr>
         <p:txBody>
-          <a:bodyPr lIns="0" rIns="0" tIns="0" bIns="0">
+          <a:bodyPr lIns="0" tIns="0" rIns="0" bIns="0">
             <a:normAutofit/>
           </a:bodyPr>
-          <a:p>
-            <a:endParaRPr b="0" lang="en-US" sz="3200" spc="-1" strike="noStrike">
+          <a:lstStyle/>
+          <a:p>
+            <a:endParaRPr lang="en-US" sz="3200" b="0" strike="noStrike" spc="-1">
               <a:latin typeface="Arial"/>
             </a:endParaRPr>
           </a:p>
@@ -2724,11 +2982,14 @@
       </p:sp>
     </p:spTree>
   </p:cSld>
+  <p:clrMapOvr>
+    <a:masterClrMapping/>
+  </p:clrMapOvr>
 </p:sldLayout>
 </file>
 
 <file path=ppt/slideLayouts/slideLayout33.xml><?xml version="1.0" encoding="utf-8"?>
-<p:sldLayout xmlns:a="http://schemas.openxmlformats.org/drawingml/2006/main" xmlns:p="http://schemas.openxmlformats.org/presentationml/2006/main" xmlns:r="http://schemas.openxmlformats.org/officeDocument/2006/relationships" xmlns:p14="http://schemas.microsoft.com/office/powerpoint/2010/main" xmlns:p15="http://schemas.microsoft.com/office/powerpoint/2012/main" xmlns:mc="http://schemas.openxmlformats.org/markup-compatibility/2006" type="twoObjOverTx" preserve="1">
+<p:sldLayout xmlns:a="http://schemas.openxmlformats.org/drawingml/2006/main" xmlns:r="http://schemas.openxmlformats.org/officeDocument/2006/relationships" xmlns:p="http://schemas.openxmlformats.org/presentationml/2006/main" type="twoObjOverTx" preserve="1">
   <p:cSld name="Title, 2 Content over Content">
     <p:spTree>
       <p:nvGrpSpPr>
@@ -2764,10 +3025,11 @@
           </a:prstGeom>
         </p:spPr>
         <p:txBody>
-          <a:bodyPr lIns="0" rIns="0" tIns="0" bIns="0" anchor="ctr"/>
+          <a:bodyPr lIns="0" tIns="0" rIns="0" bIns="0" anchor="ctr"/>
+          <a:lstStyle/>
           <a:p>
             <a:pPr algn="ctr"/>
-            <a:endParaRPr b="0" lang="en-US" sz="4400" spc="-1" strike="noStrike">
+            <a:endParaRPr lang="en-US" sz="4400" b="0" strike="noStrike" spc="-1">
               <a:latin typeface="Arial"/>
             </a:endParaRPr>
           </a:p>
@@ -2793,11 +3055,12 @@
           </a:prstGeom>
         </p:spPr>
         <p:txBody>
-          <a:bodyPr lIns="0" rIns="0" tIns="0" bIns="0">
+          <a:bodyPr lIns="0" tIns="0" rIns="0" bIns="0">
             <a:normAutofit/>
           </a:bodyPr>
-          <a:p>
-            <a:endParaRPr b="0" lang="en-US" sz="3200" spc="-1" strike="noStrike">
+          <a:lstStyle/>
+          <a:p>
+            <a:endParaRPr lang="en-US" sz="3200" b="0" strike="noStrike" spc="-1">
               <a:latin typeface="Arial"/>
             </a:endParaRPr>
           </a:p>
@@ -2823,11 +3086,12 @@
           </a:prstGeom>
         </p:spPr>
         <p:txBody>
-          <a:bodyPr lIns="0" rIns="0" tIns="0" bIns="0">
+          <a:bodyPr lIns="0" tIns="0" rIns="0" bIns="0">
             <a:normAutofit/>
           </a:bodyPr>
-          <a:p>
-            <a:endParaRPr b="0" lang="en-US" sz="3200" spc="-1" strike="noStrike">
+          <a:lstStyle/>
+          <a:p>
+            <a:endParaRPr lang="en-US" sz="3200" b="0" strike="noStrike" spc="-1">
               <a:latin typeface="Arial"/>
             </a:endParaRPr>
           </a:p>
@@ -2853,11 +3117,12 @@
           </a:prstGeom>
         </p:spPr>
         <p:txBody>
-          <a:bodyPr lIns="0" rIns="0" tIns="0" bIns="0">
+          <a:bodyPr lIns="0" tIns="0" rIns="0" bIns="0">
             <a:normAutofit/>
           </a:bodyPr>
-          <a:p>
-            <a:endParaRPr b="0" lang="en-US" sz="3200" spc="-1" strike="noStrike">
+          <a:lstStyle/>
+          <a:p>
+            <a:endParaRPr lang="en-US" sz="3200" b="0" strike="noStrike" spc="-1">
               <a:latin typeface="Arial"/>
             </a:endParaRPr>
           </a:p>
@@ -2865,11 +3130,14 @@
       </p:sp>
     </p:spTree>
   </p:cSld>
+  <p:clrMapOvr>
+    <a:masterClrMapping/>
+  </p:clrMapOvr>
 </p:sldLayout>
 </file>
 
 <file path=ppt/slideLayouts/slideLayout34.xml><?xml version="1.0" encoding="utf-8"?>
-<p:sldLayout xmlns:a="http://schemas.openxmlformats.org/drawingml/2006/main" xmlns:p="http://schemas.openxmlformats.org/presentationml/2006/main" xmlns:r="http://schemas.openxmlformats.org/officeDocument/2006/relationships" xmlns:p14="http://schemas.microsoft.com/office/powerpoint/2010/main" xmlns:p15="http://schemas.microsoft.com/office/powerpoint/2012/main" xmlns:mc="http://schemas.openxmlformats.org/markup-compatibility/2006" type="objOverTx" preserve="1">
+<p:sldLayout xmlns:a="http://schemas.openxmlformats.org/drawingml/2006/main" xmlns:r="http://schemas.openxmlformats.org/officeDocument/2006/relationships" xmlns:p="http://schemas.openxmlformats.org/presentationml/2006/main" type="objOverTx" preserve="1">
   <p:cSld name="Title, Content over Content">
     <p:spTree>
       <p:nvGrpSpPr>
@@ -2905,10 +3173,11 @@
           </a:prstGeom>
         </p:spPr>
         <p:txBody>
-          <a:bodyPr lIns="0" rIns="0" tIns="0" bIns="0" anchor="ctr"/>
+          <a:bodyPr lIns="0" tIns="0" rIns="0" bIns="0" anchor="ctr"/>
+          <a:lstStyle/>
           <a:p>
             <a:pPr algn="ctr"/>
-            <a:endParaRPr b="0" lang="en-US" sz="4400" spc="-1" strike="noStrike">
+            <a:endParaRPr lang="en-US" sz="4400" b="0" strike="noStrike" spc="-1">
               <a:latin typeface="Arial"/>
             </a:endParaRPr>
           </a:p>
@@ -2934,11 +3203,12 @@
           </a:prstGeom>
         </p:spPr>
         <p:txBody>
-          <a:bodyPr lIns="0" rIns="0" tIns="0" bIns="0">
+          <a:bodyPr lIns="0" tIns="0" rIns="0" bIns="0">
             <a:normAutofit/>
           </a:bodyPr>
-          <a:p>
-            <a:endParaRPr b="0" lang="en-US" sz="3200" spc="-1" strike="noStrike">
+          <a:lstStyle/>
+          <a:p>
+            <a:endParaRPr lang="en-US" sz="3200" b="0" strike="noStrike" spc="-1">
               <a:latin typeface="Arial"/>
             </a:endParaRPr>
           </a:p>
@@ -2964,11 +3234,12 @@
           </a:prstGeom>
         </p:spPr>
         <p:txBody>
-          <a:bodyPr lIns="0" rIns="0" tIns="0" bIns="0">
+          <a:bodyPr lIns="0" tIns="0" rIns="0" bIns="0">
             <a:normAutofit/>
           </a:bodyPr>
-          <a:p>
-            <a:endParaRPr b="0" lang="en-US" sz="3200" spc="-1" strike="noStrike">
+          <a:lstStyle/>
+          <a:p>
+            <a:endParaRPr lang="en-US" sz="3200" b="0" strike="noStrike" spc="-1">
               <a:latin typeface="Arial"/>
             </a:endParaRPr>
           </a:p>
@@ -2976,11 +3247,14 @@
       </p:sp>
     </p:spTree>
   </p:cSld>
+  <p:clrMapOvr>
+    <a:masterClrMapping/>
+  </p:clrMapOvr>
 </p:sldLayout>
 </file>
 
 <file path=ppt/slideLayouts/slideLayout35.xml><?xml version="1.0" encoding="utf-8"?>
-<p:sldLayout xmlns:a="http://schemas.openxmlformats.org/drawingml/2006/main" xmlns:p="http://schemas.openxmlformats.org/presentationml/2006/main" xmlns:r="http://schemas.openxmlformats.org/officeDocument/2006/relationships" xmlns:p14="http://schemas.microsoft.com/office/powerpoint/2010/main" xmlns:p15="http://schemas.microsoft.com/office/powerpoint/2012/main" xmlns:mc="http://schemas.openxmlformats.org/markup-compatibility/2006" type="fourObj" preserve="1">
+<p:sldLayout xmlns:a="http://schemas.openxmlformats.org/drawingml/2006/main" xmlns:r="http://schemas.openxmlformats.org/officeDocument/2006/relationships" xmlns:p="http://schemas.openxmlformats.org/presentationml/2006/main" type="fourObj" preserve="1">
   <p:cSld name="Title, 4 Content">
     <p:spTree>
       <p:nvGrpSpPr>
@@ -3016,10 +3290,11 @@
           </a:prstGeom>
         </p:spPr>
         <p:txBody>
-          <a:bodyPr lIns="0" rIns="0" tIns="0" bIns="0" anchor="ctr"/>
+          <a:bodyPr lIns="0" tIns="0" rIns="0" bIns="0" anchor="ctr"/>
+          <a:lstStyle/>
           <a:p>
             <a:pPr algn="ctr"/>
-            <a:endParaRPr b="0" lang="en-US" sz="4400" spc="-1" strike="noStrike">
+            <a:endParaRPr lang="en-US" sz="4400" b="0" strike="noStrike" spc="-1">
               <a:latin typeface="Arial"/>
             </a:endParaRPr>
           </a:p>
@@ -3045,11 +3320,12 @@
           </a:prstGeom>
         </p:spPr>
         <p:txBody>
-          <a:bodyPr lIns="0" rIns="0" tIns="0" bIns="0">
+          <a:bodyPr lIns="0" tIns="0" rIns="0" bIns="0">
             <a:normAutofit/>
           </a:bodyPr>
-          <a:p>
-            <a:endParaRPr b="0" lang="en-US" sz="3200" spc="-1" strike="noStrike">
+          <a:lstStyle/>
+          <a:p>
+            <a:endParaRPr lang="en-US" sz="3200" b="0" strike="noStrike" spc="-1">
               <a:latin typeface="Arial"/>
             </a:endParaRPr>
           </a:p>
@@ -3075,11 +3351,12 @@
           </a:prstGeom>
         </p:spPr>
         <p:txBody>
-          <a:bodyPr lIns="0" rIns="0" tIns="0" bIns="0">
+          <a:bodyPr lIns="0" tIns="0" rIns="0" bIns="0">
             <a:normAutofit/>
           </a:bodyPr>
-          <a:p>
-            <a:endParaRPr b="0" lang="en-US" sz="3200" spc="-1" strike="noStrike">
+          <a:lstStyle/>
+          <a:p>
+            <a:endParaRPr lang="en-US" sz="3200" b="0" strike="noStrike" spc="-1">
               <a:latin typeface="Arial"/>
             </a:endParaRPr>
           </a:p>
@@ -3105,11 +3382,12 @@
           </a:prstGeom>
         </p:spPr>
         <p:txBody>
-          <a:bodyPr lIns="0" rIns="0" tIns="0" bIns="0">
+          <a:bodyPr lIns="0" tIns="0" rIns="0" bIns="0">
             <a:normAutofit/>
           </a:bodyPr>
-          <a:p>
-            <a:endParaRPr b="0" lang="en-US" sz="3200" spc="-1" strike="noStrike">
+          <a:lstStyle/>
+          <a:p>
+            <a:endParaRPr lang="en-US" sz="3200" b="0" strike="noStrike" spc="-1">
               <a:latin typeface="Arial"/>
             </a:endParaRPr>
           </a:p>
@@ -3135,11 +3413,12 @@
           </a:prstGeom>
         </p:spPr>
         <p:txBody>
-          <a:bodyPr lIns="0" rIns="0" tIns="0" bIns="0">
+          <a:bodyPr lIns="0" tIns="0" rIns="0" bIns="0">
             <a:normAutofit/>
           </a:bodyPr>
-          <a:p>
-            <a:endParaRPr b="0" lang="en-US" sz="3200" spc="-1" strike="noStrike">
+          <a:lstStyle/>
+          <a:p>
+            <a:endParaRPr lang="en-US" sz="3200" b="0" strike="noStrike" spc="-1">
               <a:latin typeface="Arial"/>
             </a:endParaRPr>
           </a:p>
@@ -3147,11 +3426,14 @@
       </p:sp>
     </p:spTree>
   </p:cSld>
+  <p:clrMapOvr>
+    <a:masterClrMapping/>
+  </p:clrMapOvr>
 </p:sldLayout>
 </file>
 
 <file path=ppt/slideLayouts/slideLayout36.xml><?xml version="1.0" encoding="utf-8"?>
-<p:sldLayout xmlns:a="http://schemas.openxmlformats.org/drawingml/2006/main" xmlns:p="http://schemas.openxmlformats.org/presentationml/2006/main" xmlns:r="http://schemas.openxmlformats.org/officeDocument/2006/relationships" xmlns:p14="http://schemas.microsoft.com/office/powerpoint/2010/main" xmlns:p15="http://schemas.microsoft.com/office/powerpoint/2012/main" xmlns:mc="http://schemas.openxmlformats.org/markup-compatibility/2006" type="blank" preserve="1">
+<p:sldLayout xmlns:a="http://schemas.openxmlformats.org/drawingml/2006/main" xmlns:r="http://schemas.openxmlformats.org/officeDocument/2006/relationships" xmlns:p="http://schemas.openxmlformats.org/presentationml/2006/main" type="blank" preserve="1">
   <p:cSld name="Title, 6 Content">
     <p:spTree>
       <p:nvGrpSpPr>
@@ -3187,10 +3469,11 @@
           </a:prstGeom>
         </p:spPr>
         <p:txBody>
-          <a:bodyPr lIns="0" rIns="0" tIns="0" bIns="0" anchor="ctr"/>
+          <a:bodyPr lIns="0" tIns="0" rIns="0" bIns="0" anchor="ctr"/>
+          <a:lstStyle/>
           <a:p>
             <a:pPr algn="ctr"/>
-            <a:endParaRPr b="0" lang="en-US" sz="4400" spc="-1" strike="noStrike">
+            <a:endParaRPr lang="en-US" sz="4400" b="0" strike="noStrike" spc="-1">
               <a:latin typeface="Arial"/>
             </a:endParaRPr>
           </a:p>
@@ -3216,11 +3499,12 @@
           </a:prstGeom>
         </p:spPr>
         <p:txBody>
-          <a:bodyPr lIns="0" rIns="0" tIns="0" bIns="0">
+          <a:bodyPr lIns="0" tIns="0" rIns="0" bIns="0">
             <a:normAutofit/>
           </a:bodyPr>
-          <a:p>
-            <a:endParaRPr b="0" lang="en-US" sz="3200" spc="-1" strike="noStrike">
+          <a:lstStyle/>
+          <a:p>
+            <a:endParaRPr lang="en-US" sz="3200" b="0" strike="noStrike" spc="-1">
               <a:latin typeface="Arial"/>
             </a:endParaRPr>
           </a:p>
@@ -3246,11 +3530,12 @@
           </a:prstGeom>
         </p:spPr>
         <p:txBody>
-          <a:bodyPr lIns="0" rIns="0" tIns="0" bIns="0">
+          <a:bodyPr lIns="0" tIns="0" rIns="0" bIns="0">
             <a:normAutofit/>
           </a:bodyPr>
-          <a:p>
-            <a:endParaRPr b="0" lang="en-US" sz="3200" spc="-1" strike="noStrike">
+          <a:lstStyle/>
+          <a:p>
+            <a:endParaRPr lang="en-US" sz="3200" b="0" strike="noStrike" spc="-1">
               <a:latin typeface="Arial"/>
             </a:endParaRPr>
           </a:p>
@@ -3276,11 +3561,12 @@
           </a:prstGeom>
         </p:spPr>
         <p:txBody>
-          <a:bodyPr lIns="0" rIns="0" tIns="0" bIns="0">
+          <a:bodyPr lIns="0" tIns="0" rIns="0" bIns="0">
             <a:normAutofit/>
           </a:bodyPr>
-          <a:p>
-            <a:endParaRPr b="0" lang="en-US" sz="3200" spc="-1" strike="noStrike">
+          <a:lstStyle/>
+          <a:p>
+            <a:endParaRPr lang="en-US" sz="3200" b="0" strike="noStrike" spc="-1">
               <a:latin typeface="Arial"/>
             </a:endParaRPr>
           </a:p>
@@ -3306,11 +3592,12 @@
           </a:prstGeom>
         </p:spPr>
         <p:txBody>
-          <a:bodyPr lIns="0" rIns="0" tIns="0" bIns="0">
+          <a:bodyPr lIns="0" tIns="0" rIns="0" bIns="0">
             <a:normAutofit/>
           </a:bodyPr>
-          <a:p>
-            <a:endParaRPr b="0" lang="en-US" sz="3200" spc="-1" strike="noStrike">
+          <a:lstStyle/>
+          <a:p>
+            <a:endParaRPr lang="en-US" sz="3200" b="0" strike="noStrike" spc="-1">
               <a:latin typeface="Arial"/>
             </a:endParaRPr>
           </a:p>
@@ -3336,11 +3623,12 @@
           </a:prstGeom>
         </p:spPr>
         <p:txBody>
-          <a:bodyPr lIns="0" rIns="0" tIns="0" bIns="0">
+          <a:bodyPr lIns="0" tIns="0" rIns="0" bIns="0">
             <a:normAutofit/>
           </a:bodyPr>
-          <a:p>
-            <a:endParaRPr b="0" lang="en-US" sz="3200" spc="-1" strike="noStrike">
+          <a:lstStyle/>
+          <a:p>
+            <a:endParaRPr lang="en-US" sz="3200" b="0" strike="noStrike" spc="-1">
               <a:latin typeface="Arial"/>
             </a:endParaRPr>
           </a:p>
@@ -3366,11 +3654,12 @@
           </a:prstGeom>
         </p:spPr>
         <p:txBody>
-          <a:bodyPr lIns="0" rIns="0" tIns="0" bIns="0">
+          <a:bodyPr lIns="0" tIns="0" rIns="0" bIns="0">
             <a:normAutofit/>
           </a:bodyPr>
-          <a:p>
-            <a:endParaRPr b="0" lang="en-US" sz="3200" spc="-1" strike="noStrike">
+          <a:lstStyle/>
+          <a:p>
+            <a:endParaRPr lang="en-US" sz="3200" b="0" strike="noStrike" spc="-1">
               <a:latin typeface="Arial"/>
             </a:endParaRPr>
           </a:p>
@@ -3378,11 +3667,14 @@
       </p:sp>
     </p:spTree>
   </p:cSld>
+  <p:clrMapOvr>
+    <a:masterClrMapping/>
+  </p:clrMapOvr>
 </p:sldLayout>
 </file>
 
 <file path=ppt/slideLayouts/slideLayout37.xml><?xml version="1.0" encoding="utf-8"?>
-<p:sldLayout xmlns:a="http://schemas.openxmlformats.org/drawingml/2006/main" xmlns:p="http://schemas.openxmlformats.org/presentationml/2006/main" xmlns:r="http://schemas.openxmlformats.org/officeDocument/2006/relationships" xmlns:p14="http://schemas.microsoft.com/office/powerpoint/2010/main" xmlns:p15="http://schemas.microsoft.com/office/powerpoint/2012/main" xmlns:mc="http://schemas.openxmlformats.org/markup-compatibility/2006" type="blank" preserve="1">
+<p:sldLayout xmlns:a="http://schemas.openxmlformats.org/drawingml/2006/main" xmlns:r="http://schemas.openxmlformats.org/officeDocument/2006/relationships" xmlns:p="http://schemas.openxmlformats.org/presentationml/2006/main" type="blank" preserve="1">
   <p:cSld name="Blank Slide">
     <p:spTree>
       <p:nvGrpSpPr>
@@ -3400,11 +3692,14 @@
       </p:grpSpPr>
     </p:spTree>
   </p:cSld>
+  <p:clrMapOvr>
+    <a:masterClrMapping/>
+  </p:clrMapOvr>
 </p:sldLayout>
 </file>
 
 <file path=ppt/slideLayouts/slideLayout38.xml><?xml version="1.0" encoding="utf-8"?>
-<p:sldLayout xmlns:a="http://schemas.openxmlformats.org/drawingml/2006/main" xmlns:p="http://schemas.openxmlformats.org/presentationml/2006/main" xmlns:r="http://schemas.openxmlformats.org/officeDocument/2006/relationships" xmlns:p14="http://schemas.microsoft.com/office/powerpoint/2010/main" xmlns:p15="http://schemas.microsoft.com/office/powerpoint/2012/main" xmlns:mc="http://schemas.openxmlformats.org/markup-compatibility/2006" type="tx" preserve="1">
+<p:sldLayout xmlns:a="http://schemas.openxmlformats.org/drawingml/2006/main" xmlns:r="http://schemas.openxmlformats.org/officeDocument/2006/relationships" xmlns:p="http://schemas.openxmlformats.org/presentationml/2006/main" type="tx" preserve="1">
   <p:cSld name="Title Slide">
     <p:spTree>
       <p:nvGrpSpPr>
@@ -3440,10 +3735,11 @@
           </a:prstGeom>
         </p:spPr>
         <p:txBody>
-          <a:bodyPr lIns="0" rIns="0" tIns="0" bIns="0" anchor="ctr"/>
+          <a:bodyPr lIns="0" tIns="0" rIns="0" bIns="0" anchor="ctr"/>
+          <a:lstStyle/>
           <a:p>
             <a:pPr algn="ctr"/>
-            <a:endParaRPr b="0" lang="en-US" sz="4400" spc="-1" strike="noStrike">
+            <a:endParaRPr lang="en-US" sz="4400" b="0" strike="noStrike" spc="-1">
               <a:latin typeface="Arial"/>
             </a:endParaRPr>
           </a:p>
@@ -3469,10 +3765,11 @@
           </a:prstGeom>
         </p:spPr>
         <p:txBody>
-          <a:bodyPr lIns="0" rIns="0" tIns="0" bIns="0" anchor="ctr"/>
+          <a:bodyPr lIns="0" tIns="0" rIns="0" bIns="0" anchor="ctr"/>
+          <a:lstStyle/>
           <a:p>
             <a:pPr algn="ctr"/>
-            <a:endParaRPr b="0" lang="en-US" sz="3200" spc="-1" strike="noStrike">
+            <a:endParaRPr lang="en-US" sz="3200" b="0" strike="noStrike" spc="-1">
               <a:latin typeface="Arial"/>
             </a:endParaRPr>
           </a:p>
@@ -3480,11 +3777,14 @@
       </p:sp>
     </p:spTree>
   </p:cSld>
+  <p:clrMapOvr>
+    <a:masterClrMapping/>
+  </p:clrMapOvr>
 </p:sldLayout>
 </file>
 
 <file path=ppt/slideLayouts/slideLayout39.xml><?xml version="1.0" encoding="utf-8"?>
-<p:sldLayout xmlns:a="http://schemas.openxmlformats.org/drawingml/2006/main" xmlns:p="http://schemas.openxmlformats.org/presentationml/2006/main" xmlns:r="http://schemas.openxmlformats.org/officeDocument/2006/relationships" xmlns:p14="http://schemas.microsoft.com/office/powerpoint/2010/main" xmlns:p15="http://schemas.microsoft.com/office/powerpoint/2012/main" xmlns:mc="http://schemas.openxmlformats.org/markup-compatibility/2006" type="obj" preserve="1">
+<p:sldLayout xmlns:a="http://schemas.openxmlformats.org/drawingml/2006/main" xmlns:r="http://schemas.openxmlformats.org/officeDocument/2006/relationships" xmlns:p="http://schemas.openxmlformats.org/presentationml/2006/main" type="obj" preserve="1">
   <p:cSld name="Title, Content">
     <p:spTree>
       <p:nvGrpSpPr>
@@ -3520,10 +3820,11 @@
           </a:prstGeom>
         </p:spPr>
         <p:txBody>
-          <a:bodyPr lIns="0" rIns="0" tIns="0" bIns="0" anchor="ctr"/>
+          <a:bodyPr lIns="0" tIns="0" rIns="0" bIns="0" anchor="ctr"/>
+          <a:lstStyle/>
           <a:p>
             <a:pPr algn="ctr"/>
-            <a:endParaRPr b="0" lang="en-US" sz="4400" spc="-1" strike="noStrike">
+            <a:endParaRPr lang="en-US" sz="4400" b="0" strike="noStrike" spc="-1">
               <a:latin typeface="Arial"/>
             </a:endParaRPr>
           </a:p>
@@ -3549,11 +3850,12 @@
           </a:prstGeom>
         </p:spPr>
         <p:txBody>
-          <a:bodyPr lIns="0" rIns="0" tIns="0" bIns="0">
+          <a:bodyPr lIns="0" tIns="0" rIns="0" bIns="0">
             <a:normAutofit/>
           </a:bodyPr>
-          <a:p>
-            <a:endParaRPr b="0" lang="en-US" sz="3200" spc="-1" strike="noStrike">
+          <a:lstStyle/>
+          <a:p>
+            <a:endParaRPr lang="en-US" sz="3200" b="0" strike="noStrike" spc="-1">
               <a:latin typeface="Arial"/>
             </a:endParaRPr>
           </a:p>
@@ -3561,11 +3863,14 @@
       </p:sp>
     </p:spTree>
   </p:cSld>
+  <p:clrMapOvr>
+    <a:masterClrMapping/>
+  </p:clrMapOvr>
 </p:sldLayout>
 </file>
 
 <file path=ppt/slideLayouts/slideLayout4.xml><?xml version="1.0" encoding="utf-8"?>
-<p:sldLayout xmlns:a="http://schemas.openxmlformats.org/drawingml/2006/main" xmlns:p="http://schemas.openxmlformats.org/presentationml/2006/main" xmlns:r="http://schemas.openxmlformats.org/officeDocument/2006/relationships" xmlns:p14="http://schemas.microsoft.com/office/powerpoint/2010/main" xmlns:p15="http://schemas.microsoft.com/office/powerpoint/2012/main" xmlns:mc="http://schemas.openxmlformats.org/markup-compatibility/2006" type="twoObj" preserve="1">
+<p:sldLayout xmlns:a="http://schemas.openxmlformats.org/drawingml/2006/main" xmlns:r="http://schemas.openxmlformats.org/officeDocument/2006/relationships" xmlns:p="http://schemas.openxmlformats.org/presentationml/2006/main" type="twoObj" preserve="1">
   <p:cSld name="Title, 2 Content">
     <p:spTree>
       <p:nvGrpSpPr>
@@ -3601,10 +3906,11 @@
           </a:prstGeom>
         </p:spPr>
         <p:txBody>
-          <a:bodyPr lIns="0" rIns="0" tIns="0" bIns="0" anchor="ctr"/>
+          <a:bodyPr lIns="0" tIns="0" rIns="0" bIns="0" anchor="ctr"/>
+          <a:lstStyle/>
           <a:p>
             <a:pPr algn="ctr"/>
-            <a:endParaRPr b="0" lang="en-US" sz="4400" spc="-1" strike="noStrike">
+            <a:endParaRPr lang="en-US" sz="4400" b="0" strike="noStrike" spc="-1">
               <a:latin typeface="Arial"/>
             </a:endParaRPr>
           </a:p>
@@ -3630,11 +3936,12 @@
           </a:prstGeom>
         </p:spPr>
         <p:txBody>
-          <a:bodyPr lIns="0" rIns="0" tIns="0" bIns="0">
+          <a:bodyPr lIns="0" tIns="0" rIns="0" bIns="0">
             <a:normAutofit/>
           </a:bodyPr>
-          <a:p>
-            <a:endParaRPr b="0" lang="en-US" sz="3200" spc="-1" strike="noStrike">
+          <a:lstStyle/>
+          <a:p>
+            <a:endParaRPr lang="en-US" sz="3200" b="0" strike="noStrike" spc="-1">
               <a:latin typeface="Arial"/>
             </a:endParaRPr>
           </a:p>
@@ -3660,11 +3967,12 @@
           </a:prstGeom>
         </p:spPr>
         <p:txBody>
-          <a:bodyPr lIns="0" rIns="0" tIns="0" bIns="0">
+          <a:bodyPr lIns="0" tIns="0" rIns="0" bIns="0">
             <a:normAutofit/>
           </a:bodyPr>
-          <a:p>
-            <a:endParaRPr b="0" lang="en-US" sz="3200" spc="-1" strike="noStrike">
+          <a:lstStyle/>
+          <a:p>
+            <a:endParaRPr lang="en-US" sz="3200" b="0" strike="noStrike" spc="-1">
               <a:latin typeface="Arial"/>
             </a:endParaRPr>
           </a:p>
@@ -3672,11 +3980,14 @@
       </p:sp>
     </p:spTree>
   </p:cSld>
+  <p:clrMapOvr>
+    <a:masterClrMapping/>
+  </p:clrMapOvr>
 </p:sldLayout>
 </file>
 
 <file path=ppt/slideLayouts/slideLayout40.xml><?xml version="1.0" encoding="utf-8"?>
-<p:sldLayout xmlns:a="http://schemas.openxmlformats.org/drawingml/2006/main" xmlns:p="http://schemas.openxmlformats.org/presentationml/2006/main" xmlns:r="http://schemas.openxmlformats.org/officeDocument/2006/relationships" xmlns:p14="http://schemas.microsoft.com/office/powerpoint/2010/main" xmlns:p15="http://schemas.microsoft.com/office/powerpoint/2012/main" xmlns:mc="http://schemas.openxmlformats.org/markup-compatibility/2006" type="twoObj" preserve="1">
+<p:sldLayout xmlns:a="http://schemas.openxmlformats.org/drawingml/2006/main" xmlns:r="http://schemas.openxmlformats.org/officeDocument/2006/relationships" xmlns:p="http://schemas.openxmlformats.org/presentationml/2006/main" type="twoObj" preserve="1">
   <p:cSld name="Title, 2 Content">
     <p:spTree>
       <p:nvGrpSpPr>
@@ -3712,10 +4023,11 @@
           </a:prstGeom>
         </p:spPr>
         <p:txBody>
-          <a:bodyPr lIns="0" rIns="0" tIns="0" bIns="0" anchor="ctr"/>
+          <a:bodyPr lIns="0" tIns="0" rIns="0" bIns="0" anchor="ctr"/>
+          <a:lstStyle/>
           <a:p>
             <a:pPr algn="ctr"/>
-            <a:endParaRPr b="0" lang="en-US" sz="4400" spc="-1" strike="noStrike">
+            <a:endParaRPr lang="en-US" sz="4400" b="0" strike="noStrike" spc="-1">
               <a:latin typeface="Arial"/>
             </a:endParaRPr>
           </a:p>
@@ -3741,11 +4053,12 @@
           </a:prstGeom>
         </p:spPr>
         <p:txBody>
-          <a:bodyPr lIns="0" rIns="0" tIns="0" bIns="0">
+          <a:bodyPr lIns="0" tIns="0" rIns="0" bIns="0">
             <a:normAutofit/>
           </a:bodyPr>
-          <a:p>
-            <a:endParaRPr b="0" lang="en-US" sz="3200" spc="-1" strike="noStrike">
+          <a:lstStyle/>
+          <a:p>
+            <a:endParaRPr lang="en-US" sz="3200" b="0" strike="noStrike" spc="-1">
               <a:latin typeface="Arial"/>
             </a:endParaRPr>
           </a:p>
@@ -3771,11 +4084,12 @@
           </a:prstGeom>
         </p:spPr>
         <p:txBody>
-          <a:bodyPr lIns="0" rIns="0" tIns="0" bIns="0">
+          <a:bodyPr lIns="0" tIns="0" rIns="0" bIns="0">
             <a:normAutofit/>
           </a:bodyPr>
-          <a:p>
-            <a:endParaRPr b="0" lang="en-US" sz="3200" spc="-1" strike="noStrike">
+          <a:lstStyle/>
+          <a:p>
+            <a:endParaRPr lang="en-US" sz="3200" b="0" strike="noStrike" spc="-1">
               <a:latin typeface="Arial"/>
             </a:endParaRPr>
           </a:p>
@@ -3783,11 +4097,14 @@
       </p:sp>
     </p:spTree>
   </p:cSld>
+  <p:clrMapOvr>
+    <a:masterClrMapping/>
+  </p:clrMapOvr>
 </p:sldLayout>
 </file>
 
 <file path=ppt/slideLayouts/slideLayout41.xml><?xml version="1.0" encoding="utf-8"?>
-<p:sldLayout xmlns:a="http://schemas.openxmlformats.org/drawingml/2006/main" xmlns:p="http://schemas.openxmlformats.org/presentationml/2006/main" xmlns:r="http://schemas.openxmlformats.org/officeDocument/2006/relationships" xmlns:p14="http://schemas.microsoft.com/office/powerpoint/2010/main" xmlns:p15="http://schemas.microsoft.com/office/powerpoint/2012/main" xmlns:mc="http://schemas.openxmlformats.org/markup-compatibility/2006" type="titleOnly" preserve="1">
+<p:sldLayout xmlns:a="http://schemas.openxmlformats.org/drawingml/2006/main" xmlns:r="http://schemas.openxmlformats.org/officeDocument/2006/relationships" xmlns:p="http://schemas.openxmlformats.org/presentationml/2006/main" type="titleOnly" preserve="1">
   <p:cSld name="Title Only">
     <p:spTree>
       <p:nvGrpSpPr>
@@ -3823,10 +4140,11 @@
           </a:prstGeom>
         </p:spPr>
         <p:txBody>
-          <a:bodyPr lIns="0" rIns="0" tIns="0" bIns="0" anchor="ctr"/>
+          <a:bodyPr lIns="0" tIns="0" rIns="0" bIns="0" anchor="ctr"/>
+          <a:lstStyle/>
           <a:p>
             <a:pPr algn="ctr"/>
-            <a:endParaRPr b="0" lang="en-US" sz="4400" spc="-1" strike="noStrike">
+            <a:endParaRPr lang="en-US" sz="4400" b="0" strike="noStrike" spc="-1">
               <a:latin typeface="Arial"/>
             </a:endParaRPr>
           </a:p>
@@ -3834,11 +4152,14 @@
       </p:sp>
     </p:spTree>
   </p:cSld>
+  <p:clrMapOvr>
+    <a:masterClrMapping/>
+  </p:clrMapOvr>
 </p:sldLayout>
 </file>
 
 <file path=ppt/slideLayouts/slideLayout42.xml><?xml version="1.0" encoding="utf-8"?>
-<p:sldLayout xmlns:a="http://schemas.openxmlformats.org/drawingml/2006/main" xmlns:p="http://schemas.openxmlformats.org/presentationml/2006/main" xmlns:r="http://schemas.openxmlformats.org/officeDocument/2006/relationships" xmlns:p14="http://schemas.microsoft.com/office/powerpoint/2010/main" xmlns:p15="http://schemas.microsoft.com/office/powerpoint/2012/main" xmlns:mc="http://schemas.openxmlformats.org/markup-compatibility/2006" type="objOnly" preserve="1">
+<p:sldLayout xmlns:a="http://schemas.openxmlformats.org/drawingml/2006/main" xmlns:r="http://schemas.openxmlformats.org/officeDocument/2006/relationships" xmlns:p="http://schemas.openxmlformats.org/presentationml/2006/main" type="objOnly" preserve="1">
   <p:cSld name="Centered Text">
     <p:spTree>
       <p:nvGrpSpPr>
@@ -3874,10 +4195,11 @@
           </a:prstGeom>
         </p:spPr>
         <p:txBody>
-          <a:bodyPr lIns="0" rIns="0" tIns="0" bIns="0" anchor="ctr"/>
+          <a:bodyPr lIns="0" tIns="0" rIns="0" bIns="0" anchor="ctr"/>
+          <a:lstStyle/>
           <a:p>
             <a:pPr algn="ctr"/>
-            <a:endParaRPr b="0" lang="en-US" sz="3200" spc="-1" strike="noStrike">
+            <a:endParaRPr lang="en-US" sz="3200" b="0" strike="noStrike" spc="-1">
               <a:latin typeface="Arial"/>
             </a:endParaRPr>
           </a:p>
@@ -3885,11 +4207,14 @@
       </p:sp>
     </p:spTree>
   </p:cSld>
+  <p:clrMapOvr>
+    <a:masterClrMapping/>
+  </p:clrMapOvr>
 </p:sldLayout>
 </file>
 
 <file path=ppt/slideLayouts/slideLayout43.xml><?xml version="1.0" encoding="utf-8"?>
-<p:sldLayout xmlns:a="http://schemas.openxmlformats.org/drawingml/2006/main" xmlns:p="http://schemas.openxmlformats.org/presentationml/2006/main" xmlns:r="http://schemas.openxmlformats.org/officeDocument/2006/relationships" xmlns:p14="http://schemas.microsoft.com/office/powerpoint/2010/main" xmlns:p15="http://schemas.microsoft.com/office/powerpoint/2012/main" xmlns:mc="http://schemas.openxmlformats.org/markup-compatibility/2006" type="twoObjAndObj" preserve="1">
+<p:sldLayout xmlns:a="http://schemas.openxmlformats.org/drawingml/2006/main" xmlns:r="http://schemas.openxmlformats.org/officeDocument/2006/relationships" xmlns:p="http://schemas.openxmlformats.org/presentationml/2006/main" type="twoObjAndObj" preserve="1">
   <p:cSld name="Title, 2 Content and Content">
     <p:spTree>
       <p:nvGrpSpPr>
@@ -3925,10 +4250,11 @@
           </a:prstGeom>
         </p:spPr>
         <p:txBody>
-          <a:bodyPr lIns="0" rIns="0" tIns="0" bIns="0" anchor="ctr"/>
+          <a:bodyPr lIns="0" tIns="0" rIns="0" bIns="0" anchor="ctr"/>
+          <a:lstStyle/>
           <a:p>
             <a:pPr algn="ctr"/>
-            <a:endParaRPr b="0" lang="en-US" sz="4400" spc="-1" strike="noStrike">
+            <a:endParaRPr lang="en-US" sz="4400" b="0" strike="noStrike" spc="-1">
               <a:latin typeface="Arial"/>
             </a:endParaRPr>
           </a:p>
@@ -3954,11 +4280,12 @@
           </a:prstGeom>
         </p:spPr>
         <p:txBody>
-          <a:bodyPr lIns="0" rIns="0" tIns="0" bIns="0">
+          <a:bodyPr lIns="0" tIns="0" rIns="0" bIns="0">
             <a:normAutofit/>
           </a:bodyPr>
-          <a:p>
-            <a:endParaRPr b="0" lang="en-US" sz="3200" spc="-1" strike="noStrike">
+          <a:lstStyle/>
+          <a:p>
+            <a:endParaRPr lang="en-US" sz="3200" b="0" strike="noStrike" spc="-1">
               <a:latin typeface="Arial"/>
             </a:endParaRPr>
           </a:p>
@@ -3984,11 +4311,12 @@
           </a:prstGeom>
         </p:spPr>
         <p:txBody>
-          <a:bodyPr lIns="0" rIns="0" tIns="0" bIns="0">
+          <a:bodyPr lIns="0" tIns="0" rIns="0" bIns="0">
             <a:normAutofit/>
           </a:bodyPr>
-          <a:p>
-            <a:endParaRPr b="0" lang="en-US" sz="3200" spc="-1" strike="noStrike">
+          <a:lstStyle/>
+          <a:p>
+            <a:endParaRPr lang="en-US" sz="3200" b="0" strike="noStrike" spc="-1">
               <a:latin typeface="Arial"/>
             </a:endParaRPr>
           </a:p>
@@ -4014,11 +4342,12 @@
           </a:prstGeom>
         </p:spPr>
         <p:txBody>
-          <a:bodyPr lIns="0" rIns="0" tIns="0" bIns="0">
+          <a:bodyPr lIns="0" tIns="0" rIns="0" bIns="0">
             <a:normAutofit/>
           </a:bodyPr>
-          <a:p>
-            <a:endParaRPr b="0" lang="en-US" sz="3200" spc="-1" strike="noStrike">
+          <a:lstStyle/>
+          <a:p>
+            <a:endParaRPr lang="en-US" sz="3200" b="0" strike="noStrike" spc="-1">
               <a:latin typeface="Arial"/>
             </a:endParaRPr>
           </a:p>
@@ -4026,11 +4355,14 @@
       </p:sp>
     </p:spTree>
   </p:cSld>
+  <p:clrMapOvr>
+    <a:masterClrMapping/>
+  </p:clrMapOvr>
 </p:sldLayout>
 </file>
 
 <file path=ppt/slideLayouts/slideLayout44.xml><?xml version="1.0" encoding="utf-8"?>
-<p:sldLayout xmlns:a="http://schemas.openxmlformats.org/drawingml/2006/main" xmlns:p="http://schemas.openxmlformats.org/presentationml/2006/main" xmlns:r="http://schemas.openxmlformats.org/officeDocument/2006/relationships" xmlns:p14="http://schemas.microsoft.com/office/powerpoint/2010/main" xmlns:p15="http://schemas.microsoft.com/office/powerpoint/2012/main" xmlns:mc="http://schemas.openxmlformats.org/markup-compatibility/2006" type="objAndTwoObj" preserve="1">
+<p:sldLayout xmlns:a="http://schemas.openxmlformats.org/drawingml/2006/main" xmlns:r="http://schemas.openxmlformats.org/officeDocument/2006/relationships" xmlns:p="http://schemas.openxmlformats.org/presentationml/2006/main" type="objAndTwoObj" preserve="1">
   <p:cSld name="Title Content and 2 Content">
     <p:spTree>
       <p:nvGrpSpPr>
@@ -4066,10 +4398,11 @@
           </a:prstGeom>
         </p:spPr>
         <p:txBody>
-          <a:bodyPr lIns="0" rIns="0" tIns="0" bIns="0" anchor="ctr"/>
+          <a:bodyPr lIns="0" tIns="0" rIns="0" bIns="0" anchor="ctr"/>
+          <a:lstStyle/>
           <a:p>
             <a:pPr algn="ctr"/>
-            <a:endParaRPr b="0" lang="en-US" sz="4400" spc="-1" strike="noStrike">
+            <a:endParaRPr lang="en-US" sz="4400" b="0" strike="noStrike" spc="-1">
               <a:latin typeface="Arial"/>
             </a:endParaRPr>
           </a:p>
@@ -4095,11 +4428,12 @@
           </a:prstGeom>
         </p:spPr>
         <p:txBody>
-          <a:bodyPr lIns="0" rIns="0" tIns="0" bIns="0">
+          <a:bodyPr lIns="0" tIns="0" rIns="0" bIns="0">
             <a:normAutofit/>
           </a:bodyPr>
-          <a:p>
-            <a:endParaRPr b="0" lang="en-US" sz="3200" spc="-1" strike="noStrike">
+          <a:lstStyle/>
+          <a:p>
+            <a:endParaRPr lang="en-US" sz="3200" b="0" strike="noStrike" spc="-1">
               <a:latin typeface="Arial"/>
             </a:endParaRPr>
           </a:p>
@@ -4125,11 +4459,12 @@
           </a:prstGeom>
         </p:spPr>
         <p:txBody>
-          <a:bodyPr lIns="0" rIns="0" tIns="0" bIns="0">
+          <a:bodyPr lIns="0" tIns="0" rIns="0" bIns="0">
             <a:normAutofit/>
           </a:bodyPr>
-          <a:p>
-            <a:endParaRPr b="0" lang="en-US" sz="3200" spc="-1" strike="noStrike">
+          <a:lstStyle/>
+          <a:p>
+            <a:endParaRPr lang="en-US" sz="3200" b="0" strike="noStrike" spc="-1">
               <a:latin typeface="Arial"/>
             </a:endParaRPr>
           </a:p>
@@ -4155,11 +4490,12 @@
           </a:prstGeom>
         </p:spPr>
         <p:txBody>
-          <a:bodyPr lIns="0" rIns="0" tIns="0" bIns="0">
+          <a:bodyPr lIns="0" tIns="0" rIns="0" bIns="0">
             <a:normAutofit/>
           </a:bodyPr>
-          <a:p>
-            <a:endParaRPr b="0" lang="en-US" sz="3200" spc="-1" strike="noStrike">
+          <a:lstStyle/>
+          <a:p>
+            <a:endParaRPr lang="en-US" sz="3200" b="0" strike="noStrike" spc="-1">
               <a:latin typeface="Arial"/>
             </a:endParaRPr>
           </a:p>
@@ -4167,11 +4503,14 @@
       </p:sp>
     </p:spTree>
   </p:cSld>
+  <p:clrMapOvr>
+    <a:masterClrMapping/>
+  </p:clrMapOvr>
 </p:sldLayout>
 </file>
 
 <file path=ppt/slideLayouts/slideLayout45.xml><?xml version="1.0" encoding="utf-8"?>
-<p:sldLayout xmlns:a="http://schemas.openxmlformats.org/drawingml/2006/main" xmlns:p="http://schemas.openxmlformats.org/presentationml/2006/main" xmlns:r="http://schemas.openxmlformats.org/officeDocument/2006/relationships" xmlns:p14="http://schemas.microsoft.com/office/powerpoint/2010/main" xmlns:p15="http://schemas.microsoft.com/office/powerpoint/2012/main" xmlns:mc="http://schemas.openxmlformats.org/markup-compatibility/2006" type="twoObjOverTx" preserve="1">
+<p:sldLayout xmlns:a="http://schemas.openxmlformats.org/drawingml/2006/main" xmlns:r="http://schemas.openxmlformats.org/officeDocument/2006/relationships" xmlns:p="http://schemas.openxmlformats.org/presentationml/2006/main" type="twoObjOverTx" preserve="1">
   <p:cSld name="Title, 2 Content over Content">
     <p:spTree>
       <p:nvGrpSpPr>
@@ -4207,10 +4546,11 @@
           </a:prstGeom>
         </p:spPr>
         <p:txBody>
-          <a:bodyPr lIns="0" rIns="0" tIns="0" bIns="0" anchor="ctr"/>
+          <a:bodyPr lIns="0" tIns="0" rIns="0" bIns="0" anchor="ctr"/>
+          <a:lstStyle/>
           <a:p>
             <a:pPr algn="ctr"/>
-            <a:endParaRPr b="0" lang="en-US" sz="4400" spc="-1" strike="noStrike">
+            <a:endParaRPr lang="en-US" sz="4400" b="0" strike="noStrike" spc="-1">
               <a:latin typeface="Arial"/>
             </a:endParaRPr>
           </a:p>
@@ -4236,11 +4576,12 @@
           </a:prstGeom>
         </p:spPr>
         <p:txBody>
-          <a:bodyPr lIns="0" rIns="0" tIns="0" bIns="0">
+          <a:bodyPr lIns="0" tIns="0" rIns="0" bIns="0">
             <a:normAutofit/>
           </a:bodyPr>
-          <a:p>
-            <a:endParaRPr b="0" lang="en-US" sz="3200" spc="-1" strike="noStrike">
+          <a:lstStyle/>
+          <a:p>
+            <a:endParaRPr lang="en-US" sz="3200" b="0" strike="noStrike" spc="-1">
               <a:latin typeface="Arial"/>
             </a:endParaRPr>
           </a:p>
@@ -4266,11 +4607,12 @@
           </a:prstGeom>
         </p:spPr>
         <p:txBody>
-          <a:bodyPr lIns="0" rIns="0" tIns="0" bIns="0">
+          <a:bodyPr lIns="0" tIns="0" rIns="0" bIns="0">
             <a:normAutofit/>
           </a:bodyPr>
-          <a:p>
-            <a:endParaRPr b="0" lang="en-US" sz="3200" spc="-1" strike="noStrike">
+          <a:lstStyle/>
+          <a:p>
+            <a:endParaRPr lang="en-US" sz="3200" b="0" strike="noStrike" spc="-1">
               <a:latin typeface="Arial"/>
             </a:endParaRPr>
           </a:p>
@@ -4296,11 +4638,12 @@
           </a:prstGeom>
         </p:spPr>
         <p:txBody>
-          <a:bodyPr lIns="0" rIns="0" tIns="0" bIns="0">
+          <a:bodyPr lIns="0" tIns="0" rIns="0" bIns="0">
             <a:normAutofit/>
           </a:bodyPr>
-          <a:p>
-            <a:endParaRPr b="0" lang="en-US" sz="3200" spc="-1" strike="noStrike">
+          <a:lstStyle/>
+          <a:p>
+            <a:endParaRPr lang="en-US" sz="3200" b="0" strike="noStrike" spc="-1">
               <a:latin typeface="Arial"/>
             </a:endParaRPr>
           </a:p>
@@ -4308,11 +4651,14 @@
       </p:sp>
     </p:spTree>
   </p:cSld>
+  <p:clrMapOvr>
+    <a:masterClrMapping/>
+  </p:clrMapOvr>
 </p:sldLayout>
 </file>
 
 <file path=ppt/slideLayouts/slideLayout46.xml><?xml version="1.0" encoding="utf-8"?>
-<p:sldLayout xmlns:a="http://schemas.openxmlformats.org/drawingml/2006/main" xmlns:p="http://schemas.openxmlformats.org/presentationml/2006/main" xmlns:r="http://schemas.openxmlformats.org/officeDocument/2006/relationships" xmlns:p14="http://schemas.microsoft.com/office/powerpoint/2010/main" xmlns:p15="http://schemas.microsoft.com/office/powerpoint/2012/main" xmlns:mc="http://schemas.openxmlformats.org/markup-compatibility/2006" type="objOverTx" preserve="1">
+<p:sldLayout xmlns:a="http://schemas.openxmlformats.org/drawingml/2006/main" xmlns:r="http://schemas.openxmlformats.org/officeDocument/2006/relationships" xmlns:p="http://schemas.openxmlformats.org/presentationml/2006/main" type="objOverTx" preserve="1">
   <p:cSld name="Title, Content over Content">
     <p:spTree>
       <p:nvGrpSpPr>
@@ -4348,10 +4694,11 @@
           </a:prstGeom>
         </p:spPr>
         <p:txBody>
-          <a:bodyPr lIns="0" rIns="0" tIns="0" bIns="0" anchor="ctr"/>
+          <a:bodyPr lIns="0" tIns="0" rIns="0" bIns="0" anchor="ctr"/>
+          <a:lstStyle/>
           <a:p>
             <a:pPr algn="ctr"/>
-            <a:endParaRPr b="0" lang="en-US" sz="4400" spc="-1" strike="noStrike">
+            <a:endParaRPr lang="en-US" sz="4400" b="0" strike="noStrike" spc="-1">
               <a:latin typeface="Arial"/>
             </a:endParaRPr>
           </a:p>
@@ -4377,11 +4724,12 @@
           </a:prstGeom>
         </p:spPr>
         <p:txBody>
-          <a:bodyPr lIns="0" rIns="0" tIns="0" bIns="0">
+          <a:bodyPr lIns="0" tIns="0" rIns="0" bIns="0">
             <a:normAutofit/>
           </a:bodyPr>
-          <a:p>
-            <a:endParaRPr b="0" lang="en-US" sz="3200" spc="-1" strike="noStrike">
+          <a:lstStyle/>
+          <a:p>
+            <a:endParaRPr lang="en-US" sz="3200" b="0" strike="noStrike" spc="-1">
               <a:latin typeface="Arial"/>
             </a:endParaRPr>
           </a:p>
@@ -4407,11 +4755,12 @@
           </a:prstGeom>
         </p:spPr>
         <p:txBody>
-          <a:bodyPr lIns="0" rIns="0" tIns="0" bIns="0">
+          <a:bodyPr lIns="0" tIns="0" rIns="0" bIns="0">
             <a:normAutofit/>
           </a:bodyPr>
-          <a:p>
-            <a:endParaRPr b="0" lang="en-US" sz="3200" spc="-1" strike="noStrike">
+          <a:lstStyle/>
+          <a:p>
+            <a:endParaRPr lang="en-US" sz="3200" b="0" strike="noStrike" spc="-1">
               <a:latin typeface="Arial"/>
             </a:endParaRPr>
           </a:p>
@@ -4419,11 +4768,14 @@
       </p:sp>
     </p:spTree>
   </p:cSld>
+  <p:clrMapOvr>
+    <a:masterClrMapping/>
+  </p:clrMapOvr>
 </p:sldLayout>
 </file>
 
 <file path=ppt/slideLayouts/slideLayout47.xml><?xml version="1.0" encoding="utf-8"?>
-<p:sldLayout xmlns:a="http://schemas.openxmlformats.org/drawingml/2006/main" xmlns:p="http://schemas.openxmlformats.org/presentationml/2006/main" xmlns:r="http://schemas.openxmlformats.org/officeDocument/2006/relationships" xmlns:p14="http://schemas.microsoft.com/office/powerpoint/2010/main" xmlns:p15="http://schemas.microsoft.com/office/powerpoint/2012/main" xmlns:mc="http://schemas.openxmlformats.org/markup-compatibility/2006" type="fourObj" preserve="1">
+<p:sldLayout xmlns:a="http://schemas.openxmlformats.org/drawingml/2006/main" xmlns:r="http://schemas.openxmlformats.org/officeDocument/2006/relationships" xmlns:p="http://schemas.openxmlformats.org/presentationml/2006/main" type="fourObj" preserve="1">
   <p:cSld name="Title, 4 Content">
     <p:spTree>
       <p:nvGrpSpPr>
@@ -4459,10 +4811,11 @@
           </a:prstGeom>
         </p:spPr>
         <p:txBody>
-          <a:bodyPr lIns="0" rIns="0" tIns="0" bIns="0" anchor="ctr"/>
+          <a:bodyPr lIns="0" tIns="0" rIns="0" bIns="0" anchor="ctr"/>
+          <a:lstStyle/>
           <a:p>
             <a:pPr algn="ctr"/>
-            <a:endParaRPr b="0" lang="en-US" sz="4400" spc="-1" strike="noStrike">
+            <a:endParaRPr lang="en-US" sz="4400" b="0" strike="noStrike" spc="-1">
               <a:latin typeface="Arial"/>
             </a:endParaRPr>
           </a:p>
@@ -4488,11 +4841,12 @@
           </a:prstGeom>
         </p:spPr>
         <p:txBody>
-          <a:bodyPr lIns="0" rIns="0" tIns="0" bIns="0">
+          <a:bodyPr lIns="0" tIns="0" rIns="0" bIns="0">
             <a:normAutofit/>
           </a:bodyPr>
-          <a:p>
-            <a:endParaRPr b="0" lang="en-US" sz="3200" spc="-1" strike="noStrike">
+          <a:lstStyle/>
+          <a:p>
+            <a:endParaRPr lang="en-US" sz="3200" b="0" strike="noStrike" spc="-1">
               <a:latin typeface="Arial"/>
             </a:endParaRPr>
           </a:p>
@@ -4518,11 +4872,12 @@
           </a:prstGeom>
         </p:spPr>
         <p:txBody>
-          <a:bodyPr lIns="0" rIns="0" tIns="0" bIns="0">
+          <a:bodyPr lIns="0" tIns="0" rIns="0" bIns="0">
             <a:normAutofit/>
           </a:bodyPr>
-          <a:p>
-            <a:endParaRPr b="0" lang="en-US" sz="3200" spc="-1" strike="noStrike">
+          <a:lstStyle/>
+          <a:p>
+            <a:endParaRPr lang="en-US" sz="3200" b="0" strike="noStrike" spc="-1">
               <a:latin typeface="Arial"/>
             </a:endParaRPr>
           </a:p>
@@ -4548,11 +4903,12 @@
           </a:prstGeom>
         </p:spPr>
         <p:txBody>
-          <a:bodyPr lIns="0" rIns="0" tIns="0" bIns="0">
+          <a:bodyPr lIns="0" tIns="0" rIns="0" bIns="0">
             <a:normAutofit/>
           </a:bodyPr>
-          <a:p>
-            <a:endParaRPr b="0" lang="en-US" sz="3200" spc="-1" strike="noStrike">
+          <a:lstStyle/>
+          <a:p>
+            <a:endParaRPr lang="en-US" sz="3200" b="0" strike="noStrike" spc="-1">
               <a:latin typeface="Arial"/>
             </a:endParaRPr>
           </a:p>
@@ -4578,11 +4934,12 @@
           </a:prstGeom>
         </p:spPr>
         <p:txBody>
-          <a:bodyPr lIns="0" rIns="0" tIns="0" bIns="0">
+          <a:bodyPr lIns="0" tIns="0" rIns="0" bIns="0">
             <a:normAutofit/>
           </a:bodyPr>
-          <a:p>
-            <a:endParaRPr b="0" lang="en-US" sz="3200" spc="-1" strike="noStrike">
+          <a:lstStyle/>
+          <a:p>
+            <a:endParaRPr lang="en-US" sz="3200" b="0" strike="noStrike" spc="-1">
               <a:latin typeface="Arial"/>
             </a:endParaRPr>
           </a:p>
@@ -4590,11 +4947,14 @@
       </p:sp>
     </p:spTree>
   </p:cSld>
+  <p:clrMapOvr>
+    <a:masterClrMapping/>
+  </p:clrMapOvr>
 </p:sldLayout>
 </file>
 
 <file path=ppt/slideLayouts/slideLayout48.xml><?xml version="1.0" encoding="utf-8"?>
-<p:sldLayout xmlns:a="http://schemas.openxmlformats.org/drawingml/2006/main" xmlns:p="http://schemas.openxmlformats.org/presentationml/2006/main" xmlns:r="http://schemas.openxmlformats.org/officeDocument/2006/relationships" xmlns:p14="http://schemas.microsoft.com/office/powerpoint/2010/main" xmlns:p15="http://schemas.microsoft.com/office/powerpoint/2012/main" xmlns:mc="http://schemas.openxmlformats.org/markup-compatibility/2006" type="blank" preserve="1">
+<p:sldLayout xmlns:a="http://schemas.openxmlformats.org/drawingml/2006/main" xmlns:r="http://schemas.openxmlformats.org/officeDocument/2006/relationships" xmlns:p="http://schemas.openxmlformats.org/presentationml/2006/main" type="blank" preserve="1">
   <p:cSld name="Title, 6 Content">
     <p:spTree>
       <p:nvGrpSpPr>
@@ -4630,10 +4990,11 @@
           </a:prstGeom>
         </p:spPr>
         <p:txBody>
-          <a:bodyPr lIns="0" rIns="0" tIns="0" bIns="0" anchor="ctr"/>
+          <a:bodyPr lIns="0" tIns="0" rIns="0" bIns="0" anchor="ctr"/>
+          <a:lstStyle/>
           <a:p>
             <a:pPr algn="ctr"/>
-            <a:endParaRPr b="0" lang="en-US" sz="4400" spc="-1" strike="noStrike">
+            <a:endParaRPr lang="en-US" sz="4400" b="0" strike="noStrike" spc="-1">
               <a:latin typeface="Arial"/>
             </a:endParaRPr>
           </a:p>
@@ -4659,11 +5020,12 @@
           </a:prstGeom>
         </p:spPr>
         <p:txBody>
-          <a:bodyPr lIns="0" rIns="0" tIns="0" bIns="0">
+          <a:bodyPr lIns="0" tIns="0" rIns="0" bIns="0">
             <a:normAutofit/>
           </a:bodyPr>
-          <a:p>
-            <a:endParaRPr b="0" lang="en-US" sz="3200" spc="-1" strike="noStrike">
+          <a:lstStyle/>
+          <a:p>
+            <a:endParaRPr lang="en-US" sz="3200" b="0" strike="noStrike" spc="-1">
               <a:latin typeface="Arial"/>
             </a:endParaRPr>
           </a:p>
@@ -4689,11 +5051,12 @@
           </a:prstGeom>
         </p:spPr>
         <p:txBody>
-          <a:bodyPr lIns="0" rIns="0" tIns="0" bIns="0">
+          <a:bodyPr lIns="0" tIns="0" rIns="0" bIns="0">
             <a:normAutofit/>
           </a:bodyPr>
-          <a:p>
-            <a:endParaRPr b="0" lang="en-US" sz="3200" spc="-1" strike="noStrike">
+          <a:lstStyle/>
+          <a:p>
+            <a:endParaRPr lang="en-US" sz="3200" b="0" strike="noStrike" spc="-1">
               <a:latin typeface="Arial"/>
             </a:endParaRPr>
           </a:p>
@@ -4719,11 +5082,12 @@
           </a:prstGeom>
         </p:spPr>
         <p:txBody>
-          <a:bodyPr lIns="0" rIns="0" tIns="0" bIns="0">
+          <a:bodyPr lIns="0" tIns="0" rIns="0" bIns="0">
             <a:normAutofit/>
           </a:bodyPr>
-          <a:p>
-            <a:endParaRPr b="0" lang="en-US" sz="3200" spc="-1" strike="noStrike">
+          <a:lstStyle/>
+          <a:p>
+            <a:endParaRPr lang="en-US" sz="3200" b="0" strike="noStrike" spc="-1">
               <a:latin typeface="Arial"/>
             </a:endParaRPr>
           </a:p>
@@ -4749,11 +5113,12 @@
           </a:prstGeom>
         </p:spPr>
         <p:txBody>
-          <a:bodyPr lIns="0" rIns="0" tIns="0" bIns="0">
+          <a:bodyPr lIns="0" tIns="0" rIns="0" bIns="0">
             <a:normAutofit/>
           </a:bodyPr>
-          <a:p>
-            <a:endParaRPr b="0" lang="en-US" sz="3200" spc="-1" strike="noStrike">
+          <a:lstStyle/>
+          <a:p>
+            <a:endParaRPr lang="en-US" sz="3200" b="0" strike="noStrike" spc="-1">
               <a:latin typeface="Arial"/>
             </a:endParaRPr>
           </a:p>
@@ -4779,11 +5144,12 @@
           </a:prstGeom>
         </p:spPr>
         <p:txBody>
-          <a:bodyPr lIns="0" rIns="0" tIns="0" bIns="0">
+          <a:bodyPr lIns="0" tIns="0" rIns="0" bIns="0">
             <a:normAutofit/>
           </a:bodyPr>
-          <a:p>
-            <a:endParaRPr b="0" lang="en-US" sz="3200" spc="-1" strike="noStrike">
+          <a:lstStyle/>
+          <a:p>
+            <a:endParaRPr lang="en-US" sz="3200" b="0" strike="noStrike" spc="-1">
               <a:latin typeface="Arial"/>
             </a:endParaRPr>
           </a:p>
@@ -4809,11 +5175,12 @@
           </a:prstGeom>
         </p:spPr>
         <p:txBody>
-          <a:bodyPr lIns="0" rIns="0" tIns="0" bIns="0">
+          <a:bodyPr lIns="0" tIns="0" rIns="0" bIns="0">
             <a:normAutofit/>
           </a:bodyPr>
-          <a:p>
-            <a:endParaRPr b="0" lang="en-US" sz="3200" spc="-1" strike="noStrike">
+          <a:lstStyle/>
+          <a:p>
+            <a:endParaRPr lang="en-US" sz="3200" b="0" strike="noStrike" spc="-1">
               <a:latin typeface="Arial"/>
             </a:endParaRPr>
           </a:p>
@@ -4821,11 +5188,14 @@
       </p:sp>
     </p:spTree>
   </p:cSld>
+  <p:clrMapOvr>
+    <a:masterClrMapping/>
+  </p:clrMapOvr>
 </p:sldLayout>
 </file>
 
 <file path=ppt/slideLayouts/slideLayout5.xml><?xml version="1.0" encoding="utf-8"?>
-<p:sldLayout xmlns:a="http://schemas.openxmlformats.org/drawingml/2006/main" xmlns:p="http://schemas.openxmlformats.org/presentationml/2006/main" xmlns:r="http://schemas.openxmlformats.org/officeDocument/2006/relationships" xmlns:p14="http://schemas.microsoft.com/office/powerpoint/2010/main" xmlns:p15="http://schemas.microsoft.com/office/powerpoint/2012/main" xmlns:mc="http://schemas.openxmlformats.org/markup-compatibility/2006" type="titleOnly" preserve="1">
+<p:sldLayout xmlns:a="http://schemas.openxmlformats.org/drawingml/2006/main" xmlns:r="http://schemas.openxmlformats.org/officeDocument/2006/relationships" xmlns:p="http://schemas.openxmlformats.org/presentationml/2006/main" type="titleOnly" preserve="1">
   <p:cSld name="Title Only">
     <p:spTree>
       <p:nvGrpSpPr>
@@ -4861,10 +5231,11 @@
           </a:prstGeom>
         </p:spPr>
         <p:txBody>
-          <a:bodyPr lIns="0" rIns="0" tIns="0" bIns="0" anchor="ctr"/>
+          <a:bodyPr lIns="0" tIns="0" rIns="0" bIns="0" anchor="ctr"/>
+          <a:lstStyle/>
           <a:p>
             <a:pPr algn="ctr"/>
-            <a:endParaRPr b="0" lang="en-US" sz="4400" spc="-1" strike="noStrike">
+            <a:endParaRPr lang="en-US" sz="4400" b="0" strike="noStrike" spc="-1">
               <a:latin typeface="Arial"/>
             </a:endParaRPr>
           </a:p>
@@ -4872,11 +5243,14 @@
       </p:sp>
     </p:spTree>
   </p:cSld>
+  <p:clrMapOvr>
+    <a:masterClrMapping/>
+  </p:clrMapOvr>
 </p:sldLayout>
 </file>
 
 <file path=ppt/slideLayouts/slideLayout6.xml><?xml version="1.0" encoding="utf-8"?>
-<p:sldLayout xmlns:a="http://schemas.openxmlformats.org/drawingml/2006/main" xmlns:p="http://schemas.openxmlformats.org/presentationml/2006/main" xmlns:r="http://schemas.openxmlformats.org/officeDocument/2006/relationships" xmlns:p14="http://schemas.microsoft.com/office/powerpoint/2010/main" xmlns:p15="http://schemas.microsoft.com/office/powerpoint/2012/main" xmlns:mc="http://schemas.openxmlformats.org/markup-compatibility/2006" type="objOnly" preserve="1">
+<p:sldLayout xmlns:a="http://schemas.openxmlformats.org/drawingml/2006/main" xmlns:r="http://schemas.openxmlformats.org/officeDocument/2006/relationships" xmlns:p="http://schemas.openxmlformats.org/presentationml/2006/main" type="objOnly" preserve="1">
   <p:cSld name="Centered Text">
     <p:spTree>
       <p:nvGrpSpPr>
@@ -4912,10 +5286,11 @@
           </a:prstGeom>
         </p:spPr>
         <p:txBody>
-          <a:bodyPr lIns="0" rIns="0" tIns="0" bIns="0" anchor="ctr"/>
+          <a:bodyPr lIns="0" tIns="0" rIns="0" bIns="0" anchor="ctr"/>
+          <a:lstStyle/>
           <a:p>
             <a:pPr algn="ctr"/>
-            <a:endParaRPr b="0" lang="en-US" sz="3200" spc="-1" strike="noStrike">
+            <a:endParaRPr lang="en-US" sz="3200" b="0" strike="noStrike" spc="-1">
               <a:latin typeface="Arial"/>
             </a:endParaRPr>
           </a:p>
@@ -4923,11 +5298,14 @@
       </p:sp>
     </p:spTree>
   </p:cSld>
+  <p:clrMapOvr>
+    <a:masterClrMapping/>
+  </p:clrMapOvr>
 </p:sldLayout>
 </file>
 
 <file path=ppt/slideLayouts/slideLayout7.xml><?xml version="1.0" encoding="utf-8"?>
-<p:sldLayout xmlns:a="http://schemas.openxmlformats.org/drawingml/2006/main" xmlns:p="http://schemas.openxmlformats.org/presentationml/2006/main" xmlns:r="http://schemas.openxmlformats.org/officeDocument/2006/relationships" xmlns:p14="http://schemas.microsoft.com/office/powerpoint/2010/main" xmlns:p15="http://schemas.microsoft.com/office/powerpoint/2012/main" xmlns:mc="http://schemas.openxmlformats.org/markup-compatibility/2006" type="twoObjAndObj" preserve="1">
+<p:sldLayout xmlns:a="http://schemas.openxmlformats.org/drawingml/2006/main" xmlns:r="http://schemas.openxmlformats.org/officeDocument/2006/relationships" xmlns:p="http://schemas.openxmlformats.org/presentationml/2006/main" type="twoObjAndObj" preserve="1">
   <p:cSld name="Title, 2 Content and Content">
     <p:spTree>
       <p:nvGrpSpPr>
@@ -4963,10 +5341,11 @@
           </a:prstGeom>
         </p:spPr>
         <p:txBody>
-          <a:bodyPr lIns="0" rIns="0" tIns="0" bIns="0" anchor="ctr"/>
+          <a:bodyPr lIns="0" tIns="0" rIns="0" bIns="0" anchor="ctr"/>
+          <a:lstStyle/>
           <a:p>
             <a:pPr algn="ctr"/>
-            <a:endParaRPr b="0" lang="en-US" sz="4400" spc="-1" strike="noStrike">
+            <a:endParaRPr lang="en-US" sz="4400" b="0" strike="noStrike" spc="-1">
               <a:latin typeface="Arial"/>
             </a:endParaRPr>
           </a:p>
@@ -4992,11 +5371,12 @@
           </a:prstGeom>
         </p:spPr>
         <p:txBody>
-          <a:bodyPr lIns="0" rIns="0" tIns="0" bIns="0">
+          <a:bodyPr lIns="0" tIns="0" rIns="0" bIns="0">
             <a:normAutofit/>
           </a:bodyPr>
-          <a:p>
-            <a:endParaRPr b="0" lang="en-US" sz="3200" spc="-1" strike="noStrike">
+          <a:lstStyle/>
+          <a:p>
+            <a:endParaRPr lang="en-US" sz="3200" b="0" strike="noStrike" spc="-1">
               <a:latin typeface="Arial"/>
             </a:endParaRPr>
           </a:p>
@@ -5022,11 +5402,12 @@
           </a:prstGeom>
         </p:spPr>
         <p:txBody>
-          <a:bodyPr lIns="0" rIns="0" tIns="0" bIns="0">
+          <a:bodyPr lIns="0" tIns="0" rIns="0" bIns="0">
             <a:normAutofit/>
           </a:bodyPr>
-          <a:p>
-            <a:endParaRPr b="0" lang="en-US" sz="3200" spc="-1" strike="noStrike">
+          <a:lstStyle/>
+          <a:p>
+            <a:endParaRPr lang="en-US" sz="3200" b="0" strike="noStrike" spc="-1">
               <a:latin typeface="Arial"/>
             </a:endParaRPr>
           </a:p>
@@ -5052,11 +5433,12 @@
           </a:prstGeom>
         </p:spPr>
         <p:txBody>
-          <a:bodyPr lIns="0" rIns="0" tIns="0" bIns="0">
+          <a:bodyPr lIns="0" tIns="0" rIns="0" bIns="0">
             <a:normAutofit/>
           </a:bodyPr>
-          <a:p>
-            <a:endParaRPr b="0" lang="en-US" sz="3200" spc="-1" strike="noStrike">
+          <a:lstStyle/>
+          <a:p>
+            <a:endParaRPr lang="en-US" sz="3200" b="0" strike="noStrike" spc="-1">
               <a:latin typeface="Arial"/>
             </a:endParaRPr>
           </a:p>
@@ -5064,11 +5446,14 @@
       </p:sp>
     </p:spTree>
   </p:cSld>
+  <p:clrMapOvr>
+    <a:masterClrMapping/>
+  </p:clrMapOvr>
 </p:sldLayout>
 </file>
 
 <file path=ppt/slideLayouts/slideLayout8.xml><?xml version="1.0" encoding="utf-8"?>
-<p:sldLayout xmlns:a="http://schemas.openxmlformats.org/drawingml/2006/main" xmlns:p="http://schemas.openxmlformats.org/presentationml/2006/main" xmlns:r="http://schemas.openxmlformats.org/officeDocument/2006/relationships" xmlns:p14="http://schemas.microsoft.com/office/powerpoint/2010/main" xmlns:p15="http://schemas.microsoft.com/office/powerpoint/2012/main" xmlns:mc="http://schemas.openxmlformats.org/markup-compatibility/2006" type="objAndTwoObj" preserve="1">
+<p:sldLayout xmlns:a="http://schemas.openxmlformats.org/drawingml/2006/main" xmlns:r="http://schemas.openxmlformats.org/officeDocument/2006/relationships" xmlns:p="http://schemas.openxmlformats.org/presentationml/2006/main" type="objAndTwoObj" preserve="1">
   <p:cSld name="Title Content and 2 Content">
     <p:spTree>
       <p:nvGrpSpPr>
@@ -5104,10 +5489,11 @@
           </a:prstGeom>
         </p:spPr>
         <p:txBody>
-          <a:bodyPr lIns="0" rIns="0" tIns="0" bIns="0" anchor="ctr"/>
+          <a:bodyPr lIns="0" tIns="0" rIns="0" bIns="0" anchor="ctr"/>
+          <a:lstStyle/>
           <a:p>
             <a:pPr algn="ctr"/>
-            <a:endParaRPr b="0" lang="en-US" sz="4400" spc="-1" strike="noStrike">
+            <a:endParaRPr lang="en-US" sz="4400" b="0" strike="noStrike" spc="-1">
               <a:latin typeface="Arial"/>
             </a:endParaRPr>
           </a:p>
@@ -5133,11 +5519,12 @@
           </a:prstGeom>
         </p:spPr>
         <p:txBody>
-          <a:bodyPr lIns="0" rIns="0" tIns="0" bIns="0">
+          <a:bodyPr lIns="0" tIns="0" rIns="0" bIns="0">
             <a:normAutofit/>
           </a:bodyPr>
-          <a:p>
-            <a:endParaRPr b="0" lang="en-US" sz="3200" spc="-1" strike="noStrike">
+          <a:lstStyle/>
+          <a:p>
+            <a:endParaRPr lang="en-US" sz="3200" b="0" strike="noStrike" spc="-1">
               <a:latin typeface="Arial"/>
             </a:endParaRPr>
           </a:p>
@@ -5163,11 +5550,12 @@
           </a:prstGeom>
         </p:spPr>
         <p:txBody>
-          <a:bodyPr lIns="0" rIns="0" tIns="0" bIns="0">
+          <a:bodyPr lIns="0" tIns="0" rIns="0" bIns="0">
             <a:normAutofit/>
           </a:bodyPr>
-          <a:p>
-            <a:endParaRPr b="0" lang="en-US" sz="3200" spc="-1" strike="noStrike">
+          <a:lstStyle/>
+          <a:p>
+            <a:endParaRPr lang="en-US" sz="3200" b="0" strike="noStrike" spc="-1">
               <a:latin typeface="Arial"/>
             </a:endParaRPr>
           </a:p>
@@ -5193,11 +5581,12 @@
           </a:prstGeom>
         </p:spPr>
         <p:txBody>
-          <a:bodyPr lIns="0" rIns="0" tIns="0" bIns="0">
+          <a:bodyPr lIns="0" tIns="0" rIns="0" bIns="0">
             <a:normAutofit/>
           </a:bodyPr>
-          <a:p>
-            <a:endParaRPr b="0" lang="en-US" sz="3200" spc="-1" strike="noStrike">
+          <a:lstStyle/>
+          <a:p>
+            <a:endParaRPr lang="en-US" sz="3200" b="0" strike="noStrike" spc="-1">
               <a:latin typeface="Arial"/>
             </a:endParaRPr>
           </a:p>
@@ -5205,11 +5594,14 @@
       </p:sp>
     </p:spTree>
   </p:cSld>
+  <p:clrMapOvr>
+    <a:masterClrMapping/>
+  </p:clrMapOvr>
 </p:sldLayout>
 </file>
 
 <file path=ppt/slideLayouts/slideLayout9.xml><?xml version="1.0" encoding="utf-8"?>
-<p:sldLayout xmlns:a="http://schemas.openxmlformats.org/drawingml/2006/main" xmlns:p="http://schemas.openxmlformats.org/presentationml/2006/main" xmlns:r="http://schemas.openxmlformats.org/officeDocument/2006/relationships" xmlns:p14="http://schemas.microsoft.com/office/powerpoint/2010/main" xmlns:p15="http://schemas.microsoft.com/office/powerpoint/2012/main" xmlns:mc="http://schemas.openxmlformats.org/markup-compatibility/2006" type="twoObjOverTx" preserve="1">
+<p:sldLayout xmlns:a="http://schemas.openxmlformats.org/drawingml/2006/main" xmlns:r="http://schemas.openxmlformats.org/officeDocument/2006/relationships" xmlns:p="http://schemas.openxmlformats.org/presentationml/2006/main" type="twoObjOverTx" preserve="1">
   <p:cSld name="Title, 2 Content over Content">
     <p:spTree>
       <p:nvGrpSpPr>
@@ -5245,10 +5637,11 @@
           </a:prstGeom>
         </p:spPr>
         <p:txBody>
-          <a:bodyPr lIns="0" rIns="0" tIns="0" bIns="0" anchor="ctr"/>
+          <a:bodyPr lIns="0" tIns="0" rIns="0" bIns="0" anchor="ctr"/>
+          <a:lstStyle/>
           <a:p>
             <a:pPr algn="ctr"/>
-            <a:endParaRPr b="0" lang="en-US" sz="4400" spc="-1" strike="noStrike">
+            <a:endParaRPr lang="en-US" sz="4400" b="0" strike="noStrike" spc="-1">
               <a:latin typeface="Arial"/>
             </a:endParaRPr>
           </a:p>
@@ -5274,11 +5667,12 @@
           </a:prstGeom>
         </p:spPr>
         <p:txBody>
-          <a:bodyPr lIns="0" rIns="0" tIns="0" bIns="0">
+          <a:bodyPr lIns="0" tIns="0" rIns="0" bIns="0">
             <a:normAutofit/>
           </a:bodyPr>
-          <a:p>
-            <a:endParaRPr b="0" lang="en-US" sz="3200" spc="-1" strike="noStrike">
+          <a:lstStyle/>
+          <a:p>
+            <a:endParaRPr lang="en-US" sz="3200" b="0" strike="noStrike" spc="-1">
               <a:latin typeface="Arial"/>
             </a:endParaRPr>
           </a:p>
@@ -5304,11 +5698,12 @@
           </a:prstGeom>
         </p:spPr>
         <p:txBody>
-          <a:bodyPr lIns="0" rIns="0" tIns="0" bIns="0">
+          <a:bodyPr lIns="0" tIns="0" rIns="0" bIns="0">
             <a:normAutofit/>
           </a:bodyPr>
-          <a:p>
-            <a:endParaRPr b="0" lang="en-US" sz="3200" spc="-1" strike="noStrike">
+          <a:lstStyle/>
+          <a:p>
+            <a:endParaRPr lang="en-US" sz="3200" b="0" strike="noStrike" spc="-1">
               <a:latin typeface="Arial"/>
             </a:endParaRPr>
           </a:p>
@@ -5334,11 +5729,12 @@
           </a:prstGeom>
         </p:spPr>
         <p:txBody>
-          <a:bodyPr lIns="0" rIns="0" tIns="0" bIns="0">
+          <a:bodyPr lIns="0" tIns="0" rIns="0" bIns="0">
             <a:normAutofit/>
           </a:bodyPr>
-          <a:p>
-            <a:endParaRPr b="0" lang="en-US" sz="3200" spc="-1" strike="noStrike">
+          <a:lstStyle/>
+          <a:p>
+            <a:endParaRPr lang="en-US" sz="3200" b="0" strike="noStrike" spc="-1">
               <a:latin typeface="Arial"/>
             </a:endParaRPr>
           </a:p>
@@ -5346,18 +5742,22 @@
       </p:sp>
     </p:spTree>
   </p:cSld>
+  <p:clrMapOvr>
+    <a:masterClrMapping/>
+  </p:clrMapOvr>
 </p:sldLayout>
 </file>
 
 <file path=ppt/slideMasters/slideMaster1.xml><?xml version="1.0" encoding="utf-8"?>
-<p:sldMaster xmlns:a="http://schemas.openxmlformats.org/drawingml/2006/main" xmlns:p="http://schemas.openxmlformats.org/presentationml/2006/main" xmlns:r="http://schemas.openxmlformats.org/officeDocument/2006/relationships" xmlns:p14="http://schemas.microsoft.com/office/powerpoint/2010/main" xmlns:p15="http://schemas.microsoft.com/office/powerpoint/2012/main" xmlns:mc="http://schemas.openxmlformats.org/markup-compatibility/2006">
+<p:sldMaster xmlns:a="http://schemas.openxmlformats.org/drawingml/2006/main" xmlns:r="http://schemas.openxmlformats.org/officeDocument/2006/relationships" xmlns:p="http://schemas.openxmlformats.org/presentationml/2006/main">
   <p:cSld>
     <p:bg>
       <p:bgPr>
         <a:blipFill rotWithShape="0">
-          <a:blip r:embed="rId2"/>
+          <a:blip r:embed="rId14"/>
           <a:tile/>
         </a:blipFill>
+        <a:effectLst/>
       </p:bgPr>
     </p:bg>
     <p:spTree>
@@ -5376,7 +5776,7 @@
       </p:grpSpPr>
       <p:sp>
         <p:nvSpPr>
-          <p:cNvPr id="0" name="CustomShape 1"/>
+          <p:cNvPr id="3" name="CustomShape 1"/>
           <p:cNvSpPr/>
           <p:nvPr/>
         </p:nvSpPr>
@@ -5395,7 +5795,7 @@
             <a:noFill/>
           </a:ln>
           <a:effectLst>
-            <a:outerShdw blurRad="63500" dir="5400000" dist="25400" rotWithShape="0">
+            <a:outerShdw blurRad="63500" dist="25400" dir="5400000" rotWithShape="0">
               <a:srgbClr val="000000">
                 <a:alpha val="44000"/>
               </a:srgbClr>
@@ -5417,7 +5817,7 @@
       </p:sp>
       <p:sp>
         <p:nvSpPr>
-          <p:cNvPr id="1" name="PlaceHolder 2"/>
+          <p:cNvPr id="4" name="PlaceHolder 2"/>
           <p:cNvSpPr>
             <a:spLocks noGrp="1"/>
           </p:cNvSpPr>
@@ -5435,18 +5835,16 @@
           </a:prstGeom>
         </p:spPr>
         <p:txBody>
-          <a:bodyPr lIns="0" rIns="0" tIns="0" bIns="0" anchor="ctr"/>
+          <a:bodyPr lIns="0" tIns="0" rIns="0" bIns="0" anchor="ctr"/>
+          <a:lstStyle/>
           <a:p>
             <a:pPr algn="ctr"/>
             <a:r>
-              <a:rPr b="0" lang="en-US" sz="4400" spc="-1" strike="noStrike">
+              <a:rPr lang="en-US" sz="4400" b="0" strike="noStrike" spc="-1">
                 <a:latin typeface="Arial"/>
               </a:rPr>
               <a:t>Click to edit the title text format</a:t>
             </a:r>
-            <a:endParaRPr b="0" lang="en-US" sz="4400" spc="-1" strike="noStrike">
-              <a:latin typeface="Arial"/>
-            </a:endParaRPr>
           </a:p>
         </p:txBody>
       </p:sp>
@@ -5470,9 +5868,10 @@
           </a:prstGeom>
         </p:spPr>
         <p:txBody>
-          <a:bodyPr lIns="0" rIns="0" tIns="0" bIns="0">
+          <a:bodyPr lIns="0" tIns="0" rIns="0" bIns="0">
             <a:normAutofit/>
           </a:bodyPr>
+          <a:lstStyle/>
           <a:p>
             <a:pPr marL="432000" indent="-324000">
               <a:spcBef>
@@ -5486,17 +5885,14 @@
               <a:buChar char=""/>
             </a:pPr>
             <a:r>
-              <a:rPr b="0" lang="en-US" sz="3200" spc="-1" strike="noStrike">
+              <a:rPr lang="en-US" sz="3200" b="0" strike="noStrike" spc="-1">
                 <a:latin typeface="Arial"/>
               </a:rPr>
               <a:t>Click to edit the outline text format</a:t>
             </a:r>
-            <a:endParaRPr b="0" lang="en-US" sz="3200" spc="-1" strike="noStrike">
-              <a:latin typeface="Arial"/>
-            </a:endParaRPr>
-          </a:p>
-          <a:p>
-            <a:pPr lvl="1" marL="864000" indent="-324000">
+          </a:p>
+          <a:p>
+            <a:pPr marL="864000" lvl="1" indent="-324000">
               <a:spcBef>
                 <a:spcPts val="1134"/>
               </a:spcBef>
@@ -5508,17 +5904,14 @@
               <a:buChar char=""/>
             </a:pPr>
             <a:r>
-              <a:rPr b="0" lang="en-US" sz="2800" spc="-1" strike="noStrike">
+              <a:rPr lang="en-US" sz="2800" b="0" strike="noStrike" spc="-1">
                 <a:latin typeface="Arial"/>
               </a:rPr>
               <a:t>Second Outline Level</a:t>
             </a:r>
-            <a:endParaRPr b="0" lang="en-US" sz="2800" spc="-1" strike="noStrike">
-              <a:latin typeface="Arial"/>
-            </a:endParaRPr>
-          </a:p>
-          <a:p>
-            <a:pPr lvl="2" marL="1296000" indent="-288000">
+          </a:p>
+          <a:p>
+            <a:pPr marL="1296000" lvl="2" indent="-288000">
               <a:spcBef>
                 <a:spcPts val="850"/>
               </a:spcBef>
@@ -5530,17 +5923,14 @@
               <a:buChar char=""/>
             </a:pPr>
             <a:r>
-              <a:rPr b="0" lang="en-US" sz="2400" spc="-1" strike="noStrike">
+              <a:rPr lang="en-US" sz="2400" b="0" strike="noStrike" spc="-1">
                 <a:latin typeface="Arial"/>
               </a:rPr>
               <a:t>Third Outline Level</a:t>
             </a:r>
-            <a:endParaRPr b="0" lang="en-US" sz="2400" spc="-1" strike="noStrike">
-              <a:latin typeface="Arial"/>
-            </a:endParaRPr>
-          </a:p>
-          <a:p>
-            <a:pPr lvl="3" marL="1728000" indent="-216000">
+          </a:p>
+          <a:p>
+            <a:pPr marL="1728000" lvl="3" indent="-216000">
               <a:spcBef>
                 <a:spcPts val="567"/>
               </a:spcBef>
@@ -5552,17 +5942,14 @@
               <a:buChar char=""/>
             </a:pPr>
             <a:r>
-              <a:rPr b="0" lang="en-US" sz="2000" spc="-1" strike="noStrike">
+              <a:rPr lang="en-US" sz="2000" b="0" strike="noStrike" spc="-1">
                 <a:latin typeface="Arial"/>
               </a:rPr>
               <a:t>Fourth Outline Level</a:t>
             </a:r>
-            <a:endParaRPr b="0" lang="en-US" sz="2000" spc="-1" strike="noStrike">
-              <a:latin typeface="Arial"/>
-            </a:endParaRPr>
-          </a:p>
-          <a:p>
-            <a:pPr lvl="4" marL="2160000" indent="-216000">
+          </a:p>
+          <a:p>
+            <a:pPr marL="2160000" lvl="4" indent="-216000">
               <a:spcBef>
                 <a:spcPts val="283"/>
               </a:spcBef>
@@ -5574,17 +5961,14 @@
               <a:buChar char=""/>
             </a:pPr>
             <a:r>
-              <a:rPr b="0" lang="en-US" sz="2000" spc="-1" strike="noStrike">
+              <a:rPr lang="en-US" sz="2000" b="0" strike="noStrike" spc="-1">
                 <a:latin typeface="Arial"/>
               </a:rPr>
               <a:t>Fifth Outline Level</a:t>
             </a:r>
-            <a:endParaRPr b="0" lang="en-US" sz="2000" spc="-1" strike="noStrike">
-              <a:latin typeface="Arial"/>
-            </a:endParaRPr>
-          </a:p>
-          <a:p>
-            <a:pPr lvl="5" marL="2592000" indent="-216000">
+          </a:p>
+          <a:p>
+            <a:pPr marL="2592000" lvl="5" indent="-216000">
               <a:spcBef>
                 <a:spcPts val="283"/>
               </a:spcBef>
@@ -5596,17 +5980,14 @@
               <a:buChar char=""/>
             </a:pPr>
             <a:r>
-              <a:rPr b="0" lang="en-US" sz="2000" spc="-1" strike="noStrike">
+              <a:rPr lang="en-US" sz="2000" b="0" strike="noStrike" spc="-1">
                 <a:latin typeface="Arial"/>
               </a:rPr>
               <a:t>Sixth Outline Level</a:t>
             </a:r>
-            <a:endParaRPr b="0" lang="en-US" sz="2000" spc="-1" strike="noStrike">
-              <a:latin typeface="Arial"/>
-            </a:endParaRPr>
-          </a:p>
-          <a:p>
-            <a:pPr lvl="6" marL="3024000" indent="-216000">
+          </a:p>
+          <a:p>
+            <a:pPr marL="3024000" lvl="6" indent="-216000">
               <a:spcBef>
                 <a:spcPts val="283"/>
               </a:spcBef>
@@ -5618,46 +5999,324 @@
               <a:buChar char=""/>
             </a:pPr>
             <a:r>
-              <a:rPr b="0" lang="en-US" sz="2000" spc="-1" strike="noStrike">
+              <a:rPr lang="en-US" sz="2000" b="0" strike="noStrike" spc="-1">
                 <a:latin typeface="Arial"/>
               </a:rPr>
               <a:t>Seventh Outline Level</a:t>
             </a:r>
-            <a:endParaRPr b="0" lang="en-US" sz="2000" spc="-1" strike="noStrike">
-              <a:latin typeface="Arial"/>
-            </a:endParaRPr>
           </a:p>
         </p:txBody>
       </p:sp>
     </p:spTree>
   </p:cSld>
-  <p:clrMap bg1="lt1" bg2="lt2" tx1="dk1" tx2="dk2" accent1="accent1" accent2="accent2" accent3="accent3" accent4="accent4" accent5="accent5" accent6="accent6" hlink="hlink" folHlink="folHlink"/>
+  <p:clrMap bg1="lt1" tx1="dk1" bg2="lt2" tx2="dk2" accent1="accent1" accent2="accent2" accent3="accent3" accent4="accent4" accent5="accent5" accent6="accent6" hlink="hlink" folHlink="folHlink"/>
   <p:sldLayoutIdLst>
-    <p:sldLayoutId id="2147483649" r:id="rId3"/>
-    <p:sldLayoutId id="2147483650" r:id="rId4"/>
-    <p:sldLayoutId id="2147483651" r:id="rId5"/>
-    <p:sldLayoutId id="2147483652" r:id="rId6"/>
-    <p:sldLayoutId id="2147483653" r:id="rId7"/>
-    <p:sldLayoutId id="2147483654" r:id="rId8"/>
-    <p:sldLayoutId id="2147483655" r:id="rId9"/>
-    <p:sldLayoutId id="2147483656" r:id="rId10"/>
-    <p:sldLayoutId id="2147483657" r:id="rId11"/>
-    <p:sldLayoutId id="2147483658" r:id="rId12"/>
-    <p:sldLayoutId id="2147483659" r:id="rId13"/>
-    <p:sldLayoutId id="2147483660" r:id="rId14"/>
+    <p:sldLayoutId id="2147483649" r:id="rId1"/>
+    <p:sldLayoutId id="2147483650" r:id="rId2"/>
+    <p:sldLayoutId id="2147483651" r:id="rId3"/>
+    <p:sldLayoutId id="2147483652" r:id="rId4"/>
+    <p:sldLayoutId id="2147483653" r:id="rId5"/>
+    <p:sldLayoutId id="2147483654" r:id="rId6"/>
+    <p:sldLayoutId id="2147483655" r:id="rId7"/>
+    <p:sldLayoutId id="2147483656" r:id="rId8"/>
+    <p:sldLayoutId id="2147483657" r:id="rId9"/>
+    <p:sldLayoutId id="2147483658" r:id="rId10"/>
+    <p:sldLayoutId id="2147483659" r:id="rId11"/>
+    <p:sldLayoutId id="2147483660" r:id="rId12"/>
   </p:sldLayoutIdLst>
+  <p:txStyles>
+    <p:titleStyle>
+      <a:lvl1pPr algn="l" defTabSz="914400" rtl="0" eaLnBrk="1" latinLnBrk="0" hangingPunct="1">
+        <a:lnSpc>
+          <a:spcPct val="90000"/>
+        </a:lnSpc>
+        <a:spcBef>
+          <a:spcPct val="0"/>
+        </a:spcBef>
+        <a:buNone/>
+        <a:defRPr sz="4400" kern="1200">
+          <a:solidFill>
+            <a:schemeClr val="tx1"/>
+          </a:solidFill>
+          <a:latin typeface="+mj-lt"/>
+          <a:ea typeface="+mj-ea"/>
+          <a:cs typeface="+mj-cs"/>
+        </a:defRPr>
+      </a:lvl1pPr>
+    </p:titleStyle>
+    <p:bodyStyle>
+      <a:lvl1pPr marL="228600" indent="-228600" algn="l" defTabSz="914400" rtl="0" eaLnBrk="1" latinLnBrk="0" hangingPunct="1">
+        <a:lnSpc>
+          <a:spcPct val="90000"/>
+        </a:lnSpc>
+        <a:spcBef>
+          <a:spcPts val="1000"/>
+        </a:spcBef>
+        <a:buFont typeface="Arial" panose="020B0604020202020204" pitchFamily="34" charset="0"/>
+        <a:buChar char="•"/>
+        <a:defRPr sz="2800" kern="1200">
+          <a:solidFill>
+            <a:schemeClr val="tx1"/>
+          </a:solidFill>
+          <a:latin typeface="+mn-lt"/>
+          <a:ea typeface="+mn-ea"/>
+          <a:cs typeface="+mn-cs"/>
+        </a:defRPr>
+      </a:lvl1pPr>
+      <a:lvl2pPr marL="685800" indent="-228600" algn="l" defTabSz="914400" rtl="0" eaLnBrk="1" latinLnBrk="0" hangingPunct="1">
+        <a:lnSpc>
+          <a:spcPct val="90000"/>
+        </a:lnSpc>
+        <a:spcBef>
+          <a:spcPts val="500"/>
+        </a:spcBef>
+        <a:buFont typeface="Arial" panose="020B0604020202020204" pitchFamily="34" charset="0"/>
+        <a:buChar char="•"/>
+        <a:defRPr sz="2400" kern="1200">
+          <a:solidFill>
+            <a:schemeClr val="tx1"/>
+          </a:solidFill>
+          <a:latin typeface="+mn-lt"/>
+          <a:ea typeface="+mn-ea"/>
+          <a:cs typeface="+mn-cs"/>
+        </a:defRPr>
+      </a:lvl2pPr>
+      <a:lvl3pPr marL="1143000" indent="-228600" algn="l" defTabSz="914400" rtl="0" eaLnBrk="1" latinLnBrk="0" hangingPunct="1">
+        <a:lnSpc>
+          <a:spcPct val="90000"/>
+        </a:lnSpc>
+        <a:spcBef>
+          <a:spcPts val="500"/>
+        </a:spcBef>
+        <a:buFont typeface="Arial" panose="020B0604020202020204" pitchFamily="34" charset="0"/>
+        <a:buChar char="•"/>
+        <a:defRPr sz="2000" kern="1200">
+          <a:solidFill>
+            <a:schemeClr val="tx1"/>
+          </a:solidFill>
+          <a:latin typeface="+mn-lt"/>
+          <a:ea typeface="+mn-ea"/>
+          <a:cs typeface="+mn-cs"/>
+        </a:defRPr>
+      </a:lvl3pPr>
+      <a:lvl4pPr marL="1600200" indent="-228600" algn="l" defTabSz="914400" rtl="0" eaLnBrk="1" latinLnBrk="0" hangingPunct="1">
+        <a:lnSpc>
+          <a:spcPct val="90000"/>
+        </a:lnSpc>
+        <a:spcBef>
+          <a:spcPts val="500"/>
+        </a:spcBef>
+        <a:buFont typeface="Arial" panose="020B0604020202020204" pitchFamily="34" charset="0"/>
+        <a:buChar char="•"/>
+        <a:defRPr sz="1800" kern="1200">
+          <a:solidFill>
+            <a:schemeClr val="tx1"/>
+          </a:solidFill>
+          <a:latin typeface="+mn-lt"/>
+          <a:ea typeface="+mn-ea"/>
+          <a:cs typeface="+mn-cs"/>
+        </a:defRPr>
+      </a:lvl4pPr>
+      <a:lvl5pPr marL="2057400" indent="-228600" algn="l" defTabSz="914400" rtl="0" eaLnBrk="1" latinLnBrk="0" hangingPunct="1">
+        <a:lnSpc>
+          <a:spcPct val="90000"/>
+        </a:lnSpc>
+        <a:spcBef>
+          <a:spcPts val="500"/>
+        </a:spcBef>
+        <a:buFont typeface="Arial" panose="020B0604020202020204" pitchFamily="34" charset="0"/>
+        <a:buChar char="•"/>
+        <a:defRPr sz="1800" kern="1200">
+          <a:solidFill>
+            <a:schemeClr val="tx1"/>
+          </a:solidFill>
+          <a:latin typeface="+mn-lt"/>
+          <a:ea typeface="+mn-ea"/>
+          <a:cs typeface="+mn-cs"/>
+        </a:defRPr>
+      </a:lvl5pPr>
+      <a:lvl6pPr marL="2514600" indent="-228600" algn="l" defTabSz="914400" rtl="0" eaLnBrk="1" latinLnBrk="0" hangingPunct="1">
+        <a:lnSpc>
+          <a:spcPct val="90000"/>
+        </a:lnSpc>
+        <a:spcBef>
+          <a:spcPts val="500"/>
+        </a:spcBef>
+        <a:buFont typeface="Arial" panose="020B0604020202020204" pitchFamily="34" charset="0"/>
+        <a:buChar char="•"/>
+        <a:defRPr sz="1800" kern="1200">
+          <a:solidFill>
+            <a:schemeClr val="tx1"/>
+          </a:solidFill>
+          <a:latin typeface="+mn-lt"/>
+          <a:ea typeface="+mn-ea"/>
+          <a:cs typeface="+mn-cs"/>
+        </a:defRPr>
+      </a:lvl6pPr>
+      <a:lvl7pPr marL="2971800" indent="-228600" algn="l" defTabSz="914400" rtl="0" eaLnBrk="1" latinLnBrk="0" hangingPunct="1">
+        <a:lnSpc>
+          <a:spcPct val="90000"/>
+        </a:lnSpc>
+        <a:spcBef>
+          <a:spcPts val="500"/>
+        </a:spcBef>
+        <a:buFont typeface="Arial" panose="020B0604020202020204" pitchFamily="34" charset="0"/>
+        <a:buChar char="•"/>
+        <a:defRPr sz="1800" kern="1200">
+          <a:solidFill>
+            <a:schemeClr val="tx1"/>
+          </a:solidFill>
+          <a:latin typeface="+mn-lt"/>
+          <a:ea typeface="+mn-ea"/>
+          <a:cs typeface="+mn-cs"/>
+        </a:defRPr>
+      </a:lvl7pPr>
+      <a:lvl8pPr marL="3429000" indent="-228600" algn="l" defTabSz="914400" rtl="0" eaLnBrk="1" latinLnBrk="0" hangingPunct="1">
+        <a:lnSpc>
+          <a:spcPct val="90000"/>
+        </a:lnSpc>
+        <a:spcBef>
+          <a:spcPts val="500"/>
+        </a:spcBef>
+        <a:buFont typeface="Arial" panose="020B0604020202020204" pitchFamily="34" charset="0"/>
+        <a:buChar char="•"/>
+        <a:defRPr sz="1800" kern="1200">
+          <a:solidFill>
+            <a:schemeClr val="tx1"/>
+          </a:solidFill>
+          <a:latin typeface="+mn-lt"/>
+          <a:ea typeface="+mn-ea"/>
+          <a:cs typeface="+mn-cs"/>
+        </a:defRPr>
+      </a:lvl8pPr>
+      <a:lvl9pPr marL="3886200" indent="-228600" algn="l" defTabSz="914400" rtl="0" eaLnBrk="1" latinLnBrk="0" hangingPunct="1">
+        <a:lnSpc>
+          <a:spcPct val="90000"/>
+        </a:lnSpc>
+        <a:spcBef>
+          <a:spcPts val="500"/>
+        </a:spcBef>
+        <a:buFont typeface="Arial" panose="020B0604020202020204" pitchFamily="34" charset="0"/>
+        <a:buChar char="•"/>
+        <a:defRPr sz="1800" kern="1200">
+          <a:solidFill>
+            <a:schemeClr val="tx1"/>
+          </a:solidFill>
+          <a:latin typeface="+mn-lt"/>
+          <a:ea typeface="+mn-ea"/>
+          <a:cs typeface="+mn-cs"/>
+        </a:defRPr>
+      </a:lvl9pPr>
+    </p:bodyStyle>
+    <p:otherStyle>
+      <a:defPPr>
+        <a:defRPr lang="en-US"/>
+      </a:defPPr>
+      <a:lvl1pPr marL="0" algn="l" defTabSz="914400" rtl="0" eaLnBrk="1" latinLnBrk="0" hangingPunct="1">
+        <a:defRPr sz="1800" kern="1200">
+          <a:solidFill>
+            <a:schemeClr val="tx1"/>
+          </a:solidFill>
+          <a:latin typeface="+mn-lt"/>
+          <a:ea typeface="+mn-ea"/>
+          <a:cs typeface="+mn-cs"/>
+        </a:defRPr>
+      </a:lvl1pPr>
+      <a:lvl2pPr marL="457200" algn="l" defTabSz="914400" rtl="0" eaLnBrk="1" latinLnBrk="0" hangingPunct="1">
+        <a:defRPr sz="1800" kern="1200">
+          <a:solidFill>
+            <a:schemeClr val="tx1"/>
+          </a:solidFill>
+          <a:latin typeface="+mn-lt"/>
+          <a:ea typeface="+mn-ea"/>
+          <a:cs typeface="+mn-cs"/>
+        </a:defRPr>
+      </a:lvl2pPr>
+      <a:lvl3pPr marL="914400" algn="l" defTabSz="914400" rtl="0" eaLnBrk="1" latinLnBrk="0" hangingPunct="1">
+        <a:defRPr sz="1800" kern="1200">
+          <a:solidFill>
+            <a:schemeClr val="tx1"/>
+          </a:solidFill>
+          <a:latin typeface="+mn-lt"/>
+          <a:ea typeface="+mn-ea"/>
+          <a:cs typeface="+mn-cs"/>
+        </a:defRPr>
+      </a:lvl3pPr>
+      <a:lvl4pPr marL="1371600" algn="l" defTabSz="914400" rtl="0" eaLnBrk="1" latinLnBrk="0" hangingPunct="1">
+        <a:defRPr sz="1800" kern="1200">
+          <a:solidFill>
+            <a:schemeClr val="tx1"/>
+          </a:solidFill>
+          <a:latin typeface="+mn-lt"/>
+          <a:ea typeface="+mn-ea"/>
+          <a:cs typeface="+mn-cs"/>
+        </a:defRPr>
+      </a:lvl4pPr>
+      <a:lvl5pPr marL="1828800" algn="l" defTabSz="914400" rtl="0" eaLnBrk="1" latinLnBrk="0" hangingPunct="1">
+        <a:defRPr sz="1800" kern="1200">
+          <a:solidFill>
+            <a:schemeClr val="tx1"/>
+          </a:solidFill>
+          <a:latin typeface="+mn-lt"/>
+          <a:ea typeface="+mn-ea"/>
+          <a:cs typeface="+mn-cs"/>
+        </a:defRPr>
+      </a:lvl5pPr>
+      <a:lvl6pPr marL="2286000" algn="l" defTabSz="914400" rtl="0" eaLnBrk="1" latinLnBrk="0" hangingPunct="1">
+        <a:defRPr sz="1800" kern="1200">
+          <a:solidFill>
+            <a:schemeClr val="tx1"/>
+          </a:solidFill>
+          <a:latin typeface="+mn-lt"/>
+          <a:ea typeface="+mn-ea"/>
+          <a:cs typeface="+mn-cs"/>
+        </a:defRPr>
+      </a:lvl6pPr>
+      <a:lvl7pPr marL="2743200" algn="l" defTabSz="914400" rtl="0" eaLnBrk="1" latinLnBrk="0" hangingPunct="1">
+        <a:defRPr sz="1800" kern="1200">
+          <a:solidFill>
+            <a:schemeClr val="tx1"/>
+          </a:solidFill>
+          <a:latin typeface="+mn-lt"/>
+          <a:ea typeface="+mn-ea"/>
+          <a:cs typeface="+mn-cs"/>
+        </a:defRPr>
+      </a:lvl7pPr>
+      <a:lvl8pPr marL="3200400" algn="l" defTabSz="914400" rtl="0" eaLnBrk="1" latinLnBrk="0" hangingPunct="1">
+        <a:defRPr sz="1800" kern="1200">
+          <a:solidFill>
+            <a:schemeClr val="tx1"/>
+          </a:solidFill>
+          <a:latin typeface="+mn-lt"/>
+          <a:ea typeface="+mn-ea"/>
+          <a:cs typeface="+mn-cs"/>
+        </a:defRPr>
+      </a:lvl8pPr>
+      <a:lvl9pPr marL="3657600" algn="l" defTabSz="914400" rtl="0" eaLnBrk="1" latinLnBrk="0" hangingPunct="1">
+        <a:defRPr sz="1800" kern="1200">
+          <a:solidFill>
+            <a:schemeClr val="tx1"/>
+          </a:solidFill>
+          <a:latin typeface="+mn-lt"/>
+          <a:ea typeface="+mn-ea"/>
+          <a:cs typeface="+mn-cs"/>
+        </a:defRPr>
+      </a:lvl9pPr>
+    </p:otherStyle>
+  </p:txStyles>
 </p:sldMaster>
 </file>
 
 <file path=ppt/slideMasters/slideMaster2.xml><?xml version="1.0" encoding="utf-8"?>
-<p:sldMaster xmlns:a="http://schemas.openxmlformats.org/drawingml/2006/main" xmlns:p="http://schemas.openxmlformats.org/presentationml/2006/main" xmlns:r="http://schemas.openxmlformats.org/officeDocument/2006/relationships" xmlns:p14="http://schemas.microsoft.com/office/powerpoint/2010/main" xmlns:p15="http://schemas.microsoft.com/office/powerpoint/2012/main" xmlns:mc="http://schemas.openxmlformats.org/markup-compatibility/2006">
+<p:sldMaster xmlns:a="http://schemas.openxmlformats.org/drawingml/2006/main" xmlns:r="http://schemas.openxmlformats.org/officeDocument/2006/relationships" xmlns:p="http://schemas.openxmlformats.org/presentationml/2006/main">
   <p:cSld>
     <p:bg>
       <p:bgPr>
         <a:blipFill rotWithShape="0">
-          <a:blip r:embed="rId2"/>
+          <a:blip r:embed="rId14"/>
           <a:tile/>
         </a:blipFill>
+        <a:effectLst/>
       </p:bgPr>
     </p:bg>
     <p:spTree>
@@ -5695,7 +6354,7 @@
             <a:noFill/>
           </a:ln>
           <a:effectLst>
-            <a:outerShdw blurRad="63500" dir="5400000" dist="25400" rotWithShape="0">
+            <a:outerShdw blurRad="63500" dist="25400" dir="5400000" rotWithShape="0">
               <a:srgbClr val="000000">
                 <a:alpha val="44000"/>
               </a:srgbClr>
@@ -5735,18 +6394,16 @@
           </a:prstGeom>
         </p:spPr>
         <p:txBody>
-          <a:bodyPr lIns="0" rIns="0" tIns="0" bIns="0" anchor="ctr"/>
+          <a:bodyPr lIns="0" tIns="0" rIns="0" bIns="0" anchor="ctr"/>
+          <a:lstStyle/>
           <a:p>
             <a:pPr algn="ctr"/>
             <a:r>
-              <a:rPr b="0" lang="en-US" sz="4400" spc="-1" strike="noStrike">
+              <a:rPr lang="en-US" sz="4400" b="0" strike="noStrike" spc="-1">
                 <a:latin typeface="Arial"/>
               </a:rPr>
               <a:t>Click to edit the title text format</a:t>
             </a:r>
-            <a:endParaRPr b="0" lang="en-US" sz="4400" spc="-1" strike="noStrike">
-              <a:latin typeface="Arial"/>
-            </a:endParaRPr>
           </a:p>
         </p:txBody>
       </p:sp>
@@ -5770,9 +6427,10 @@
           </a:prstGeom>
         </p:spPr>
         <p:txBody>
-          <a:bodyPr lIns="0" rIns="0" tIns="0" bIns="0">
+          <a:bodyPr lIns="0" tIns="0" rIns="0" bIns="0">
             <a:normAutofit/>
           </a:bodyPr>
+          <a:lstStyle/>
           <a:p>
             <a:pPr marL="432000" indent="-324000">
               <a:spcBef>
@@ -5786,17 +6444,14 @@
               <a:buChar char=""/>
             </a:pPr>
             <a:r>
-              <a:rPr b="0" lang="en-US" sz="3200" spc="-1" strike="noStrike">
+              <a:rPr lang="en-US" sz="3200" b="0" strike="noStrike" spc="-1">
                 <a:latin typeface="Arial"/>
               </a:rPr>
               <a:t>Click to edit the outline text format</a:t>
             </a:r>
-            <a:endParaRPr b="0" lang="en-US" sz="3200" spc="-1" strike="noStrike">
-              <a:latin typeface="Arial"/>
-            </a:endParaRPr>
-          </a:p>
-          <a:p>
-            <a:pPr lvl="1" marL="864000" indent="-324000">
+          </a:p>
+          <a:p>
+            <a:pPr marL="864000" lvl="1" indent="-324000">
               <a:spcBef>
                 <a:spcPts val="1134"/>
               </a:spcBef>
@@ -5808,17 +6463,14 @@
               <a:buChar char=""/>
             </a:pPr>
             <a:r>
-              <a:rPr b="0" lang="en-US" sz="2800" spc="-1" strike="noStrike">
+              <a:rPr lang="en-US" sz="2800" b="0" strike="noStrike" spc="-1">
                 <a:latin typeface="Arial"/>
               </a:rPr>
               <a:t>Second Outline Level</a:t>
             </a:r>
-            <a:endParaRPr b="0" lang="en-US" sz="2800" spc="-1" strike="noStrike">
-              <a:latin typeface="Arial"/>
-            </a:endParaRPr>
-          </a:p>
-          <a:p>
-            <a:pPr lvl="2" marL="1296000" indent="-288000">
+          </a:p>
+          <a:p>
+            <a:pPr marL="1296000" lvl="2" indent="-288000">
               <a:spcBef>
                 <a:spcPts val="850"/>
               </a:spcBef>
@@ -5830,17 +6482,14 @@
               <a:buChar char=""/>
             </a:pPr>
             <a:r>
-              <a:rPr b="0" lang="en-US" sz="2400" spc="-1" strike="noStrike">
+              <a:rPr lang="en-US" sz="2400" b="0" strike="noStrike" spc="-1">
                 <a:latin typeface="Arial"/>
               </a:rPr>
               <a:t>Third Outline Level</a:t>
             </a:r>
-            <a:endParaRPr b="0" lang="en-US" sz="2400" spc="-1" strike="noStrike">
-              <a:latin typeface="Arial"/>
-            </a:endParaRPr>
-          </a:p>
-          <a:p>
-            <a:pPr lvl="3" marL="1728000" indent="-216000">
+          </a:p>
+          <a:p>
+            <a:pPr marL="1728000" lvl="3" indent="-216000">
               <a:spcBef>
                 <a:spcPts val="567"/>
               </a:spcBef>
@@ -5852,17 +6501,14 @@
               <a:buChar char=""/>
             </a:pPr>
             <a:r>
-              <a:rPr b="0" lang="en-US" sz="2000" spc="-1" strike="noStrike">
+              <a:rPr lang="en-US" sz="2000" b="0" strike="noStrike" spc="-1">
                 <a:latin typeface="Arial"/>
               </a:rPr>
               <a:t>Fourth Outline Level</a:t>
             </a:r>
-            <a:endParaRPr b="0" lang="en-US" sz="2000" spc="-1" strike="noStrike">
-              <a:latin typeface="Arial"/>
-            </a:endParaRPr>
-          </a:p>
-          <a:p>
-            <a:pPr lvl="4" marL="2160000" indent="-216000">
+          </a:p>
+          <a:p>
+            <a:pPr marL="2160000" lvl="4" indent="-216000">
               <a:spcBef>
                 <a:spcPts val="283"/>
               </a:spcBef>
@@ -5874,17 +6520,14 @@
               <a:buChar char=""/>
             </a:pPr>
             <a:r>
-              <a:rPr b="0" lang="en-US" sz="2000" spc="-1" strike="noStrike">
+              <a:rPr lang="en-US" sz="2000" b="0" strike="noStrike" spc="-1">
                 <a:latin typeface="Arial"/>
               </a:rPr>
               <a:t>Fifth Outline Level</a:t>
             </a:r>
-            <a:endParaRPr b="0" lang="en-US" sz="2000" spc="-1" strike="noStrike">
-              <a:latin typeface="Arial"/>
-            </a:endParaRPr>
-          </a:p>
-          <a:p>
-            <a:pPr lvl="5" marL="2592000" indent="-216000">
+          </a:p>
+          <a:p>
+            <a:pPr marL="2592000" lvl="5" indent="-216000">
               <a:spcBef>
                 <a:spcPts val="283"/>
               </a:spcBef>
@@ -5896,17 +6539,14 @@
               <a:buChar char=""/>
             </a:pPr>
             <a:r>
-              <a:rPr b="0" lang="en-US" sz="2000" spc="-1" strike="noStrike">
+              <a:rPr lang="en-US" sz="2000" b="0" strike="noStrike" spc="-1">
                 <a:latin typeface="Arial"/>
               </a:rPr>
               <a:t>Sixth Outline Level</a:t>
             </a:r>
-            <a:endParaRPr b="0" lang="en-US" sz="2000" spc="-1" strike="noStrike">
-              <a:latin typeface="Arial"/>
-            </a:endParaRPr>
-          </a:p>
-          <a:p>
-            <a:pPr lvl="6" marL="3024000" indent="-216000">
+          </a:p>
+          <a:p>
+            <a:pPr marL="3024000" lvl="6" indent="-216000">
               <a:spcBef>
                 <a:spcPts val="283"/>
               </a:spcBef>
@@ -5918,46 +6558,324 @@
               <a:buChar char=""/>
             </a:pPr>
             <a:r>
-              <a:rPr b="0" lang="en-US" sz="2000" spc="-1" strike="noStrike">
+              <a:rPr lang="en-US" sz="2000" b="0" strike="noStrike" spc="-1">
                 <a:latin typeface="Arial"/>
               </a:rPr>
               <a:t>Seventh Outline Level</a:t>
             </a:r>
-            <a:endParaRPr b="0" lang="en-US" sz="2000" spc="-1" strike="noStrike">
-              <a:latin typeface="Arial"/>
-            </a:endParaRPr>
           </a:p>
         </p:txBody>
       </p:sp>
     </p:spTree>
   </p:cSld>
-  <p:clrMap bg1="lt1" bg2="lt2" tx1="dk1" tx2="dk2" accent1="accent1" accent2="accent2" accent3="accent3" accent4="accent4" accent5="accent5" accent6="accent6" hlink="hlink" folHlink="folHlink"/>
+  <p:clrMap bg1="lt1" tx1="dk1" bg2="lt2" tx2="dk2" accent1="accent1" accent2="accent2" accent3="accent3" accent4="accent4" accent5="accent5" accent6="accent6" hlink="hlink" folHlink="folHlink"/>
   <p:sldLayoutIdLst>
-    <p:sldLayoutId id="2147483662" r:id="rId3"/>
-    <p:sldLayoutId id="2147483663" r:id="rId4"/>
-    <p:sldLayoutId id="2147483664" r:id="rId5"/>
-    <p:sldLayoutId id="2147483665" r:id="rId6"/>
-    <p:sldLayoutId id="2147483666" r:id="rId7"/>
-    <p:sldLayoutId id="2147483667" r:id="rId8"/>
-    <p:sldLayoutId id="2147483668" r:id="rId9"/>
-    <p:sldLayoutId id="2147483669" r:id="rId10"/>
-    <p:sldLayoutId id="2147483670" r:id="rId11"/>
-    <p:sldLayoutId id="2147483671" r:id="rId12"/>
-    <p:sldLayoutId id="2147483672" r:id="rId13"/>
-    <p:sldLayoutId id="2147483673" r:id="rId14"/>
+    <p:sldLayoutId id="2147483662" r:id="rId1"/>
+    <p:sldLayoutId id="2147483663" r:id="rId2"/>
+    <p:sldLayoutId id="2147483664" r:id="rId3"/>
+    <p:sldLayoutId id="2147483665" r:id="rId4"/>
+    <p:sldLayoutId id="2147483666" r:id="rId5"/>
+    <p:sldLayoutId id="2147483667" r:id="rId6"/>
+    <p:sldLayoutId id="2147483668" r:id="rId7"/>
+    <p:sldLayoutId id="2147483669" r:id="rId8"/>
+    <p:sldLayoutId id="2147483670" r:id="rId9"/>
+    <p:sldLayoutId id="2147483671" r:id="rId10"/>
+    <p:sldLayoutId id="2147483672" r:id="rId11"/>
+    <p:sldLayoutId id="2147483673" r:id="rId12"/>
   </p:sldLayoutIdLst>
+  <p:txStyles>
+    <p:titleStyle>
+      <a:lvl1pPr algn="l" defTabSz="914400" rtl="0" eaLnBrk="1" latinLnBrk="0" hangingPunct="1">
+        <a:lnSpc>
+          <a:spcPct val="90000"/>
+        </a:lnSpc>
+        <a:spcBef>
+          <a:spcPct val="0"/>
+        </a:spcBef>
+        <a:buNone/>
+        <a:defRPr sz="4400" kern="1200">
+          <a:solidFill>
+            <a:schemeClr val="tx1"/>
+          </a:solidFill>
+          <a:latin typeface="+mj-lt"/>
+          <a:ea typeface="+mj-ea"/>
+          <a:cs typeface="+mj-cs"/>
+        </a:defRPr>
+      </a:lvl1pPr>
+    </p:titleStyle>
+    <p:bodyStyle>
+      <a:lvl1pPr marL="228600" indent="-228600" algn="l" defTabSz="914400" rtl="0" eaLnBrk="1" latinLnBrk="0" hangingPunct="1">
+        <a:lnSpc>
+          <a:spcPct val="90000"/>
+        </a:lnSpc>
+        <a:spcBef>
+          <a:spcPts val="1000"/>
+        </a:spcBef>
+        <a:buFont typeface="Arial" panose="020B0604020202020204" pitchFamily="34" charset="0"/>
+        <a:buChar char="•"/>
+        <a:defRPr sz="2800" kern="1200">
+          <a:solidFill>
+            <a:schemeClr val="tx1"/>
+          </a:solidFill>
+          <a:latin typeface="+mn-lt"/>
+          <a:ea typeface="+mn-ea"/>
+          <a:cs typeface="+mn-cs"/>
+        </a:defRPr>
+      </a:lvl1pPr>
+      <a:lvl2pPr marL="685800" indent="-228600" algn="l" defTabSz="914400" rtl="0" eaLnBrk="1" latinLnBrk="0" hangingPunct="1">
+        <a:lnSpc>
+          <a:spcPct val="90000"/>
+        </a:lnSpc>
+        <a:spcBef>
+          <a:spcPts val="500"/>
+        </a:spcBef>
+        <a:buFont typeface="Arial" panose="020B0604020202020204" pitchFamily="34" charset="0"/>
+        <a:buChar char="•"/>
+        <a:defRPr sz="2400" kern="1200">
+          <a:solidFill>
+            <a:schemeClr val="tx1"/>
+          </a:solidFill>
+          <a:latin typeface="+mn-lt"/>
+          <a:ea typeface="+mn-ea"/>
+          <a:cs typeface="+mn-cs"/>
+        </a:defRPr>
+      </a:lvl2pPr>
+      <a:lvl3pPr marL="1143000" indent="-228600" algn="l" defTabSz="914400" rtl="0" eaLnBrk="1" latinLnBrk="0" hangingPunct="1">
+        <a:lnSpc>
+          <a:spcPct val="90000"/>
+        </a:lnSpc>
+        <a:spcBef>
+          <a:spcPts val="500"/>
+        </a:spcBef>
+        <a:buFont typeface="Arial" panose="020B0604020202020204" pitchFamily="34" charset="0"/>
+        <a:buChar char="•"/>
+        <a:defRPr sz="2000" kern="1200">
+          <a:solidFill>
+            <a:schemeClr val="tx1"/>
+          </a:solidFill>
+          <a:latin typeface="+mn-lt"/>
+          <a:ea typeface="+mn-ea"/>
+          <a:cs typeface="+mn-cs"/>
+        </a:defRPr>
+      </a:lvl3pPr>
+      <a:lvl4pPr marL="1600200" indent="-228600" algn="l" defTabSz="914400" rtl="0" eaLnBrk="1" latinLnBrk="0" hangingPunct="1">
+        <a:lnSpc>
+          <a:spcPct val="90000"/>
+        </a:lnSpc>
+        <a:spcBef>
+          <a:spcPts val="500"/>
+        </a:spcBef>
+        <a:buFont typeface="Arial" panose="020B0604020202020204" pitchFamily="34" charset="0"/>
+        <a:buChar char="•"/>
+        <a:defRPr sz="1800" kern="1200">
+          <a:solidFill>
+            <a:schemeClr val="tx1"/>
+          </a:solidFill>
+          <a:latin typeface="+mn-lt"/>
+          <a:ea typeface="+mn-ea"/>
+          <a:cs typeface="+mn-cs"/>
+        </a:defRPr>
+      </a:lvl4pPr>
+      <a:lvl5pPr marL="2057400" indent="-228600" algn="l" defTabSz="914400" rtl="0" eaLnBrk="1" latinLnBrk="0" hangingPunct="1">
+        <a:lnSpc>
+          <a:spcPct val="90000"/>
+        </a:lnSpc>
+        <a:spcBef>
+          <a:spcPts val="500"/>
+        </a:spcBef>
+        <a:buFont typeface="Arial" panose="020B0604020202020204" pitchFamily="34" charset="0"/>
+        <a:buChar char="•"/>
+        <a:defRPr sz="1800" kern="1200">
+          <a:solidFill>
+            <a:schemeClr val="tx1"/>
+          </a:solidFill>
+          <a:latin typeface="+mn-lt"/>
+          <a:ea typeface="+mn-ea"/>
+          <a:cs typeface="+mn-cs"/>
+        </a:defRPr>
+      </a:lvl5pPr>
+      <a:lvl6pPr marL="2514600" indent="-228600" algn="l" defTabSz="914400" rtl="0" eaLnBrk="1" latinLnBrk="0" hangingPunct="1">
+        <a:lnSpc>
+          <a:spcPct val="90000"/>
+        </a:lnSpc>
+        <a:spcBef>
+          <a:spcPts val="500"/>
+        </a:spcBef>
+        <a:buFont typeface="Arial" panose="020B0604020202020204" pitchFamily="34" charset="0"/>
+        <a:buChar char="•"/>
+        <a:defRPr sz="1800" kern="1200">
+          <a:solidFill>
+            <a:schemeClr val="tx1"/>
+          </a:solidFill>
+          <a:latin typeface="+mn-lt"/>
+          <a:ea typeface="+mn-ea"/>
+          <a:cs typeface="+mn-cs"/>
+        </a:defRPr>
+      </a:lvl6pPr>
+      <a:lvl7pPr marL="2971800" indent="-228600" algn="l" defTabSz="914400" rtl="0" eaLnBrk="1" latinLnBrk="0" hangingPunct="1">
+        <a:lnSpc>
+          <a:spcPct val="90000"/>
+        </a:lnSpc>
+        <a:spcBef>
+          <a:spcPts val="500"/>
+        </a:spcBef>
+        <a:buFont typeface="Arial" panose="020B0604020202020204" pitchFamily="34" charset="0"/>
+        <a:buChar char="•"/>
+        <a:defRPr sz="1800" kern="1200">
+          <a:solidFill>
+            <a:schemeClr val="tx1"/>
+          </a:solidFill>
+          <a:latin typeface="+mn-lt"/>
+          <a:ea typeface="+mn-ea"/>
+          <a:cs typeface="+mn-cs"/>
+        </a:defRPr>
+      </a:lvl7pPr>
+      <a:lvl8pPr marL="3429000" indent="-228600" algn="l" defTabSz="914400" rtl="0" eaLnBrk="1" latinLnBrk="0" hangingPunct="1">
+        <a:lnSpc>
+          <a:spcPct val="90000"/>
+        </a:lnSpc>
+        <a:spcBef>
+          <a:spcPts val="500"/>
+        </a:spcBef>
+        <a:buFont typeface="Arial" panose="020B0604020202020204" pitchFamily="34" charset="0"/>
+        <a:buChar char="•"/>
+        <a:defRPr sz="1800" kern="1200">
+          <a:solidFill>
+            <a:schemeClr val="tx1"/>
+          </a:solidFill>
+          <a:latin typeface="+mn-lt"/>
+          <a:ea typeface="+mn-ea"/>
+          <a:cs typeface="+mn-cs"/>
+        </a:defRPr>
+      </a:lvl8pPr>
+      <a:lvl9pPr marL="3886200" indent="-228600" algn="l" defTabSz="914400" rtl="0" eaLnBrk="1" latinLnBrk="0" hangingPunct="1">
+        <a:lnSpc>
+          <a:spcPct val="90000"/>
+        </a:lnSpc>
+        <a:spcBef>
+          <a:spcPts val="500"/>
+        </a:spcBef>
+        <a:buFont typeface="Arial" panose="020B0604020202020204" pitchFamily="34" charset="0"/>
+        <a:buChar char="•"/>
+        <a:defRPr sz="1800" kern="1200">
+          <a:solidFill>
+            <a:schemeClr val="tx1"/>
+          </a:solidFill>
+          <a:latin typeface="+mn-lt"/>
+          <a:ea typeface="+mn-ea"/>
+          <a:cs typeface="+mn-cs"/>
+        </a:defRPr>
+      </a:lvl9pPr>
+    </p:bodyStyle>
+    <p:otherStyle>
+      <a:defPPr>
+        <a:defRPr lang="en-US"/>
+      </a:defPPr>
+      <a:lvl1pPr marL="0" algn="l" defTabSz="914400" rtl="0" eaLnBrk="1" latinLnBrk="0" hangingPunct="1">
+        <a:defRPr sz="1800" kern="1200">
+          <a:solidFill>
+            <a:schemeClr val="tx1"/>
+          </a:solidFill>
+          <a:latin typeface="+mn-lt"/>
+          <a:ea typeface="+mn-ea"/>
+          <a:cs typeface="+mn-cs"/>
+        </a:defRPr>
+      </a:lvl1pPr>
+      <a:lvl2pPr marL="457200" algn="l" defTabSz="914400" rtl="0" eaLnBrk="1" latinLnBrk="0" hangingPunct="1">
+        <a:defRPr sz="1800" kern="1200">
+          <a:solidFill>
+            <a:schemeClr val="tx1"/>
+          </a:solidFill>
+          <a:latin typeface="+mn-lt"/>
+          <a:ea typeface="+mn-ea"/>
+          <a:cs typeface="+mn-cs"/>
+        </a:defRPr>
+      </a:lvl2pPr>
+      <a:lvl3pPr marL="914400" algn="l" defTabSz="914400" rtl="0" eaLnBrk="1" latinLnBrk="0" hangingPunct="1">
+        <a:defRPr sz="1800" kern="1200">
+          <a:solidFill>
+            <a:schemeClr val="tx1"/>
+          </a:solidFill>
+          <a:latin typeface="+mn-lt"/>
+          <a:ea typeface="+mn-ea"/>
+          <a:cs typeface="+mn-cs"/>
+        </a:defRPr>
+      </a:lvl3pPr>
+      <a:lvl4pPr marL="1371600" algn="l" defTabSz="914400" rtl="0" eaLnBrk="1" latinLnBrk="0" hangingPunct="1">
+        <a:defRPr sz="1800" kern="1200">
+          <a:solidFill>
+            <a:schemeClr val="tx1"/>
+          </a:solidFill>
+          <a:latin typeface="+mn-lt"/>
+          <a:ea typeface="+mn-ea"/>
+          <a:cs typeface="+mn-cs"/>
+        </a:defRPr>
+      </a:lvl4pPr>
+      <a:lvl5pPr marL="1828800" algn="l" defTabSz="914400" rtl="0" eaLnBrk="1" latinLnBrk="0" hangingPunct="1">
+        <a:defRPr sz="1800" kern="1200">
+          <a:solidFill>
+            <a:schemeClr val="tx1"/>
+          </a:solidFill>
+          <a:latin typeface="+mn-lt"/>
+          <a:ea typeface="+mn-ea"/>
+          <a:cs typeface="+mn-cs"/>
+        </a:defRPr>
+      </a:lvl5pPr>
+      <a:lvl6pPr marL="2286000" algn="l" defTabSz="914400" rtl="0" eaLnBrk="1" latinLnBrk="0" hangingPunct="1">
+        <a:defRPr sz="1800" kern="1200">
+          <a:solidFill>
+            <a:schemeClr val="tx1"/>
+          </a:solidFill>
+          <a:latin typeface="+mn-lt"/>
+          <a:ea typeface="+mn-ea"/>
+          <a:cs typeface="+mn-cs"/>
+        </a:defRPr>
+      </a:lvl6pPr>
+      <a:lvl7pPr marL="2743200" algn="l" defTabSz="914400" rtl="0" eaLnBrk="1" latinLnBrk="0" hangingPunct="1">
+        <a:defRPr sz="1800" kern="1200">
+          <a:solidFill>
+            <a:schemeClr val="tx1"/>
+          </a:solidFill>
+          <a:latin typeface="+mn-lt"/>
+          <a:ea typeface="+mn-ea"/>
+          <a:cs typeface="+mn-cs"/>
+        </a:defRPr>
+      </a:lvl7pPr>
+      <a:lvl8pPr marL="3200400" algn="l" defTabSz="914400" rtl="0" eaLnBrk="1" latinLnBrk="0" hangingPunct="1">
+        <a:defRPr sz="1800" kern="1200">
+          <a:solidFill>
+            <a:schemeClr val="tx1"/>
+          </a:solidFill>
+          <a:latin typeface="+mn-lt"/>
+          <a:ea typeface="+mn-ea"/>
+          <a:cs typeface="+mn-cs"/>
+        </a:defRPr>
+      </a:lvl8pPr>
+      <a:lvl9pPr marL="3657600" algn="l" defTabSz="914400" rtl="0" eaLnBrk="1" latinLnBrk="0" hangingPunct="1">
+        <a:defRPr sz="1800" kern="1200">
+          <a:solidFill>
+            <a:schemeClr val="tx1"/>
+          </a:solidFill>
+          <a:latin typeface="+mn-lt"/>
+          <a:ea typeface="+mn-ea"/>
+          <a:cs typeface="+mn-cs"/>
+        </a:defRPr>
+      </a:lvl9pPr>
+    </p:otherStyle>
+  </p:txStyles>
 </p:sldMaster>
 </file>
 
 <file path=ppt/slideMasters/slideMaster3.xml><?xml version="1.0" encoding="utf-8"?>
-<p:sldMaster xmlns:a="http://schemas.openxmlformats.org/drawingml/2006/main" xmlns:p="http://schemas.openxmlformats.org/presentationml/2006/main" xmlns:r="http://schemas.openxmlformats.org/officeDocument/2006/relationships" xmlns:p14="http://schemas.microsoft.com/office/powerpoint/2010/main" xmlns:p15="http://schemas.microsoft.com/office/powerpoint/2012/main" xmlns:mc="http://schemas.openxmlformats.org/markup-compatibility/2006">
+<p:sldMaster xmlns:a="http://schemas.openxmlformats.org/drawingml/2006/main" xmlns:r="http://schemas.openxmlformats.org/officeDocument/2006/relationships" xmlns:p="http://schemas.openxmlformats.org/presentationml/2006/main">
   <p:cSld>
     <p:bg>
       <p:bgPr>
         <a:blipFill rotWithShape="0">
-          <a:blip r:embed="rId2"/>
+          <a:blip r:embed="rId14"/>
           <a:tile/>
         </a:blipFill>
+        <a:effectLst/>
       </p:bgPr>
     </p:bg>
     <p:spTree>
@@ -5995,7 +6913,7 @@
             <a:noFill/>
           </a:ln>
           <a:effectLst>
-            <a:outerShdw blurRad="63500" dir="5400000" dist="25400" rotWithShape="0">
+            <a:outerShdw blurRad="63500" dist="25400" dir="5400000" rotWithShape="0">
               <a:srgbClr val="000000">
                 <a:alpha val="44000"/>
               </a:srgbClr>
@@ -6035,17 +6953,15 @@
           </a:prstGeom>
         </p:spPr>
         <p:txBody>
-          <a:bodyPr lIns="0" rIns="0" tIns="0" bIns="0" anchor="ctr"/>
-          <a:p>
-            <a:r>
-              <a:rPr b="0" lang="en-US" sz="1800" spc="-1" strike="noStrike">
+          <a:bodyPr lIns="0" tIns="0" rIns="0" bIns="0" anchor="ctr"/>
+          <a:lstStyle/>
+          <a:p>
+            <a:r>
+              <a:rPr lang="en-US" sz="1800" b="0" strike="noStrike" spc="-1">
                 <a:latin typeface="Arial"/>
               </a:rPr>
               <a:t>Click to edit the title text format</a:t>
             </a:r>
-            <a:endParaRPr b="0" lang="en-US" sz="1800" spc="-1" strike="noStrike">
-              <a:latin typeface="Arial"/>
-            </a:endParaRPr>
           </a:p>
         </p:txBody>
       </p:sp>
@@ -6069,9 +6985,10 @@
           </a:prstGeom>
         </p:spPr>
         <p:txBody>
-          <a:bodyPr lIns="0" rIns="0" tIns="0" bIns="0">
+          <a:bodyPr lIns="0" tIns="0" rIns="0" bIns="0">
             <a:normAutofit/>
           </a:bodyPr>
+          <a:lstStyle/>
           <a:p>
             <a:pPr marL="432000" indent="-324000">
               <a:spcBef>
@@ -6085,17 +7002,14 @@
               <a:buChar char=""/>
             </a:pPr>
             <a:r>
-              <a:rPr b="0" lang="en-US" sz="3200" spc="-1" strike="noStrike">
+              <a:rPr lang="en-US" sz="3200" b="0" strike="noStrike" spc="-1">
                 <a:latin typeface="Arial"/>
               </a:rPr>
               <a:t>Click to edit the outline text format</a:t>
             </a:r>
-            <a:endParaRPr b="0" lang="en-US" sz="3200" spc="-1" strike="noStrike">
-              <a:latin typeface="Arial"/>
-            </a:endParaRPr>
-          </a:p>
-          <a:p>
-            <a:pPr lvl="1" marL="864000" indent="-324000">
+          </a:p>
+          <a:p>
+            <a:pPr marL="864000" lvl="1" indent="-324000">
               <a:spcBef>
                 <a:spcPts val="1134"/>
               </a:spcBef>
@@ -6107,17 +7021,14 @@
               <a:buChar char=""/>
             </a:pPr>
             <a:r>
-              <a:rPr b="0" lang="en-US" sz="2800" spc="-1" strike="noStrike">
+              <a:rPr lang="en-US" sz="2800" b="0" strike="noStrike" spc="-1">
                 <a:latin typeface="Arial"/>
               </a:rPr>
               <a:t>Second Outline Level</a:t>
             </a:r>
-            <a:endParaRPr b="0" lang="en-US" sz="2800" spc="-1" strike="noStrike">
-              <a:latin typeface="Arial"/>
-            </a:endParaRPr>
-          </a:p>
-          <a:p>
-            <a:pPr lvl="2" marL="1296000" indent="-288000">
+          </a:p>
+          <a:p>
+            <a:pPr marL="1296000" lvl="2" indent="-288000">
               <a:spcBef>
                 <a:spcPts val="850"/>
               </a:spcBef>
@@ -6129,17 +7040,14 @@
               <a:buChar char=""/>
             </a:pPr>
             <a:r>
-              <a:rPr b="0" lang="en-US" sz="2400" spc="-1" strike="noStrike">
+              <a:rPr lang="en-US" sz="2400" b="0" strike="noStrike" spc="-1">
                 <a:latin typeface="Arial"/>
               </a:rPr>
               <a:t>Third Outline Level</a:t>
             </a:r>
-            <a:endParaRPr b="0" lang="en-US" sz="2400" spc="-1" strike="noStrike">
-              <a:latin typeface="Arial"/>
-            </a:endParaRPr>
-          </a:p>
-          <a:p>
-            <a:pPr lvl="3" marL="1728000" indent="-216000">
+          </a:p>
+          <a:p>
+            <a:pPr marL="1728000" lvl="3" indent="-216000">
               <a:spcBef>
                 <a:spcPts val="567"/>
               </a:spcBef>
@@ -6151,17 +7059,14 @@
               <a:buChar char=""/>
             </a:pPr>
             <a:r>
-              <a:rPr b="0" lang="en-US" sz="2000" spc="-1" strike="noStrike">
+              <a:rPr lang="en-US" sz="2000" b="0" strike="noStrike" spc="-1">
                 <a:latin typeface="Arial"/>
               </a:rPr>
               <a:t>Fourth Outline Level</a:t>
             </a:r>
-            <a:endParaRPr b="0" lang="en-US" sz="2000" spc="-1" strike="noStrike">
-              <a:latin typeface="Arial"/>
-            </a:endParaRPr>
-          </a:p>
-          <a:p>
-            <a:pPr lvl="4" marL="2160000" indent="-216000">
+          </a:p>
+          <a:p>
+            <a:pPr marL="2160000" lvl="4" indent="-216000">
               <a:spcBef>
                 <a:spcPts val="283"/>
               </a:spcBef>
@@ -6173,17 +7078,14 @@
               <a:buChar char=""/>
             </a:pPr>
             <a:r>
-              <a:rPr b="0" lang="en-US" sz="2000" spc="-1" strike="noStrike">
+              <a:rPr lang="en-US" sz="2000" b="0" strike="noStrike" spc="-1">
                 <a:latin typeface="Arial"/>
               </a:rPr>
               <a:t>Fifth Outline Level</a:t>
             </a:r>
-            <a:endParaRPr b="0" lang="en-US" sz="2000" spc="-1" strike="noStrike">
-              <a:latin typeface="Arial"/>
-            </a:endParaRPr>
-          </a:p>
-          <a:p>
-            <a:pPr lvl="5" marL="2592000" indent="-216000">
+          </a:p>
+          <a:p>
+            <a:pPr marL="2592000" lvl="5" indent="-216000">
               <a:spcBef>
                 <a:spcPts val="283"/>
               </a:spcBef>
@@ -6195,17 +7097,14 @@
               <a:buChar char=""/>
             </a:pPr>
             <a:r>
-              <a:rPr b="0" lang="en-US" sz="2000" spc="-1" strike="noStrike">
+              <a:rPr lang="en-US" sz="2000" b="0" strike="noStrike" spc="-1">
                 <a:latin typeface="Arial"/>
               </a:rPr>
               <a:t>Sixth Outline Level</a:t>
             </a:r>
-            <a:endParaRPr b="0" lang="en-US" sz="2000" spc="-1" strike="noStrike">
-              <a:latin typeface="Arial"/>
-            </a:endParaRPr>
-          </a:p>
-          <a:p>
-            <a:pPr lvl="6" marL="3024000" indent="-216000">
+          </a:p>
+          <a:p>
+            <a:pPr marL="3024000" lvl="6" indent="-216000">
               <a:spcBef>
                 <a:spcPts val="283"/>
               </a:spcBef>
@@ -6217,46 +7116,324 @@
               <a:buChar char=""/>
             </a:pPr>
             <a:r>
-              <a:rPr b="0" lang="en-US" sz="2000" spc="-1" strike="noStrike">
+              <a:rPr lang="en-US" sz="2000" b="0" strike="noStrike" spc="-1">
                 <a:latin typeface="Arial"/>
               </a:rPr>
               <a:t>Seventh Outline Level</a:t>
             </a:r>
-            <a:endParaRPr b="0" lang="en-US" sz="2000" spc="-1" strike="noStrike">
-              <a:latin typeface="Arial"/>
-            </a:endParaRPr>
           </a:p>
         </p:txBody>
       </p:sp>
     </p:spTree>
   </p:cSld>
-  <p:clrMap bg1="lt1" bg2="lt2" tx1="dk1" tx2="dk2" accent1="accent1" accent2="accent2" accent3="accent3" accent4="accent4" accent5="accent5" accent6="accent6" hlink="hlink" folHlink="folHlink"/>
+  <p:clrMap bg1="lt1" tx1="dk1" bg2="lt2" tx2="dk2" accent1="accent1" accent2="accent2" accent3="accent3" accent4="accent4" accent5="accent5" accent6="accent6" hlink="hlink" folHlink="folHlink"/>
   <p:sldLayoutIdLst>
-    <p:sldLayoutId id="2147483675" r:id="rId3"/>
-    <p:sldLayoutId id="2147483676" r:id="rId4"/>
-    <p:sldLayoutId id="2147483677" r:id="rId5"/>
-    <p:sldLayoutId id="2147483678" r:id="rId6"/>
-    <p:sldLayoutId id="2147483679" r:id="rId7"/>
-    <p:sldLayoutId id="2147483680" r:id="rId8"/>
-    <p:sldLayoutId id="2147483681" r:id="rId9"/>
-    <p:sldLayoutId id="2147483682" r:id="rId10"/>
-    <p:sldLayoutId id="2147483683" r:id="rId11"/>
-    <p:sldLayoutId id="2147483684" r:id="rId12"/>
-    <p:sldLayoutId id="2147483685" r:id="rId13"/>
-    <p:sldLayoutId id="2147483686" r:id="rId14"/>
+    <p:sldLayoutId id="2147483675" r:id="rId1"/>
+    <p:sldLayoutId id="2147483676" r:id="rId2"/>
+    <p:sldLayoutId id="2147483677" r:id="rId3"/>
+    <p:sldLayoutId id="2147483678" r:id="rId4"/>
+    <p:sldLayoutId id="2147483679" r:id="rId5"/>
+    <p:sldLayoutId id="2147483680" r:id="rId6"/>
+    <p:sldLayoutId id="2147483681" r:id="rId7"/>
+    <p:sldLayoutId id="2147483682" r:id="rId8"/>
+    <p:sldLayoutId id="2147483683" r:id="rId9"/>
+    <p:sldLayoutId id="2147483684" r:id="rId10"/>
+    <p:sldLayoutId id="2147483685" r:id="rId11"/>
+    <p:sldLayoutId id="2147483686" r:id="rId12"/>
   </p:sldLayoutIdLst>
+  <p:txStyles>
+    <p:titleStyle>
+      <a:lvl1pPr algn="l" defTabSz="914400" rtl="0" eaLnBrk="1" latinLnBrk="0" hangingPunct="1">
+        <a:lnSpc>
+          <a:spcPct val="90000"/>
+        </a:lnSpc>
+        <a:spcBef>
+          <a:spcPct val="0"/>
+        </a:spcBef>
+        <a:buNone/>
+        <a:defRPr sz="4400" kern="1200">
+          <a:solidFill>
+            <a:schemeClr val="tx1"/>
+          </a:solidFill>
+          <a:latin typeface="+mj-lt"/>
+          <a:ea typeface="+mj-ea"/>
+          <a:cs typeface="+mj-cs"/>
+        </a:defRPr>
+      </a:lvl1pPr>
+    </p:titleStyle>
+    <p:bodyStyle>
+      <a:lvl1pPr marL="228600" indent="-228600" algn="l" defTabSz="914400" rtl="0" eaLnBrk="1" latinLnBrk="0" hangingPunct="1">
+        <a:lnSpc>
+          <a:spcPct val="90000"/>
+        </a:lnSpc>
+        <a:spcBef>
+          <a:spcPts val="1000"/>
+        </a:spcBef>
+        <a:buFont typeface="Arial" panose="020B0604020202020204" pitchFamily="34" charset="0"/>
+        <a:buChar char="•"/>
+        <a:defRPr sz="2800" kern="1200">
+          <a:solidFill>
+            <a:schemeClr val="tx1"/>
+          </a:solidFill>
+          <a:latin typeface="+mn-lt"/>
+          <a:ea typeface="+mn-ea"/>
+          <a:cs typeface="+mn-cs"/>
+        </a:defRPr>
+      </a:lvl1pPr>
+      <a:lvl2pPr marL="685800" indent="-228600" algn="l" defTabSz="914400" rtl="0" eaLnBrk="1" latinLnBrk="0" hangingPunct="1">
+        <a:lnSpc>
+          <a:spcPct val="90000"/>
+        </a:lnSpc>
+        <a:spcBef>
+          <a:spcPts val="500"/>
+        </a:spcBef>
+        <a:buFont typeface="Arial" panose="020B0604020202020204" pitchFamily="34" charset="0"/>
+        <a:buChar char="•"/>
+        <a:defRPr sz="2400" kern="1200">
+          <a:solidFill>
+            <a:schemeClr val="tx1"/>
+          </a:solidFill>
+          <a:latin typeface="+mn-lt"/>
+          <a:ea typeface="+mn-ea"/>
+          <a:cs typeface="+mn-cs"/>
+        </a:defRPr>
+      </a:lvl2pPr>
+      <a:lvl3pPr marL="1143000" indent="-228600" algn="l" defTabSz="914400" rtl="0" eaLnBrk="1" latinLnBrk="0" hangingPunct="1">
+        <a:lnSpc>
+          <a:spcPct val="90000"/>
+        </a:lnSpc>
+        <a:spcBef>
+          <a:spcPts val="500"/>
+        </a:spcBef>
+        <a:buFont typeface="Arial" panose="020B0604020202020204" pitchFamily="34" charset="0"/>
+        <a:buChar char="•"/>
+        <a:defRPr sz="2000" kern="1200">
+          <a:solidFill>
+            <a:schemeClr val="tx1"/>
+          </a:solidFill>
+          <a:latin typeface="+mn-lt"/>
+          <a:ea typeface="+mn-ea"/>
+          <a:cs typeface="+mn-cs"/>
+        </a:defRPr>
+      </a:lvl3pPr>
+      <a:lvl4pPr marL="1600200" indent="-228600" algn="l" defTabSz="914400" rtl="0" eaLnBrk="1" latinLnBrk="0" hangingPunct="1">
+        <a:lnSpc>
+          <a:spcPct val="90000"/>
+        </a:lnSpc>
+        <a:spcBef>
+          <a:spcPts val="500"/>
+        </a:spcBef>
+        <a:buFont typeface="Arial" panose="020B0604020202020204" pitchFamily="34" charset="0"/>
+        <a:buChar char="•"/>
+        <a:defRPr sz="1800" kern="1200">
+          <a:solidFill>
+            <a:schemeClr val="tx1"/>
+          </a:solidFill>
+          <a:latin typeface="+mn-lt"/>
+          <a:ea typeface="+mn-ea"/>
+          <a:cs typeface="+mn-cs"/>
+        </a:defRPr>
+      </a:lvl4pPr>
+      <a:lvl5pPr marL="2057400" indent="-228600" algn="l" defTabSz="914400" rtl="0" eaLnBrk="1" latinLnBrk="0" hangingPunct="1">
+        <a:lnSpc>
+          <a:spcPct val="90000"/>
+        </a:lnSpc>
+        <a:spcBef>
+          <a:spcPts val="500"/>
+        </a:spcBef>
+        <a:buFont typeface="Arial" panose="020B0604020202020204" pitchFamily="34" charset="0"/>
+        <a:buChar char="•"/>
+        <a:defRPr sz="1800" kern="1200">
+          <a:solidFill>
+            <a:schemeClr val="tx1"/>
+          </a:solidFill>
+          <a:latin typeface="+mn-lt"/>
+          <a:ea typeface="+mn-ea"/>
+          <a:cs typeface="+mn-cs"/>
+        </a:defRPr>
+      </a:lvl5pPr>
+      <a:lvl6pPr marL="2514600" indent="-228600" algn="l" defTabSz="914400" rtl="0" eaLnBrk="1" latinLnBrk="0" hangingPunct="1">
+        <a:lnSpc>
+          <a:spcPct val="90000"/>
+        </a:lnSpc>
+        <a:spcBef>
+          <a:spcPts val="500"/>
+        </a:spcBef>
+        <a:buFont typeface="Arial" panose="020B0604020202020204" pitchFamily="34" charset="0"/>
+        <a:buChar char="•"/>
+        <a:defRPr sz="1800" kern="1200">
+          <a:solidFill>
+            <a:schemeClr val="tx1"/>
+          </a:solidFill>
+          <a:latin typeface="+mn-lt"/>
+          <a:ea typeface="+mn-ea"/>
+          <a:cs typeface="+mn-cs"/>
+        </a:defRPr>
+      </a:lvl6pPr>
+      <a:lvl7pPr marL="2971800" indent="-228600" algn="l" defTabSz="914400" rtl="0" eaLnBrk="1" latinLnBrk="0" hangingPunct="1">
+        <a:lnSpc>
+          <a:spcPct val="90000"/>
+        </a:lnSpc>
+        <a:spcBef>
+          <a:spcPts val="500"/>
+        </a:spcBef>
+        <a:buFont typeface="Arial" panose="020B0604020202020204" pitchFamily="34" charset="0"/>
+        <a:buChar char="•"/>
+        <a:defRPr sz="1800" kern="1200">
+          <a:solidFill>
+            <a:schemeClr val="tx1"/>
+          </a:solidFill>
+          <a:latin typeface="+mn-lt"/>
+          <a:ea typeface="+mn-ea"/>
+          <a:cs typeface="+mn-cs"/>
+        </a:defRPr>
+      </a:lvl7pPr>
+      <a:lvl8pPr marL="3429000" indent="-228600" algn="l" defTabSz="914400" rtl="0" eaLnBrk="1" latinLnBrk="0" hangingPunct="1">
+        <a:lnSpc>
+          <a:spcPct val="90000"/>
+        </a:lnSpc>
+        <a:spcBef>
+          <a:spcPts val="500"/>
+        </a:spcBef>
+        <a:buFont typeface="Arial" panose="020B0604020202020204" pitchFamily="34" charset="0"/>
+        <a:buChar char="•"/>
+        <a:defRPr sz="1800" kern="1200">
+          <a:solidFill>
+            <a:schemeClr val="tx1"/>
+          </a:solidFill>
+          <a:latin typeface="+mn-lt"/>
+          <a:ea typeface="+mn-ea"/>
+          <a:cs typeface="+mn-cs"/>
+        </a:defRPr>
+      </a:lvl8pPr>
+      <a:lvl9pPr marL="3886200" indent="-228600" algn="l" defTabSz="914400" rtl="0" eaLnBrk="1" latinLnBrk="0" hangingPunct="1">
+        <a:lnSpc>
+          <a:spcPct val="90000"/>
+        </a:lnSpc>
+        <a:spcBef>
+          <a:spcPts val="500"/>
+        </a:spcBef>
+        <a:buFont typeface="Arial" panose="020B0604020202020204" pitchFamily="34" charset="0"/>
+        <a:buChar char="•"/>
+        <a:defRPr sz="1800" kern="1200">
+          <a:solidFill>
+            <a:schemeClr val="tx1"/>
+          </a:solidFill>
+          <a:latin typeface="+mn-lt"/>
+          <a:ea typeface="+mn-ea"/>
+          <a:cs typeface="+mn-cs"/>
+        </a:defRPr>
+      </a:lvl9pPr>
+    </p:bodyStyle>
+    <p:otherStyle>
+      <a:defPPr>
+        <a:defRPr lang="en-US"/>
+      </a:defPPr>
+      <a:lvl1pPr marL="0" algn="l" defTabSz="914400" rtl="0" eaLnBrk="1" latinLnBrk="0" hangingPunct="1">
+        <a:defRPr sz="1800" kern="1200">
+          <a:solidFill>
+            <a:schemeClr val="tx1"/>
+          </a:solidFill>
+          <a:latin typeface="+mn-lt"/>
+          <a:ea typeface="+mn-ea"/>
+          <a:cs typeface="+mn-cs"/>
+        </a:defRPr>
+      </a:lvl1pPr>
+      <a:lvl2pPr marL="457200" algn="l" defTabSz="914400" rtl="0" eaLnBrk="1" latinLnBrk="0" hangingPunct="1">
+        <a:defRPr sz="1800" kern="1200">
+          <a:solidFill>
+            <a:schemeClr val="tx1"/>
+          </a:solidFill>
+          <a:latin typeface="+mn-lt"/>
+          <a:ea typeface="+mn-ea"/>
+          <a:cs typeface="+mn-cs"/>
+        </a:defRPr>
+      </a:lvl2pPr>
+      <a:lvl3pPr marL="914400" algn="l" defTabSz="914400" rtl="0" eaLnBrk="1" latinLnBrk="0" hangingPunct="1">
+        <a:defRPr sz="1800" kern="1200">
+          <a:solidFill>
+            <a:schemeClr val="tx1"/>
+          </a:solidFill>
+          <a:latin typeface="+mn-lt"/>
+          <a:ea typeface="+mn-ea"/>
+          <a:cs typeface="+mn-cs"/>
+        </a:defRPr>
+      </a:lvl3pPr>
+      <a:lvl4pPr marL="1371600" algn="l" defTabSz="914400" rtl="0" eaLnBrk="1" latinLnBrk="0" hangingPunct="1">
+        <a:defRPr sz="1800" kern="1200">
+          <a:solidFill>
+            <a:schemeClr val="tx1"/>
+          </a:solidFill>
+          <a:latin typeface="+mn-lt"/>
+          <a:ea typeface="+mn-ea"/>
+          <a:cs typeface="+mn-cs"/>
+        </a:defRPr>
+      </a:lvl4pPr>
+      <a:lvl5pPr marL="1828800" algn="l" defTabSz="914400" rtl="0" eaLnBrk="1" latinLnBrk="0" hangingPunct="1">
+        <a:defRPr sz="1800" kern="1200">
+          <a:solidFill>
+            <a:schemeClr val="tx1"/>
+          </a:solidFill>
+          <a:latin typeface="+mn-lt"/>
+          <a:ea typeface="+mn-ea"/>
+          <a:cs typeface="+mn-cs"/>
+        </a:defRPr>
+      </a:lvl5pPr>
+      <a:lvl6pPr marL="2286000" algn="l" defTabSz="914400" rtl="0" eaLnBrk="1" latinLnBrk="0" hangingPunct="1">
+        <a:defRPr sz="1800" kern="1200">
+          <a:solidFill>
+            <a:schemeClr val="tx1"/>
+          </a:solidFill>
+          <a:latin typeface="+mn-lt"/>
+          <a:ea typeface="+mn-ea"/>
+          <a:cs typeface="+mn-cs"/>
+        </a:defRPr>
+      </a:lvl6pPr>
+      <a:lvl7pPr marL="2743200" algn="l" defTabSz="914400" rtl="0" eaLnBrk="1" latinLnBrk="0" hangingPunct="1">
+        <a:defRPr sz="1800" kern="1200">
+          <a:solidFill>
+            <a:schemeClr val="tx1"/>
+          </a:solidFill>
+          <a:latin typeface="+mn-lt"/>
+          <a:ea typeface="+mn-ea"/>
+          <a:cs typeface="+mn-cs"/>
+        </a:defRPr>
+      </a:lvl7pPr>
+      <a:lvl8pPr marL="3200400" algn="l" defTabSz="914400" rtl="0" eaLnBrk="1" latinLnBrk="0" hangingPunct="1">
+        <a:defRPr sz="1800" kern="1200">
+          <a:solidFill>
+            <a:schemeClr val="tx1"/>
+          </a:solidFill>
+          <a:latin typeface="+mn-lt"/>
+          <a:ea typeface="+mn-ea"/>
+          <a:cs typeface="+mn-cs"/>
+        </a:defRPr>
+      </a:lvl8pPr>
+      <a:lvl9pPr marL="3657600" algn="l" defTabSz="914400" rtl="0" eaLnBrk="1" latinLnBrk="0" hangingPunct="1">
+        <a:defRPr sz="1800" kern="1200">
+          <a:solidFill>
+            <a:schemeClr val="tx1"/>
+          </a:solidFill>
+          <a:latin typeface="+mn-lt"/>
+          <a:ea typeface="+mn-ea"/>
+          <a:cs typeface="+mn-cs"/>
+        </a:defRPr>
+      </a:lvl9pPr>
+    </p:otherStyle>
+  </p:txStyles>
 </p:sldMaster>
 </file>
 
 <file path=ppt/slideMasters/slideMaster4.xml><?xml version="1.0" encoding="utf-8"?>
-<p:sldMaster xmlns:a="http://schemas.openxmlformats.org/drawingml/2006/main" xmlns:p="http://schemas.openxmlformats.org/presentationml/2006/main" xmlns:r="http://schemas.openxmlformats.org/officeDocument/2006/relationships" xmlns:p14="http://schemas.microsoft.com/office/powerpoint/2010/main" xmlns:p15="http://schemas.microsoft.com/office/powerpoint/2012/main" xmlns:mc="http://schemas.openxmlformats.org/markup-compatibility/2006">
+<p:sldMaster xmlns:a="http://schemas.openxmlformats.org/drawingml/2006/main" xmlns:r="http://schemas.openxmlformats.org/officeDocument/2006/relationships" xmlns:p="http://schemas.openxmlformats.org/presentationml/2006/main">
   <p:cSld>
     <p:bg>
       <p:bgPr>
         <a:blipFill rotWithShape="0">
-          <a:blip r:embed="rId2"/>
+          <a:blip r:embed="rId14"/>
           <a:tile/>
         </a:blipFill>
+        <a:effectLst/>
       </p:bgPr>
     </p:bg>
     <p:spTree>
@@ -6294,7 +7471,7 @@
             <a:noFill/>
           </a:ln>
           <a:effectLst>
-            <a:outerShdw blurRad="63500" dir="5400000" dist="25400" rotWithShape="0">
+            <a:outerShdw blurRad="63500" dist="25400" dir="5400000" rotWithShape="0">
               <a:srgbClr val="000000">
                 <a:alpha val="44000"/>
               </a:srgbClr>
@@ -6335,7 +7512,7 @@
             <a:noFill/>
           </a:ln>
           <a:effectLst>
-            <a:outerShdw blurRad="63500" dir="5400000" dist="25400" rotWithShape="0">
+            <a:outerShdw blurRad="63500" dist="25400" dir="5400000" rotWithShape="0">
               <a:srgbClr val="000000">
                 <a:alpha val="44000"/>
               </a:srgbClr>
@@ -6375,18 +7552,16 @@
           </a:prstGeom>
         </p:spPr>
         <p:txBody>
-          <a:bodyPr lIns="0" rIns="0" tIns="0" bIns="0" anchor="ctr"/>
+          <a:bodyPr lIns="0" tIns="0" rIns="0" bIns="0" anchor="ctr"/>
+          <a:lstStyle/>
           <a:p>
             <a:pPr algn="ctr"/>
             <a:r>
-              <a:rPr b="0" lang="en-US" sz="4400" spc="-1" strike="noStrike">
+              <a:rPr lang="en-US" sz="4400" b="0" strike="noStrike" spc="-1">
                 <a:latin typeface="Arial"/>
               </a:rPr>
               <a:t>Click to edit the title text format</a:t>
             </a:r>
-            <a:endParaRPr b="0" lang="en-US" sz="4400" spc="-1" strike="noStrike">
-              <a:latin typeface="Arial"/>
-            </a:endParaRPr>
           </a:p>
         </p:txBody>
       </p:sp>
@@ -6410,9 +7585,10 @@
           </a:prstGeom>
         </p:spPr>
         <p:txBody>
-          <a:bodyPr lIns="0" rIns="0" tIns="0" bIns="0">
+          <a:bodyPr lIns="0" tIns="0" rIns="0" bIns="0">
             <a:normAutofit/>
           </a:bodyPr>
+          <a:lstStyle/>
           <a:p>
             <a:pPr marL="432000" indent="-324000">
               <a:spcBef>
@@ -6426,17 +7602,14 @@
               <a:buChar char=""/>
             </a:pPr>
             <a:r>
-              <a:rPr b="0" lang="en-US" sz="3200" spc="-1" strike="noStrike">
+              <a:rPr lang="en-US" sz="3200" b="0" strike="noStrike" spc="-1">
                 <a:latin typeface="Arial"/>
               </a:rPr>
               <a:t>Click to edit the outline text format</a:t>
             </a:r>
-            <a:endParaRPr b="0" lang="en-US" sz="3200" spc="-1" strike="noStrike">
-              <a:latin typeface="Arial"/>
-            </a:endParaRPr>
-          </a:p>
-          <a:p>
-            <a:pPr lvl="1" marL="864000" indent="-324000">
+          </a:p>
+          <a:p>
+            <a:pPr marL="864000" lvl="1" indent="-324000">
               <a:spcBef>
                 <a:spcPts val="1134"/>
               </a:spcBef>
@@ -6448,17 +7621,14 @@
               <a:buChar char=""/>
             </a:pPr>
             <a:r>
-              <a:rPr b="0" lang="en-US" sz="2800" spc="-1" strike="noStrike">
+              <a:rPr lang="en-US" sz="2800" b="0" strike="noStrike" spc="-1">
                 <a:latin typeface="Arial"/>
               </a:rPr>
               <a:t>Second Outline Level</a:t>
             </a:r>
-            <a:endParaRPr b="0" lang="en-US" sz="2800" spc="-1" strike="noStrike">
-              <a:latin typeface="Arial"/>
-            </a:endParaRPr>
-          </a:p>
-          <a:p>
-            <a:pPr lvl="2" marL="1296000" indent="-288000">
+          </a:p>
+          <a:p>
+            <a:pPr marL="1296000" lvl="2" indent="-288000">
               <a:spcBef>
                 <a:spcPts val="850"/>
               </a:spcBef>
@@ -6470,17 +7640,14 @@
               <a:buChar char=""/>
             </a:pPr>
             <a:r>
-              <a:rPr b="0" lang="en-US" sz="2400" spc="-1" strike="noStrike">
+              <a:rPr lang="en-US" sz="2400" b="0" strike="noStrike" spc="-1">
                 <a:latin typeface="Arial"/>
               </a:rPr>
               <a:t>Third Outline Level</a:t>
             </a:r>
-            <a:endParaRPr b="0" lang="en-US" sz="2400" spc="-1" strike="noStrike">
-              <a:latin typeface="Arial"/>
-            </a:endParaRPr>
-          </a:p>
-          <a:p>
-            <a:pPr lvl="3" marL="1728000" indent="-216000">
+          </a:p>
+          <a:p>
+            <a:pPr marL="1728000" lvl="3" indent="-216000">
               <a:spcBef>
                 <a:spcPts val="567"/>
               </a:spcBef>
@@ -6492,17 +7659,14 @@
               <a:buChar char=""/>
             </a:pPr>
             <a:r>
-              <a:rPr b="0" lang="en-US" sz="2000" spc="-1" strike="noStrike">
+              <a:rPr lang="en-US" sz="2000" b="0" strike="noStrike" spc="-1">
                 <a:latin typeface="Arial"/>
               </a:rPr>
               <a:t>Fourth Outline Level</a:t>
             </a:r>
-            <a:endParaRPr b="0" lang="en-US" sz="2000" spc="-1" strike="noStrike">
-              <a:latin typeface="Arial"/>
-            </a:endParaRPr>
-          </a:p>
-          <a:p>
-            <a:pPr lvl="4" marL="2160000" indent="-216000">
+          </a:p>
+          <a:p>
+            <a:pPr marL="2160000" lvl="4" indent="-216000">
               <a:spcBef>
                 <a:spcPts val="283"/>
               </a:spcBef>
@@ -6514,17 +7678,14 @@
               <a:buChar char=""/>
             </a:pPr>
             <a:r>
-              <a:rPr b="0" lang="en-US" sz="2000" spc="-1" strike="noStrike">
+              <a:rPr lang="en-US" sz="2000" b="0" strike="noStrike" spc="-1">
                 <a:latin typeface="Arial"/>
               </a:rPr>
               <a:t>Fifth Outline Level</a:t>
             </a:r>
-            <a:endParaRPr b="0" lang="en-US" sz="2000" spc="-1" strike="noStrike">
-              <a:latin typeface="Arial"/>
-            </a:endParaRPr>
-          </a:p>
-          <a:p>
-            <a:pPr lvl="5" marL="2592000" indent="-216000">
+          </a:p>
+          <a:p>
+            <a:pPr marL="2592000" lvl="5" indent="-216000">
               <a:spcBef>
                 <a:spcPts val="283"/>
               </a:spcBef>
@@ -6536,17 +7697,14 @@
               <a:buChar char=""/>
             </a:pPr>
             <a:r>
-              <a:rPr b="0" lang="en-US" sz="2000" spc="-1" strike="noStrike">
+              <a:rPr lang="en-US" sz="2000" b="0" strike="noStrike" spc="-1">
                 <a:latin typeface="Arial"/>
               </a:rPr>
               <a:t>Sixth Outline Level</a:t>
             </a:r>
-            <a:endParaRPr b="0" lang="en-US" sz="2000" spc="-1" strike="noStrike">
-              <a:latin typeface="Arial"/>
-            </a:endParaRPr>
-          </a:p>
-          <a:p>
-            <a:pPr lvl="6" marL="3024000" indent="-216000">
+          </a:p>
+          <a:p>
+            <a:pPr marL="3024000" lvl="6" indent="-216000">
               <a:spcBef>
                 <a:spcPts val="283"/>
               </a:spcBef>
@@ -6558,39 +7716,316 @@
               <a:buChar char=""/>
             </a:pPr>
             <a:r>
-              <a:rPr b="0" lang="en-US" sz="2000" spc="-1" strike="noStrike">
+              <a:rPr lang="en-US" sz="2000" b="0" strike="noStrike" spc="-1">
                 <a:latin typeface="Arial"/>
               </a:rPr>
               <a:t>Seventh Outline Level</a:t>
             </a:r>
-            <a:endParaRPr b="0" lang="en-US" sz="2000" spc="-1" strike="noStrike">
-              <a:latin typeface="Arial"/>
-            </a:endParaRPr>
           </a:p>
         </p:txBody>
       </p:sp>
     </p:spTree>
   </p:cSld>
-  <p:clrMap bg1="lt1" bg2="lt2" tx1="dk1" tx2="dk2" accent1="accent1" accent2="accent2" accent3="accent3" accent4="accent4" accent5="accent5" accent6="accent6" hlink="hlink" folHlink="folHlink"/>
+  <p:clrMap bg1="lt1" tx1="dk1" bg2="lt2" tx2="dk2" accent1="accent1" accent2="accent2" accent3="accent3" accent4="accent4" accent5="accent5" accent6="accent6" hlink="hlink" folHlink="folHlink"/>
   <p:sldLayoutIdLst>
-    <p:sldLayoutId id="2147483688" r:id="rId3"/>
-    <p:sldLayoutId id="2147483689" r:id="rId4"/>
-    <p:sldLayoutId id="2147483690" r:id="rId5"/>
-    <p:sldLayoutId id="2147483691" r:id="rId6"/>
-    <p:sldLayoutId id="2147483692" r:id="rId7"/>
-    <p:sldLayoutId id="2147483693" r:id="rId8"/>
-    <p:sldLayoutId id="2147483694" r:id="rId9"/>
-    <p:sldLayoutId id="2147483695" r:id="rId10"/>
-    <p:sldLayoutId id="2147483696" r:id="rId11"/>
-    <p:sldLayoutId id="2147483697" r:id="rId12"/>
-    <p:sldLayoutId id="2147483698" r:id="rId13"/>
-    <p:sldLayoutId id="2147483699" r:id="rId14"/>
+    <p:sldLayoutId id="2147483688" r:id="rId1"/>
+    <p:sldLayoutId id="2147483689" r:id="rId2"/>
+    <p:sldLayoutId id="2147483690" r:id="rId3"/>
+    <p:sldLayoutId id="2147483691" r:id="rId4"/>
+    <p:sldLayoutId id="2147483692" r:id="rId5"/>
+    <p:sldLayoutId id="2147483693" r:id="rId6"/>
+    <p:sldLayoutId id="2147483694" r:id="rId7"/>
+    <p:sldLayoutId id="2147483695" r:id="rId8"/>
+    <p:sldLayoutId id="2147483696" r:id="rId9"/>
+    <p:sldLayoutId id="2147483697" r:id="rId10"/>
+    <p:sldLayoutId id="2147483698" r:id="rId11"/>
+    <p:sldLayoutId id="2147483699" r:id="rId12"/>
   </p:sldLayoutIdLst>
+  <p:txStyles>
+    <p:titleStyle>
+      <a:lvl1pPr algn="l" defTabSz="914400" rtl="0" eaLnBrk="1" latinLnBrk="0" hangingPunct="1">
+        <a:lnSpc>
+          <a:spcPct val="90000"/>
+        </a:lnSpc>
+        <a:spcBef>
+          <a:spcPct val="0"/>
+        </a:spcBef>
+        <a:buNone/>
+        <a:defRPr sz="4400" kern="1200">
+          <a:solidFill>
+            <a:schemeClr val="tx1"/>
+          </a:solidFill>
+          <a:latin typeface="+mj-lt"/>
+          <a:ea typeface="+mj-ea"/>
+          <a:cs typeface="+mj-cs"/>
+        </a:defRPr>
+      </a:lvl1pPr>
+    </p:titleStyle>
+    <p:bodyStyle>
+      <a:lvl1pPr marL="228600" indent="-228600" algn="l" defTabSz="914400" rtl="0" eaLnBrk="1" latinLnBrk="0" hangingPunct="1">
+        <a:lnSpc>
+          <a:spcPct val="90000"/>
+        </a:lnSpc>
+        <a:spcBef>
+          <a:spcPts val="1000"/>
+        </a:spcBef>
+        <a:buFont typeface="Arial" panose="020B0604020202020204" pitchFamily="34" charset="0"/>
+        <a:buChar char="•"/>
+        <a:defRPr sz="2800" kern="1200">
+          <a:solidFill>
+            <a:schemeClr val="tx1"/>
+          </a:solidFill>
+          <a:latin typeface="+mn-lt"/>
+          <a:ea typeface="+mn-ea"/>
+          <a:cs typeface="+mn-cs"/>
+        </a:defRPr>
+      </a:lvl1pPr>
+      <a:lvl2pPr marL="685800" indent="-228600" algn="l" defTabSz="914400" rtl="0" eaLnBrk="1" latinLnBrk="0" hangingPunct="1">
+        <a:lnSpc>
+          <a:spcPct val="90000"/>
+        </a:lnSpc>
+        <a:spcBef>
+          <a:spcPts val="500"/>
+        </a:spcBef>
+        <a:buFont typeface="Arial" panose="020B0604020202020204" pitchFamily="34" charset="0"/>
+        <a:buChar char="•"/>
+        <a:defRPr sz="2400" kern="1200">
+          <a:solidFill>
+            <a:schemeClr val="tx1"/>
+          </a:solidFill>
+          <a:latin typeface="+mn-lt"/>
+          <a:ea typeface="+mn-ea"/>
+          <a:cs typeface="+mn-cs"/>
+        </a:defRPr>
+      </a:lvl2pPr>
+      <a:lvl3pPr marL="1143000" indent="-228600" algn="l" defTabSz="914400" rtl="0" eaLnBrk="1" latinLnBrk="0" hangingPunct="1">
+        <a:lnSpc>
+          <a:spcPct val="90000"/>
+        </a:lnSpc>
+        <a:spcBef>
+          <a:spcPts val="500"/>
+        </a:spcBef>
+        <a:buFont typeface="Arial" panose="020B0604020202020204" pitchFamily="34" charset="0"/>
+        <a:buChar char="•"/>
+        <a:defRPr sz="2000" kern="1200">
+          <a:solidFill>
+            <a:schemeClr val="tx1"/>
+          </a:solidFill>
+          <a:latin typeface="+mn-lt"/>
+          <a:ea typeface="+mn-ea"/>
+          <a:cs typeface="+mn-cs"/>
+        </a:defRPr>
+      </a:lvl3pPr>
+      <a:lvl4pPr marL="1600200" indent="-228600" algn="l" defTabSz="914400" rtl="0" eaLnBrk="1" latinLnBrk="0" hangingPunct="1">
+        <a:lnSpc>
+          <a:spcPct val="90000"/>
+        </a:lnSpc>
+        <a:spcBef>
+          <a:spcPts val="500"/>
+        </a:spcBef>
+        <a:buFont typeface="Arial" panose="020B0604020202020204" pitchFamily="34" charset="0"/>
+        <a:buChar char="•"/>
+        <a:defRPr sz="1800" kern="1200">
+          <a:solidFill>
+            <a:schemeClr val="tx1"/>
+          </a:solidFill>
+          <a:latin typeface="+mn-lt"/>
+          <a:ea typeface="+mn-ea"/>
+          <a:cs typeface="+mn-cs"/>
+        </a:defRPr>
+      </a:lvl4pPr>
+      <a:lvl5pPr marL="2057400" indent="-228600" algn="l" defTabSz="914400" rtl="0" eaLnBrk="1" latinLnBrk="0" hangingPunct="1">
+        <a:lnSpc>
+          <a:spcPct val="90000"/>
+        </a:lnSpc>
+        <a:spcBef>
+          <a:spcPts val="500"/>
+        </a:spcBef>
+        <a:buFont typeface="Arial" panose="020B0604020202020204" pitchFamily="34" charset="0"/>
+        <a:buChar char="•"/>
+        <a:defRPr sz="1800" kern="1200">
+          <a:solidFill>
+            <a:schemeClr val="tx1"/>
+          </a:solidFill>
+          <a:latin typeface="+mn-lt"/>
+          <a:ea typeface="+mn-ea"/>
+          <a:cs typeface="+mn-cs"/>
+        </a:defRPr>
+      </a:lvl5pPr>
+      <a:lvl6pPr marL="2514600" indent="-228600" algn="l" defTabSz="914400" rtl="0" eaLnBrk="1" latinLnBrk="0" hangingPunct="1">
+        <a:lnSpc>
+          <a:spcPct val="90000"/>
+        </a:lnSpc>
+        <a:spcBef>
+          <a:spcPts val="500"/>
+        </a:spcBef>
+        <a:buFont typeface="Arial" panose="020B0604020202020204" pitchFamily="34" charset="0"/>
+        <a:buChar char="•"/>
+        <a:defRPr sz="1800" kern="1200">
+          <a:solidFill>
+            <a:schemeClr val="tx1"/>
+          </a:solidFill>
+          <a:latin typeface="+mn-lt"/>
+          <a:ea typeface="+mn-ea"/>
+          <a:cs typeface="+mn-cs"/>
+        </a:defRPr>
+      </a:lvl6pPr>
+      <a:lvl7pPr marL="2971800" indent="-228600" algn="l" defTabSz="914400" rtl="0" eaLnBrk="1" latinLnBrk="0" hangingPunct="1">
+        <a:lnSpc>
+          <a:spcPct val="90000"/>
+        </a:lnSpc>
+        <a:spcBef>
+          <a:spcPts val="500"/>
+        </a:spcBef>
+        <a:buFont typeface="Arial" panose="020B0604020202020204" pitchFamily="34" charset="0"/>
+        <a:buChar char="•"/>
+        <a:defRPr sz="1800" kern="1200">
+          <a:solidFill>
+            <a:schemeClr val="tx1"/>
+          </a:solidFill>
+          <a:latin typeface="+mn-lt"/>
+          <a:ea typeface="+mn-ea"/>
+          <a:cs typeface="+mn-cs"/>
+        </a:defRPr>
+      </a:lvl7pPr>
+      <a:lvl8pPr marL="3429000" indent="-228600" algn="l" defTabSz="914400" rtl="0" eaLnBrk="1" latinLnBrk="0" hangingPunct="1">
+        <a:lnSpc>
+          <a:spcPct val="90000"/>
+        </a:lnSpc>
+        <a:spcBef>
+          <a:spcPts val="500"/>
+        </a:spcBef>
+        <a:buFont typeface="Arial" panose="020B0604020202020204" pitchFamily="34" charset="0"/>
+        <a:buChar char="•"/>
+        <a:defRPr sz="1800" kern="1200">
+          <a:solidFill>
+            <a:schemeClr val="tx1"/>
+          </a:solidFill>
+          <a:latin typeface="+mn-lt"/>
+          <a:ea typeface="+mn-ea"/>
+          <a:cs typeface="+mn-cs"/>
+        </a:defRPr>
+      </a:lvl8pPr>
+      <a:lvl9pPr marL="3886200" indent="-228600" algn="l" defTabSz="914400" rtl="0" eaLnBrk="1" latinLnBrk="0" hangingPunct="1">
+        <a:lnSpc>
+          <a:spcPct val="90000"/>
+        </a:lnSpc>
+        <a:spcBef>
+          <a:spcPts val="500"/>
+        </a:spcBef>
+        <a:buFont typeface="Arial" panose="020B0604020202020204" pitchFamily="34" charset="0"/>
+        <a:buChar char="•"/>
+        <a:defRPr sz="1800" kern="1200">
+          <a:solidFill>
+            <a:schemeClr val="tx1"/>
+          </a:solidFill>
+          <a:latin typeface="+mn-lt"/>
+          <a:ea typeface="+mn-ea"/>
+          <a:cs typeface="+mn-cs"/>
+        </a:defRPr>
+      </a:lvl9pPr>
+    </p:bodyStyle>
+    <p:otherStyle>
+      <a:defPPr>
+        <a:defRPr lang="en-US"/>
+      </a:defPPr>
+      <a:lvl1pPr marL="0" algn="l" defTabSz="914400" rtl="0" eaLnBrk="1" latinLnBrk="0" hangingPunct="1">
+        <a:defRPr sz="1800" kern="1200">
+          <a:solidFill>
+            <a:schemeClr val="tx1"/>
+          </a:solidFill>
+          <a:latin typeface="+mn-lt"/>
+          <a:ea typeface="+mn-ea"/>
+          <a:cs typeface="+mn-cs"/>
+        </a:defRPr>
+      </a:lvl1pPr>
+      <a:lvl2pPr marL="457200" algn="l" defTabSz="914400" rtl="0" eaLnBrk="1" latinLnBrk="0" hangingPunct="1">
+        <a:defRPr sz="1800" kern="1200">
+          <a:solidFill>
+            <a:schemeClr val="tx1"/>
+          </a:solidFill>
+          <a:latin typeface="+mn-lt"/>
+          <a:ea typeface="+mn-ea"/>
+          <a:cs typeface="+mn-cs"/>
+        </a:defRPr>
+      </a:lvl2pPr>
+      <a:lvl3pPr marL="914400" algn="l" defTabSz="914400" rtl="0" eaLnBrk="1" latinLnBrk="0" hangingPunct="1">
+        <a:defRPr sz="1800" kern="1200">
+          <a:solidFill>
+            <a:schemeClr val="tx1"/>
+          </a:solidFill>
+          <a:latin typeface="+mn-lt"/>
+          <a:ea typeface="+mn-ea"/>
+          <a:cs typeface="+mn-cs"/>
+        </a:defRPr>
+      </a:lvl3pPr>
+      <a:lvl4pPr marL="1371600" algn="l" defTabSz="914400" rtl="0" eaLnBrk="1" latinLnBrk="0" hangingPunct="1">
+        <a:defRPr sz="1800" kern="1200">
+          <a:solidFill>
+            <a:schemeClr val="tx1"/>
+          </a:solidFill>
+          <a:latin typeface="+mn-lt"/>
+          <a:ea typeface="+mn-ea"/>
+          <a:cs typeface="+mn-cs"/>
+        </a:defRPr>
+      </a:lvl4pPr>
+      <a:lvl5pPr marL="1828800" algn="l" defTabSz="914400" rtl="0" eaLnBrk="1" latinLnBrk="0" hangingPunct="1">
+        <a:defRPr sz="1800" kern="1200">
+          <a:solidFill>
+            <a:schemeClr val="tx1"/>
+          </a:solidFill>
+          <a:latin typeface="+mn-lt"/>
+          <a:ea typeface="+mn-ea"/>
+          <a:cs typeface="+mn-cs"/>
+        </a:defRPr>
+      </a:lvl5pPr>
+      <a:lvl6pPr marL="2286000" algn="l" defTabSz="914400" rtl="0" eaLnBrk="1" latinLnBrk="0" hangingPunct="1">
+        <a:defRPr sz="1800" kern="1200">
+          <a:solidFill>
+            <a:schemeClr val="tx1"/>
+          </a:solidFill>
+          <a:latin typeface="+mn-lt"/>
+          <a:ea typeface="+mn-ea"/>
+          <a:cs typeface="+mn-cs"/>
+        </a:defRPr>
+      </a:lvl6pPr>
+      <a:lvl7pPr marL="2743200" algn="l" defTabSz="914400" rtl="0" eaLnBrk="1" latinLnBrk="0" hangingPunct="1">
+        <a:defRPr sz="1800" kern="1200">
+          <a:solidFill>
+            <a:schemeClr val="tx1"/>
+          </a:solidFill>
+          <a:latin typeface="+mn-lt"/>
+          <a:ea typeface="+mn-ea"/>
+          <a:cs typeface="+mn-cs"/>
+        </a:defRPr>
+      </a:lvl7pPr>
+      <a:lvl8pPr marL="3200400" algn="l" defTabSz="914400" rtl="0" eaLnBrk="1" latinLnBrk="0" hangingPunct="1">
+        <a:defRPr sz="1800" kern="1200">
+          <a:solidFill>
+            <a:schemeClr val="tx1"/>
+          </a:solidFill>
+          <a:latin typeface="+mn-lt"/>
+          <a:ea typeface="+mn-ea"/>
+          <a:cs typeface="+mn-cs"/>
+        </a:defRPr>
+      </a:lvl8pPr>
+      <a:lvl9pPr marL="3657600" algn="l" defTabSz="914400" rtl="0" eaLnBrk="1" latinLnBrk="0" hangingPunct="1">
+        <a:defRPr sz="1800" kern="1200">
+          <a:solidFill>
+            <a:schemeClr val="tx1"/>
+          </a:solidFill>
+          <a:latin typeface="+mn-lt"/>
+          <a:ea typeface="+mn-ea"/>
+          <a:cs typeface="+mn-cs"/>
+        </a:defRPr>
+      </a:lvl9pPr>
+    </p:otherStyle>
+  </p:txStyles>
 </p:sldMaster>
 </file>
 
 <file path=ppt/slides/slide1.xml><?xml version="1.0" encoding="utf-8"?>
-<p:sld xmlns:a="http://schemas.openxmlformats.org/drawingml/2006/main" xmlns:p="http://schemas.openxmlformats.org/presentationml/2006/main" xmlns:r="http://schemas.openxmlformats.org/officeDocument/2006/relationships" xmlns:p14="http://schemas.microsoft.com/office/powerpoint/2010/main" xmlns:p15="http://schemas.microsoft.com/office/powerpoint/2012/main" xmlns:mc="http://schemas.openxmlformats.org/markup-compatibility/2006">
+<p:sld xmlns:a="http://schemas.openxmlformats.org/drawingml/2006/main" xmlns:r="http://schemas.openxmlformats.org/officeDocument/2006/relationships" xmlns:p="http://schemas.openxmlformats.org/presentationml/2006/main">
   <p:cSld>
     <p:spTree>
       <p:nvGrpSpPr>
@@ -6626,13 +8061,20 @@
           </a:ln>
         </p:spPr>
         <p:style>
-          <a:lnRef idx="0"/>
-          <a:fillRef idx="0"/>
-          <a:effectRef idx="0"/>
+          <a:lnRef idx="0">
+            <a:scrgbClr r="0" g="0" b="0"/>
+          </a:lnRef>
+          <a:fillRef idx="0">
+            <a:scrgbClr r="0" g="0" b="0"/>
+          </a:fillRef>
+          <a:effectRef idx="0">
+            <a:scrgbClr r="0" g="0" b="0"/>
+          </a:effectRef>
           <a:fontRef idx="minor"/>
         </p:style>
         <p:txBody>
-          <a:bodyPr lIns="90000" rIns="90000" tIns="0" bIns="45000"/>
+          <a:bodyPr lIns="90000" tIns="0" rIns="90000" bIns="45000"/>
+          <a:lstStyle/>
           <a:p>
             <a:pPr marL="27360" algn="ctr">
               <a:lnSpc>
@@ -6643,7 +8085,7 @@
               </a:spcBef>
             </a:pPr>
             <a:r>
-              <a:rPr b="1" lang="en-US" sz="6600" spc="-1" strike="noStrike">
+              <a:rPr lang="en-US" sz="6600" b="1" strike="noStrike" spc="-1">
                 <a:solidFill>
                   <a:srgbClr val="361309"/>
                 </a:solidFill>
@@ -6652,7 +8094,7 @@
               </a:rPr>
               <a:t>CWP Workshop</a:t>
             </a:r>
-            <a:endParaRPr b="0" lang="en-US" sz="6600" spc="-1" strike="noStrike">
+            <a:endParaRPr lang="en-US" sz="6600" b="0" strike="noStrike" spc="-1">
               <a:latin typeface="Arial"/>
             </a:endParaRPr>
           </a:p>
@@ -6666,7 +8108,7 @@
               </a:spcBef>
             </a:pPr>
             <a:r>
-              <a:rPr b="0" lang="en-US" sz="3600" spc="-1" strike="noStrike">
+              <a:rPr lang="en-US" sz="3600" b="0" strike="noStrike" spc="-1">
                 <a:solidFill>
                   <a:srgbClr val="361309"/>
                 </a:solidFill>
@@ -6675,7 +8117,7 @@
               </a:rPr>
               <a:t>6 January 2020</a:t>
             </a:r>
-            <a:endParaRPr b="0" lang="en-US" sz="3600" spc="-1" strike="noStrike">
+            <a:endParaRPr lang="en-US" sz="3600" b="0" strike="noStrike" spc="-1">
               <a:latin typeface="Arial"/>
             </a:endParaRPr>
           </a:p>
@@ -6689,7 +8131,7 @@
               </a:spcBef>
             </a:pPr>
             <a:r>
-              <a:rPr b="0" lang="en-US" sz="3600" spc="-1" strike="noStrike">
+              <a:rPr lang="en-US" sz="3600" b="0" strike="noStrike" spc="-1">
                 <a:solidFill>
                   <a:srgbClr val="361309"/>
                 </a:solidFill>
@@ -6698,7 +8140,7 @@
               </a:rPr>
               <a:t>Golden,  Colorado</a:t>
             </a:r>
-            <a:endParaRPr b="0" lang="en-US" sz="3600" spc="-1" strike="noStrike">
+            <a:endParaRPr lang="en-US" sz="3600" b="0" strike="noStrike" spc="-1">
               <a:latin typeface="Arial"/>
             </a:endParaRPr>
           </a:p>
@@ -6706,12 +8148,12 @@
       </p:sp>
       <p:pic>
         <p:nvPicPr>
-          <p:cNvPr id="158" name="Picture 5" descr=""/>
+          <p:cNvPr id="158" name="Picture 5"/>
           <p:cNvPicPr/>
           <p:nvPr/>
         </p:nvPicPr>
         <p:blipFill>
-          <a:blip r:embed="rId1"/>
+          <a:blip r:embed="rId2"/>
           <a:stretch/>
         </p:blipFill>
         <p:spPr>
@@ -6747,14 +8189,23 @@
           </a:ln>
         </p:spPr>
         <p:style>
-          <a:lnRef idx="0"/>
-          <a:fillRef idx="0"/>
-          <a:effectRef idx="0"/>
+          <a:lnRef idx="0">
+            <a:scrgbClr r="0" g="0" b="0"/>
+          </a:lnRef>
+          <a:fillRef idx="0">
+            <a:scrgbClr r="0" g="0" b="0"/>
+          </a:fillRef>
+          <a:effectRef idx="0">
+            <a:scrgbClr r="0" g="0" b="0"/>
+          </a:effectRef>
           <a:fontRef idx="minor"/>
         </p:style>
       </p:sp>
     </p:spTree>
   </p:cSld>
+  <p:clrMapOvr>
+    <a:masterClrMapping/>
+  </p:clrMapOvr>
   <p:timing>
     <p:tnLst>
       <p:par>
@@ -6763,14 +8214,14 @@
             <p:seq>
               <p:cTn id="2" dur="indefinite" nodeType="mainSeq"/>
               <p:prevCondLst>
-                <p:cond delay="0" evt="onPrev">
+                <p:cond evt="onPrev" delay="0">
                   <p:tgtEl>
                     <p:sldTgt/>
                   </p:tgtEl>
                 </p:cond>
               </p:prevCondLst>
               <p:nextCondLst>
-                <p:cond delay="0" evt="onNext">
+                <p:cond evt="onNext" delay="0">
                   <p:tgtEl>
                     <p:sldTgt/>
                   </p:tgtEl>
@@ -6786,7 +8237,7 @@
 </file>
 
 <file path=ppt/slides/slide2.xml><?xml version="1.0" encoding="utf-8"?>
-<p:sld xmlns:a="http://schemas.openxmlformats.org/drawingml/2006/main" xmlns:p="http://schemas.openxmlformats.org/presentationml/2006/main" xmlns:r="http://schemas.openxmlformats.org/officeDocument/2006/relationships" xmlns:p14="http://schemas.microsoft.com/office/powerpoint/2010/main" xmlns:p15="http://schemas.microsoft.com/office/powerpoint/2012/main" xmlns:mc="http://schemas.openxmlformats.org/markup-compatibility/2006">
+<p:sld xmlns:a="http://schemas.openxmlformats.org/drawingml/2006/main" xmlns:r="http://schemas.openxmlformats.org/officeDocument/2006/relationships" xmlns:p="http://schemas.openxmlformats.org/presentationml/2006/main">
   <p:cSld>
     <p:spTree>
       <p:nvGrpSpPr>
@@ -6822,15 +8273,22 @@
           </a:ln>
         </p:spPr>
         <p:style>
-          <a:lnRef idx="0"/>
-          <a:fillRef idx="0"/>
-          <a:effectRef idx="0"/>
+          <a:lnRef idx="0">
+            <a:scrgbClr r="0" g="0" b="0"/>
+          </a:lnRef>
+          <a:fillRef idx="0">
+            <a:scrgbClr r="0" g="0" b="0"/>
+          </a:fillRef>
+          <a:effectRef idx="0">
+            <a:scrgbClr r="0" g="0" b="0"/>
+          </a:effectRef>
           <a:fontRef idx="minor"/>
         </p:style>
         <p:txBody>
-          <a:bodyPr lIns="90000" rIns="90000" tIns="45000" bIns="45000" anchor="ctr">
-            <a:normAutofit/>
+          <a:bodyPr lIns="90000" tIns="45000" rIns="90000" bIns="45000" anchor="ctr">
+            <a:normAutofit fontScale="92500"/>
           </a:bodyPr>
+          <a:lstStyle/>
           <a:p>
             <a:pPr algn="ctr">
               <a:lnSpc>
@@ -6838,7 +8296,7 @@
               </a:lnSpc>
             </a:pPr>
             <a:r>
-              <a:rPr b="1" lang="en-US" sz="3600" spc="-1" strike="noStrike">
+              <a:rPr lang="en-US" sz="3600" b="1" strike="noStrike" spc="-1">
                 <a:solidFill>
                   <a:srgbClr val="964305"/>
                 </a:solidFill>
@@ -6847,7 +8305,7 @@
               </a:rPr>
               <a:t>Today’s workshop – Start-up items</a:t>
             </a:r>
-            <a:endParaRPr b="0" lang="en-US" sz="3600" spc="-1" strike="noStrike">
+            <a:endParaRPr lang="en-US" sz="3600" b="0" strike="noStrike" spc="-1">
               <a:latin typeface="Arial"/>
             </a:endParaRPr>
           </a:p>
@@ -6873,13 +8331,20 @@
           </a:ln>
         </p:spPr>
         <p:style>
-          <a:lnRef idx="0"/>
-          <a:fillRef idx="0"/>
-          <a:effectRef idx="0"/>
+          <a:lnRef idx="0">
+            <a:scrgbClr r="0" g="0" b="0"/>
+          </a:lnRef>
+          <a:fillRef idx="0">
+            <a:scrgbClr r="0" g="0" b="0"/>
+          </a:fillRef>
+          <a:effectRef idx="0">
+            <a:scrgbClr r="0" g="0" b="0"/>
+          </a:effectRef>
           <a:fontRef idx="minor"/>
         </p:style>
         <p:txBody>
-          <a:bodyPr lIns="90000" rIns="90000" tIns="45000" bIns="45000"/>
+          <a:bodyPr lIns="90000" tIns="45000" rIns="90000" bIns="45000"/>
+          <a:lstStyle/>
           <a:p>
             <a:pPr marL="343080" indent="-342000">
               <a:lnSpc>
@@ -6892,7 +8357,7 @@
               <a:buChar char="•"/>
             </a:pPr>
             <a:r>
-              <a:rPr b="0" lang="en-US" sz="2200" spc="-1" strike="noStrike">
+              <a:rPr lang="en-US" sz="2200" b="0" strike="noStrike" spc="-1">
                 <a:solidFill>
                   <a:srgbClr val="000000"/>
                 </a:solidFill>
@@ -6902,7 +8367,7 @@
               <a:t>Login to </a:t>
             </a:r>
             <a:r>
-              <a:rPr b="0" i="1" lang="en-US" sz="2200" spc="-1" strike="noStrike">
+              <a:rPr lang="en-US" sz="2200" b="0" i="1" strike="noStrike" spc="-1">
                 <a:solidFill>
                   <a:srgbClr val="000000"/>
                 </a:solidFill>
@@ -6912,7 +8377,7 @@
               <a:t>mio.mines.edu </a:t>
             </a:r>
             <a:r>
-              <a:rPr b="0" lang="en-US" sz="2200" spc="-1" strike="noStrike">
+              <a:rPr lang="en-US" sz="2200" b="0" strike="noStrike" spc="-1">
                 <a:solidFill>
                   <a:srgbClr val="000000"/>
                 </a:solidFill>
@@ -6921,12 +8386,12 @@
               </a:rPr>
               <a:t>using your (new) login</a:t>
             </a:r>
-            <a:endParaRPr b="0" lang="en-US" sz="2200" spc="-1" strike="noStrike">
-              <a:latin typeface="Arial"/>
-            </a:endParaRPr>
-          </a:p>
-          <a:p>
-            <a:pPr lvl="1" marL="800280" indent="-342000">
+            <a:endParaRPr lang="en-US" sz="2200" b="0" strike="noStrike" spc="-1">
+              <a:latin typeface="Arial"/>
+            </a:endParaRPr>
+          </a:p>
+          <a:p>
+            <a:pPr marL="800280" lvl="1" indent="-342000">
               <a:lnSpc>
                 <a:spcPct val="100000"/>
               </a:lnSpc>
@@ -6937,16 +8402,16 @@
               <a:buChar char="•"/>
             </a:pPr>
             <a:r>
-              <a:rPr b="1" lang="en-US" sz="2000" spc="-1" strike="noStrike">
-                <a:solidFill>
-                  <a:srgbClr val="72bf44"/>
+              <a:rPr lang="en-US" sz="2000" b="1" strike="noStrike" spc="-1">
+                <a:solidFill>
+                  <a:srgbClr val="72BF44"/>
                 </a:solidFill>
                 <a:latin typeface="Ubuntu Mono"/>
                 <a:ea typeface="DejaVu Sans"/>
               </a:rPr>
               <a:t>ssh -Y username@mio.mines.edu</a:t>
             </a:r>
-            <a:endParaRPr b="0" lang="en-US" sz="2000" spc="-1" strike="noStrike">
+            <a:endParaRPr lang="en-US" sz="2000" b="0" strike="noStrike" spc="-1">
               <a:latin typeface="Arial"/>
             </a:endParaRPr>
           </a:p>
@@ -6956,7 +8421,7 @@
                 <a:spcPct val="100000"/>
               </a:lnSpc>
             </a:pPr>
-            <a:endParaRPr b="0" lang="en-US" sz="2000" spc="-1" strike="noStrike">
+            <a:endParaRPr lang="en-US" sz="2000" b="0" strike="noStrike" spc="-1">
               <a:latin typeface="Arial"/>
             </a:endParaRPr>
           </a:p>
@@ -6972,7 +8437,7 @@
               <a:buChar char="•"/>
             </a:pPr>
             <a:r>
-              <a:rPr b="0" lang="en-US" sz="2200" spc="-1" strike="noStrike">
+              <a:rPr lang="en-US" sz="2200" b="0" strike="noStrike" spc="-1">
                 <a:solidFill>
                   <a:srgbClr val="000000"/>
                 </a:solidFill>
@@ -6982,7 +8447,7 @@
               <a:t>If you have not setup you </a:t>
             </a:r>
             <a:r>
-              <a:rPr b="0" i="1" lang="en-US" sz="2200" spc="-1" strike="noStrike">
+              <a:rPr lang="en-US" sz="2200" b="0" i="1" strike="noStrike" spc="-1">
                 <a:solidFill>
                   <a:srgbClr val="000000"/>
                 </a:solidFill>
@@ -6992,7 +8457,7 @@
               <a:t>~/.bash_profile </a:t>
             </a:r>
             <a:r>
-              <a:rPr b="0" lang="en-US" sz="2200" spc="-1" strike="noStrike">
+              <a:rPr lang="en-US" sz="2200" b="0" strike="noStrike" spc="-1">
                 <a:solidFill>
                   <a:srgbClr val="000000"/>
                 </a:solidFill>
@@ -7001,12 +8466,12 @@
               </a:rPr>
               <a:t>or it’s your first time logging into Mio then you need to:</a:t>
             </a:r>
-            <a:endParaRPr b="0" lang="en-US" sz="2200" spc="-1" strike="noStrike">
-              <a:latin typeface="Arial"/>
-            </a:endParaRPr>
-          </a:p>
-          <a:p>
-            <a:pPr lvl="1" marL="800280" indent="-342000">
+            <a:endParaRPr lang="en-US" sz="2200" b="0" strike="noStrike" spc="-1">
+              <a:latin typeface="Arial"/>
+            </a:endParaRPr>
+          </a:p>
+          <a:p>
+            <a:pPr marL="800280" lvl="1" indent="-342000">
               <a:lnSpc>
                 <a:spcPct val="100000"/>
               </a:lnSpc>
@@ -7017,16 +8482,16 @@
               <a:buChar char="•"/>
             </a:pPr>
             <a:r>
-              <a:rPr b="1" lang="en-US" sz="2000" spc="-1" strike="noStrike">
-                <a:solidFill>
-                  <a:srgbClr val="72bf44"/>
+              <a:rPr lang="en-US" sz="2000" b="1" strike="noStrike" spc="-1">
+                <a:solidFill>
+                  <a:srgbClr val="72BF44"/>
                 </a:solidFill>
                 <a:latin typeface="Ubuntu Mono"/>
                 <a:ea typeface="DejaVu Sans"/>
               </a:rPr>
               <a:t>cp /gpfs/lb/sets/geop/bash_profile_generic ~/.bash_profile</a:t>
             </a:r>
-            <a:endParaRPr b="0" lang="en-US" sz="2000" spc="-1" strike="noStrike">
+            <a:endParaRPr lang="en-US" sz="2000" b="0" strike="noStrike" spc="-1">
               <a:latin typeface="Arial"/>
             </a:endParaRPr>
           </a:p>
@@ -7036,7 +8501,7 @@
                 <a:spcPct val="100000"/>
               </a:lnSpc>
             </a:pPr>
-            <a:endParaRPr b="0" lang="en-US" sz="2000" spc="-1" strike="noStrike">
+            <a:endParaRPr lang="en-US" sz="2000" b="0" strike="noStrike" spc="-1">
               <a:latin typeface="Arial"/>
             </a:endParaRPr>
           </a:p>
@@ -7052,7 +8517,7 @@
               <a:buChar char="•"/>
             </a:pPr>
             <a:r>
-              <a:rPr b="0" lang="en-US" sz="2200" spc="-1" strike="noStrike">
+              <a:rPr lang="en-US" sz="2200" b="0" strike="noStrike" spc="-1">
                 <a:solidFill>
                   <a:srgbClr val="000000"/>
                 </a:solidFill>
@@ -7061,12 +8526,12 @@
               </a:rPr>
               <a:t>Copy over the workshop materials to your local directory</a:t>
             </a:r>
-            <a:endParaRPr b="0" lang="en-US" sz="2200" spc="-1" strike="noStrike">
-              <a:latin typeface="Arial"/>
-            </a:endParaRPr>
-          </a:p>
-          <a:p>
-            <a:pPr lvl="1" marL="800280" indent="-342000">
+            <a:endParaRPr lang="en-US" sz="2200" b="0" strike="noStrike" spc="-1">
+              <a:latin typeface="Arial"/>
+            </a:endParaRPr>
+          </a:p>
+          <a:p>
+            <a:pPr marL="800280" lvl="1" indent="-342000">
               <a:lnSpc>
                 <a:spcPct val="100000"/>
               </a:lnSpc>
@@ -7077,21 +8542,21 @@
               <a:buChar char="•"/>
             </a:pPr>
             <a:r>
-              <a:rPr b="1" lang="en-US" sz="2000" spc="-1" strike="noStrike">
-                <a:solidFill>
-                  <a:srgbClr val="72bf44"/>
+              <a:rPr lang="en-US" sz="2000" b="1" strike="noStrike" spc="-1">
+                <a:solidFill>
+                  <a:srgbClr val="72BF44"/>
                 </a:solidFill>
                 <a:latin typeface="Ubuntu Mono"/>
                 <a:ea typeface="DejaVu Sans"/>
               </a:rPr>
               <a:t>mkdir -p ~/M8R/Workshop2020/</a:t>
             </a:r>
-            <a:endParaRPr b="0" lang="en-US" sz="2000" spc="-1" strike="noStrike">
-              <a:latin typeface="Arial"/>
-            </a:endParaRPr>
-          </a:p>
-          <a:p>
-            <a:pPr lvl="1" marL="800280" indent="-342000">
+            <a:endParaRPr lang="en-US" sz="2000" b="0" strike="noStrike" spc="-1">
+              <a:latin typeface="Arial"/>
+            </a:endParaRPr>
+          </a:p>
+          <a:p>
+            <a:pPr marL="800280" lvl="1" indent="-342000">
               <a:lnSpc>
                 <a:spcPct val="100000"/>
               </a:lnSpc>
@@ -7102,16 +8567,16 @@
               <a:buChar char="•"/>
             </a:pPr>
             <a:r>
-              <a:rPr b="1" lang="en-US" sz="2000" spc="-1" strike="noStrike">
-                <a:solidFill>
-                  <a:srgbClr val="72bf44"/>
+              <a:rPr lang="en-US" sz="2000" b="1" strike="noStrike" spc="-1">
+                <a:solidFill>
+                  <a:srgbClr val="72BF44"/>
                 </a:solidFill>
                 <a:latin typeface="Ubuntu Mono"/>
                 <a:ea typeface="DejaVu Sans"/>
               </a:rPr>
               <a:t>cp -r /gpfs/lb/sets/geop/M8R/Workshop2020/* ~/M8R/Workshop2020/</a:t>
             </a:r>
-            <a:endParaRPr b="0" lang="en-US" sz="2000" spc="-1" strike="noStrike">
+            <a:endParaRPr lang="en-US" sz="2000" b="0" strike="noStrike" spc="-1">
               <a:latin typeface="Arial"/>
             </a:endParaRPr>
           </a:p>
@@ -7121,7 +8586,7 @@
                 <a:spcPct val="100000"/>
               </a:lnSpc>
             </a:pPr>
-            <a:endParaRPr b="0" lang="en-US" sz="2000" spc="-1" strike="noStrike">
+            <a:endParaRPr lang="en-US" sz="2000" b="0" strike="noStrike" spc="-1">
               <a:latin typeface="Arial"/>
             </a:endParaRPr>
           </a:p>
@@ -7137,7 +8602,7 @@
               <a:buChar char="•"/>
             </a:pPr>
             <a:r>
-              <a:rPr b="0" lang="en-US" sz="2200" spc="-1" strike="noStrike">
+              <a:rPr lang="en-US" sz="2200" b="0" strike="noStrike" spc="-1">
                 <a:solidFill>
                   <a:srgbClr val="000000"/>
                 </a:solidFill>
@@ -7146,12 +8611,12 @@
               </a:rPr>
               <a:t>Note: There is a shared GEOP folder where you can share codes, files, etc with your peers</a:t>
             </a:r>
-            <a:endParaRPr b="0" lang="en-US" sz="2200" spc="-1" strike="noStrike">
-              <a:latin typeface="Arial"/>
-            </a:endParaRPr>
-          </a:p>
-          <a:p>
-            <a:pPr lvl="1" marL="800280" indent="-342000">
+            <a:endParaRPr lang="en-US" sz="2200" b="0" strike="noStrike" spc="-1">
+              <a:latin typeface="Arial"/>
+            </a:endParaRPr>
+          </a:p>
+          <a:p>
+            <a:pPr marL="800280" lvl="1" indent="-342000">
               <a:lnSpc>
                 <a:spcPct val="100000"/>
               </a:lnSpc>
@@ -7162,16 +8627,16 @@
               <a:buChar char="•"/>
             </a:pPr>
             <a:r>
-              <a:rPr b="1" lang="en-US" sz="2000" spc="-1" strike="noStrike">
-                <a:solidFill>
-                  <a:srgbClr val="72bf44"/>
+              <a:rPr lang="en-US" sz="2000" b="1" strike="noStrike" spc="-1">
+                <a:solidFill>
+                  <a:srgbClr val="72BF44"/>
                 </a:solidFill>
                 <a:latin typeface="Ubuntu Mono"/>
                 <a:ea typeface="DejaVu Sans"/>
               </a:rPr>
               <a:t>/gpfs/lb/sets/geop/</a:t>
             </a:r>
-            <a:endParaRPr b="0" lang="en-US" sz="2000" spc="-1" strike="noStrike">
+            <a:endParaRPr lang="en-US" sz="2000" b="0" strike="noStrike" spc="-1">
               <a:latin typeface="Arial"/>
             </a:endParaRPr>
           </a:p>
@@ -7181,7 +8646,7 @@
                 <a:spcPct val="100000"/>
               </a:lnSpc>
             </a:pPr>
-            <a:endParaRPr b="0" lang="en-US" sz="2000" spc="-1" strike="noStrike">
+            <a:endParaRPr lang="en-US" sz="2000" b="0" strike="noStrike" spc="-1">
               <a:latin typeface="Arial"/>
             </a:endParaRPr>
           </a:p>
@@ -7197,7 +8662,7 @@
               <a:buChar char="•"/>
             </a:pPr>
             <a:r>
-              <a:rPr b="0" lang="en-US" sz="2400" spc="-1" strike="noStrike">
+              <a:rPr lang="en-US" sz="2400" b="0" strike="noStrike" spc="-1">
                 <a:solidFill>
                   <a:srgbClr val="000000"/>
                 </a:solidFill>
@@ -7207,7 +8672,7 @@
               <a:t>Text editors: </a:t>
             </a:r>
             <a:r>
-              <a:rPr b="1" lang="en-US" sz="2000" spc="-1" strike="noStrike">
+              <a:rPr lang="en-US" sz="2000" b="1" strike="noStrike" spc="-1">
                 <a:solidFill>
                   <a:srgbClr val="000000"/>
                 </a:solidFill>
@@ -7217,7 +8682,7 @@
               <a:t>vi</a:t>
             </a:r>
             <a:r>
-              <a:rPr b="0" lang="en-US" sz="2400" spc="-1" strike="noStrike">
+              <a:rPr lang="en-US" sz="2400" b="0" strike="noStrike" spc="-1">
                 <a:solidFill>
                   <a:srgbClr val="000000"/>
                 </a:solidFill>
@@ -7227,7 +8692,7 @@
               <a:t> / </a:t>
             </a:r>
             <a:r>
-              <a:rPr b="1" lang="en-US" sz="2000" spc="-1" strike="noStrike">
+              <a:rPr lang="en-US" sz="2000" b="1" strike="noStrike" spc="-1">
                 <a:solidFill>
                   <a:srgbClr val="000000"/>
                 </a:solidFill>
@@ -7237,7 +8702,7 @@
               <a:t>vim </a:t>
             </a:r>
             <a:r>
-              <a:rPr b="0" lang="en-US" sz="2400" spc="-1" strike="noStrike">
+              <a:rPr lang="en-US" sz="2400" b="0" strike="noStrike" spc="-1">
                 <a:solidFill>
                   <a:srgbClr val="000000"/>
                 </a:solidFill>
@@ -7247,7 +8712,7 @@
               <a:t>(suggested) or </a:t>
             </a:r>
             <a:r>
-              <a:rPr b="1" lang="en-US" sz="2000" spc="-1" strike="noStrike">
+              <a:rPr lang="en-US" sz="2000" b="1" strike="noStrike" spc="-1">
                 <a:solidFill>
                   <a:srgbClr val="000000"/>
                 </a:solidFill>
@@ -7257,7 +8722,7 @@
               <a:t>gedit</a:t>
             </a:r>
             <a:r>
-              <a:rPr b="0" i="1" lang="en-US" sz="2400" spc="-1" strike="noStrike">
+              <a:rPr lang="en-US" sz="2400" b="0" i="1" strike="noStrike" spc="-1">
                 <a:solidFill>
                   <a:srgbClr val="000000"/>
                 </a:solidFill>
@@ -7267,7 +8732,7 @@
               <a:t> </a:t>
             </a:r>
             <a:r>
-              <a:rPr b="0" lang="en-US" sz="2400" spc="-1" strike="noStrike">
+              <a:rPr lang="en-US" sz="2400" b="0" strike="noStrike" spc="-1">
                 <a:solidFill>
                   <a:srgbClr val="000000"/>
                 </a:solidFill>
@@ -7276,7 +8741,7 @@
               </a:rPr>
               <a:t>(GUI-like)</a:t>
             </a:r>
-            <a:endParaRPr b="0" lang="en-US" sz="2400" spc="-1" strike="noStrike">
+            <a:endParaRPr lang="en-US" sz="2400" b="0" strike="noStrike" spc="-1">
               <a:latin typeface="Arial"/>
             </a:endParaRPr>
           </a:p>
@@ -7286,7 +8751,7 @@
                 <a:spcPct val="100000"/>
               </a:lnSpc>
             </a:pPr>
-            <a:endParaRPr b="0" lang="en-US" sz="2400" spc="-1" strike="noStrike">
+            <a:endParaRPr lang="en-US" sz="2400" b="0" strike="noStrike" spc="-1">
               <a:latin typeface="Arial"/>
             </a:endParaRPr>
           </a:p>
@@ -7294,22 +8759,25 @@
       </p:sp>
     </p:spTree>
   </p:cSld>
+  <p:clrMapOvr>
+    <a:masterClrMapping/>
+  </p:clrMapOvr>
   <p:timing>
     <p:tnLst>
       <p:par>
-        <p:cTn id="3" dur="indefinite" restart="never" nodeType="tmRoot">
+        <p:cTn id="1" dur="indefinite" restart="never" nodeType="tmRoot">
           <p:childTnLst>
             <p:seq>
-              <p:cTn id="4" dur="indefinite" nodeType="mainSeq"/>
+              <p:cTn id="2" dur="indefinite" nodeType="mainSeq"/>
               <p:prevCondLst>
-                <p:cond delay="0" evt="onPrev">
+                <p:cond evt="onPrev" delay="0">
                   <p:tgtEl>
                     <p:sldTgt/>
                   </p:tgtEl>
                 </p:cond>
               </p:prevCondLst>
               <p:nextCondLst>
-                <p:cond delay="0" evt="onNext">
+                <p:cond evt="onNext" delay="0">
                   <p:tgtEl>
                     <p:sldTgt/>
                   </p:tgtEl>
@@ -7325,7 +8793,7 @@
 </file>
 
 <file path=ppt/slides/slide3.xml><?xml version="1.0" encoding="utf-8"?>
-<p:sld xmlns:a="http://schemas.openxmlformats.org/drawingml/2006/main" xmlns:p="http://schemas.openxmlformats.org/presentationml/2006/main" xmlns:r="http://schemas.openxmlformats.org/officeDocument/2006/relationships" xmlns:p14="http://schemas.microsoft.com/office/powerpoint/2010/main" xmlns:p15="http://schemas.microsoft.com/office/powerpoint/2012/main" xmlns:mc="http://schemas.openxmlformats.org/markup-compatibility/2006">
+<p:sld xmlns:a="http://schemas.openxmlformats.org/drawingml/2006/main" xmlns:r="http://schemas.openxmlformats.org/officeDocument/2006/relationships" xmlns:p="http://schemas.openxmlformats.org/presentationml/2006/main">
   <p:cSld>
     <p:spTree>
       <p:nvGrpSpPr>
@@ -7361,15 +8829,22 @@
           </a:ln>
         </p:spPr>
         <p:style>
-          <a:lnRef idx="0"/>
-          <a:fillRef idx="0"/>
-          <a:effectRef idx="0"/>
+          <a:lnRef idx="0">
+            <a:scrgbClr r="0" g="0" b="0"/>
+          </a:lnRef>
+          <a:fillRef idx="0">
+            <a:scrgbClr r="0" g="0" b="0"/>
+          </a:fillRef>
+          <a:effectRef idx="0">
+            <a:scrgbClr r="0" g="0" b="0"/>
+          </a:effectRef>
           <a:fontRef idx="minor"/>
         </p:style>
         <p:txBody>
-          <a:bodyPr lIns="90000" rIns="90000" tIns="45000" bIns="45000" anchor="ctr">
+          <a:bodyPr lIns="90000" tIns="45000" rIns="90000" bIns="45000" anchor="ctr">
             <a:normAutofit/>
           </a:bodyPr>
+          <a:lstStyle/>
           <a:p>
             <a:pPr algn="ctr">
               <a:lnSpc>
@@ -7377,7 +8852,7 @@
               </a:lnSpc>
             </a:pPr>
             <a:r>
-              <a:rPr b="1" lang="en-US" sz="3600" spc="-1" strike="noStrike">
+              <a:rPr lang="en-US" sz="3600" b="1" strike="noStrike" spc="-1">
                 <a:solidFill>
                   <a:srgbClr val="964305"/>
                 </a:solidFill>
@@ -7386,7 +8861,7 @@
               </a:rPr>
               <a:t>Using the command line</a:t>
             </a:r>
-            <a:endParaRPr b="0" lang="en-US" sz="3600" spc="-1" strike="noStrike">
+            <a:endParaRPr lang="en-US" sz="3600" b="0" strike="noStrike" spc="-1">
               <a:latin typeface="Arial"/>
             </a:endParaRPr>
           </a:p>
@@ -7412,13 +8887,20 @@
           </a:ln>
         </p:spPr>
         <p:style>
-          <a:lnRef idx="0"/>
-          <a:fillRef idx="0"/>
-          <a:effectRef idx="0"/>
+          <a:lnRef idx="0">
+            <a:scrgbClr r="0" g="0" b="0"/>
+          </a:lnRef>
+          <a:fillRef idx="0">
+            <a:scrgbClr r="0" g="0" b="0"/>
+          </a:fillRef>
+          <a:effectRef idx="0">
+            <a:scrgbClr r="0" g="0" b="0"/>
+          </a:effectRef>
           <a:fontRef idx="minor"/>
         </p:style>
         <p:txBody>
-          <a:bodyPr lIns="90000" rIns="90000" tIns="45000" bIns="45000"/>
+          <a:bodyPr lIns="90000" tIns="45000" rIns="90000" bIns="45000"/>
+          <a:lstStyle/>
           <a:p>
             <a:pPr marL="216000" indent="-215640">
               <a:lnSpc>
@@ -7432,7 +8914,7 @@
               <a:buChar char=""/>
             </a:pPr>
             <a:r>
-              <a:rPr b="0" lang="en-US" sz="2400" spc="-1" strike="noStrike">
+              <a:rPr lang="en-US" sz="2400" b="0" strike="noStrike" spc="-1">
                 <a:solidFill>
                   <a:srgbClr val="000000"/>
                 </a:solidFill>
@@ -7441,12 +8923,12 @@
               </a:rPr>
               <a:t>Navigating:</a:t>
             </a:r>
-            <a:endParaRPr b="0" lang="en-US" sz="2400" spc="-1" strike="noStrike">
-              <a:latin typeface="Arial"/>
-            </a:endParaRPr>
-          </a:p>
-          <a:p>
-            <a:pPr lvl="1" marL="432000" indent="-215640">
+            <a:endParaRPr lang="en-US" sz="2400" b="0" strike="noStrike" spc="-1">
+              <a:latin typeface="Arial"/>
+            </a:endParaRPr>
+          </a:p>
+          <a:p>
+            <a:pPr marL="432000" lvl="1" indent="-215640">
               <a:lnSpc>
                 <a:spcPct val="100000"/>
               </a:lnSpc>
@@ -7458,9 +8940,9 @@
               <a:buChar char=""/>
             </a:pPr>
             <a:r>
-              <a:rPr b="1" lang="en-US" sz="2400" spc="-1" strike="noStrike">
-                <a:solidFill>
-                  <a:srgbClr val="72bf44"/>
+              <a:rPr lang="en-US" sz="2400" b="1" strike="noStrike" spc="-1">
+                <a:solidFill>
+                  <a:srgbClr val="72BF44"/>
                 </a:solidFill>
                 <a:latin typeface="Ubuntu Mono"/>
                 <a:ea typeface="DejaVu Sans"/>
@@ -7468,7 +8950,7 @@
               <a:t>cd /your/directory</a:t>
             </a:r>
             <a:r>
-              <a:rPr b="0" lang="en-US" sz="2400" spc="-1" strike="noStrike">
+              <a:rPr lang="en-US" sz="2400" b="0" strike="noStrike" spc="-1">
                 <a:solidFill>
                   <a:srgbClr val="000000"/>
                 </a:solidFill>
@@ -7477,12 +8959,12 @@
               </a:rPr>
               <a:t> takes you to that location</a:t>
             </a:r>
-            <a:endParaRPr b="0" lang="en-US" sz="2400" spc="-1" strike="noStrike">
-              <a:latin typeface="Arial"/>
-            </a:endParaRPr>
-          </a:p>
-          <a:p>
-            <a:pPr lvl="1" marL="432000" indent="-215640">
+            <a:endParaRPr lang="en-US" sz="2400" b="0" strike="noStrike" spc="-1">
+              <a:latin typeface="Arial"/>
+            </a:endParaRPr>
+          </a:p>
+          <a:p>
+            <a:pPr marL="432000" lvl="1" indent="-215640">
               <a:lnSpc>
                 <a:spcPct val="100000"/>
               </a:lnSpc>
@@ -7494,7 +8976,7 @@
               <a:buChar char=""/>
             </a:pPr>
             <a:r>
-              <a:rPr b="0" lang="en-US" sz="2400" spc="-1" strike="noStrike">
+              <a:rPr lang="en-US" sz="2400" b="0" strike="noStrike" spc="-1">
                 <a:solidFill>
                   <a:srgbClr val="000000"/>
                 </a:solidFill>
@@ -7504,7 +8986,7 @@
               <a:t>Using</a:t>
             </a:r>
             <a:r>
-              <a:rPr b="0" lang="en-US" sz="2400" spc="-1" strike="noStrike">
+              <a:rPr lang="en-US" sz="2400" b="0" strike="noStrike" spc="-1">
                 <a:solidFill>
                   <a:srgbClr val="000000"/>
                 </a:solidFill>
@@ -7514,9 +8996,9 @@
               <a:t> </a:t>
             </a:r>
             <a:r>
-              <a:rPr b="1" lang="en-US" sz="2400" spc="-1" strike="noStrike">
-                <a:solidFill>
-                  <a:srgbClr val="72bf44"/>
+              <a:rPr lang="en-US" sz="2400" b="1" strike="noStrike" spc="-1">
+                <a:solidFill>
+                  <a:srgbClr val="72BF44"/>
                 </a:solidFill>
                 <a:latin typeface="Ubuntu Mono"/>
                 <a:ea typeface="DejaVu Sans"/>
@@ -7524,7 +9006,7 @@
               <a:t>~/folder</a:t>
             </a:r>
             <a:r>
-              <a:rPr b="0" lang="en-US" sz="2400" spc="-1" strike="noStrike">
+              <a:rPr lang="en-US" sz="2400" b="0" strike="noStrike" spc="-1">
                 <a:solidFill>
                   <a:srgbClr val="000000"/>
                 </a:solidFill>
@@ -7534,9 +9016,9 @@
               <a:t> is the same as </a:t>
             </a:r>
             <a:r>
-              <a:rPr b="1" lang="en-US" sz="2400" spc="-1" strike="noStrike">
-                <a:solidFill>
-                  <a:srgbClr val="72bf44"/>
+              <a:rPr lang="en-US" sz="2400" b="1" strike="noStrike" spc="-1">
+                <a:solidFill>
+                  <a:srgbClr val="72BF44"/>
                 </a:solidFill>
                 <a:latin typeface="Ubuntu Mono"/>
                 <a:ea typeface="DejaVu Sans"/>
@@ -7544,7 +9026,7 @@
               <a:t>/home/username/folder</a:t>
             </a:r>
             <a:r>
-              <a:rPr b="0" lang="en-US" sz="2400" spc="-1" strike="noStrike">
+              <a:rPr lang="en-US" sz="2400" b="0" strike="noStrike" spc="-1">
                 <a:solidFill>
                   <a:srgbClr val="000000"/>
                 </a:solidFill>
@@ -7553,12 +9035,12 @@
               </a:rPr>
               <a:t> </a:t>
             </a:r>
-            <a:endParaRPr b="0" lang="en-US" sz="2400" spc="-1" strike="noStrike">
-              <a:latin typeface="Arial"/>
-            </a:endParaRPr>
-          </a:p>
-          <a:p>
-            <a:pPr lvl="1" marL="432000" indent="-215640">
+            <a:endParaRPr lang="en-US" sz="2400" b="0" strike="noStrike" spc="-1">
+              <a:latin typeface="Arial"/>
+            </a:endParaRPr>
+          </a:p>
+          <a:p>
+            <a:pPr marL="432000" lvl="1" indent="-215640">
               <a:lnSpc>
                 <a:spcPct val="100000"/>
               </a:lnSpc>
@@ -7570,9 +9052,9 @@
               <a:buChar char=""/>
             </a:pPr>
             <a:r>
-              <a:rPr b="1" lang="en-US" sz="2400" spc="-1" strike="noStrike">
-                <a:solidFill>
-                  <a:srgbClr val="72bf44"/>
+              <a:rPr lang="en-US" sz="2400" b="1" strike="noStrike" spc="-1">
+                <a:solidFill>
+                  <a:srgbClr val="72BF44"/>
                 </a:solidFill>
                 <a:latin typeface="Ubuntu Mono"/>
                 <a:ea typeface="DejaVu Sans"/>
@@ -7580,7 +9062,7 @@
               <a:t>pwd</a:t>
             </a:r>
             <a:r>
-              <a:rPr b="0" lang="en-US" sz="2400" spc="-1" strike="noStrike">
+              <a:rPr lang="en-US" sz="2400" b="0" strike="noStrike" spc="-1">
                 <a:solidFill>
                   <a:srgbClr val="000000"/>
                 </a:solidFill>
@@ -7589,12 +9071,12 @@
               </a:rPr>
               <a:t> shows your current location</a:t>
             </a:r>
-            <a:endParaRPr b="0" lang="en-US" sz="2400" spc="-1" strike="noStrike">
-              <a:latin typeface="Arial"/>
-            </a:endParaRPr>
-          </a:p>
-          <a:p>
-            <a:pPr lvl="1" marL="432000" indent="-215640">
+            <a:endParaRPr lang="en-US" sz="2400" b="0" strike="noStrike" spc="-1">
+              <a:latin typeface="Arial"/>
+            </a:endParaRPr>
+          </a:p>
+          <a:p>
+            <a:pPr marL="432000" lvl="1" indent="-215640">
               <a:lnSpc>
                 <a:spcPct val="100000"/>
               </a:lnSpc>
@@ -7606,9 +9088,9 @@
               <a:buChar char=""/>
             </a:pPr>
             <a:r>
-              <a:rPr b="1" lang="en-US" sz="2400" spc="-1" strike="noStrike">
-                <a:solidFill>
-                  <a:srgbClr val="72bf44"/>
+              <a:rPr lang="en-US" sz="2400" b="1" strike="noStrike" spc="-1">
+                <a:solidFill>
+                  <a:srgbClr val="72BF44"/>
                 </a:solidFill>
                 <a:latin typeface="Ubuntu Mono"/>
                 <a:ea typeface="DejaVu Sans"/>
@@ -7616,7 +9098,7 @@
               <a:t>cd ..</a:t>
             </a:r>
             <a:r>
-              <a:rPr b="0" lang="en-US" sz="2400" spc="-1" strike="noStrike">
+              <a:rPr lang="en-US" sz="2400" b="0" strike="noStrike" spc="-1">
                 <a:solidFill>
                   <a:srgbClr val="000000"/>
                 </a:solidFill>
@@ -7626,7 +9108,7 @@
               <a:t> </a:t>
             </a:r>
             <a:r>
-              <a:rPr b="0" lang="en-US" sz="2400" spc="-1" strike="noStrike">
+              <a:rPr lang="en-US" sz="2400" b="0" strike="noStrike" spc="-1">
                 <a:solidFill>
                   <a:srgbClr val="000000"/>
                 </a:solidFill>
@@ -7636,9 +9118,9 @@
               <a:t>goes back one folder and </a:t>
             </a:r>
             <a:r>
-              <a:rPr b="1" lang="en-US" sz="2400" spc="-1" strike="noStrike">
-                <a:solidFill>
-                  <a:srgbClr val="72bf44"/>
+              <a:rPr lang="en-US" sz="2400" b="1" strike="noStrike" spc="-1">
+                <a:solidFill>
+                  <a:srgbClr val="72BF44"/>
                 </a:solidFill>
                 <a:latin typeface="Ubuntu Mono"/>
                 <a:ea typeface="DejaVu Sans"/>
@@ -7646,7 +9128,7 @@
               <a:t>cd ../..</a:t>
             </a:r>
             <a:r>
-              <a:rPr b="0" lang="en-US" sz="2400" spc="-1" strike="noStrike">
+              <a:rPr lang="en-US" sz="2400" b="0" strike="noStrike" spc="-1">
                 <a:solidFill>
                   <a:srgbClr val="000000"/>
                 </a:solidFill>
@@ -7656,7 +9138,7 @@
               <a:t> </a:t>
             </a:r>
             <a:r>
-              <a:rPr b="0" lang="en-US" sz="2400" spc="-1" strike="noStrike">
+              <a:rPr lang="en-US" sz="2400" b="0" strike="noStrike" spc="-1">
                 <a:solidFill>
                   <a:srgbClr val="000000"/>
                 </a:solidFill>
@@ -7665,12 +9147,12 @@
               </a:rPr>
               <a:t>goes back two</a:t>
             </a:r>
-            <a:endParaRPr b="0" lang="en-US" sz="2400" spc="-1" strike="noStrike">
-              <a:latin typeface="Arial"/>
-            </a:endParaRPr>
-          </a:p>
-          <a:p>
-            <a:pPr lvl="1" marL="432000" indent="-215640">
+            <a:endParaRPr lang="en-US" sz="2400" b="0" strike="noStrike" spc="-1">
+              <a:latin typeface="Arial"/>
+            </a:endParaRPr>
+          </a:p>
+          <a:p>
+            <a:pPr marL="432000" lvl="1" indent="-215640">
               <a:lnSpc>
                 <a:spcPct val="100000"/>
               </a:lnSpc>
@@ -7682,9 +9164,9 @@
               <a:buChar char=""/>
             </a:pPr>
             <a:r>
-              <a:rPr b="1" lang="en-US" sz="2400" spc="-1" strike="noStrike">
-                <a:solidFill>
-                  <a:srgbClr val="72bf44"/>
+              <a:rPr lang="en-US" sz="2400" b="1" strike="noStrike" spc="-1">
+                <a:solidFill>
+                  <a:srgbClr val="72BF44"/>
                 </a:solidFill>
                 <a:latin typeface="Ubuntu Mono"/>
                 <a:ea typeface="DejaVu Sans"/>
@@ -7692,7 +9174,7 @@
               <a:t>cd –</a:t>
             </a:r>
             <a:r>
-              <a:rPr b="0" lang="en-US" sz="2400" spc="-1" strike="noStrike">
+              <a:rPr lang="en-US" sz="2400" b="0" strike="noStrike" spc="-1">
                 <a:solidFill>
                   <a:srgbClr val="000000"/>
                 </a:solidFill>
@@ -7701,12 +9183,12 @@
               </a:rPr>
               <a:t> is like a ‘back’ button on a browser</a:t>
             </a:r>
-            <a:endParaRPr b="0" lang="en-US" sz="2400" spc="-1" strike="noStrike">
-              <a:latin typeface="Arial"/>
-            </a:endParaRPr>
-          </a:p>
-          <a:p>
-            <a:pPr lvl="1" marL="432000" indent="-215640">
+            <a:endParaRPr lang="en-US" sz="2400" b="0" strike="noStrike" spc="-1">
+              <a:latin typeface="Arial"/>
+            </a:endParaRPr>
+          </a:p>
+          <a:p>
+            <a:pPr marL="432000" lvl="1" indent="-215640">
               <a:lnSpc>
                 <a:spcPct val="100000"/>
               </a:lnSpc>
@@ -7718,9 +9200,9 @@
               <a:buChar char=""/>
             </a:pPr>
             <a:r>
-              <a:rPr b="1" lang="en-US" sz="2400" spc="-1" strike="noStrike">
-                <a:solidFill>
-                  <a:srgbClr val="72bf44"/>
+              <a:rPr lang="en-US" sz="2400" b="1" strike="noStrike" spc="-1">
+                <a:solidFill>
+                  <a:srgbClr val="72BF44"/>
                 </a:solidFill>
                 <a:latin typeface="Ubuntu Mono"/>
                 <a:ea typeface="DejaVu Sans"/>
@@ -7728,7 +9210,7 @@
               <a:t>pushd /new/folder</a:t>
             </a:r>
             <a:r>
-              <a:rPr b="1" lang="en-US" sz="2400" spc="-1" strike="noStrike">
+              <a:rPr lang="en-US" sz="2400" b="1" strike="noStrike" spc="-1">
                 <a:solidFill>
                   <a:srgbClr val="000000"/>
                 </a:solidFill>
@@ -7738,7 +9220,7 @@
               <a:t> </a:t>
             </a:r>
             <a:r>
-              <a:rPr b="0" lang="en-US" sz="2400" spc="-1" strike="noStrike">
+              <a:rPr lang="en-US" sz="2400" b="0" strike="noStrike" spc="-1">
                 <a:solidFill>
                   <a:srgbClr val="000000"/>
                 </a:solidFill>
@@ -7747,12 +9229,12 @@
               </a:rPr>
               <a:t>goes to the new location AND:</a:t>
             </a:r>
-            <a:endParaRPr b="0" lang="en-US" sz="2400" spc="-1" strike="noStrike">
-              <a:latin typeface="Arial"/>
-            </a:endParaRPr>
-          </a:p>
-          <a:p>
-            <a:pPr lvl="2" marL="648000" indent="-215640">
+            <a:endParaRPr lang="en-US" sz="2400" b="0" strike="noStrike" spc="-1">
+              <a:latin typeface="Arial"/>
+            </a:endParaRPr>
+          </a:p>
+          <a:p>
+            <a:pPr marL="648000" lvl="2" indent="-215640">
               <a:lnSpc>
                 <a:spcPct val="100000"/>
               </a:lnSpc>
@@ -7764,9 +9246,9 @@
               <a:buChar char=""/>
             </a:pPr>
             <a:r>
-              <a:rPr b="1" lang="en-US" sz="2400" spc="-1" strike="noStrike">
-                <a:solidFill>
-                  <a:srgbClr val="72bf44"/>
+              <a:rPr lang="en-US" sz="2400" b="1" strike="noStrike" spc="-1">
+                <a:solidFill>
+                  <a:srgbClr val="72BF44"/>
                 </a:solidFill>
                 <a:latin typeface="Ubuntu Mono"/>
                 <a:ea typeface="DejaVu Sans"/>
@@ -7774,7 +9256,7 @@
               <a:t>pushd</a:t>
             </a:r>
             <a:r>
-              <a:rPr b="1" lang="en-US" sz="2400" spc="-1" strike="noStrike">
+              <a:rPr lang="en-US" sz="2400" b="1" strike="noStrike" spc="-1">
                 <a:solidFill>
                   <a:srgbClr val="000000"/>
                 </a:solidFill>
@@ -7784,7 +9266,7 @@
               <a:t> </a:t>
             </a:r>
             <a:r>
-              <a:rPr b="0" lang="en-US" sz="2400" spc="-1" strike="noStrike">
+              <a:rPr lang="en-US" sz="2400" b="0" strike="noStrike" spc="-1">
                 <a:solidFill>
                   <a:srgbClr val="000000"/>
                 </a:solidFill>
@@ -7794,21 +9276,21 @@
               <a:t>again goes to the folder before using </a:t>
             </a:r>
             <a:r>
-              <a:rPr b="1" lang="en-US" sz="2400" spc="-1" strike="noStrike">
-                <a:solidFill>
-                  <a:srgbClr val="72bf44"/>
+              <a:rPr lang="en-US" sz="2400" b="1" strike="noStrike" spc="-1">
+                <a:solidFill>
+                  <a:srgbClr val="72BF44"/>
                 </a:solidFill>
                 <a:latin typeface="Ubuntu Mono"/>
                 <a:ea typeface="DejaVu Sans"/>
               </a:rPr>
               <a:t>pushd</a:t>
             </a:r>
-            <a:endParaRPr b="0" lang="en-US" sz="2400" spc="-1" strike="noStrike">
-              <a:latin typeface="Arial"/>
-            </a:endParaRPr>
-          </a:p>
-          <a:p>
-            <a:pPr lvl="2" marL="648000" indent="-215640">
+            <a:endParaRPr lang="en-US" sz="2400" b="0" strike="noStrike" spc="-1">
+              <a:latin typeface="Arial"/>
+            </a:endParaRPr>
+          </a:p>
+          <a:p>
+            <a:pPr marL="648000" lvl="2" indent="-215640">
               <a:lnSpc>
                 <a:spcPct val="100000"/>
               </a:lnSpc>
@@ -7820,9 +9302,9 @@
               <a:buChar char=""/>
             </a:pPr>
             <a:r>
-              <a:rPr b="1" lang="en-US" sz="2400" spc="-1" strike="noStrike">
-                <a:solidFill>
-                  <a:srgbClr val="72bf44"/>
+              <a:rPr lang="en-US" sz="2400" b="1" strike="noStrike" spc="-1">
+                <a:solidFill>
+                  <a:srgbClr val="72BF44"/>
                 </a:solidFill>
                 <a:latin typeface="Ubuntu Mono"/>
                 <a:ea typeface="DejaVu Sans"/>
@@ -7830,7 +9312,7 @@
               <a:t>popd</a:t>
             </a:r>
             <a:r>
-              <a:rPr b="0" lang="en-US" sz="2400" spc="-1" strike="noStrike">
+              <a:rPr lang="en-US" sz="2400" b="0" strike="noStrike" spc="-1">
                 <a:solidFill>
                   <a:srgbClr val="000000"/>
                 </a:solidFill>
@@ -7840,9 +9322,9 @@
               <a:t> does is a second </a:t>
             </a:r>
             <a:r>
-              <a:rPr b="1" lang="en-US" sz="2400" spc="-1" strike="noStrike">
-                <a:solidFill>
-                  <a:srgbClr val="72bf44"/>
+              <a:rPr lang="en-US" sz="2400" b="1" strike="noStrike" spc="-1">
+                <a:solidFill>
+                  <a:srgbClr val="72BF44"/>
                 </a:solidFill>
                 <a:latin typeface="Ubuntu Mono"/>
                 <a:ea typeface="DejaVu Sans"/>
@@ -7850,7 +9332,7 @@
               <a:t>pushd</a:t>
             </a:r>
             <a:r>
-              <a:rPr b="0" lang="en-US" sz="2400" spc="-1" strike="noStrike">
+              <a:rPr lang="en-US" sz="2400" b="0" strike="noStrike" spc="-1">
                 <a:solidFill>
                   <a:srgbClr val="000000"/>
                 </a:solidFill>
@@ -7859,7 +9341,7 @@
               </a:rPr>
               <a:t> but removes previous location</a:t>
             </a:r>
-            <a:endParaRPr b="0" lang="en-US" sz="2400" spc="-1" strike="noStrike">
+            <a:endParaRPr lang="en-US" sz="2400" b="0" strike="noStrike" spc="-1">
               <a:latin typeface="Arial"/>
             </a:endParaRPr>
           </a:p>
@@ -7869,7 +9351,7 @@
                 <a:spcPct val="100000"/>
               </a:lnSpc>
             </a:pPr>
-            <a:endParaRPr b="0" lang="en-US" sz="2400" spc="-1" strike="noStrike">
+            <a:endParaRPr lang="en-US" sz="2400" b="0" strike="noStrike" spc="-1">
               <a:latin typeface="Arial"/>
             </a:endParaRPr>
           </a:p>
@@ -7886,7 +9368,7 @@
               <a:buChar char=""/>
             </a:pPr>
             <a:r>
-              <a:rPr b="0" lang="en-US" sz="2400" spc="-1" strike="noStrike">
+              <a:rPr lang="en-US" sz="2400" b="0" strike="noStrike" spc="-1">
                 <a:solidFill>
                   <a:srgbClr val="000000"/>
                 </a:solidFill>
@@ -7895,12 +9377,12 @@
               </a:rPr>
               <a:t>Exploring:</a:t>
             </a:r>
-            <a:endParaRPr b="0" lang="en-US" sz="2400" spc="-1" strike="noStrike">
-              <a:latin typeface="Arial"/>
-            </a:endParaRPr>
-          </a:p>
-          <a:p>
-            <a:pPr lvl="1" marL="432000" indent="-215640">
+            <a:endParaRPr lang="en-US" sz="2400" b="0" strike="noStrike" spc="-1">
+              <a:latin typeface="Arial"/>
+            </a:endParaRPr>
+          </a:p>
+          <a:p>
+            <a:pPr marL="432000" lvl="1" indent="-215640">
               <a:lnSpc>
                 <a:spcPct val="100000"/>
               </a:lnSpc>
@@ -7912,9 +9394,9 @@
               <a:buChar char=""/>
             </a:pPr>
             <a:r>
-              <a:rPr b="1" lang="en-US" sz="2400" spc="-1" strike="noStrike">
-                <a:solidFill>
-                  <a:srgbClr val="72bf44"/>
+              <a:rPr lang="en-US" sz="2400" b="1" strike="noStrike" spc="-1">
+                <a:solidFill>
+                  <a:srgbClr val="72BF44"/>
                 </a:solidFill>
                 <a:latin typeface="Ubuntu Mono"/>
                 <a:ea typeface="DejaVu Sans"/>
@@ -7922,7 +9404,7 @@
               <a:t>ls</a:t>
             </a:r>
             <a:r>
-              <a:rPr b="0" lang="en-US" sz="2400" spc="-1" strike="noStrike">
+              <a:rPr lang="en-US" sz="2400" b="0" strike="noStrike" spc="-1">
                 <a:solidFill>
                   <a:srgbClr val="000000"/>
                 </a:solidFill>
@@ -7931,12 +9413,12 @@
               </a:rPr>
               <a:t> lists all files in the folder</a:t>
             </a:r>
-            <a:endParaRPr b="0" lang="en-US" sz="2400" spc="-1" strike="noStrike">
-              <a:latin typeface="Arial"/>
-            </a:endParaRPr>
-          </a:p>
-          <a:p>
-            <a:pPr lvl="2" marL="648000" indent="-215640">
+            <a:endParaRPr lang="en-US" sz="2400" b="0" strike="noStrike" spc="-1">
+              <a:latin typeface="Arial"/>
+            </a:endParaRPr>
+          </a:p>
+          <a:p>
+            <a:pPr marL="648000" lvl="2" indent="-215640">
               <a:lnSpc>
                 <a:spcPct val="100000"/>
               </a:lnSpc>
@@ -7948,9 +9430,9 @@
               <a:buChar char=""/>
             </a:pPr>
             <a:r>
-              <a:rPr b="1" lang="en-US" sz="2400" spc="-1" strike="noStrike">
-                <a:solidFill>
-                  <a:srgbClr val="72bf44"/>
+              <a:rPr lang="en-US" sz="2400" b="1" strike="noStrike" spc="-1">
+                <a:solidFill>
+                  <a:srgbClr val="72BF44"/>
                 </a:solidFill>
                 <a:latin typeface="Ubuntu Mono"/>
                 <a:ea typeface="DejaVu Sans"/>
@@ -7958,7 +9440,7 @@
               <a:t>ls -l</a:t>
             </a:r>
             <a:r>
-              <a:rPr b="0" lang="en-US" sz="2400" spc="-1" strike="noStrike">
+              <a:rPr lang="en-US" sz="2400" b="0" strike="noStrike" spc="-1">
                 <a:solidFill>
                   <a:srgbClr val="000000"/>
                 </a:solidFill>
@@ -7967,12 +9449,12 @@
               </a:rPr>
               <a:t> lists the long form of file information (creation date, size, owner, permissions)</a:t>
             </a:r>
-            <a:endParaRPr b="0" lang="en-US" sz="2400" spc="-1" strike="noStrike">
-              <a:latin typeface="Arial"/>
-            </a:endParaRPr>
-          </a:p>
-          <a:p>
-            <a:pPr lvl="2" marL="648000" indent="-215640">
+            <a:endParaRPr lang="en-US" sz="2400" b="0" strike="noStrike" spc="-1">
+              <a:latin typeface="Arial"/>
+            </a:endParaRPr>
+          </a:p>
+          <a:p>
+            <a:pPr marL="648000" lvl="2" indent="-215640">
               <a:lnSpc>
                 <a:spcPct val="100000"/>
               </a:lnSpc>
@@ -7984,9 +9466,9 @@
               <a:buChar char=""/>
             </a:pPr>
             <a:r>
-              <a:rPr b="1" lang="en-US" sz="2400" spc="-1" strike="noStrike">
-                <a:solidFill>
-                  <a:srgbClr val="72bf44"/>
+              <a:rPr lang="en-US" sz="2400" b="1" strike="noStrike" spc="-1">
+                <a:solidFill>
+                  <a:srgbClr val="72BF44"/>
                 </a:solidFill>
                 <a:latin typeface="Ubuntu Mono"/>
                 <a:ea typeface="DejaVu Sans"/>
@@ -7994,7 +9476,7 @@
               <a:t>ls -t</a:t>
             </a:r>
             <a:r>
-              <a:rPr b="0" lang="en-US" sz="2400" spc="-1" strike="noStrike">
+              <a:rPr lang="en-US" sz="2400" b="0" strike="noStrike" spc="-1">
                 <a:solidFill>
                   <a:srgbClr val="000000"/>
                 </a:solidFill>
@@ -8003,12 +9485,12 @@
               </a:rPr>
               <a:t> lists the files by time last touched, not alphabetic </a:t>
             </a:r>
-            <a:endParaRPr b="0" lang="en-US" sz="2400" spc="-1" strike="noStrike">
-              <a:latin typeface="Arial"/>
-            </a:endParaRPr>
-          </a:p>
-          <a:p>
-            <a:pPr lvl="2" marL="648000" indent="-215640">
+            <a:endParaRPr lang="en-US" sz="2400" b="0" strike="noStrike" spc="-1">
+              <a:latin typeface="Arial"/>
+            </a:endParaRPr>
+          </a:p>
+          <a:p>
+            <a:pPr marL="648000" lvl="2" indent="-215640">
               <a:lnSpc>
                 <a:spcPct val="100000"/>
               </a:lnSpc>
@@ -8020,7 +9502,7 @@
               <a:buChar char=""/>
             </a:pPr>
             <a:r>
-              <a:rPr b="0" lang="en-US" sz="2400" spc="-1" strike="noStrike">
+              <a:rPr lang="en-US" sz="2400" b="0" strike="noStrike" spc="-1">
                 <a:solidFill>
                   <a:srgbClr val="000000"/>
                 </a:solidFill>
@@ -8030,9 +9512,9 @@
               <a:t>All can be combined (e.g., </a:t>
             </a:r>
             <a:r>
-              <a:rPr b="1" lang="en-US" sz="2400" spc="-1" strike="noStrike">
-                <a:solidFill>
-                  <a:srgbClr val="72bf44"/>
+              <a:rPr lang="en-US" sz="2400" b="1" strike="noStrike" spc="-1">
+                <a:solidFill>
+                  <a:srgbClr val="72BF44"/>
                 </a:solidFill>
                 <a:latin typeface="Ubuntu Mono"/>
                 <a:ea typeface="DejaVu Sans"/>
@@ -8040,7 +9522,7 @@
               <a:t>ls -ltr</a:t>
             </a:r>
             <a:r>
-              <a:rPr b="0" lang="en-US" sz="2400" spc="-1" strike="noStrike">
+              <a:rPr lang="en-US" sz="2400" b="0" strike="noStrike" spc="-1">
                 <a:solidFill>
                   <a:srgbClr val="000000"/>
                 </a:solidFill>
@@ -8049,7 +9531,7 @@
               </a:rPr>
               <a:t> lists long form organised by reverse time touched)</a:t>
             </a:r>
-            <a:endParaRPr b="0" lang="en-US" sz="2400" spc="-1" strike="noStrike">
+            <a:endParaRPr lang="en-US" sz="2400" b="0" strike="noStrike" spc="-1">
               <a:latin typeface="Arial"/>
             </a:endParaRPr>
           </a:p>
@@ -8057,22 +9539,25 @@
       </p:sp>
     </p:spTree>
   </p:cSld>
+  <p:clrMapOvr>
+    <a:masterClrMapping/>
+  </p:clrMapOvr>
   <p:timing>
     <p:tnLst>
       <p:par>
-        <p:cTn id="5" dur="indefinite" restart="never" nodeType="tmRoot">
+        <p:cTn id="1" dur="indefinite" restart="never" nodeType="tmRoot">
           <p:childTnLst>
             <p:seq>
-              <p:cTn id="6" dur="indefinite" nodeType="mainSeq"/>
+              <p:cTn id="2" dur="indefinite" nodeType="mainSeq"/>
               <p:prevCondLst>
-                <p:cond delay="0" evt="onPrev">
+                <p:cond evt="onPrev" delay="0">
                   <p:tgtEl>
                     <p:sldTgt/>
                   </p:tgtEl>
                 </p:cond>
               </p:prevCondLst>
               <p:nextCondLst>
-                <p:cond delay="0" evt="onNext">
+                <p:cond evt="onNext" delay="0">
                   <p:tgtEl>
                     <p:sldTgt/>
                   </p:tgtEl>
@@ -8088,7 +9573,7 @@
 </file>
 
 <file path=ppt/slides/slide4.xml><?xml version="1.0" encoding="utf-8"?>
-<p:sld xmlns:a="http://schemas.openxmlformats.org/drawingml/2006/main" xmlns:p="http://schemas.openxmlformats.org/presentationml/2006/main" xmlns:r="http://schemas.openxmlformats.org/officeDocument/2006/relationships" xmlns:p14="http://schemas.microsoft.com/office/powerpoint/2010/main" xmlns:p15="http://schemas.microsoft.com/office/powerpoint/2012/main" xmlns:mc="http://schemas.openxmlformats.org/markup-compatibility/2006">
+<p:sld xmlns:a="http://schemas.openxmlformats.org/drawingml/2006/main" xmlns:r="http://schemas.openxmlformats.org/officeDocument/2006/relationships" xmlns:p="http://schemas.openxmlformats.org/presentationml/2006/main">
   <p:cSld>
     <p:spTree>
       <p:nvGrpSpPr>
@@ -8124,15 +9609,22 @@
           </a:ln>
         </p:spPr>
         <p:style>
-          <a:lnRef idx="0"/>
-          <a:fillRef idx="0"/>
-          <a:effectRef idx="0"/>
+          <a:lnRef idx="0">
+            <a:scrgbClr r="0" g="0" b="0"/>
+          </a:lnRef>
+          <a:fillRef idx="0">
+            <a:scrgbClr r="0" g="0" b="0"/>
+          </a:fillRef>
+          <a:effectRef idx="0">
+            <a:scrgbClr r="0" g="0" b="0"/>
+          </a:effectRef>
           <a:fontRef idx="minor"/>
         </p:style>
         <p:txBody>
-          <a:bodyPr lIns="90000" rIns="90000" tIns="45000" bIns="45000" anchor="ctr">
+          <a:bodyPr lIns="90000" tIns="45000" rIns="90000" bIns="45000" anchor="ctr">
             <a:normAutofit/>
           </a:bodyPr>
+          <a:lstStyle/>
           <a:p>
             <a:pPr algn="ctr">
               <a:lnSpc>
@@ -8140,7 +9632,7 @@
               </a:lnSpc>
             </a:pPr>
             <a:r>
-              <a:rPr b="1" lang="en-US" sz="3600" spc="-1" strike="noStrike">
+              <a:rPr lang="en-US" sz="3600" b="1" strike="noStrike" spc="-1">
                 <a:solidFill>
                   <a:srgbClr val="964305"/>
                 </a:solidFill>
@@ -8149,7 +9641,7 @@
               </a:rPr>
               <a:t>Using the command line</a:t>
             </a:r>
-            <a:endParaRPr b="0" lang="en-US" sz="3600" spc="-1" strike="noStrike">
+            <a:endParaRPr lang="en-US" sz="3600" b="0" strike="noStrike" spc="-1">
               <a:latin typeface="Arial"/>
             </a:endParaRPr>
           </a:p>
@@ -8175,13 +9667,20 @@
           </a:ln>
         </p:spPr>
         <p:style>
-          <a:lnRef idx="0"/>
-          <a:fillRef idx="0"/>
-          <a:effectRef idx="0"/>
+          <a:lnRef idx="0">
+            <a:scrgbClr r="0" g="0" b="0"/>
+          </a:lnRef>
+          <a:fillRef idx="0">
+            <a:scrgbClr r="0" g="0" b="0"/>
+          </a:fillRef>
+          <a:effectRef idx="0">
+            <a:scrgbClr r="0" g="0" b="0"/>
+          </a:effectRef>
           <a:fontRef idx="minor"/>
         </p:style>
         <p:txBody>
-          <a:bodyPr lIns="90000" rIns="90000" tIns="45000" bIns="45000"/>
+          <a:bodyPr lIns="90000" tIns="45000" rIns="90000" bIns="45000"/>
+          <a:lstStyle/>
           <a:p>
             <a:pPr marL="216000" indent="-215640">
               <a:lnSpc>
@@ -8195,7 +9694,7 @@
               <a:buChar char=""/>
             </a:pPr>
             <a:r>
-              <a:rPr b="0" lang="en-US" sz="2400" spc="-1" strike="noStrike">
+              <a:rPr lang="en-US" sz="2400" b="0" strike="noStrike" spc="-1">
                 <a:solidFill>
                   <a:srgbClr val="000000"/>
                 </a:solidFill>
@@ -8204,12 +9703,12 @@
               </a:rPr>
               <a:t>More exploring:</a:t>
             </a:r>
-            <a:endParaRPr b="0" lang="en-US" sz="2400" spc="-1" strike="noStrike">
-              <a:latin typeface="Arial"/>
-            </a:endParaRPr>
-          </a:p>
-          <a:p>
-            <a:pPr lvl="1" marL="432000" indent="-215640">
+            <a:endParaRPr lang="en-US" sz="2400" b="0" strike="noStrike" spc="-1">
+              <a:latin typeface="Arial"/>
+            </a:endParaRPr>
+          </a:p>
+          <a:p>
+            <a:pPr marL="432000" lvl="1" indent="-215640">
               <a:lnSpc>
                 <a:spcPct val="100000"/>
               </a:lnSpc>
@@ -8221,9 +9720,9 @@
               <a:buChar char=""/>
             </a:pPr>
             <a:r>
-              <a:rPr b="1" lang="en-US" sz="2400" spc="-1" strike="noStrike">
-                <a:solidFill>
-                  <a:srgbClr val="72bf44"/>
+              <a:rPr lang="en-US" sz="2400" b="1" strike="noStrike" spc="-1">
+                <a:solidFill>
+                  <a:srgbClr val="72BF44"/>
                 </a:solidFill>
                 <a:latin typeface="Ubuntu Mono"/>
                 <a:ea typeface="DejaVu Sans"/>
@@ -8231,7 +9730,7 @@
               <a:t>ls SCo*</a:t>
             </a:r>
             <a:r>
-              <a:rPr b="0" lang="en-US" sz="2400" spc="-1" strike="noStrike">
+              <a:rPr lang="en-US" sz="2400" b="0" strike="noStrike" spc="-1">
                 <a:solidFill>
                   <a:srgbClr val="000000"/>
                 </a:solidFill>
@@ -8240,12 +9739,12 @@
               </a:rPr>
               <a:t> lists all files starting with SCo</a:t>
             </a:r>
-            <a:endParaRPr b="0" lang="en-US" sz="2400" spc="-1" strike="noStrike">
-              <a:latin typeface="Arial"/>
-            </a:endParaRPr>
-          </a:p>
-          <a:p>
-            <a:pPr lvl="2" marL="648000" indent="-215640">
+            <a:endParaRPr lang="en-US" sz="2400" b="0" strike="noStrike" spc="-1">
+              <a:latin typeface="Arial"/>
+            </a:endParaRPr>
+          </a:p>
+          <a:p>
+            <a:pPr marL="648000" lvl="2" indent="-215640">
               <a:lnSpc>
                 <a:spcPct val="100000"/>
               </a:lnSpc>
@@ -8257,7 +9756,7 @@
               <a:buChar char=""/>
             </a:pPr>
             <a:r>
-              <a:rPr b="0" lang="en-US" sz="2400" spc="-1" strike="noStrike">
+              <a:rPr lang="en-US" sz="2400" b="0" strike="noStrike" spc="-1">
                 <a:solidFill>
                   <a:srgbClr val="000000"/>
                 </a:solidFill>
@@ -8267,9 +9766,9 @@
               <a:t>Try using other search characters like </a:t>
             </a:r>
             <a:r>
-              <a:rPr b="1" lang="en-US" sz="2400" spc="-1" strike="noStrike">
-                <a:solidFill>
-                  <a:srgbClr val="72bf44"/>
+              <a:rPr lang="en-US" sz="2400" b="1" strike="noStrike" spc="-1">
+                <a:solidFill>
+                  <a:srgbClr val="72BF44"/>
                 </a:solidFill>
                 <a:latin typeface="Ubuntu Mono"/>
                 <a:ea typeface="DejaVu Sans"/>
@@ -8277,7 +9776,7 @@
               <a:t>??</a:t>
             </a:r>
             <a:r>
-              <a:rPr b="0" lang="en-US" sz="2400" spc="-1" strike="noStrike">
+              <a:rPr lang="en-US" sz="2400" b="0" strike="noStrike" spc="-1">
                 <a:solidFill>
                   <a:srgbClr val="000000"/>
                 </a:solidFill>
@@ -8287,9 +9786,9 @@
               <a:t>, </a:t>
             </a:r>
             <a:r>
-              <a:rPr b="1" lang="en-US" sz="2400" spc="-1" strike="noStrike">
-                <a:solidFill>
-                  <a:srgbClr val="72bf44"/>
+              <a:rPr lang="en-US" sz="2400" b="1" strike="noStrike" spc="-1">
+                <a:solidFill>
+                  <a:srgbClr val="72BF44"/>
                 </a:solidFill>
                 <a:latin typeface="Ubuntu Mono"/>
                 <a:ea typeface="DejaVu Sans"/>
@@ -8297,7 +9796,7 @@
               <a:t>[abcde]</a:t>
             </a:r>
             <a:r>
-              <a:rPr b="0" lang="en-US" sz="2400" spc="-1" strike="noStrike">
+              <a:rPr lang="en-US" sz="2400" b="0" strike="noStrike" spc="-1">
                 <a:solidFill>
                   <a:srgbClr val="000000"/>
                 </a:solidFill>
@@ -8306,12 +9805,12 @@
               </a:rPr>
               <a:t>, etc</a:t>
             </a:r>
-            <a:endParaRPr b="0" lang="en-US" sz="2400" spc="-1" strike="noStrike">
-              <a:latin typeface="Arial"/>
-            </a:endParaRPr>
-          </a:p>
-          <a:p>
-            <a:pPr lvl="1" marL="432000" indent="-215640">
+            <a:endParaRPr lang="en-US" sz="2400" b="0" strike="noStrike" spc="-1">
+              <a:latin typeface="Arial"/>
+            </a:endParaRPr>
+          </a:p>
+          <a:p>
+            <a:pPr marL="432000" lvl="1" indent="-215640">
               <a:lnSpc>
                 <a:spcPct val="100000"/>
               </a:lnSpc>
@@ -8323,9 +9822,9 @@
               <a:buChar char=""/>
             </a:pPr>
             <a:r>
-              <a:rPr b="1" lang="en-US" sz="2400" spc="-1" strike="noStrike">
-                <a:solidFill>
-                  <a:srgbClr val="72bf44"/>
+              <a:rPr lang="en-US" sz="2400" b="1" strike="noStrike" spc="-1">
+                <a:solidFill>
+                  <a:srgbClr val="72BF44"/>
                 </a:solidFill>
                 <a:latin typeface="Ubuntu Mono"/>
                 <a:ea typeface="DejaVu Sans"/>
@@ -8333,7 +9832,7 @@
               <a:t>cat file.txt</a:t>
             </a:r>
             <a:r>
-              <a:rPr b="0" lang="en-US" sz="2400" spc="-1" strike="noStrike">
+              <a:rPr lang="en-US" sz="2400" b="0" strike="noStrike" spc="-1">
                 <a:solidFill>
                   <a:srgbClr val="000000"/>
                 </a:solidFill>
@@ -8342,12 +9841,12 @@
               </a:rPr>
               <a:t> shows the file contents</a:t>
             </a:r>
-            <a:endParaRPr b="0" lang="en-US" sz="2400" spc="-1" strike="noStrike">
-              <a:latin typeface="Arial"/>
-            </a:endParaRPr>
-          </a:p>
-          <a:p>
-            <a:pPr lvl="2" marL="648000" indent="-215640">
+            <a:endParaRPr lang="en-US" sz="2400" b="0" strike="noStrike" spc="-1">
+              <a:latin typeface="Arial"/>
+            </a:endParaRPr>
+          </a:p>
+          <a:p>
+            <a:pPr marL="648000" lvl="2" indent="-215640">
               <a:lnSpc>
                 <a:spcPct val="100000"/>
               </a:lnSpc>
@@ -8359,7 +9858,7 @@
               <a:buChar char=""/>
             </a:pPr>
             <a:r>
-              <a:rPr b="0" lang="en-US" sz="2400" spc="-1" strike="noStrike">
+              <a:rPr lang="en-US" sz="2400" b="0" strike="noStrike" spc="-1">
                 <a:solidFill>
                   <a:srgbClr val="000000"/>
                 </a:solidFill>
@@ -8369,7 +9868,7 @@
               <a:t>Try using</a:t>
             </a:r>
             <a:r>
-              <a:rPr b="0" lang="en-US" sz="2400" spc="-1" strike="noStrike">
+              <a:rPr lang="en-US" sz="2400" b="0" strike="noStrike" spc="-1">
                 <a:solidFill>
                   <a:srgbClr val="000000"/>
                 </a:solidFill>
@@ -8379,9 +9878,9 @@
               <a:t> </a:t>
             </a:r>
             <a:r>
-              <a:rPr b="1" lang="en-US" sz="2400" spc="-1" strike="noStrike">
-                <a:solidFill>
-                  <a:srgbClr val="72bf44"/>
+              <a:rPr lang="en-US" sz="2400" b="1" strike="noStrike" spc="-1">
+                <a:solidFill>
+                  <a:srgbClr val="72BF44"/>
                 </a:solidFill>
                 <a:latin typeface="Ubuntu Mono"/>
                 <a:ea typeface="DejaVu Sans"/>
@@ -8389,7 +9888,7 @@
               <a:t>more</a:t>
             </a:r>
             <a:r>
-              <a:rPr b="0" lang="en-US" sz="2400" spc="-1" strike="noStrike">
+              <a:rPr lang="en-US" sz="2400" b="0" strike="noStrike" spc="-1">
                 <a:solidFill>
                   <a:srgbClr val="000000"/>
                 </a:solidFill>
@@ -8399,9 +9898,9 @@
               <a:t>, </a:t>
             </a:r>
             <a:r>
-              <a:rPr b="1" lang="en-US" sz="2400" spc="-1" strike="noStrike">
-                <a:solidFill>
-                  <a:srgbClr val="72bf44"/>
+              <a:rPr lang="en-US" sz="2400" b="1" strike="noStrike" spc="-1">
+                <a:solidFill>
+                  <a:srgbClr val="72BF44"/>
                 </a:solidFill>
                 <a:latin typeface="Ubuntu Mono"/>
                 <a:ea typeface="DejaVu Sans"/>
@@ -8409,7 +9908,7 @@
               <a:t>less</a:t>
             </a:r>
             <a:r>
-              <a:rPr b="0" lang="en-US" sz="2400" spc="-1" strike="noStrike">
+              <a:rPr lang="en-US" sz="2400" b="0" strike="noStrike" spc="-1">
                 <a:solidFill>
                   <a:srgbClr val="000000"/>
                 </a:solidFill>
@@ -8418,12 +9917,12 @@
               </a:rPr>
               <a:t>, etc</a:t>
             </a:r>
-            <a:endParaRPr b="0" lang="en-US" sz="2400" spc="-1" strike="noStrike">
-              <a:latin typeface="Arial"/>
-            </a:endParaRPr>
-          </a:p>
-          <a:p>
-            <a:pPr lvl="1" marL="432000" indent="-215640">
+            <a:endParaRPr lang="en-US" sz="2400" b="0" strike="noStrike" spc="-1">
+              <a:latin typeface="Arial"/>
+            </a:endParaRPr>
+          </a:p>
+          <a:p>
+            <a:pPr marL="432000" lvl="1" indent="-215640">
               <a:lnSpc>
                 <a:spcPct val="100000"/>
               </a:lnSpc>
@@ -8435,7 +9934,7 @@
               <a:buChar char=""/>
             </a:pPr>
             <a:r>
-              <a:rPr b="0" lang="en-US" sz="2400" spc="-1" strike="noStrike">
+              <a:rPr lang="en-US" sz="2400" b="0" strike="noStrike" spc="-1">
                 <a:solidFill>
                   <a:srgbClr val="000000"/>
                 </a:solidFill>
@@ -8445,21 +9944,21 @@
               <a:t>Commands can be ‘piped’ using </a:t>
             </a:r>
             <a:r>
-              <a:rPr b="1" lang="en-US" sz="2400" spc="-1" strike="noStrike">
-                <a:solidFill>
-                  <a:srgbClr val="72bf44"/>
+              <a:rPr lang="en-US" sz="2400" b="1" strike="noStrike" spc="-1">
+                <a:solidFill>
+                  <a:srgbClr val="72BF44"/>
                 </a:solidFill>
                 <a:latin typeface="Ubuntu Mono"/>
                 <a:ea typeface="DejaVu Sans"/>
               </a:rPr>
               <a:t>|</a:t>
             </a:r>
-            <a:endParaRPr b="0" lang="en-US" sz="2400" spc="-1" strike="noStrike">
-              <a:latin typeface="Arial"/>
-            </a:endParaRPr>
-          </a:p>
-          <a:p>
-            <a:pPr lvl="2" marL="648000" indent="-215640">
+            <a:endParaRPr lang="en-US" sz="2400" b="0" strike="noStrike" spc="-1">
+              <a:latin typeface="Arial"/>
+            </a:endParaRPr>
+          </a:p>
+          <a:p>
+            <a:pPr marL="648000" lvl="2" indent="-215640">
               <a:lnSpc>
                 <a:spcPct val="100000"/>
               </a:lnSpc>
@@ -8471,9 +9970,9 @@
               <a:buChar char=""/>
             </a:pPr>
             <a:r>
-              <a:rPr b="1" lang="en-US" sz="2400" spc="-1" strike="noStrike">
-                <a:solidFill>
-                  <a:srgbClr val="72bf44"/>
+              <a:rPr lang="en-US" sz="2400" b="1" strike="noStrike" spc="-1">
+                <a:solidFill>
+                  <a:srgbClr val="72BF44"/>
                 </a:solidFill>
                 <a:latin typeface="Ubuntu Mono"/>
                 <a:ea typeface="DejaVu Sans"/>
@@ -8481,7 +9980,7 @@
               <a:t>ls | wc</a:t>
             </a:r>
             <a:r>
-              <a:rPr b="0" lang="en-US" sz="2400" spc="-1" strike="noStrike">
+              <a:rPr lang="en-US" sz="2400" b="0" strike="noStrike" spc="-1">
                 <a:solidFill>
                   <a:srgbClr val="000000"/>
                 </a:solidFill>
@@ -8491,7 +9990,7 @@
               <a:t> </a:t>
             </a:r>
             <a:r>
-              <a:rPr b="0" lang="en-US" sz="2400" spc="-1" strike="noStrike">
+              <a:rPr lang="en-US" sz="2400" b="0" strike="noStrike" spc="-1">
                 <a:solidFill>
                   <a:srgbClr val="000000"/>
                 </a:solidFill>
@@ -8500,12 +9999,12 @@
               </a:rPr>
               <a:t>is a word count and shows number of files</a:t>
             </a:r>
-            <a:endParaRPr b="0" lang="en-US" sz="2400" spc="-1" strike="noStrike">
-              <a:latin typeface="Arial"/>
-            </a:endParaRPr>
-          </a:p>
-          <a:p>
-            <a:pPr lvl="1" marL="432000" indent="-215640">
+            <a:endParaRPr lang="en-US" sz="2400" b="0" strike="noStrike" spc="-1">
+              <a:latin typeface="Arial"/>
+            </a:endParaRPr>
+          </a:p>
+          <a:p>
+            <a:pPr marL="432000" lvl="1" indent="-215640">
               <a:lnSpc>
                 <a:spcPct val="100000"/>
               </a:lnSpc>
@@ -8517,9 +10016,9 @@
               <a:buChar char=""/>
             </a:pPr>
             <a:r>
-              <a:rPr b="1" lang="en-US" sz="2400" spc="-1" strike="noStrike">
-                <a:solidFill>
-                  <a:srgbClr val="72bf44"/>
+              <a:rPr lang="en-US" sz="2400" b="1" strike="noStrike" spc="-1">
+                <a:solidFill>
+                  <a:srgbClr val="72BF44"/>
                 </a:solidFill>
                 <a:latin typeface="Ubuntu Mono"/>
                 <a:ea typeface="DejaVu Sans"/>
@@ -8527,7 +10026,7 @@
               <a:t>find ~/file *.sh</a:t>
             </a:r>
             <a:r>
-              <a:rPr b="0" lang="en-US" sz="2400" spc="-1" strike="noStrike">
+              <a:rPr lang="en-US" sz="2400" b="0" strike="noStrike" spc="-1">
                 <a:solidFill>
                   <a:srgbClr val="000000"/>
                 </a:solidFill>
@@ -8536,12 +10035,12 @@
               </a:rPr>
               <a:t> will find all files with .sh extension in all sub-directories of ~/file</a:t>
             </a:r>
-            <a:endParaRPr b="0" lang="en-US" sz="2400" spc="-1" strike="noStrike">
-              <a:latin typeface="Arial"/>
-            </a:endParaRPr>
-          </a:p>
-          <a:p>
-            <a:pPr lvl="1" marL="432000" indent="-215640">
+            <a:endParaRPr lang="en-US" sz="2400" b="0" strike="noStrike" spc="-1">
+              <a:latin typeface="Arial"/>
+            </a:endParaRPr>
+          </a:p>
+          <a:p>
+            <a:pPr marL="432000" lvl="1" indent="-215640">
               <a:lnSpc>
                 <a:spcPct val="100000"/>
               </a:lnSpc>
@@ -8553,9 +10052,9 @@
               <a:buChar char=""/>
             </a:pPr>
             <a:r>
-              <a:rPr b="1" lang="en-US" sz="2400" spc="-1" strike="noStrike">
-                <a:solidFill>
-                  <a:srgbClr val="72bf44"/>
+              <a:rPr lang="en-US" sz="2400" b="1" strike="noStrike" spc="-1">
+                <a:solidFill>
+                  <a:srgbClr val="72BF44"/>
                 </a:solidFill>
                 <a:latin typeface="Ubuntu Mono"/>
                 <a:ea typeface="DejaVu Sans"/>
@@ -8563,7 +10062,7 @@
               <a:t>grep -n Result SConstruct</a:t>
             </a:r>
             <a:r>
-              <a:rPr b="0" lang="en-US" sz="2400" spc="-1" strike="noStrike">
+              <a:rPr lang="en-US" sz="2400" b="0" strike="noStrike" spc="-1">
                 <a:solidFill>
                   <a:srgbClr val="000000"/>
                 </a:solidFill>
@@ -8572,7 +10071,7 @@
               </a:rPr>
               <a:t> shows all instances of Result in file named SConstruct</a:t>
             </a:r>
-            <a:endParaRPr b="0" lang="en-US" sz="2400" spc="-1" strike="noStrike">
+            <a:endParaRPr lang="en-US" sz="2400" b="0" strike="noStrike" spc="-1">
               <a:latin typeface="Arial"/>
             </a:endParaRPr>
           </a:p>
@@ -8582,7 +10081,7 @@
                 <a:spcPct val="100000"/>
               </a:lnSpc>
             </a:pPr>
-            <a:endParaRPr b="0" lang="en-US" sz="2400" spc="-1" strike="noStrike">
+            <a:endParaRPr lang="en-US" sz="2400" b="0" strike="noStrike" spc="-1">
               <a:latin typeface="Arial"/>
             </a:endParaRPr>
           </a:p>
@@ -8599,7 +10098,7 @@
               <a:buChar char=""/>
             </a:pPr>
             <a:r>
-              <a:rPr b="0" lang="en-US" sz="2400" spc="-1" strike="noStrike">
+              <a:rPr lang="en-US" sz="2400" b="0" strike="noStrike" spc="-1">
                 <a:solidFill>
                   <a:srgbClr val="000000"/>
                 </a:solidFill>
@@ -8608,12 +10107,12 @@
               </a:rPr>
               <a:t>Creating:</a:t>
             </a:r>
-            <a:endParaRPr b="0" lang="en-US" sz="2400" spc="-1" strike="noStrike">
-              <a:latin typeface="Arial"/>
-            </a:endParaRPr>
-          </a:p>
-          <a:p>
-            <a:pPr lvl="1" marL="432000" indent="-215640">
+            <a:endParaRPr lang="en-US" sz="2400" b="0" strike="noStrike" spc="-1">
+              <a:latin typeface="Arial"/>
+            </a:endParaRPr>
+          </a:p>
+          <a:p>
+            <a:pPr marL="432000" lvl="1" indent="-215640">
               <a:lnSpc>
                 <a:spcPct val="100000"/>
               </a:lnSpc>
@@ -8625,9 +10124,9 @@
               <a:buChar char=""/>
             </a:pPr>
             <a:r>
-              <a:rPr b="1" lang="en-US" sz="2400" spc="-1" strike="noStrike">
-                <a:solidFill>
-                  <a:srgbClr val="72bf44"/>
+              <a:rPr lang="en-US" sz="2400" b="1" strike="noStrike" spc="-1">
+                <a:solidFill>
+                  <a:srgbClr val="72BF44"/>
                 </a:solidFill>
                 <a:latin typeface="Ubuntu Mono"/>
                 <a:ea typeface="DejaVu Sans"/>
@@ -8635,7 +10134,7 @@
               <a:t>mkdir folder1</a:t>
             </a:r>
             <a:r>
-              <a:rPr b="0" lang="en-US" sz="2400" spc="-1" strike="noStrike">
+              <a:rPr lang="en-US" sz="2400" b="0" strike="noStrike" spc="-1">
                 <a:solidFill>
                   <a:srgbClr val="000000"/>
                 </a:solidFill>
@@ -8644,12 +10143,12 @@
               </a:rPr>
               <a:t> creates a folder in your current directory</a:t>
             </a:r>
-            <a:endParaRPr b="0" lang="en-US" sz="2400" spc="-1" strike="noStrike">
-              <a:latin typeface="Arial"/>
-            </a:endParaRPr>
-          </a:p>
-          <a:p>
-            <a:pPr lvl="1" marL="432000" indent="-215640">
+            <a:endParaRPr lang="en-US" sz="2400" b="0" strike="noStrike" spc="-1">
+              <a:latin typeface="Arial"/>
+            </a:endParaRPr>
+          </a:p>
+          <a:p>
+            <a:pPr marL="432000" lvl="1" indent="-215640">
               <a:lnSpc>
                 <a:spcPct val="100000"/>
               </a:lnSpc>
@@ -8661,9 +10160,9 @@
               <a:buChar char=""/>
             </a:pPr>
             <a:r>
-              <a:rPr b="1" lang="en-US" sz="2400" spc="-1" strike="noStrike">
-                <a:solidFill>
-                  <a:srgbClr val="72bf44"/>
+              <a:rPr lang="en-US" sz="2400" b="1" strike="noStrike" spc="-1">
+                <a:solidFill>
+                  <a:srgbClr val="72BF44"/>
                 </a:solidFill>
                 <a:latin typeface="Ubuntu Mono"/>
                 <a:ea typeface="DejaVu Sans"/>
@@ -8671,7 +10170,7 @@
               <a:t>touch file2</a:t>
             </a:r>
             <a:r>
-              <a:rPr b="0" lang="en-US" sz="2400" spc="-1" strike="noStrike">
+              <a:rPr lang="en-US" sz="2400" b="0" strike="noStrike" spc="-1">
                 <a:solidFill>
                   <a:srgbClr val="000000"/>
                 </a:solidFill>
@@ -8680,12 +10179,12 @@
               </a:rPr>
               <a:t> creates an empty file in your current directory</a:t>
             </a:r>
-            <a:endParaRPr b="0" lang="en-US" sz="2400" spc="-1" strike="noStrike">
-              <a:latin typeface="Arial"/>
-            </a:endParaRPr>
-          </a:p>
-          <a:p>
-            <a:pPr lvl="1" marL="432000" indent="-215640">
+            <a:endParaRPr lang="en-US" sz="2400" b="0" strike="noStrike" spc="-1">
+              <a:latin typeface="Arial"/>
+            </a:endParaRPr>
+          </a:p>
+          <a:p>
+            <a:pPr marL="432000" lvl="1" indent="-215640">
               <a:lnSpc>
                 <a:spcPct val="100000"/>
               </a:lnSpc>
@@ -8697,9 +10196,9 @@
               <a:buChar char=""/>
             </a:pPr>
             <a:r>
-              <a:rPr b="1" lang="en-US" sz="2400" spc="-1" strike="noStrike">
-                <a:solidFill>
-                  <a:srgbClr val="72bf44"/>
+              <a:rPr lang="en-US" sz="2400" b="1" strike="noStrike" spc="-1">
+                <a:solidFill>
+                  <a:srgbClr val="72BF44"/>
                 </a:solidFill>
                 <a:latin typeface="Ubuntu Mono"/>
                 <a:ea typeface="DejaVu Sans"/>
@@ -8707,7 +10206,7 @@
               <a:t>vim file3</a:t>
             </a:r>
             <a:r>
-              <a:rPr b="0" lang="en-US" sz="2400" spc="-1" strike="noStrike">
+              <a:rPr lang="en-US" sz="2400" b="0" strike="noStrike" spc="-1">
                 <a:solidFill>
                   <a:srgbClr val="000000"/>
                 </a:solidFill>
@@ -8716,7 +10215,7 @@
               </a:rPr>
               <a:t> creates the file and immediately allows editing </a:t>
             </a:r>
-            <a:endParaRPr b="0" lang="en-US" sz="2400" spc="-1" strike="noStrike">
+            <a:endParaRPr lang="en-US" sz="2400" b="0" strike="noStrike" spc="-1">
               <a:latin typeface="Arial"/>
             </a:endParaRPr>
           </a:p>
@@ -8724,22 +10223,25 @@
       </p:sp>
     </p:spTree>
   </p:cSld>
+  <p:clrMapOvr>
+    <a:masterClrMapping/>
+  </p:clrMapOvr>
   <p:timing>
     <p:tnLst>
       <p:par>
-        <p:cTn id="7" dur="indefinite" restart="never" nodeType="tmRoot">
+        <p:cTn id="1" dur="indefinite" restart="never" nodeType="tmRoot">
           <p:childTnLst>
             <p:seq>
-              <p:cTn id="8" dur="indefinite" nodeType="mainSeq"/>
+              <p:cTn id="2" dur="indefinite" nodeType="mainSeq"/>
               <p:prevCondLst>
-                <p:cond delay="0" evt="onPrev">
+                <p:cond evt="onPrev" delay="0">
                   <p:tgtEl>
                     <p:sldTgt/>
                   </p:tgtEl>
                 </p:cond>
               </p:prevCondLst>
               <p:nextCondLst>
-                <p:cond delay="0" evt="onNext">
+                <p:cond evt="onNext" delay="0">
                   <p:tgtEl>
                     <p:sldTgt/>
                   </p:tgtEl>
@@ -8755,7 +10257,7 @@
 </file>
 
 <file path=ppt/slides/slide5.xml><?xml version="1.0" encoding="utf-8"?>
-<p:sld xmlns:a="http://schemas.openxmlformats.org/drawingml/2006/main" xmlns:p="http://schemas.openxmlformats.org/presentationml/2006/main" xmlns:r="http://schemas.openxmlformats.org/officeDocument/2006/relationships" xmlns:p14="http://schemas.microsoft.com/office/powerpoint/2010/main" xmlns:p15="http://schemas.microsoft.com/office/powerpoint/2012/main" xmlns:mc="http://schemas.openxmlformats.org/markup-compatibility/2006">
+<p:sld xmlns:a="http://schemas.openxmlformats.org/drawingml/2006/main" xmlns:r="http://schemas.openxmlformats.org/officeDocument/2006/relationships" xmlns:p="http://schemas.openxmlformats.org/presentationml/2006/main">
   <p:cSld>
     <p:spTree>
       <p:nvGrpSpPr>
@@ -8791,15 +10293,22 @@
           </a:ln>
         </p:spPr>
         <p:style>
-          <a:lnRef idx="0"/>
-          <a:fillRef idx="0"/>
-          <a:effectRef idx="0"/>
+          <a:lnRef idx="0">
+            <a:scrgbClr r="0" g="0" b="0"/>
+          </a:lnRef>
+          <a:fillRef idx="0">
+            <a:scrgbClr r="0" g="0" b="0"/>
+          </a:fillRef>
+          <a:effectRef idx="0">
+            <a:scrgbClr r="0" g="0" b="0"/>
+          </a:effectRef>
           <a:fontRef idx="minor"/>
         </p:style>
         <p:txBody>
-          <a:bodyPr lIns="90000" rIns="90000" tIns="45000" bIns="45000" anchor="ctr">
+          <a:bodyPr lIns="90000" tIns="45000" rIns="90000" bIns="45000" anchor="ctr">
             <a:normAutofit/>
           </a:bodyPr>
+          <a:lstStyle/>
           <a:p>
             <a:pPr algn="ctr">
               <a:lnSpc>
@@ -8807,7 +10316,7 @@
               </a:lnSpc>
             </a:pPr>
             <a:r>
-              <a:rPr b="1" lang="en-US" sz="3600" spc="-1" strike="noStrike">
+              <a:rPr lang="en-US" sz="3600" b="1" strike="noStrike" spc="-1">
                 <a:solidFill>
                   <a:srgbClr val="964305"/>
                 </a:solidFill>
@@ -8816,7 +10325,7 @@
               </a:rPr>
               <a:t>Using vim</a:t>
             </a:r>
-            <a:endParaRPr b="0" lang="en-US" sz="3600" spc="-1" strike="noStrike">
+            <a:endParaRPr lang="en-US" sz="3600" b="0" strike="noStrike" spc="-1">
               <a:latin typeface="Arial"/>
             </a:endParaRPr>
           </a:p>
@@ -8842,13 +10351,20 @@
           </a:ln>
         </p:spPr>
         <p:style>
-          <a:lnRef idx="0"/>
-          <a:fillRef idx="0"/>
-          <a:effectRef idx="0"/>
+          <a:lnRef idx="0">
+            <a:scrgbClr r="0" g="0" b="0"/>
+          </a:lnRef>
+          <a:fillRef idx="0">
+            <a:scrgbClr r="0" g="0" b="0"/>
+          </a:fillRef>
+          <a:effectRef idx="0">
+            <a:scrgbClr r="0" g="0" b="0"/>
+          </a:effectRef>
           <a:fontRef idx="minor"/>
         </p:style>
         <p:txBody>
-          <a:bodyPr lIns="90000" rIns="90000" tIns="45000" bIns="45000"/>
+          <a:bodyPr lIns="90000" tIns="45000" rIns="90000" bIns="45000"/>
+          <a:lstStyle/>
           <a:p>
             <a:pPr marL="216000" indent="-215640" algn="ctr">
               <a:lnSpc>
@@ -8862,7 +10378,7 @@
               <a:buChar char=""/>
             </a:pPr>
             <a:r>
-              <a:rPr b="0" lang="en-US" sz="2400" spc="-1" strike="noStrike">
+              <a:rPr lang="en-US" sz="2400" b="0" strike="noStrike" spc="-1">
                 <a:solidFill>
                   <a:srgbClr val="000000"/>
                 </a:solidFill>
@@ -8871,7 +10387,7 @@
               </a:rPr>
               <a:t>vim is a text editor!</a:t>
             </a:r>
-            <a:endParaRPr b="0" lang="en-US" sz="2400" spc="-1" strike="noStrike">
+            <a:endParaRPr lang="en-US" sz="2400" b="0" strike="noStrike" spc="-1">
               <a:latin typeface="Arial"/>
             </a:endParaRPr>
           </a:p>
@@ -8888,7 +10404,7 @@
               <a:buChar char=""/>
             </a:pPr>
             <a:r>
-              <a:rPr b="0" lang="en-US" sz="2400" spc="-1" strike="noStrike">
+              <a:rPr lang="en-US" sz="2400" b="0" strike="noStrike" spc="-1">
                 <a:solidFill>
                   <a:srgbClr val="000000"/>
                 </a:solidFill>
@@ -8898,16 +10414,16 @@
               <a:t>Open a file from command line: </a:t>
             </a:r>
             <a:r>
-              <a:rPr b="0" lang="en-US" sz="2400" spc="-1" strike="noStrike">
-                <a:solidFill>
-                  <a:srgbClr val="72bf44"/>
+              <a:rPr lang="en-US" sz="2400" b="0" strike="noStrike" spc="-1">
+                <a:solidFill>
+                  <a:srgbClr val="72BF44"/>
                 </a:solidFill>
                 <a:latin typeface="Ubuntu Mono"/>
                 <a:ea typeface="DejaVu Sans"/>
               </a:rPr>
               <a:t>vim filename</a:t>
             </a:r>
-            <a:endParaRPr b="0" lang="en-US" sz="2400" spc="-1" strike="noStrike">
+            <a:endParaRPr lang="en-US" sz="2400" b="0" strike="noStrike" spc="-1">
               <a:latin typeface="Arial"/>
             </a:endParaRPr>
           </a:p>
@@ -8920,7 +10436,7 @@
               <a:buFont typeface="Wingdings" charset="2"/>
               <a:buChar char=""/>
             </a:pPr>
-            <a:endParaRPr b="0" lang="en-US" sz="2400" spc="-1" strike="noStrike">
+            <a:endParaRPr lang="en-US" sz="2400" b="0" strike="noStrike" spc="-1">
               <a:latin typeface="Arial"/>
             </a:endParaRPr>
           </a:p>
@@ -8934,7 +10450,7 @@
               <a:buChar char=""/>
             </a:pPr>
             <a:r>
-              <a:rPr b="0" lang="en-US" sz="2400" spc="-1" strike="noStrike">
+              <a:rPr lang="en-US" sz="2400" b="0" strike="noStrike" spc="-1">
                 <a:solidFill>
                   <a:srgbClr val="000000"/>
                 </a:solidFill>
@@ -8943,7 +10459,7 @@
               </a:rPr>
               <a:t>Arrow keys navigate the file</a:t>
             </a:r>
-            <a:endParaRPr b="0" lang="en-US" sz="2400" spc="-1" strike="noStrike">
+            <a:endParaRPr lang="en-US" sz="2400" b="0" strike="noStrike" spc="-1">
               <a:latin typeface="Arial"/>
             </a:endParaRPr>
           </a:p>
@@ -8957,7 +10473,7 @@
               <a:buChar char=""/>
             </a:pPr>
             <a:r>
-              <a:rPr b="0" lang="en-US" sz="2400" spc="-1" strike="noStrike">
+              <a:rPr lang="en-US" sz="2400" b="0" strike="noStrike" spc="-1">
                 <a:solidFill>
                   <a:srgbClr val="000000"/>
                 </a:solidFill>
@@ -8966,7 +10482,7 @@
               </a:rPr>
               <a:t>Information is always at the bottom of the window:</a:t>
             </a:r>
-            <a:endParaRPr b="0" lang="en-US" sz="2400" spc="-1" strike="noStrike">
+            <a:endParaRPr lang="en-US" sz="2400" b="0" strike="noStrike" spc="-1">
               <a:latin typeface="Arial"/>
             </a:endParaRPr>
           </a:p>
@@ -8979,7 +10495,7 @@
               <a:buFont typeface="Wingdings" charset="2"/>
               <a:buChar char=""/>
             </a:pPr>
-            <a:endParaRPr b="0" lang="en-US" sz="2400" spc="-1" strike="noStrike">
+            <a:endParaRPr lang="en-US" sz="2400" b="0" strike="noStrike" spc="-1">
               <a:latin typeface="Arial"/>
             </a:endParaRPr>
           </a:p>
@@ -8992,7 +10508,7 @@
               <a:buFont typeface="Wingdings" charset="2"/>
               <a:buChar char=""/>
             </a:pPr>
-            <a:endParaRPr b="0" lang="en-US" sz="2400" spc="-1" strike="noStrike">
+            <a:endParaRPr lang="en-US" sz="2400" b="0" strike="noStrike" spc="-1">
               <a:latin typeface="Arial"/>
             </a:endParaRPr>
           </a:p>
@@ -9005,7 +10521,7 @@
               <a:buFont typeface="Wingdings" charset="2"/>
               <a:buChar char=""/>
             </a:pPr>
-            <a:endParaRPr b="0" lang="en-US" sz="2400" spc="-1" strike="noStrike">
+            <a:endParaRPr lang="en-US" sz="2400" b="0" strike="noStrike" spc="-1">
               <a:latin typeface="Arial"/>
             </a:endParaRPr>
           </a:p>
@@ -9019,7 +10535,7 @@
               <a:buChar char=""/>
             </a:pPr>
             <a:r>
-              <a:rPr b="0" lang="en-US" sz="2400" spc="-1" strike="noStrike">
+              <a:rPr lang="en-US" sz="2400" b="0" strike="noStrike" spc="-1">
                 <a:solidFill>
                   <a:srgbClr val="000000"/>
                 </a:solidFill>
@@ -9028,12 +10544,12 @@
               </a:rPr>
               <a:t>Inputting text:</a:t>
             </a:r>
-            <a:endParaRPr b="0" lang="en-US" sz="2400" spc="-1" strike="noStrike">
-              <a:latin typeface="Arial"/>
-            </a:endParaRPr>
-          </a:p>
-          <a:p>
-            <a:pPr lvl="1" marL="432000" indent="-216000">
+            <a:endParaRPr lang="en-US" sz="2400" b="0" strike="noStrike" spc="-1">
+              <a:latin typeface="Arial"/>
+            </a:endParaRPr>
+          </a:p>
+          <a:p>
+            <a:pPr marL="432000" lvl="1" indent="-216000">
               <a:buClr>
                 <a:srgbClr val="000000"/>
               </a:buClr>
@@ -9042,9 +10558,9 @@
               <a:buChar char=""/>
             </a:pPr>
             <a:r>
-              <a:rPr b="0" lang="en-US" sz="2400" spc="-1" strike="noStrike">
-                <a:solidFill>
-                  <a:srgbClr val="72bf44"/>
+              <a:rPr lang="en-US" sz="2400" b="0" strike="noStrike" spc="-1">
+                <a:solidFill>
+                  <a:srgbClr val="72BF44"/>
                 </a:solidFill>
                 <a:latin typeface="Ubuntu Mono"/>
                 <a:ea typeface="DejaVu Sans"/>
@@ -9052,7 +10568,7 @@
               <a:t>i</a:t>
             </a:r>
             <a:r>
-              <a:rPr b="0" lang="en-US" sz="2400" spc="-1" strike="noStrike">
+              <a:rPr lang="en-US" sz="2400" b="0" strike="noStrike" spc="-1">
                 <a:solidFill>
                   <a:srgbClr val="000000"/>
                 </a:solidFill>
@@ -9061,12 +10577,12 @@
               </a:rPr>
               <a:t> to start inserting text at the cursor location</a:t>
             </a:r>
-            <a:endParaRPr b="0" lang="en-US" sz="2400" spc="-1" strike="noStrike">
-              <a:latin typeface="Arial"/>
-            </a:endParaRPr>
-          </a:p>
-          <a:p>
-            <a:pPr lvl="1" marL="432000" indent="-216000">
+            <a:endParaRPr lang="en-US" sz="2400" b="0" strike="noStrike" spc="-1">
+              <a:latin typeface="Arial"/>
+            </a:endParaRPr>
+          </a:p>
+          <a:p>
+            <a:pPr marL="432000" lvl="1" indent="-216000">
               <a:buClr>
                 <a:srgbClr val="000000"/>
               </a:buClr>
@@ -9075,9 +10591,9 @@
               <a:buChar char=""/>
             </a:pPr>
             <a:r>
-              <a:rPr b="0" lang="en-US" sz="2400" spc="-1" strike="noStrike">
-                <a:solidFill>
-                  <a:srgbClr val="72bf44"/>
+              <a:rPr lang="en-US" sz="2400" b="0" strike="noStrike" spc="-1">
+                <a:solidFill>
+                  <a:srgbClr val="72BF44"/>
                 </a:solidFill>
                 <a:latin typeface="Ubuntu Mono"/>
                 <a:ea typeface="DejaVu Sans"/>
@@ -9085,7 +10601,7 @@
               <a:t>r</a:t>
             </a:r>
             <a:r>
-              <a:rPr b="0" lang="en-US" sz="2400" spc="-1" strike="noStrike">
+              <a:rPr lang="en-US" sz="2400" b="0" strike="noStrike" spc="-1">
                 <a:solidFill>
                   <a:srgbClr val="000000"/>
                 </a:solidFill>
@@ -9094,12 +10610,12 @@
               </a:rPr>
               <a:t> to start replacing text </a:t>
             </a:r>
-            <a:endParaRPr b="0" lang="en-US" sz="2400" spc="-1" strike="noStrike">
-              <a:latin typeface="Arial"/>
-            </a:endParaRPr>
-          </a:p>
-          <a:p>
-            <a:pPr lvl="1" marL="432000" indent="-216000">
+            <a:endParaRPr lang="en-US" sz="2400" b="0" strike="noStrike" spc="-1">
+              <a:latin typeface="Arial"/>
+            </a:endParaRPr>
+          </a:p>
+          <a:p>
+            <a:pPr marL="432000" lvl="1" indent="-216000">
               <a:buClr>
                 <a:srgbClr val="000000"/>
               </a:buClr>
@@ -9108,9 +10624,9 @@
               <a:buChar char=""/>
             </a:pPr>
             <a:r>
-              <a:rPr b="0" lang="en-US" sz="2400" spc="-1" strike="noStrike">
-                <a:solidFill>
-                  <a:srgbClr val="72bf44"/>
+              <a:rPr lang="en-US" sz="2400" b="0" strike="noStrike" spc="-1">
+                <a:solidFill>
+                  <a:srgbClr val="72BF44"/>
                 </a:solidFill>
                 <a:latin typeface="Ubuntu Mono"/>
                 <a:ea typeface="DejaVu Sans"/>
@@ -9118,7 +10634,7 @@
               <a:t>a</a:t>
             </a:r>
             <a:r>
-              <a:rPr b="0" lang="en-US" sz="2400" spc="-1" strike="noStrike">
+              <a:rPr lang="en-US" sz="2400" b="0" strike="noStrike" spc="-1">
                 <a:solidFill>
                   <a:srgbClr val="000000"/>
                 </a:solidFill>
@@ -9127,12 +10643,12 @@
               </a:rPr>
               <a:t> to start inserting text after the cursor</a:t>
             </a:r>
-            <a:endParaRPr b="0" lang="en-US" sz="2400" spc="-1" strike="noStrike">
-              <a:latin typeface="Arial"/>
-            </a:endParaRPr>
-          </a:p>
-          <a:p>
-            <a:pPr lvl="1" marL="432000" indent="-216000">
+            <a:endParaRPr lang="en-US" sz="2400" b="0" strike="noStrike" spc="-1">
+              <a:latin typeface="Arial"/>
+            </a:endParaRPr>
+          </a:p>
+          <a:p>
+            <a:pPr marL="432000" lvl="1" indent="-216000">
               <a:buClr>
                 <a:srgbClr val="000000"/>
               </a:buClr>
@@ -9141,9 +10657,9 @@
               <a:buChar char=""/>
             </a:pPr>
             <a:r>
-              <a:rPr b="0" lang="en-US" sz="2400" spc="-1" strike="noStrike">
-                <a:solidFill>
-                  <a:srgbClr val="72bf44"/>
+              <a:rPr lang="en-US" sz="2400" b="0" strike="noStrike" spc="-1">
+                <a:solidFill>
+                  <a:srgbClr val="72BF44"/>
                 </a:solidFill>
                 <a:latin typeface="Ubuntu Mono"/>
                 <a:ea typeface="DejaVu Sans"/>
@@ -9151,26 +10667,16 @@
               <a:t>A</a:t>
             </a:r>
             <a:r>
-              <a:rPr b="0" lang="en-US" sz="2400" spc="-1" strike="noStrike">
+              <a:rPr lang="en-US" sz="2400" b="0" strike="noStrike" spc="-1">
                 <a:solidFill>
                   <a:srgbClr val="000000"/>
                 </a:solidFill>
                 <a:latin typeface="Arial"/>
                 <a:ea typeface="DejaVu Sans"/>
               </a:rPr>
-              <a:t> to start inserting text at the end of the current </a:t>
-            </a:r>
-            <a:r>
-              <a:rPr b="0" lang="en-US" sz="2400" spc="-1" strike="noStrike">
-                <a:solidFill>
-                  <a:srgbClr val="000000"/>
-                </a:solidFill>
-                <a:latin typeface="Arial"/>
-                <a:ea typeface="DejaVu Sans"/>
-              </a:rPr>
-              <a:t>line</a:t>
-            </a:r>
-            <a:endParaRPr b="0" lang="en-US" sz="2400" spc="-1" strike="noStrike">
+              <a:t> to start inserting text at the end of the current line</a:t>
+            </a:r>
+            <a:endParaRPr lang="en-US" sz="2400" b="0" strike="noStrike" spc="-1">
               <a:latin typeface="Arial"/>
             </a:endParaRPr>
           </a:p>
@@ -9184,7 +10690,7 @@
               <a:buChar char=""/>
             </a:pPr>
             <a:r>
-              <a:rPr b="0" lang="en-US" sz="2400" spc="-1" strike="noStrike">
+              <a:rPr lang="en-US" sz="2400" b="0" strike="noStrike" spc="-1">
                 <a:solidFill>
                   <a:srgbClr val="000000"/>
                 </a:solidFill>
@@ -9193,12 +10699,12 @@
               </a:rPr>
               <a:t>Commands</a:t>
             </a:r>
-            <a:endParaRPr b="0" lang="en-US" sz="2400" spc="-1" strike="noStrike">
-              <a:latin typeface="Arial"/>
-            </a:endParaRPr>
-          </a:p>
-          <a:p>
-            <a:pPr lvl="1" marL="432000" indent="-216000">
+            <a:endParaRPr lang="en-US" sz="2400" b="0" strike="noStrike" spc="-1">
+              <a:latin typeface="Arial"/>
+            </a:endParaRPr>
+          </a:p>
+          <a:p>
+            <a:pPr marL="432000" lvl="1" indent="-216000">
               <a:buClr>
                 <a:srgbClr val="000000"/>
               </a:buClr>
@@ -9207,7 +10713,7 @@
               <a:buChar char=""/>
             </a:pPr>
             <a:r>
-              <a:rPr b="0" lang="en-US" sz="2400" spc="-1" strike="noStrike">
+              <a:rPr lang="en-US" sz="2400" b="0" strike="noStrike" spc="-1">
                 <a:solidFill>
                   <a:srgbClr val="000000"/>
                 </a:solidFill>
@@ -9216,12 +10722,12 @@
               </a:rPr>
               <a:t>A colon defines the beginning of a command</a:t>
             </a:r>
-            <a:endParaRPr b="0" lang="en-US" sz="2400" spc="-1" strike="noStrike">
-              <a:latin typeface="Arial"/>
-            </a:endParaRPr>
-          </a:p>
-          <a:p>
-            <a:pPr lvl="1" marL="432000" indent="-216000">
+            <a:endParaRPr lang="en-US" sz="2400" b="0" strike="noStrike" spc="-1">
+              <a:latin typeface="Arial"/>
+            </a:endParaRPr>
+          </a:p>
+          <a:p>
+            <a:pPr marL="432000" lvl="1" indent="-216000">
               <a:buClr>
                 <a:srgbClr val="000000"/>
               </a:buClr>
@@ -9230,7 +10736,7 @@
               <a:buChar char=""/>
             </a:pPr>
             <a:r>
-              <a:rPr b="0" lang="en-US" sz="2400" spc="-1" strike="noStrike">
+              <a:rPr lang="en-US" sz="2400" b="0" strike="noStrike" spc="-1">
                 <a:solidFill>
                   <a:srgbClr val="000000"/>
                 </a:solidFill>
@@ -9240,9 +10746,9 @@
               <a:t>Write/save the file is </a:t>
             </a:r>
             <a:r>
-              <a:rPr b="0" lang="en-US" sz="2400" spc="-1" strike="noStrike">
-                <a:solidFill>
-                  <a:srgbClr val="72bf44"/>
+              <a:rPr lang="en-US" sz="2400" b="0" strike="noStrike" spc="-1">
+                <a:solidFill>
+                  <a:srgbClr val="72BF44"/>
                 </a:solidFill>
                 <a:latin typeface="Ubuntu Mono"/>
                 <a:ea typeface="DejaVu Sans"/>
@@ -9250,7 +10756,7 @@
               <a:t>:w</a:t>
             </a:r>
             <a:r>
-              <a:rPr b="0" lang="en-US" sz="2400" spc="-1" strike="noStrike">
+              <a:rPr lang="en-US" sz="2400" b="0" strike="noStrike" spc="-1">
                 <a:solidFill>
                   <a:srgbClr val="000000"/>
                 </a:solidFill>
@@ -9260,21 +10766,21 @@
               <a:t>, quit vim is </a:t>
             </a:r>
             <a:r>
-              <a:rPr b="0" lang="en-US" sz="2400" spc="-1" strike="noStrike">
-                <a:solidFill>
-                  <a:srgbClr val="72bf44"/>
+              <a:rPr lang="en-US" sz="2400" b="0" strike="noStrike" spc="-1">
+                <a:solidFill>
+                  <a:srgbClr val="72BF44"/>
                 </a:solidFill>
                 <a:latin typeface="Ubuntu Mono"/>
                 <a:ea typeface="DejaVu Sans"/>
               </a:rPr>
               <a:t>:q</a:t>
             </a:r>
-            <a:endParaRPr b="0" lang="en-US" sz="2400" spc="-1" strike="noStrike">
-              <a:latin typeface="Arial"/>
-            </a:endParaRPr>
-          </a:p>
-          <a:p>
-            <a:pPr lvl="1" marL="432000" indent="-216000">
+            <a:endParaRPr lang="en-US" sz="2400" b="0" strike="noStrike" spc="-1">
+              <a:latin typeface="Arial"/>
+            </a:endParaRPr>
+          </a:p>
+          <a:p>
+            <a:pPr marL="432000" lvl="1" indent="-216000">
               <a:buClr>
                 <a:srgbClr val="000000"/>
               </a:buClr>
@@ -9283,7 +10789,7 @@
               <a:buChar char=""/>
             </a:pPr>
             <a:r>
-              <a:rPr b="0" lang="en-US" sz="2400" spc="-1" strike="noStrike">
+              <a:rPr lang="en-US" sz="2400" b="0" strike="noStrike" spc="-1">
                 <a:solidFill>
                   <a:srgbClr val="000000"/>
                 </a:solidFill>
@@ -9293,16 +10799,16 @@
               <a:t>Can be combined like this → </a:t>
             </a:r>
             <a:r>
-              <a:rPr b="0" lang="en-US" sz="2400" spc="-1" strike="noStrike">
-                <a:solidFill>
-                  <a:srgbClr val="72bf44"/>
+              <a:rPr lang="en-US" sz="2400" b="0" strike="noStrike" spc="-1">
+                <a:solidFill>
+                  <a:srgbClr val="72BF44"/>
                 </a:solidFill>
                 <a:latin typeface="Ubuntu Mono"/>
                 <a:ea typeface="DejaVu Sans"/>
               </a:rPr>
               <a:t>:wq</a:t>
             </a:r>
-            <a:endParaRPr b="0" lang="en-US" sz="2400" spc="-1" strike="noStrike">
+            <a:endParaRPr lang="en-US" sz="2400" b="0" strike="noStrike" spc="-1">
               <a:latin typeface="Arial"/>
             </a:endParaRPr>
           </a:p>
@@ -9310,13 +10816,13 @@
       </p:sp>
       <p:pic>
         <p:nvPicPr>
-          <p:cNvPr id="168" name="" descr=""/>
+          <p:cNvPr id="168" name="Picture 167"/>
           <p:cNvPicPr/>
           <p:nvPr/>
         </p:nvPicPr>
         <p:blipFill>
-          <a:blip r:embed="rId1"/>
-          <a:srcRect l="0" t="84209" r="0" b="0"/>
+          <a:blip r:embed="rId2"/>
+          <a:srcRect t="84209"/>
           <a:stretch/>
         </p:blipFill>
         <p:spPr>
@@ -9352,17 +10858,15 @@
           </a:ln>
         </p:spPr>
         <p:txBody>
-          <a:bodyPr lIns="90000" rIns="90000" tIns="45000" bIns="45000"/>
-          <a:p>
-            <a:r>
-              <a:rPr b="0" lang="en-US" sz="1800" spc="-1" strike="noStrike">
+          <a:bodyPr lIns="90000" tIns="45000" rIns="90000" bIns="45000"/>
+          <a:lstStyle/>
+          <a:p>
+            <a:r>
+              <a:rPr lang="en-US" sz="1800" b="0" strike="noStrike" spc="-1">
                 <a:latin typeface="Arial"/>
               </a:rPr>
               <a:t>Current role</a:t>
             </a:r>
-            <a:endParaRPr b="0" lang="en-US" sz="1800" spc="-1" strike="noStrike">
-              <a:latin typeface="Arial"/>
-            </a:endParaRPr>
           </a:p>
         </p:txBody>
       </p:sp>
@@ -9386,38 +10890,39 @@
           </a:ln>
         </p:spPr>
         <p:txBody>
-          <a:bodyPr lIns="90000" rIns="90000" tIns="45000" bIns="45000"/>
-          <a:p>
-            <a:r>
-              <a:rPr b="0" lang="en-US" sz="1800" spc="-1" strike="noStrike">
+          <a:bodyPr lIns="90000" tIns="45000" rIns="90000" bIns="45000"/>
+          <a:lstStyle/>
+          <a:p>
+            <a:r>
+              <a:rPr lang="en-US" sz="1800" b="0" strike="noStrike" spc="-1">
                 <a:latin typeface="Arial"/>
               </a:rPr>
               <a:t>cursor is at line 9 character 1, which is 66% to the end of the file</a:t>
             </a:r>
-            <a:endParaRPr b="0" lang="en-US" sz="1800" spc="-1" strike="noStrike">
-              <a:latin typeface="Arial"/>
-            </a:endParaRPr>
           </a:p>
         </p:txBody>
       </p:sp>
     </p:spTree>
   </p:cSld>
+  <p:clrMapOvr>
+    <a:masterClrMapping/>
+  </p:clrMapOvr>
   <p:timing>
     <p:tnLst>
       <p:par>
-        <p:cTn id="9" dur="indefinite" restart="never" nodeType="tmRoot">
+        <p:cTn id="1" dur="indefinite" restart="never" nodeType="tmRoot">
           <p:childTnLst>
             <p:seq>
-              <p:cTn id="10" dur="indefinite" nodeType="mainSeq"/>
+              <p:cTn id="2" dur="indefinite" nodeType="mainSeq"/>
               <p:prevCondLst>
-                <p:cond delay="0" evt="onPrev">
+                <p:cond evt="onPrev" delay="0">
                   <p:tgtEl>
                     <p:sldTgt/>
                   </p:tgtEl>
                 </p:cond>
               </p:prevCondLst>
               <p:nextCondLst>
-                <p:cond delay="0" evt="onNext">
+                <p:cond evt="onNext" delay="0">
                   <p:tgtEl>
                     <p:sldTgt/>
                   </p:tgtEl>
@@ -9433,7 +10938,7 @@
 </file>
 
 <file path=ppt/slides/slide6.xml><?xml version="1.0" encoding="utf-8"?>
-<p:sld xmlns:a="http://schemas.openxmlformats.org/drawingml/2006/main" xmlns:p="http://schemas.openxmlformats.org/presentationml/2006/main" xmlns:r="http://schemas.openxmlformats.org/officeDocument/2006/relationships" xmlns:p14="http://schemas.microsoft.com/office/powerpoint/2010/main" xmlns:p15="http://schemas.microsoft.com/office/powerpoint/2012/main" xmlns:mc="http://schemas.openxmlformats.org/markup-compatibility/2006">
+<p:sld xmlns:a="http://schemas.openxmlformats.org/drawingml/2006/main" xmlns:r="http://schemas.openxmlformats.org/officeDocument/2006/relationships" xmlns:p="http://schemas.openxmlformats.org/presentationml/2006/main">
   <p:cSld>
     <p:spTree>
       <p:nvGrpSpPr>
@@ -9469,15 +10974,22 @@
           </a:ln>
         </p:spPr>
         <p:style>
-          <a:lnRef idx="0"/>
-          <a:fillRef idx="0"/>
-          <a:effectRef idx="0"/>
+          <a:lnRef idx="0">
+            <a:scrgbClr r="0" g="0" b="0"/>
+          </a:lnRef>
+          <a:fillRef idx="0">
+            <a:scrgbClr r="0" g="0" b="0"/>
+          </a:fillRef>
+          <a:effectRef idx="0">
+            <a:scrgbClr r="0" g="0" b="0"/>
+          </a:effectRef>
           <a:fontRef idx="minor"/>
         </p:style>
         <p:txBody>
-          <a:bodyPr lIns="90000" rIns="90000" tIns="45000" bIns="45000" anchor="ctr">
+          <a:bodyPr lIns="90000" tIns="45000" rIns="90000" bIns="45000" anchor="ctr">
             <a:normAutofit/>
           </a:bodyPr>
+          <a:lstStyle/>
           <a:p>
             <a:pPr algn="ctr">
               <a:lnSpc>
@@ -9485,7 +10997,7 @@
               </a:lnSpc>
             </a:pPr>
             <a:r>
-              <a:rPr b="1" lang="en-US" sz="3600" spc="-1" strike="noStrike">
+              <a:rPr lang="en-US" sz="3600" b="1" strike="noStrike" spc="-1">
                 <a:solidFill>
                   <a:srgbClr val="964305"/>
                 </a:solidFill>
@@ -9494,7 +11006,7 @@
               </a:rPr>
               <a:t>Using vim</a:t>
             </a:r>
-            <a:endParaRPr b="0" lang="en-US" sz="3600" spc="-1" strike="noStrike">
+            <a:endParaRPr lang="en-US" sz="3600" b="0" strike="noStrike" spc="-1">
               <a:latin typeface="Arial"/>
             </a:endParaRPr>
           </a:p>
@@ -9520,13 +11032,20 @@
           </a:ln>
         </p:spPr>
         <p:style>
-          <a:lnRef idx="0"/>
-          <a:fillRef idx="0"/>
-          <a:effectRef idx="0"/>
+          <a:lnRef idx="0">
+            <a:scrgbClr r="0" g="0" b="0"/>
+          </a:lnRef>
+          <a:fillRef idx="0">
+            <a:scrgbClr r="0" g="0" b="0"/>
+          </a:fillRef>
+          <a:effectRef idx="0">
+            <a:scrgbClr r="0" g="0" b="0"/>
+          </a:effectRef>
           <a:fontRef idx="minor"/>
         </p:style>
         <p:txBody>
-          <a:bodyPr lIns="90000" rIns="90000" tIns="45000" bIns="45000"/>
+          <a:bodyPr lIns="90000" tIns="45000" rIns="90000" bIns="45000"/>
+          <a:lstStyle/>
           <a:p>
             <a:pPr marL="216000" indent="-215640">
               <a:lnSpc>
@@ -9540,7 +11059,7 @@
               <a:buChar char=""/>
             </a:pPr>
             <a:r>
-              <a:rPr b="0" lang="en-US" sz="2400" spc="-1" strike="noStrike">
+              <a:rPr lang="en-US" sz="2400" b="0" strike="noStrike" spc="-1">
                 <a:solidFill>
                   <a:srgbClr val="000000"/>
                 </a:solidFill>
@@ -9549,12 +11068,12 @@
               </a:rPr>
               <a:t>Finding a string</a:t>
             </a:r>
-            <a:endParaRPr b="0" lang="en-US" sz="2400" spc="-1" strike="noStrike">
-              <a:latin typeface="Arial"/>
-            </a:endParaRPr>
-          </a:p>
-          <a:p>
-            <a:pPr lvl="1" marL="432000" indent="-216000">
+            <a:endParaRPr lang="en-US" sz="2400" b="0" strike="noStrike" spc="-1">
+              <a:latin typeface="Arial"/>
+            </a:endParaRPr>
+          </a:p>
+          <a:p>
+            <a:pPr marL="432000" lvl="1" indent="-216000">
               <a:buClr>
                 <a:srgbClr val="000000"/>
               </a:buClr>
@@ -9563,9 +11082,9 @@
               <a:buChar char=""/>
             </a:pPr>
             <a:r>
-              <a:rPr b="0" lang="en-US" sz="2400" spc="-1" strike="noStrike">
-                <a:solidFill>
-                  <a:srgbClr val="72bf44"/>
+              <a:rPr lang="en-US" sz="2400" b="0" strike="noStrike" spc="-1">
+                <a:solidFill>
+                  <a:srgbClr val="72BF44"/>
                 </a:solidFill>
                 <a:latin typeface="Ubuntu Mono"/>
                 <a:ea typeface="DejaVu Sans"/>
@@ -9573,7 +11092,7 @@
               <a:t>/text</a:t>
             </a:r>
             <a:r>
-              <a:rPr b="0" lang="en-US" sz="2400" spc="-1" strike="noStrike">
+              <a:rPr lang="en-US" sz="2400" b="0" strike="noStrike" spc="-1">
                 <a:solidFill>
                   <a:srgbClr val="000000"/>
                 </a:solidFill>
@@ -9582,12 +11101,12 @@
               </a:rPr>
               <a:t> will find all instances and highlight them</a:t>
             </a:r>
-            <a:endParaRPr b="0" lang="en-US" sz="2400" spc="-1" strike="noStrike">
-              <a:latin typeface="Arial"/>
-            </a:endParaRPr>
-          </a:p>
-          <a:p>
-            <a:pPr lvl="1" marL="432000" indent="-216000">
+            <a:endParaRPr lang="en-US" sz="2400" b="0" strike="noStrike" spc="-1">
+              <a:latin typeface="Arial"/>
+            </a:endParaRPr>
+          </a:p>
+          <a:p>
+            <a:pPr marL="432000" lvl="1" indent="-216000">
               <a:lnSpc>
                 <a:spcPct val="100000"/>
               </a:lnSpc>
@@ -9599,9 +11118,9 @@
               <a:buChar char=""/>
             </a:pPr>
             <a:r>
-              <a:rPr b="0" lang="en-US" sz="2400" spc="-1" strike="noStrike">
-                <a:solidFill>
-                  <a:srgbClr val="72bf44"/>
+              <a:rPr lang="en-US" sz="2400" b="0" strike="noStrike" spc="-1">
+                <a:solidFill>
+                  <a:srgbClr val="72BF44"/>
                 </a:solidFill>
                 <a:latin typeface="Ubuntu Mono"/>
                 <a:ea typeface="DejaVu Sans"/>
@@ -9609,7 +11128,7 @@
               <a:t>n</a:t>
             </a:r>
             <a:r>
-              <a:rPr b="0" lang="en-US" sz="2400" spc="-1" strike="noStrike">
+              <a:rPr lang="en-US" sz="2400" b="0" strike="noStrike" spc="-1">
                 <a:solidFill>
                   <a:srgbClr val="000000"/>
                 </a:solidFill>
@@ -9618,7 +11137,7 @@
               </a:rPr>
               <a:t> will bring you to the next instance</a:t>
             </a:r>
-            <a:endParaRPr b="0" lang="en-US" sz="2400" spc="-1" strike="noStrike">
+            <a:endParaRPr lang="en-US" sz="2400" b="0" strike="noStrike" spc="-1">
               <a:latin typeface="Arial"/>
             </a:endParaRPr>
           </a:p>
@@ -9635,7 +11154,7 @@
               <a:buChar char=""/>
             </a:pPr>
             <a:r>
-              <a:rPr b="0" lang="en-US" sz="2400" spc="-1" strike="noStrike">
+              <a:rPr lang="en-US" sz="2400" b="0" strike="noStrike" spc="-1">
                 <a:solidFill>
                   <a:srgbClr val="000000"/>
                 </a:solidFill>
@@ -9644,12 +11163,12 @@
               </a:rPr>
               <a:t>Replacing a string</a:t>
             </a:r>
-            <a:endParaRPr b="0" lang="en-US" sz="2400" spc="-1" strike="noStrike">
-              <a:latin typeface="Arial"/>
-            </a:endParaRPr>
-          </a:p>
-          <a:p>
-            <a:pPr lvl="1" marL="432000" indent="-216000">
+            <a:endParaRPr lang="en-US" sz="2400" b="0" strike="noStrike" spc="-1">
+              <a:latin typeface="Arial"/>
+            </a:endParaRPr>
+          </a:p>
+          <a:p>
+            <a:pPr marL="432000" lvl="1" indent="-216000">
               <a:lnSpc>
                 <a:spcPct val="100000"/>
               </a:lnSpc>
@@ -9661,16 +11180,16 @@
               <a:buChar char=""/>
             </a:pPr>
             <a:r>
-              <a:rPr b="0" lang="en-US" sz="2400" spc="-1" strike="noStrike">
-                <a:solidFill>
-                  <a:srgbClr val="72bf44"/>
+              <a:rPr lang="en-US" sz="2400" b="0" strike="noStrike" spc="-1">
+                <a:solidFill>
+                  <a:srgbClr val="72BF44"/>
                 </a:solidFill>
                 <a:latin typeface="Ubuntu Mono"/>
                 <a:ea typeface="DejaVu Sans"/>
               </a:rPr>
               <a:t>:%s/old/new/g</a:t>
             </a:r>
-            <a:endParaRPr b="0" lang="en-US" sz="2400" spc="-1" strike="noStrike">
+            <a:endParaRPr lang="en-US" sz="2400" b="0" strike="noStrike" spc="-1">
               <a:latin typeface="Arial"/>
             </a:endParaRPr>
           </a:p>
@@ -9686,7 +11205,7 @@
               <a:buFont typeface="Wingdings" charset="2"/>
               <a:buChar char=""/>
             </a:pPr>
-            <a:endParaRPr b="0" lang="en-US" sz="2400" spc="-1" strike="noStrike">
+            <a:endParaRPr lang="en-US" sz="2400" b="0" strike="noStrike" spc="-1">
               <a:latin typeface="Arial"/>
             </a:endParaRPr>
           </a:p>
@@ -9700,9 +11219,9 @@
               <a:buChar char=""/>
             </a:pPr>
             <a:r>
-              <a:rPr b="0" lang="en-US" sz="2400" spc="-1" strike="noStrike">
-                <a:solidFill>
-                  <a:srgbClr val="72bf44"/>
+              <a:rPr lang="en-US" sz="2400" b="0" strike="noStrike" spc="-1">
+                <a:solidFill>
+                  <a:srgbClr val="72BF44"/>
                 </a:solidFill>
                 <a:latin typeface="Ubuntu Mono"/>
                 <a:ea typeface="DejaVu Sans"/>
@@ -9710,7 +11229,7 @@
               <a:t>dd</a:t>
             </a:r>
             <a:r>
-              <a:rPr b="0" lang="en-US" sz="2400" spc="-1" strike="noStrike">
+              <a:rPr lang="en-US" sz="2400" b="0" strike="noStrike" spc="-1">
                 <a:solidFill>
                   <a:srgbClr val="000000"/>
                 </a:solidFill>
@@ -9719,12 +11238,12 @@
               </a:rPr>
               <a:t> cuts the current line</a:t>
             </a:r>
-            <a:endParaRPr b="0" lang="en-US" sz="2400" spc="-1" strike="noStrike">
-              <a:latin typeface="Arial"/>
-            </a:endParaRPr>
-          </a:p>
-          <a:p>
-            <a:pPr lvl="1" marL="432000" indent="-216000">
+            <a:endParaRPr lang="en-US" sz="2400" b="0" strike="noStrike" spc="-1">
+              <a:latin typeface="Arial"/>
+            </a:endParaRPr>
+          </a:p>
+          <a:p>
+            <a:pPr marL="432000" lvl="1" indent="-216000">
               <a:buClr>
                 <a:srgbClr val="000000"/>
               </a:buClr>
@@ -9733,9 +11252,9 @@
               <a:buChar char=""/>
             </a:pPr>
             <a:r>
-              <a:rPr b="0" lang="en-US" sz="2400" spc="-1" strike="noStrike">
-                <a:solidFill>
-                  <a:srgbClr val="72bf44"/>
+              <a:rPr lang="en-US" sz="2400" b="0" strike="noStrike" spc="-1">
+                <a:solidFill>
+                  <a:srgbClr val="72BF44"/>
                 </a:solidFill>
                 <a:latin typeface="Ubuntu Mono"/>
                 <a:ea typeface="DejaVu Sans"/>
@@ -9743,26 +11262,16 @@
               <a:t>2dd</a:t>
             </a:r>
             <a:r>
-              <a:rPr b="0" lang="en-US" sz="2400" spc="-1" strike="noStrike">
+              <a:rPr lang="en-US" sz="2400" b="0" strike="noStrike" spc="-1">
                 <a:solidFill>
                   <a:srgbClr val="000000"/>
                 </a:solidFill>
                 <a:latin typeface="Arial"/>
                 <a:ea typeface="DejaVu Sans"/>
               </a:rPr>
-              <a:t> cuts the current line and the next line (2 </a:t>
-            </a:r>
-            <a:r>
-              <a:rPr b="0" lang="en-US" sz="2400" spc="-1" strike="noStrike">
-                <a:solidFill>
-                  <a:srgbClr val="000000"/>
-                </a:solidFill>
-                <a:latin typeface="Arial"/>
-                <a:ea typeface="DejaVu Sans"/>
-              </a:rPr>
-              <a:t>lines)</a:t>
-            </a:r>
-            <a:endParaRPr b="0" lang="en-US" sz="2400" spc="-1" strike="noStrike">
+              <a:t> cuts the current line and the next line (2 lines)</a:t>
+            </a:r>
+            <a:endParaRPr lang="en-US" sz="2400" b="0" strike="noStrike" spc="-1">
               <a:latin typeface="Arial"/>
             </a:endParaRPr>
           </a:p>
@@ -9776,9 +11285,9 @@
               <a:buChar char=""/>
             </a:pPr>
             <a:r>
-              <a:rPr b="0" lang="en-US" sz="2400" spc="-1" strike="noStrike">
-                <a:solidFill>
-                  <a:srgbClr val="72bf44"/>
+              <a:rPr lang="en-US" sz="2400" b="0" strike="noStrike" spc="-1">
+                <a:solidFill>
+                  <a:srgbClr val="72BF44"/>
                 </a:solidFill>
                 <a:latin typeface="Ubuntu Mono"/>
                 <a:ea typeface="DejaVu Sans"/>
@@ -9786,7 +11295,7 @@
               <a:t>yy</a:t>
             </a:r>
             <a:r>
-              <a:rPr b="0" lang="en-US" sz="2400" spc="-1" strike="noStrike">
+              <a:rPr lang="en-US" sz="2400" b="0" strike="noStrike" spc="-1">
                 <a:solidFill>
                   <a:srgbClr val="000000"/>
                 </a:solidFill>
@@ -9795,12 +11304,12 @@
               </a:rPr>
               <a:t> yanks the current line (like copy)</a:t>
             </a:r>
-            <a:endParaRPr b="0" lang="en-US" sz="2400" spc="-1" strike="noStrike">
-              <a:latin typeface="Arial"/>
-            </a:endParaRPr>
-          </a:p>
-          <a:p>
-            <a:pPr lvl="1" marL="432000" indent="-216000">
+            <a:endParaRPr lang="en-US" sz="2400" b="0" strike="noStrike" spc="-1">
+              <a:latin typeface="Arial"/>
+            </a:endParaRPr>
+          </a:p>
+          <a:p>
+            <a:pPr marL="432000" lvl="1" indent="-216000">
               <a:buClr>
                 <a:srgbClr val="000000"/>
               </a:buClr>
@@ -9809,9 +11318,9 @@
               <a:buChar char=""/>
             </a:pPr>
             <a:r>
-              <a:rPr b="0" lang="en-US" sz="2400" spc="-1" strike="noStrike">
-                <a:solidFill>
-                  <a:srgbClr val="72bf44"/>
+              <a:rPr lang="en-US" sz="2400" b="0" strike="noStrike" spc="-1">
+                <a:solidFill>
+                  <a:srgbClr val="72BF44"/>
                 </a:solidFill>
                 <a:latin typeface="Ubuntu Mono"/>
                 <a:ea typeface="DejaVu Sans"/>
@@ -9819,7 +11328,7 @@
               <a:t>2yy</a:t>
             </a:r>
             <a:r>
-              <a:rPr b="0" lang="en-US" sz="2400" spc="-1" strike="noStrike">
+              <a:rPr lang="en-US" sz="2400" b="0" strike="noStrike" spc="-1">
                 <a:solidFill>
                   <a:srgbClr val="000000"/>
                 </a:solidFill>
@@ -9828,7 +11337,7 @@
               </a:rPr>
               <a:t> yanks two lines</a:t>
             </a:r>
-            <a:endParaRPr b="0" lang="en-US" sz="2400" spc="-1" strike="noStrike">
+            <a:endParaRPr lang="en-US" sz="2400" b="0" strike="noStrike" spc="-1">
               <a:latin typeface="Arial"/>
             </a:endParaRPr>
           </a:p>
@@ -9842,9 +11351,9 @@
               <a:buChar char=""/>
             </a:pPr>
             <a:r>
-              <a:rPr b="0" lang="en-US" sz="2400" spc="-1" strike="noStrike">
-                <a:solidFill>
-                  <a:srgbClr val="72bf44"/>
+              <a:rPr lang="en-US" sz="2400" b="0" strike="noStrike" spc="-1">
+                <a:solidFill>
+                  <a:srgbClr val="72BF44"/>
                 </a:solidFill>
                 <a:latin typeface="Ubuntu Mono"/>
                 <a:ea typeface="DejaVu Sans"/>
@@ -9852,7 +11361,7 @@
               <a:t>p</a:t>
             </a:r>
             <a:r>
-              <a:rPr b="0" lang="en-US" sz="2400" spc="-1" strike="noStrike">
+              <a:rPr lang="en-US" sz="2400" b="0" strike="noStrike" spc="-1">
                 <a:solidFill>
                   <a:srgbClr val="000000"/>
                 </a:solidFill>
@@ -9861,12 +11370,12 @@
               </a:rPr>
               <a:t> places the last cut or yanked line at the cursor</a:t>
             </a:r>
-            <a:endParaRPr b="0" lang="en-US" sz="2400" spc="-1" strike="noStrike">
-              <a:latin typeface="Arial"/>
-            </a:endParaRPr>
-          </a:p>
-          <a:p>
-            <a:pPr lvl="1" marL="432000" indent="-216000">
+            <a:endParaRPr lang="en-US" sz="2400" b="0" strike="noStrike" spc="-1">
+              <a:latin typeface="Arial"/>
+            </a:endParaRPr>
+          </a:p>
+          <a:p>
+            <a:pPr marL="432000" lvl="1" indent="-216000">
               <a:buClr>
                 <a:srgbClr val="000000"/>
               </a:buClr>
@@ -9875,9 +11384,9 @@
               <a:buChar char=""/>
             </a:pPr>
             <a:r>
-              <a:rPr b="0" lang="en-US" sz="2400" spc="-1" strike="noStrike">
-                <a:solidFill>
-                  <a:srgbClr val="72bf44"/>
+              <a:rPr lang="en-US" sz="2400" b="0" strike="noStrike" spc="-1">
+                <a:solidFill>
+                  <a:srgbClr val="72BF44"/>
                 </a:solidFill>
                 <a:latin typeface="Ubuntu Mono"/>
                 <a:ea typeface="DejaVu Sans"/>
@@ -9885,7 +11394,7 @@
               <a:t>P</a:t>
             </a:r>
             <a:r>
-              <a:rPr b="0" lang="en-US" sz="2400" spc="-1" strike="noStrike">
+              <a:rPr lang="en-US" sz="2400" b="0" strike="noStrike" spc="-1">
                 <a:solidFill>
                   <a:srgbClr val="000000"/>
                 </a:solidFill>
@@ -9894,7 +11403,7 @@
               </a:rPr>
               <a:t> places that line below the current line </a:t>
             </a:r>
-            <a:endParaRPr b="0" lang="en-US" sz="2400" spc="-1" strike="noStrike">
+            <a:endParaRPr lang="en-US" sz="2400" b="0" strike="noStrike" spc="-1">
               <a:latin typeface="Arial"/>
             </a:endParaRPr>
           </a:p>
@@ -9907,7 +11416,7 @@
               <a:buFont typeface="Wingdings" charset="2"/>
               <a:buChar char=""/>
             </a:pPr>
-            <a:endParaRPr b="0" lang="en-US" sz="2400" spc="-1" strike="noStrike">
+            <a:endParaRPr lang="en-US" sz="2400" b="0" strike="noStrike" spc="-1">
               <a:latin typeface="Arial"/>
             </a:endParaRPr>
           </a:p>
@@ -9921,47 +11430,37 @@
               <a:buChar char=""/>
             </a:pPr>
             <a:r>
-              <a:rPr b="0" lang="en-US" sz="2400" spc="-1" strike="noStrike">
+              <a:rPr lang="en-US" sz="2400" b="0" strike="noStrike" spc="-1">
                 <a:solidFill>
                   <a:srgbClr val="000000"/>
                 </a:solidFill>
                 <a:latin typeface="Arial"/>
                 <a:ea typeface="DejaVu Sans"/>
               </a:rPr>
-              <a:t>vim is very robust and has many commands and </a:t>
-            </a:r>
-            <a:r>
-              <a:rPr b="0" lang="en-US" sz="2400" spc="-1" strike="noStrike">
+              <a:t>vim is very robust and has many commands and lots of online help (e.g., </a:t>
+            </a:r>
+            <a:r>
+              <a:rPr lang="en-US" sz="2400" b="0" strike="noStrike" spc="-1">
                 <a:solidFill>
                   <a:srgbClr val="000000"/>
                 </a:solidFill>
                 <a:latin typeface="Arial"/>
                 <a:ea typeface="DejaVu Sans"/>
-              </a:rPr>
-              <a:t>lots of online help (e.g., </a:t>
-            </a:r>
-            <a:r>
-              <a:rPr b="0" lang="en-US" sz="2400" spc="-1" strike="noStrike">
+                <a:hlinkClick r:id="rId2"/>
+              </a:rPr>
+              <a:t>https://vim.rtorr.com/</a:t>
+            </a:r>
+            <a:r>
+              <a:rPr lang="en-US" sz="2400" b="0" strike="noStrike" spc="-1">
                 <a:solidFill>
                   <a:srgbClr val="000000"/>
                 </a:solidFill>
                 <a:latin typeface="Arial"/>
                 <a:ea typeface="DejaVu Sans"/>
-                <a:hlinkClick r:id="rId1"/>
-              </a:rPr>
-              <a:t>https://vim.rtorr.com/</a:t>
-            </a:r>
-            <a:r>
-              <a:rPr b="0" lang="en-US" sz="2400" spc="-1" strike="noStrike">
-                <a:solidFill>
-                  <a:srgbClr val="000000"/>
-                </a:solidFill>
-                <a:latin typeface="Arial"/>
-                <a:ea typeface="DejaVu Sans"/>
               </a:rPr>
               <a:t>)</a:t>
             </a:r>
-            <a:endParaRPr b="0" lang="en-US" sz="2400" spc="-1" strike="noStrike">
+            <a:endParaRPr lang="en-US" sz="2400" b="0" strike="noStrike" spc="-1">
               <a:latin typeface="Arial"/>
             </a:endParaRPr>
           </a:p>
@@ -9969,22 +11468,25 @@
       </p:sp>
     </p:spTree>
   </p:cSld>
+  <p:clrMapOvr>
+    <a:masterClrMapping/>
+  </p:clrMapOvr>
   <p:timing>
     <p:tnLst>
       <p:par>
-        <p:cTn id="11" dur="indefinite" restart="never" nodeType="tmRoot">
+        <p:cTn id="1" dur="indefinite" restart="never" nodeType="tmRoot">
           <p:childTnLst>
             <p:seq>
-              <p:cTn id="12" dur="indefinite" nodeType="mainSeq"/>
+              <p:cTn id="2" dur="indefinite" nodeType="mainSeq"/>
               <p:prevCondLst>
-                <p:cond delay="0" evt="onPrev">
+                <p:cond evt="onPrev" delay="0">
                   <p:tgtEl>
                     <p:sldTgt/>
                   </p:tgtEl>
                 </p:cond>
               </p:prevCondLst>
               <p:nextCondLst>
-                <p:cond delay="0" evt="onNext">
+                <p:cond evt="onNext" delay="0">
                   <p:tgtEl>
                     <p:sldTgt/>
                   </p:tgtEl>
@@ -10000,7 +11502,7 @@
 </file>
 
 <file path=ppt/slides/slide7.xml><?xml version="1.0" encoding="utf-8"?>
-<p:sld xmlns:a="http://schemas.openxmlformats.org/drawingml/2006/main" xmlns:p="http://schemas.openxmlformats.org/presentationml/2006/main" xmlns:r="http://schemas.openxmlformats.org/officeDocument/2006/relationships" xmlns:p14="http://schemas.microsoft.com/office/powerpoint/2010/main" xmlns:p15="http://schemas.microsoft.com/office/powerpoint/2012/main" xmlns:mc="http://schemas.openxmlformats.org/markup-compatibility/2006">
+<p:sld xmlns:a="http://schemas.openxmlformats.org/drawingml/2006/main" xmlns:r="http://schemas.openxmlformats.org/officeDocument/2006/relationships" xmlns:p="http://schemas.openxmlformats.org/presentationml/2006/main">
   <p:cSld>
     <p:spTree>
       <p:nvGrpSpPr>
@@ -10036,13 +11538,20 @@
           </a:ln>
         </p:spPr>
         <p:style>
-          <a:lnRef idx="0"/>
-          <a:fillRef idx="0"/>
-          <a:effectRef idx="0"/>
+          <a:lnRef idx="0">
+            <a:scrgbClr r="0" g="0" b="0"/>
+          </a:lnRef>
+          <a:fillRef idx="0">
+            <a:scrgbClr r="0" g="0" b="0"/>
+          </a:fillRef>
+          <a:effectRef idx="0">
+            <a:scrgbClr r="0" g="0" b="0"/>
+          </a:effectRef>
           <a:fontRef idx="minor"/>
         </p:style>
         <p:txBody>
-          <a:bodyPr lIns="90000" rIns="90000" tIns="0" bIns="45000"/>
+          <a:bodyPr lIns="90000" tIns="0" rIns="90000" bIns="45000"/>
+          <a:lstStyle/>
           <a:p>
             <a:pPr marL="27360" algn="ctr">
               <a:lnSpc>
@@ -10053,7 +11562,7 @@
               </a:spcBef>
             </a:pPr>
             <a:r>
-              <a:rPr b="1" lang="en-US" sz="6600" spc="-1" strike="noStrike">
+              <a:rPr lang="en-US" sz="6600" b="1" strike="noStrike" spc="-1">
                 <a:solidFill>
                   <a:srgbClr val="361309"/>
                 </a:solidFill>
@@ -10062,7 +11571,7 @@
               </a:rPr>
               <a:t>CWP Workshop</a:t>
             </a:r>
-            <a:endParaRPr b="0" lang="en-US" sz="6600" spc="-1" strike="noStrike">
+            <a:endParaRPr lang="en-US" sz="6600" b="0" strike="noStrike" spc="-1">
               <a:latin typeface="Arial"/>
             </a:endParaRPr>
           </a:p>
@@ -10076,7 +11585,7 @@
               </a:spcBef>
             </a:pPr>
             <a:r>
-              <a:rPr b="0" lang="en-US" sz="3600" spc="-1" strike="noStrike">
+              <a:rPr lang="en-US" sz="3600" b="0" strike="noStrike" spc="-1">
                 <a:solidFill>
                   <a:srgbClr val="361309"/>
                 </a:solidFill>
@@ -10085,7 +11594,7 @@
               </a:rPr>
               <a:t>6 January 2020</a:t>
             </a:r>
-            <a:endParaRPr b="0" lang="en-US" sz="3600" spc="-1" strike="noStrike">
+            <a:endParaRPr lang="en-US" sz="3600" b="0" strike="noStrike" spc="-1">
               <a:latin typeface="Arial"/>
             </a:endParaRPr>
           </a:p>
@@ -10099,7 +11608,7 @@
               </a:spcBef>
             </a:pPr>
             <a:r>
-              <a:rPr b="0" lang="en-US" sz="3600" spc="-1" strike="noStrike">
+              <a:rPr lang="en-US" sz="3600" b="0" strike="noStrike" spc="-1">
                 <a:solidFill>
                   <a:srgbClr val="361309"/>
                 </a:solidFill>
@@ -10108,7 +11617,7 @@
               </a:rPr>
               <a:t>Golden,  Colorado</a:t>
             </a:r>
-            <a:endParaRPr b="0" lang="en-US" sz="3600" spc="-1" strike="noStrike">
+            <a:endParaRPr lang="en-US" sz="3600" b="0" strike="noStrike" spc="-1">
               <a:latin typeface="Arial"/>
             </a:endParaRPr>
           </a:p>
@@ -10116,12 +11625,12 @@
       </p:sp>
       <p:pic>
         <p:nvPicPr>
-          <p:cNvPr id="174" name="Picture 5" descr=""/>
+          <p:cNvPr id="174" name="Picture 5"/>
           <p:cNvPicPr/>
           <p:nvPr/>
         </p:nvPicPr>
         <p:blipFill>
-          <a:blip r:embed="rId1"/>
+          <a:blip r:embed="rId2"/>
           <a:stretch/>
         </p:blipFill>
         <p:spPr>
@@ -10157,30 +11666,39 @@
           </a:ln>
         </p:spPr>
         <p:style>
-          <a:lnRef idx="0"/>
-          <a:fillRef idx="0"/>
-          <a:effectRef idx="0"/>
+          <a:lnRef idx="0">
+            <a:scrgbClr r="0" g="0" b="0"/>
+          </a:lnRef>
+          <a:fillRef idx="0">
+            <a:scrgbClr r="0" g="0" b="0"/>
+          </a:fillRef>
+          <a:effectRef idx="0">
+            <a:scrgbClr r="0" g="0" b="0"/>
+          </a:effectRef>
           <a:fontRef idx="minor"/>
         </p:style>
       </p:sp>
     </p:spTree>
   </p:cSld>
+  <p:clrMapOvr>
+    <a:masterClrMapping/>
+  </p:clrMapOvr>
   <p:timing>
     <p:tnLst>
       <p:par>
-        <p:cTn id="13" dur="indefinite" restart="never" nodeType="tmRoot">
+        <p:cTn id="1" dur="indefinite" restart="never" nodeType="tmRoot">
           <p:childTnLst>
             <p:seq>
-              <p:cTn id="14" dur="indefinite" nodeType="mainSeq"/>
+              <p:cTn id="2" dur="indefinite" nodeType="mainSeq"/>
               <p:prevCondLst>
-                <p:cond delay="0" evt="onPrev">
+                <p:cond evt="onPrev" delay="0">
                   <p:tgtEl>
                     <p:sldTgt/>
                   </p:tgtEl>
                 </p:cond>
               </p:prevCondLst>
               <p:nextCondLst>
-                <p:cond delay="0" evt="onNext">
+                <p:cond evt="onNext" delay="0">
                   <p:tgtEl>
                     <p:sldTgt/>
                   </p:tgtEl>
@@ -10206,31 +11724,31 @@
         <a:sysClr val="window" lastClr="FFFFFF"/>
       </a:lt1>
       <a:dk2>
-        <a:srgbClr val="1f497d"/>
+        <a:srgbClr val="1F497D"/>
       </a:dk2>
       <a:lt2>
-        <a:srgbClr val="eeece1"/>
+        <a:srgbClr val="EEECE1"/>
       </a:lt2>
       <a:accent1>
-        <a:srgbClr val="4f81bd"/>
+        <a:srgbClr val="4F81BD"/>
       </a:accent1>
       <a:accent2>
-        <a:srgbClr val="c0504d"/>
+        <a:srgbClr val="C0504D"/>
       </a:accent2>
       <a:accent3>
-        <a:srgbClr val="9bbb59"/>
+        <a:srgbClr val="9BBB59"/>
       </a:accent3>
       <a:accent4>
-        <a:srgbClr val="8064a2"/>
+        <a:srgbClr val="8064A2"/>
       </a:accent4>
       <a:accent5>
-        <a:srgbClr val="4bacc6"/>
+        <a:srgbClr val="4BACC6"/>
       </a:accent5>
       <a:accent6>
-        <a:srgbClr val="f79646"/>
+        <a:srgbClr val="F79646"/>
       </a:accent6>
       <a:hlink>
-        <a:srgbClr val="0000ff"/>
+        <a:srgbClr val="0000FF"/>
       </a:hlink>
       <a:folHlink>
         <a:srgbClr val="800080"/>
@@ -10415,6 +11933,8 @@
       </a:bgFillStyleLst>
     </a:fmtScheme>
   </a:themeElements>
+  <a:objectDefaults/>
+  <a:extraClrSchemeLst/>
 </a:theme>
 </file>
 
@@ -10429,31 +11949,31 @@
         <a:sysClr val="window" lastClr="FFFFFF"/>
       </a:lt1>
       <a:dk2>
-        <a:srgbClr val="1f497d"/>
+        <a:srgbClr val="1F497D"/>
       </a:dk2>
       <a:lt2>
-        <a:srgbClr val="eeece1"/>
+        <a:srgbClr val="EEECE1"/>
       </a:lt2>
       <a:accent1>
-        <a:srgbClr val="4f81bd"/>
+        <a:srgbClr val="4F81BD"/>
       </a:accent1>
       <a:accent2>
-        <a:srgbClr val="c0504d"/>
+        <a:srgbClr val="C0504D"/>
       </a:accent2>
       <a:accent3>
-        <a:srgbClr val="9bbb59"/>
+        <a:srgbClr val="9BBB59"/>
       </a:accent3>
       <a:accent4>
-        <a:srgbClr val="8064a2"/>
+        <a:srgbClr val="8064A2"/>
       </a:accent4>
       <a:accent5>
-        <a:srgbClr val="4bacc6"/>
+        <a:srgbClr val="4BACC6"/>
       </a:accent5>
       <a:accent6>
-        <a:srgbClr val="f79646"/>
+        <a:srgbClr val="F79646"/>
       </a:accent6>
       <a:hlink>
-        <a:srgbClr val="0000ff"/>
+        <a:srgbClr val="0000FF"/>
       </a:hlink>
       <a:folHlink>
         <a:srgbClr val="800080"/>
@@ -10638,6 +12158,8 @@
       </a:bgFillStyleLst>
     </a:fmtScheme>
   </a:themeElements>
+  <a:objectDefaults/>
+  <a:extraClrSchemeLst/>
 </a:theme>
 </file>
 
@@ -10652,31 +12174,31 @@
         <a:sysClr val="window" lastClr="FFFFFF"/>
       </a:lt1>
       <a:dk2>
-        <a:srgbClr val="1f497d"/>
+        <a:srgbClr val="1F497D"/>
       </a:dk2>
       <a:lt2>
-        <a:srgbClr val="eeece1"/>
+        <a:srgbClr val="EEECE1"/>
       </a:lt2>
       <a:accent1>
-        <a:srgbClr val="4f81bd"/>
+        <a:srgbClr val="4F81BD"/>
       </a:accent1>
       <a:accent2>
-        <a:srgbClr val="c0504d"/>
+        <a:srgbClr val="C0504D"/>
       </a:accent2>
       <a:accent3>
-        <a:srgbClr val="9bbb59"/>
+        <a:srgbClr val="9BBB59"/>
       </a:accent3>
       <a:accent4>
-        <a:srgbClr val="8064a2"/>
+        <a:srgbClr val="8064A2"/>
       </a:accent4>
       <a:accent5>
-        <a:srgbClr val="4bacc6"/>
+        <a:srgbClr val="4BACC6"/>
       </a:accent5>
       <a:accent6>
-        <a:srgbClr val="f79646"/>
+        <a:srgbClr val="F79646"/>
       </a:accent6>
       <a:hlink>
-        <a:srgbClr val="0000ff"/>
+        <a:srgbClr val="0000FF"/>
       </a:hlink>
       <a:folHlink>
         <a:srgbClr val="800080"/>
@@ -10861,6 +12383,8 @@
       </a:bgFillStyleLst>
     </a:fmtScheme>
   </a:themeElements>
+  <a:objectDefaults/>
+  <a:extraClrSchemeLst/>
 </a:theme>
 </file>
 
@@ -10875,31 +12399,31 @@
         <a:sysClr val="window" lastClr="FFFFFF"/>
       </a:lt1>
       <a:dk2>
-        <a:srgbClr val="1f497d"/>
+        <a:srgbClr val="1F497D"/>
       </a:dk2>
       <a:lt2>
-        <a:srgbClr val="eeece1"/>
+        <a:srgbClr val="EEECE1"/>
       </a:lt2>
       <a:accent1>
-        <a:srgbClr val="4f81bd"/>
+        <a:srgbClr val="4F81BD"/>
       </a:accent1>
       <a:accent2>
-        <a:srgbClr val="c0504d"/>
+        <a:srgbClr val="C0504D"/>
       </a:accent2>
       <a:accent3>
-        <a:srgbClr val="9bbb59"/>
+        <a:srgbClr val="9BBB59"/>
       </a:accent3>
       <a:accent4>
-        <a:srgbClr val="8064a2"/>
+        <a:srgbClr val="8064A2"/>
       </a:accent4>
       <a:accent5>
-        <a:srgbClr val="4bacc6"/>
+        <a:srgbClr val="4BACC6"/>
       </a:accent5>
       <a:accent6>
-        <a:srgbClr val="f79646"/>
+        <a:srgbClr val="F79646"/>
       </a:accent6>
       <a:hlink>
-        <a:srgbClr val="0000ff"/>
+        <a:srgbClr val="0000FF"/>
       </a:hlink>
       <a:folHlink>
         <a:srgbClr val="800080"/>
@@ -11084,5 +12608,7 @@
       </a:bgFillStyleLst>
     </a:fmtScheme>
   </a:themeElements>
+  <a:objectDefaults/>
+  <a:extraClrSchemeLst/>
 </a:theme>
 </file>